--- a/SPL-1 Mid Presentation.pptx
+++ b/SPL-1 Mid Presentation.pptx
@@ -2,7 +2,7 @@
 <file path=ppt/presentation.xml><?xml version="1.0" encoding="utf-8"?>
 <p:presentation xmlns:a="http://schemas.openxmlformats.org/drawingml/2006/main" xmlns:r="http://schemas.openxmlformats.org/officeDocument/2006/relationships" xmlns:p="http://schemas.openxmlformats.org/presentationml/2006/main" saveSubsetFonts="1">
   <p:sldMasterIdLst>
-    <p:sldMasterId id="2147483796" r:id="rId1"/>
+    <p:sldMasterId id="2147483970" r:id="rId1"/>
   </p:sldMasterIdLst>
   <p:sldIdLst>
     <p:sldId id="256" r:id="rId2"/>
@@ -112,6 +112,11 @@
       </a:defRPr>
     </a:lvl9pPr>
   </p:defaultTextStyle>
+  <p:extLst>
+    <p:ext uri="{EFAFB233-063F-42B5-8137-9DF3F51BA10A}">
+      <p15:sldGuideLst xmlns:p15="http://schemas.microsoft.com/office/powerpoint/2012/main"/>
+    </p:ext>
+  </p:extLst>
 </p:presentation>
 </file>
 
@@ -132,6 +137,536 @@
           <a:chExt cx="0" cy="0"/>
         </a:xfrm>
       </p:grpSpPr>
+      <p:grpSp>
+        <p:nvGrpSpPr>
+          <p:cNvPr id="7" name="Group 6"/>
+          <p:cNvGrpSpPr/>
+          <p:nvPr/>
+        </p:nvGrpSpPr>
+        <p:grpSpPr>
+          <a:xfrm>
+            <a:off x="0" y="-8467"/>
+            <a:ext cx="12192000" cy="6866467"/>
+            <a:chOff x="0" y="-8467"/>
+            <a:chExt cx="12192000" cy="6866467"/>
+          </a:xfrm>
+        </p:grpSpPr>
+        <p:cxnSp>
+          <p:nvCxnSpPr>
+            <p:cNvPr id="32" name="Straight Connector 31"/>
+            <p:cNvCxnSpPr/>
+            <p:nvPr/>
+          </p:nvCxnSpPr>
+          <p:spPr>
+            <a:xfrm>
+              <a:off x="9371012" y="0"/>
+              <a:ext cx="1219200" cy="6858000"/>
+            </a:xfrm>
+            <a:prstGeom prst="line">
+              <a:avLst/>
+            </a:prstGeom>
+            <a:ln w="9525">
+              <a:solidFill>
+                <a:schemeClr val="bg1">
+                  <a:lumMod val="75000"/>
+                </a:schemeClr>
+              </a:solidFill>
+            </a:ln>
+          </p:spPr>
+          <p:style>
+            <a:lnRef idx="2">
+              <a:schemeClr val="accent1"/>
+            </a:lnRef>
+            <a:fillRef idx="0">
+              <a:schemeClr val="accent1"/>
+            </a:fillRef>
+            <a:effectRef idx="1">
+              <a:schemeClr val="accent1"/>
+            </a:effectRef>
+            <a:fontRef idx="minor">
+              <a:schemeClr val="tx1"/>
+            </a:fontRef>
+          </p:style>
+        </p:cxnSp>
+        <p:cxnSp>
+          <p:nvCxnSpPr>
+            <p:cNvPr id="21" name="Straight Connector 20"/>
+            <p:cNvCxnSpPr/>
+            <p:nvPr/>
+          </p:nvCxnSpPr>
+          <p:spPr>
+            <a:xfrm flipH="1">
+              <a:off x="7425267" y="3681413"/>
+              <a:ext cx="4763558" cy="3176587"/>
+            </a:xfrm>
+            <a:prstGeom prst="line">
+              <a:avLst/>
+            </a:prstGeom>
+            <a:ln w="9525">
+              <a:solidFill>
+                <a:schemeClr val="bg1">
+                  <a:lumMod val="85000"/>
+                </a:schemeClr>
+              </a:solidFill>
+            </a:ln>
+          </p:spPr>
+          <p:style>
+            <a:lnRef idx="2">
+              <a:schemeClr val="accent1"/>
+            </a:lnRef>
+            <a:fillRef idx="0">
+              <a:schemeClr val="accent1"/>
+            </a:fillRef>
+            <a:effectRef idx="1">
+              <a:schemeClr val="accent1"/>
+            </a:effectRef>
+            <a:fontRef idx="minor">
+              <a:schemeClr val="tx1"/>
+            </a:fontRef>
+          </p:style>
+        </p:cxnSp>
+        <p:sp>
+          <p:nvSpPr>
+            <p:cNvPr id="24" name="Rectangle 23"/>
+            <p:cNvSpPr/>
+            <p:nvPr/>
+          </p:nvSpPr>
+          <p:spPr>
+            <a:xfrm>
+              <a:off x="9181476" y="-8467"/>
+              <a:ext cx="3007349" cy="6866467"/>
+            </a:xfrm>
+            <a:custGeom>
+              <a:avLst/>
+              <a:gdLst/>
+              <a:ahLst/>
+              <a:cxnLst/>
+              <a:rect l="l" t="t" r="r" b="b"/>
+              <a:pathLst>
+                <a:path w="3007349" h="6866467">
+                  <a:moveTo>
+                    <a:pt x="2045532" y="0"/>
+                  </a:moveTo>
+                  <a:lnTo>
+                    <a:pt x="3007349" y="0"/>
+                  </a:lnTo>
+                  <a:lnTo>
+                    <a:pt x="3007349" y="6866467"/>
+                  </a:lnTo>
+                  <a:lnTo>
+                    <a:pt x="0" y="6866467"/>
+                  </a:lnTo>
+                  <a:lnTo>
+                    <a:pt x="2045532" y="0"/>
+                  </a:lnTo>
+                  <a:close/>
+                </a:path>
+              </a:pathLst>
+            </a:custGeom>
+            <a:solidFill>
+              <a:schemeClr val="accent1">
+                <a:alpha val="30000"/>
+              </a:schemeClr>
+            </a:solidFill>
+            <a:ln>
+              <a:noFill/>
+            </a:ln>
+            <a:effectLst/>
+          </p:spPr>
+          <p:style>
+            <a:lnRef idx="1">
+              <a:schemeClr val="accent1"/>
+            </a:lnRef>
+            <a:fillRef idx="3">
+              <a:schemeClr val="accent1"/>
+            </a:fillRef>
+            <a:effectRef idx="2">
+              <a:schemeClr val="accent1"/>
+            </a:effectRef>
+            <a:fontRef idx="minor">
+              <a:schemeClr val="lt1"/>
+            </a:fontRef>
+          </p:style>
+        </p:sp>
+        <p:sp>
+          <p:nvSpPr>
+            <p:cNvPr id="26" name="Rectangle 25"/>
+            <p:cNvSpPr/>
+            <p:nvPr/>
+          </p:nvSpPr>
+          <p:spPr>
+            <a:xfrm>
+              <a:off x="9603442" y="-8467"/>
+              <a:ext cx="2588558" cy="6866467"/>
+            </a:xfrm>
+            <a:custGeom>
+              <a:avLst/>
+              <a:gdLst/>
+              <a:ahLst/>
+              <a:cxnLst/>
+              <a:rect l="l" t="t" r="r" b="b"/>
+              <a:pathLst>
+                <a:path w="2573311" h="6866467">
+                  <a:moveTo>
+                    <a:pt x="0" y="0"/>
+                  </a:moveTo>
+                  <a:lnTo>
+                    <a:pt x="2573311" y="0"/>
+                  </a:lnTo>
+                  <a:lnTo>
+                    <a:pt x="2573311" y="6866467"/>
+                  </a:lnTo>
+                  <a:lnTo>
+                    <a:pt x="1202336" y="6866467"/>
+                  </a:lnTo>
+                  <a:lnTo>
+                    <a:pt x="0" y="0"/>
+                  </a:lnTo>
+                  <a:close/>
+                </a:path>
+              </a:pathLst>
+            </a:custGeom>
+            <a:solidFill>
+              <a:schemeClr val="accent1">
+                <a:alpha val="20000"/>
+              </a:schemeClr>
+            </a:solidFill>
+            <a:ln>
+              <a:noFill/>
+            </a:ln>
+            <a:effectLst/>
+          </p:spPr>
+          <p:style>
+            <a:lnRef idx="1">
+              <a:schemeClr val="accent1"/>
+            </a:lnRef>
+            <a:fillRef idx="3">
+              <a:schemeClr val="accent1"/>
+            </a:fillRef>
+            <a:effectRef idx="2">
+              <a:schemeClr val="accent1"/>
+            </a:effectRef>
+            <a:fontRef idx="minor">
+              <a:schemeClr val="lt1"/>
+            </a:fontRef>
+          </p:style>
+        </p:sp>
+        <p:sp>
+          <p:nvSpPr>
+            <p:cNvPr id="27" name="Isosceles Triangle 26"/>
+            <p:cNvSpPr/>
+            <p:nvPr/>
+          </p:nvSpPr>
+          <p:spPr>
+            <a:xfrm>
+              <a:off x="8932333" y="3048000"/>
+              <a:ext cx="3259667" cy="3810000"/>
+            </a:xfrm>
+            <a:prstGeom prst="triangle">
+              <a:avLst>
+                <a:gd name="adj" fmla="val 100000"/>
+              </a:avLst>
+            </a:prstGeom>
+            <a:solidFill>
+              <a:schemeClr val="accent2">
+                <a:alpha val="72000"/>
+              </a:schemeClr>
+            </a:solidFill>
+            <a:ln>
+              <a:noFill/>
+            </a:ln>
+            <a:effectLst/>
+          </p:spPr>
+          <p:style>
+            <a:lnRef idx="1">
+              <a:schemeClr val="accent1"/>
+            </a:lnRef>
+            <a:fillRef idx="3">
+              <a:schemeClr val="accent1"/>
+            </a:fillRef>
+            <a:effectRef idx="2">
+              <a:schemeClr val="accent1"/>
+            </a:effectRef>
+            <a:fontRef idx="minor">
+              <a:schemeClr val="lt1"/>
+            </a:fontRef>
+          </p:style>
+        </p:sp>
+        <p:sp>
+          <p:nvSpPr>
+            <p:cNvPr id="28" name="Rectangle 27"/>
+            <p:cNvSpPr/>
+            <p:nvPr/>
+          </p:nvSpPr>
+          <p:spPr>
+            <a:xfrm>
+              <a:off x="9334500" y="-8467"/>
+              <a:ext cx="2854326" cy="6866467"/>
+            </a:xfrm>
+            <a:custGeom>
+              <a:avLst/>
+              <a:gdLst/>
+              <a:ahLst/>
+              <a:cxnLst/>
+              <a:rect l="l" t="t" r="r" b="b"/>
+              <a:pathLst>
+                <a:path w="2858013" h="6866467">
+                  <a:moveTo>
+                    <a:pt x="0" y="0"/>
+                  </a:moveTo>
+                  <a:lnTo>
+                    <a:pt x="2858013" y="0"/>
+                  </a:lnTo>
+                  <a:lnTo>
+                    <a:pt x="2858013" y="6866467"/>
+                  </a:lnTo>
+                  <a:lnTo>
+                    <a:pt x="2473942" y="6866467"/>
+                  </a:lnTo>
+                  <a:lnTo>
+                    <a:pt x="0" y="0"/>
+                  </a:lnTo>
+                  <a:close/>
+                </a:path>
+              </a:pathLst>
+            </a:custGeom>
+            <a:solidFill>
+              <a:schemeClr val="accent2">
+                <a:lumMod val="75000"/>
+                <a:alpha val="70000"/>
+              </a:schemeClr>
+            </a:solidFill>
+            <a:ln>
+              <a:noFill/>
+            </a:ln>
+            <a:effectLst/>
+          </p:spPr>
+          <p:style>
+            <a:lnRef idx="1">
+              <a:schemeClr val="accent1"/>
+            </a:lnRef>
+            <a:fillRef idx="3">
+              <a:schemeClr val="accent1"/>
+            </a:fillRef>
+            <a:effectRef idx="2">
+              <a:schemeClr val="accent1"/>
+            </a:effectRef>
+            <a:fontRef idx="minor">
+              <a:schemeClr val="lt1"/>
+            </a:fontRef>
+          </p:style>
+        </p:sp>
+        <p:sp>
+          <p:nvSpPr>
+            <p:cNvPr id="29" name="Rectangle 28"/>
+            <p:cNvSpPr/>
+            <p:nvPr/>
+          </p:nvSpPr>
+          <p:spPr>
+            <a:xfrm>
+              <a:off x="10898730" y="-8467"/>
+              <a:ext cx="1290094" cy="6866467"/>
+            </a:xfrm>
+            <a:custGeom>
+              <a:avLst/>
+              <a:gdLst/>
+              <a:ahLst/>
+              <a:cxnLst/>
+              <a:rect l="l" t="t" r="r" b="b"/>
+              <a:pathLst>
+                <a:path w="1290094" h="6858000">
+                  <a:moveTo>
+                    <a:pt x="1019735" y="0"/>
+                  </a:moveTo>
+                  <a:lnTo>
+                    <a:pt x="1290094" y="0"/>
+                  </a:lnTo>
+                  <a:lnTo>
+                    <a:pt x="1290094" y="6858000"/>
+                  </a:lnTo>
+                  <a:lnTo>
+                    <a:pt x="0" y="6858000"/>
+                  </a:lnTo>
+                  <a:lnTo>
+                    <a:pt x="1019735" y="0"/>
+                  </a:lnTo>
+                  <a:close/>
+                </a:path>
+              </a:pathLst>
+            </a:custGeom>
+            <a:solidFill>
+              <a:schemeClr val="accent1">
+                <a:lumMod val="60000"/>
+                <a:lumOff val="40000"/>
+                <a:alpha val="70000"/>
+              </a:schemeClr>
+            </a:solidFill>
+            <a:ln>
+              <a:noFill/>
+            </a:ln>
+            <a:effectLst/>
+          </p:spPr>
+          <p:style>
+            <a:lnRef idx="1">
+              <a:schemeClr val="accent1"/>
+            </a:lnRef>
+            <a:fillRef idx="3">
+              <a:schemeClr val="accent1"/>
+            </a:fillRef>
+            <a:effectRef idx="2">
+              <a:schemeClr val="accent1"/>
+            </a:effectRef>
+            <a:fontRef idx="minor">
+              <a:schemeClr val="lt1"/>
+            </a:fontRef>
+          </p:style>
+        </p:sp>
+        <p:sp>
+          <p:nvSpPr>
+            <p:cNvPr id="30" name="Rectangle 29"/>
+            <p:cNvSpPr/>
+            <p:nvPr/>
+          </p:nvSpPr>
+          <p:spPr>
+            <a:xfrm>
+              <a:off x="10938999" y="-8467"/>
+              <a:ext cx="1249825" cy="6866467"/>
+            </a:xfrm>
+            <a:custGeom>
+              <a:avLst/>
+              <a:gdLst/>
+              <a:ahLst/>
+              <a:cxnLst/>
+              <a:rect l="l" t="t" r="r" b="b"/>
+              <a:pathLst>
+                <a:path w="1249825" h="6858000">
+                  <a:moveTo>
+                    <a:pt x="0" y="0"/>
+                  </a:moveTo>
+                  <a:lnTo>
+                    <a:pt x="1249825" y="0"/>
+                  </a:lnTo>
+                  <a:lnTo>
+                    <a:pt x="1249825" y="6858000"/>
+                  </a:lnTo>
+                  <a:lnTo>
+                    <a:pt x="1109382" y="6858000"/>
+                  </a:lnTo>
+                  <a:lnTo>
+                    <a:pt x="0" y="0"/>
+                  </a:lnTo>
+                  <a:close/>
+                </a:path>
+              </a:pathLst>
+            </a:custGeom>
+            <a:solidFill>
+              <a:schemeClr val="accent1">
+                <a:alpha val="65000"/>
+              </a:schemeClr>
+            </a:solidFill>
+            <a:ln>
+              <a:noFill/>
+            </a:ln>
+            <a:effectLst/>
+          </p:spPr>
+          <p:style>
+            <a:lnRef idx="1">
+              <a:schemeClr val="accent1"/>
+            </a:lnRef>
+            <a:fillRef idx="3">
+              <a:schemeClr val="accent1"/>
+            </a:fillRef>
+            <a:effectRef idx="2">
+              <a:schemeClr val="accent1"/>
+            </a:effectRef>
+            <a:fontRef idx="minor">
+              <a:schemeClr val="lt1"/>
+            </a:fontRef>
+          </p:style>
+        </p:sp>
+        <p:sp>
+          <p:nvSpPr>
+            <p:cNvPr id="31" name="Isosceles Triangle 30"/>
+            <p:cNvSpPr/>
+            <p:nvPr/>
+          </p:nvSpPr>
+          <p:spPr>
+            <a:xfrm>
+              <a:off x="10371666" y="3589867"/>
+              <a:ext cx="1817159" cy="3268133"/>
+            </a:xfrm>
+            <a:prstGeom prst="triangle">
+              <a:avLst>
+                <a:gd name="adj" fmla="val 100000"/>
+              </a:avLst>
+            </a:prstGeom>
+            <a:solidFill>
+              <a:schemeClr val="accent1">
+                <a:alpha val="80000"/>
+              </a:schemeClr>
+            </a:solidFill>
+            <a:ln>
+              <a:noFill/>
+            </a:ln>
+            <a:effectLst/>
+          </p:spPr>
+          <p:style>
+            <a:lnRef idx="1">
+              <a:schemeClr val="accent1"/>
+            </a:lnRef>
+            <a:fillRef idx="3">
+              <a:schemeClr val="accent1"/>
+            </a:fillRef>
+            <a:effectRef idx="2">
+              <a:schemeClr val="accent1"/>
+            </a:effectRef>
+            <a:fontRef idx="minor">
+              <a:schemeClr val="lt1"/>
+            </a:fontRef>
+          </p:style>
+        </p:sp>
+        <p:sp>
+          <p:nvSpPr>
+            <p:cNvPr id="19" name="Isosceles Triangle 18"/>
+            <p:cNvSpPr/>
+            <p:nvPr/>
+          </p:nvSpPr>
+          <p:spPr>
+            <a:xfrm rot="10800000">
+              <a:off x="0" y="0"/>
+              <a:ext cx="842596" cy="5666154"/>
+            </a:xfrm>
+            <a:prstGeom prst="triangle">
+              <a:avLst>
+                <a:gd name="adj" fmla="val 100000"/>
+              </a:avLst>
+            </a:prstGeom>
+            <a:solidFill>
+              <a:schemeClr val="accent1">
+                <a:alpha val="85000"/>
+              </a:schemeClr>
+            </a:solidFill>
+            <a:ln>
+              <a:noFill/>
+            </a:ln>
+            <a:effectLst/>
+          </p:spPr>
+          <p:style>
+            <a:lnRef idx="1">
+              <a:schemeClr val="accent1"/>
+            </a:lnRef>
+            <a:fillRef idx="3">
+              <a:schemeClr val="accent1"/>
+            </a:fillRef>
+            <a:effectRef idx="2">
+              <a:schemeClr val="accent1"/>
+            </a:effectRef>
+            <a:fontRef idx="minor">
+              <a:schemeClr val="lt1"/>
+            </a:fontRef>
+          </p:style>
+        </p:sp>
+      </p:grpSp>
       <p:sp>
         <p:nvSpPr>
           <p:cNvPr id="2" name="Title 1"/>
@@ -144,17 +679,21 @@
         </p:nvSpPr>
         <p:spPr>
           <a:xfrm>
-            <a:off x="1595269" y="1122363"/>
-            <a:ext cx="9001462" cy="2387600"/>
+            <a:off x="1507067" y="2404534"/>
+            <a:ext cx="7766936" cy="1646302"/>
           </a:xfrm>
         </p:spPr>
         <p:txBody>
           <a:bodyPr anchor="b">
-            <a:normAutofit/>
+            <a:noAutofit/>
           </a:bodyPr>
           <a:lstStyle>
-            <a:lvl1pPr algn="ctr">
-              <a:defRPr sz="4800"/>
+            <a:lvl1pPr algn="r">
+              <a:defRPr sz="5400">
+                <a:solidFill>
+                  <a:schemeClr val="accent1"/>
+                </a:solidFill>
+              </a:defRPr>
             </a:lvl1pPr>
           </a:lstStyle>
           <a:p>
@@ -178,48 +717,103 @@
         </p:nvSpPr>
         <p:spPr>
           <a:xfrm>
-            <a:off x="1595269" y="3602038"/>
-            <a:ext cx="9001462" cy="1655762"/>
-          </a:xfrm>
-        </p:spPr>
-        <p:txBody>
-          <a:bodyPr/>
+            <a:off x="1507067" y="4050833"/>
+            <a:ext cx="7766936" cy="1096899"/>
+          </a:xfrm>
+        </p:spPr>
+        <p:txBody>
+          <a:bodyPr anchor="t"/>
           <a:lstStyle>
-            <a:lvl1pPr marL="0" indent="0" algn="ctr">
-              <a:buNone/>
-              <a:defRPr sz="2400"/>
+            <a:lvl1pPr marL="0" indent="0" algn="r">
+              <a:buNone/>
+              <a:defRPr>
+                <a:solidFill>
+                  <a:schemeClr val="tx1">
+                    <a:lumMod val="50000"/>
+                    <a:lumOff val="50000"/>
+                  </a:schemeClr>
+                </a:solidFill>
+              </a:defRPr>
             </a:lvl1pPr>
             <a:lvl2pPr marL="457200" indent="0" algn="ctr">
               <a:buNone/>
-              <a:defRPr sz="2000"/>
+              <a:defRPr>
+                <a:solidFill>
+                  <a:schemeClr val="tx1">
+                    <a:tint val="75000"/>
+                  </a:schemeClr>
+                </a:solidFill>
+              </a:defRPr>
             </a:lvl2pPr>
             <a:lvl3pPr marL="914400" indent="0" algn="ctr">
               <a:buNone/>
-              <a:defRPr sz="1800"/>
+              <a:defRPr>
+                <a:solidFill>
+                  <a:schemeClr val="tx1">
+                    <a:tint val="75000"/>
+                  </a:schemeClr>
+                </a:solidFill>
+              </a:defRPr>
             </a:lvl3pPr>
             <a:lvl4pPr marL="1371600" indent="0" algn="ctr">
               <a:buNone/>
-              <a:defRPr sz="1600"/>
+              <a:defRPr>
+                <a:solidFill>
+                  <a:schemeClr val="tx1">
+                    <a:tint val="75000"/>
+                  </a:schemeClr>
+                </a:solidFill>
+              </a:defRPr>
             </a:lvl4pPr>
             <a:lvl5pPr marL="1828800" indent="0" algn="ctr">
               <a:buNone/>
-              <a:defRPr sz="1600"/>
+              <a:defRPr>
+                <a:solidFill>
+                  <a:schemeClr val="tx1">
+                    <a:tint val="75000"/>
+                  </a:schemeClr>
+                </a:solidFill>
+              </a:defRPr>
             </a:lvl5pPr>
             <a:lvl6pPr marL="2286000" indent="0" algn="ctr">
               <a:buNone/>
-              <a:defRPr sz="1600"/>
+              <a:defRPr>
+                <a:solidFill>
+                  <a:schemeClr val="tx1">
+                    <a:tint val="75000"/>
+                  </a:schemeClr>
+                </a:solidFill>
+              </a:defRPr>
             </a:lvl6pPr>
             <a:lvl7pPr marL="2743200" indent="0" algn="ctr">
               <a:buNone/>
-              <a:defRPr sz="1600"/>
+              <a:defRPr>
+                <a:solidFill>
+                  <a:schemeClr val="tx1">
+                    <a:tint val="75000"/>
+                  </a:schemeClr>
+                </a:solidFill>
+              </a:defRPr>
             </a:lvl7pPr>
             <a:lvl8pPr marL="3200400" indent="0" algn="ctr">
               <a:buNone/>
-              <a:defRPr sz="1600"/>
+              <a:defRPr>
+                <a:solidFill>
+                  <a:schemeClr val="tx1">
+                    <a:tint val="75000"/>
+                  </a:schemeClr>
+                </a:solidFill>
+              </a:defRPr>
             </a:lvl8pPr>
             <a:lvl9pPr marL="3657600" indent="0" algn="ctr">
               <a:buNone/>
-              <a:defRPr sz="1600"/>
+              <a:defRPr>
+                <a:solidFill>
+                  <a:schemeClr val="tx1">
+                    <a:tint val="75000"/>
+                  </a:schemeClr>
+                </a:solidFill>
+              </a:defRPr>
             </a:lvl9pPr>
           </a:lstStyle>
           <a:p>
@@ -248,7 +842,7 @@
           <a:p>
             <a:fld id="{25E87A1C-2017-4D7B-8BCE-8BECB9EF8580}" type="datetimeFigureOut">
               <a:rPr lang="en-US" smtClean="0"/>
-              <a:t>9/8/2023</a:t>
+              <a:t>9/9/2023</a:t>
             </a:fld>
             <a:endParaRPr lang="en-US"/>
           </a:p>
@@ -299,7 +893,7 @@
     </p:spTree>
     <p:extLst>
       <p:ext uri="{BB962C8B-B14F-4D97-AF65-F5344CB8AC3E}">
-        <p14:creationId xmlns:p14="http://schemas.microsoft.com/office/powerpoint/2010/main" val="598696025"/>
+        <p14:creationId xmlns:p14="http://schemas.microsoft.com/office/powerpoint/2010/main" val="4061380684"/>
       </p:ext>
     </p:extLst>
   </p:cSld>
@@ -310,293 +904,6 @@
 </file>
 
 <file path=ppt/slideLayouts/slideLayout10.xml><?xml version="1.0" encoding="utf-8"?>
-<p:sldLayout xmlns:a="http://schemas.openxmlformats.org/drawingml/2006/main" xmlns:r="http://schemas.openxmlformats.org/officeDocument/2006/relationships" xmlns:p="http://schemas.openxmlformats.org/presentationml/2006/main" preserve="1">
-  <p:cSld name="Panoramic Picture with Caption">
-    <p:spTree>
-      <p:nvGrpSpPr>
-        <p:cNvPr id="1" name=""/>
-        <p:cNvGrpSpPr/>
-        <p:nvPr/>
-      </p:nvGrpSpPr>
-      <p:grpSpPr>
-        <a:xfrm>
-          <a:off x="0" y="0"/>
-          <a:ext cx="0" cy="0"/>
-          <a:chOff x="0" y="0"/>
-          <a:chExt cx="0" cy="0"/>
-        </a:xfrm>
-      </p:grpSpPr>
-      <p:sp>
-        <p:nvSpPr>
-          <p:cNvPr id="2" name="Title 1"/>
-          <p:cNvSpPr>
-            <a:spLocks noGrp="1"/>
-          </p:cNvSpPr>
-          <p:nvPr>
-            <p:ph type="title"/>
-          </p:nvPr>
-        </p:nvSpPr>
-        <p:spPr>
-          <a:xfrm>
-            <a:off x="913806" y="4289372"/>
-            <a:ext cx="10367564" cy="819355"/>
-          </a:xfrm>
-        </p:spPr>
-        <p:txBody>
-          <a:bodyPr anchor="b">
-            <a:normAutofit/>
-          </a:bodyPr>
-          <a:lstStyle>
-            <a:lvl1pPr>
-              <a:defRPr sz="2800"/>
-            </a:lvl1pPr>
-          </a:lstStyle>
-          <a:p>
-            <a:r>
-              <a:rPr lang="en-US"/>
-              <a:t>Click to edit Master title style</a:t>
-            </a:r>
-            <a:endParaRPr lang="en-US" dirty="0"/>
-          </a:p>
-        </p:txBody>
-      </p:sp>
-      <p:sp>
-        <p:nvSpPr>
-          <p:cNvPr id="3" name="Picture Placeholder 2"/>
-          <p:cNvSpPr>
-            <a:spLocks noGrp="1" noChangeAspect="1"/>
-          </p:cNvSpPr>
-          <p:nvPr>
-            <p:ph type="pic" idx="1"/>
-          </p:nvPr>
-        </p:nvSpPr>
-        <p:spPr>
-          <a:xfrm>
-            <a:off x="913806" y="621321"/>
-            <a:ext cx="10367564" cy="3379735"/>
-          </a:xfrm>
-          <a:noFill/>
-          <a:ln w="190500" cap="sq">
-            <a:solidFill>
-              <a:srgbClr val="FFFFFF"/>
-            </a:solidFill>
-            <a:miter lim="800000"/>
-          </a:ln>
-          <a:effectLst>
-            <a:outerShdw blurRad="55000" dist="18000" dir="5400000" algn="tl" rotWithShape="0">
-              <a:srgbClr val="000000">
-                <a:alpha val="40000"/>
-              </a:srgbClr>
-            </a:outerShdw>
-          </a:effectLst>
-          <a:scene3d>
-            <a:camera prst="orthographicFront"/>
-            <a:lightRig rig="twoPt" dir="t">
-              <a:rot lat="0" lon="0" rev="7200000"/>
-            </a:lightRig>
-          </a:scene3d>
-          <a:sp3d>
-            <a:bevelT w="25400" h="19050"/>
-            <a:contourClr>
-              <a:srgbClr val="FFFFFF"/>
-            </a:contourClr>
-          </a:sp3d>
-        </p:spPr>
-        <p:txBody>
-          <a:bodyPr anchor="t"/>
-          <a:lstStyle>
-            <a:lvl1pPr marL="0" indent="0" algn="ctr">
-              <a:buNone/>
-              <a:defRPr sz="3200"/>
-            </a:lvl1pPr>
-            <a:lvl2pPr marL="457200" indent="0">
-              <a:buNone/>
-              <a:defRPr sz="2800"/>
-            </a:lvl2pPr>
-            <a:lvl3pPr marL="914400" indent="0">
-              <a:buNone/>
-              <a:defRPr sz="2400"/>
-            </a:lvl3pPr>
-            <a:lvl4pPr marL="1371600" indent="0">
-              <a:buNone/>
-              <a:defRPr sz="2000"/>
-            </a:lvl4pPr>
-            <a:lvl5pPr marL="1828800" indent="0">
-              <a:buNone/>
-              <a:defRPr sz="2000"/>
-            </a:lvl5pPr>
-            <a:lvl6pPr marL="2286000" indent="0">
-              <a:buNone/>
-              <a:defRPr sz="2000"/>
-            </a:lvl6pPr>
-            <a:lvl7pPr marL="2743200" indent="0">
-              <a:buNone/>
-              <a:defRPr sz="2000"/>
-            </a:lvl7pPr>
-            <a:lvl8pPr marL="3200400" indent="0">
-              <a:buNone/>
-              <a:defRPr sz="2000"/>
-            </a:lvl8pPr>
-            <a:lvl9pPr marL="3657600" indent="0">
-              <a:buNone/>
-              <a:defRPr sz="2000"/>
-            </a:lvl9pPr>
-          </a:lstStyle>
-          <a:p>
-            <a:r>
-              <a:rPr lang="en-US"/>
-              <a:t>Click icon to add picture</a:t>
-            </a:r>
-            <a:endParaRPr lang="en-US" dirty="0"/>
-          </a:p>
-        </p:txBody>
-      </p:sp>
-      <p:sp>
-        <p:nvSpPr>
-          <p:cNvPr id="4" name="Text Placeholder 3"/>
-          <p:cNvSpPr>
-            <a:spLocks noGrp="1"/>
-          </p:cNvSpPr>
-          <p:nvPr>
-            <p:ph type="body" sz="half" idx="2"/>
-          </p:nvPr>
-        </p:nvSpPr>
-        <p:spPr>
-          <a:xfrm>
-            <a:off x="913795" y="5108728"/>
-            <a:ext cx="10365998" cy="682472"/>
-          </a:xfrm>
-        </p:spPr>
-        <p:txBody>
-          <a:bodyPr>
-            <a:normAutofit/>
-          </a:bodyPr>
-          <a:lstStyle>
-            <a:lvl1pPr marL="0" indent="0" algn="ctr">
-              <a:buNone/>
-              <a:defRPr sz="1800"/>
-            </a:lvl1pPr>
-            <a:lvl2pPr marL="457200" indent="0">
-              <a:buNone/>
-              <a:defRPr sz="1400"/>
-            </a:lvl2pPr>
-            <a:lvl3pPr marL="914400" indent="0">
-              <a:buNone/>
-              <a:defRPr sz="1200"/>
-            </a:lvl3pPr>
-            <a:lvl4pPr marL="1371600" indent="0">
-              <a:buNone/>
-              <a:defRPr sz="1000"/>
-            </a:lvl4pPr>
-            <a:lvl5pPr marL="1828800" indent="0">
-              <a:buNone/>
-              <a:defRPr sz="1000"/>
-            </a:lvl5pPr>
-            <a:lvl6pPr marL="2286000" indent="0">
-              <a:buNone/>
-              <a:defRPr sz="1000"/>
-            </a:lvl6pPr>
-            <a:lvl7pPr marL="2743200" indent="0">
-              <a:buNone/>
-              <a:defRPr sz="1000"/>
-            </a:lvl7pPr>
-            <a:lvl8pPr marL="3200400" indent="0">
-              <a:buNone/>
-              <a:defRPr sz="1000"/>
-            </a:lvl8pPr>
-            <a:lvl9pPr marL="3657600" indent="0">
-              <a:buNone/>
-              <a:defRPr sz="1000"/>
-            </a:lvl9pPr>
-          </a:lstStyle>
-          <a:p>
-            <a:pPr lvl="0"/>
-            <a:r>
-              <a:rPr lang="en-US"/>
-              <a:t>Click to edit Master text styles</a:t>
-            </a:r>
-          </a:p>
-        </p:txBody>
-      </p:sp>
-      <p:sp>
-        <p:nvSpPr>
-          <p:cNvPr id="5" name="Date Placeholder 4"/>
-          <p:cNvSpPr>
-            <a:spLocks noGrp="1"/>
-          </p:cNvSpPr>
-          <p:nvPr>
-            <p:ph type="dt" sz="half" idx="10"/>
-          </p:nvPr>
-        </p:nvSpPr>
-        <p:spPr/>
-        <p:txBody>
-          <a:bodyPr/>
-          <a:lstStyle/>
-          <a:p>
-            <a:fld id="{25E87A1C-2017-4D7B-8BCE-8BECB9EF8580}" type="datetimeFigureOut">
-              <a:rPr lang="en-US" smtClean="0"/>
-              <a:t>9/8/2023</a:t>
-            </a:fld>
-            <a:endParaRPr lang="en-US"/>
-          </a:p>
-        </p:txBody>
-      </p:sp>
-      <p:sp>
-        <p:nvSpPr>
-          <p:cNvPr id="6" name="Footer Placeholder 5"/>
-          <p:cNvSpPr>
-            <a:spLocks noGrp="1"/>
-          </p:cNvSpPr>
-          <p:nvPr>
-            <p:ph type="ftr" sz="quarter" idx="11"/>
-          </p:nvPr>
-        </p:nvSpPr>
-        <p:spPr/>
-        <p:txBody>
-          <a:bodyPr/>
-          <a:lstStyle/>
-          <a:p>
-            <a:endParaRPr lang="en-US"/>
-          </a:p>
-        </p:txBody>
-      </p:sp>
-      <p:sp>
-        <p:nvSpPr>
-          <p:cNvPr id="7" name="Slide Number Placeholder 6"/>
-          <p:cNvSpPr>
-            <a:spLocks noGrp="1"/>
-          </p:cNvSpPr>
-          <p:nvPr>
-            <p:ph type="sldNum" sz="quarter" idx="12"/>
-          </p:nvPr>
-        </p:nvSpPr>
-        <p:spPr/>
-        <p:txBody>
-          <a:bodyPr/>
-          <a:lstStyle/>
-          <a:p>
-            <a:fld id="{702D6640-3B58-4065-AB72-F0CFC69DBC35}" type="slidenum">
-              <a:rPr lang="en-US" smtClean="0"/>
-              <a:t>‹#›</a:t>
-            </a:fld>
-            <a:endParaRPr lang="en-US"/>
-          </a:p>
-        </p:txBody>
-      </p:sp>
-    </p:spTree>
-    <p:extLst>
-      <p:ext uri="{BB962C8B-B14F-4D97-AF65-F5344CB8AC3E}">
-        <p14:creationId xmlns:p14="http://schemas.microsoft.com/office/powerpoint/2010/main" val="4038534775"/>
-      </p:ext>
-    </p:extLst>
-  </p:cSld>
-  <p:clrMapOvr>
-    <a:masterClrMapping/>
-  </p:clrMapOvr>
-</p:sldLayout>
-</file>
-
-<file path=ppt/slideLayouts/slideLayout11.xml><?xml version="1.0" encoding="utf-8"?>
 <p:sldLayout xmlns:a="http://schemas.openxmlformats.org/drawingml/2006/main" xmlns:r="http://schemas.openxmlformats.org/officeDocument/2006/relationships" xmlns:p="http://schemas.openxmlformats.org/presentationml/2006/main" preserve="1">
   <p:cSld name="Title and Caption">
     <p:spTree>
@@ -625,15 +932,17 @@
         </p:nvSpPr>
         <p:spPr>
           <a:xfrm>
-            <a:off x="913795" y="609600"/>
-            <a:ext cx="10353762" cy="3424859"/>
-          </a:xfrm>
-        </p:spPr>
-        <p:txBody>
-          <a:bodyPr anchor="ctr"/>
+            <a:off x="677335" y="609600"/>
+            <a:ext cx="8596668" cy="3403600"/>
+          </a:xfrm>
+        </p:spPr>
+        <p:txBody>
+          <a:bodyPr anchor="ctr">
+            <a:normAutofit/>
+          </a:bodyPr>
           <a:lstStyle>
-            <a:lvl1pPr>
-              <a:defRPr sz="3200"/>
+            <a:lvl1pPr algn="l">
+              <a:defRPr sz="4400" b="0" cap="none"/>
             </a:lvl1pPr>
           </a:lstStyle>
           <a:p>
@@ -647,58 +956,115 @@
       </p:sp>
       <p:sp>
         <p:nvSpPr>
-          <p:cNvPr id="4" name="Text Placeholder 3"/>
+          <p:cNvPr id="3" name="Text Placeholder 2"/>
           <p:cNvSpPr>
             <a:spLocks noGrp="1"/>
           </p:cNvSpPr>
           <p:nvPr>
-            <p:ph type="body" sz="half" idx="2"/>
+            <p:ph type="body" idx="1"/>
           </p:nvPr>
         </p:nvSpPr>
         <p:spPr>
           <a:xfrm>
-            <a:off x="913795" y="4204820"/>
-            <a:ext cx="10353761" cy="1592186"/>
-          </a:xfrm>
-        </p:spPr>
-        <p:txBody>
-          <a:bodyPr anchor="ctr"/>
+            <a:off x="677335" y="4470400"/>
+            <a:ext cx="8596668" cy="1570962"/>
+          </a:xfrm>
+        </p:spPr>
+        <p:txBody>
+          <a:bodyPr anchor="ctr">
+            <a:normAutofit/>
+          </a:bodyPr>
           <a:lstStyle>
-            <a:lvl1pPr marL="0" indent="0" algn="ctr">
-              <a:buNone/>
-              <a:defRPr sz="1600"/>
+            <a:lvl1pPr marL="0" indent="0" algn="l">
+              <a:buNone/>
+              <a:defRPr sz="1800">
+                <a:solidFill>
+                  <a:schemeClr val="tx1">
+                    <a:lumMod val="75000"/>
+                    <a:lumOff val="25000"/>
+                  </a:schemeClr>
+                </a:solidFill>
+              </a:defRPr>
             </a:lvl1pPr>
             <a:lvl2pPr marL="457200" indent="0">
               <a:buNone/>
-              <a:defRPr sz="1400"/>
+              <a:defRPr sz="1800">
+                <a:solidFill>
+                  <a:schemeClr val="tx1">
+                    <a:tint val="75000"/>
+                  </a:schemeClr>
+                </a:solidFill>
+              </a:defRPr>
             </a:lvl2pPr>
             <a:lvl3pPr marL="914400" indent="0">
               <a:buNone/>
-              <a:defRPr sz="1200"/>
+              <a:defRPr sz="1600">
+                <a:solidFill>
+                  <a:schemeClr val="tx1">
+                    <a:tint val="75000"/>
+                  </a:schemeClr>
+                </a:solidFill>
+              </a:defRPr>
             </a:lvl3pPr>
             <a:lvl4pPr marL="1371600" indent="0">
               <a:buNone/>
-              <a:defRPr sz="1000"/>
+              <a:defRPr sz="1400">
+                <a:solidFill>
+                  <a:schemeClr val="tx1">
+                    <a:tint val="75000"/>
+                  </a:schemeClr>
+                </a:solidFill>
+              </a:defRPr>
             </a:lvl4pPr>
             <a:lvl5pPr marL="1828800" indent="0">
               <a:buNone/>
-              <a:defRPr sz="1000"/>
+              <a:defRPr sz="1400">
+                <a:solidFill>
+                  <a:schemeClr val="tx1">
+                    <a:tint val="75000"/>
+                  </a:schemeClr>
+                </a:solidFill>
+              </a:defRPr>
             </a:lvl5pPr>
             <a:lvl6pPr marL="2286000" indent="0">
               <a:buNone/>
-              <a:defRPr sz="1000"/>
+              <a:defRPr sz="1400">
+                <a:solidFill>
+                  <a:schemeClr val="tx1">
+                    <a:tint val="75000"/>
+                  </a:schemeClr>
+                </a:solidFill>
+              </a:defRPr>
             </a:lvl6pPr>
             <a:lvl7pPr marL="2743200" indent="0">
               <a:buNone/>
-              <a:defRPr sz="1000"/>
+              <a:defRPr sz="1400">
+                <a:solidFill>
+                  <a:schemeClr val="tx1">
+                    <a:tint val="75000"/>
+                  </a:schemeClr>
+                </a:solidFill>
+              </a:defRPr>
             </a:lvl7pPr>
             <a:lvl8pPr marL="3200400" indent="0">
               <a:buNone/>
-              <a:defRPr sz="1000"/>
+              <a:defRPr sz="1400">
+                <a:solidFill>
+                  <a:schemeClr val="tx1">
+                    <a:tint val="75000"/>
+                  </a:schemeClr>
+                </a:solidFill>
+              </a:defRPr>
             </a:lvl8pPr>
             <a:lvl9pPr marL="3657600" indent="0">
               <a:buNone/>
-              <a:defRPr sz="1000"/>
+              <a:defRPr sz="1400">
+                <a:solidFill>
+                  <a:schemeClr val="tx1">
+                    <a:tint val="75000"/>
+                  </a:schemeClr>
+                </a:solidFill>
+              </a:defRPr>
             </a:lvl9pPr>
           </a:lstStyle>
           <a:p>
@@ -712,7 +1078,7 @@
       </p:sp>
       <p:sp>
         <p:nvSpPr>
-          <p:cNvPr id="5" name="Date Placeholder 4"/>
+          <p:cNvPr id="4" name="Date Placeholder 3"/>
           <p:cNvSpPr>
             <a:spLocks noGrp="1"/>
           </p:cNvSpPr>
@@ -727,7 +1093,7 @@
           <a:p>
             <a:fld id="{25E87A1C-2017-4D7B-8BCE-8BECB9EF8580}" type="datetimeFigureOut">
               <a:rPr lang="en-US" smtClean="0"/>
-              <a:t>9/8/2023</a:t>
+              <a:t>9/9/2023</a:t>
             </a:fld>
             <a:endParaRPr lang="en-US"/>
           </a:p>
@@ -735,7 +1101,7 @@
       </p:sp>
       <p:sp>
         <p:nvSpPr>
-          <p:cNvPr id="6" name="Footer Placeholder 5"/>
+          <p:cNvPr id="5" name="Footer Placeholder 4"/>
           <p:cNvSpPr>
             <a:spLocks noGrp="1"/>
           </p:cNvSpPr>
@@ -754,7 +1120,7 @@
       </p:sp>
       <p:sp>
         <p:nvSpPr>
-          <p:cNvPr id="7" name="Slide Number Placeholder 6"/>
+          <p:cNvPr id="6" name="Slide Number Placeholder 5"/>
           <p:cNvSpPr>
             <a:spLocks noGrp="1"/>
           </p:cNvSpPr>
@@ -778,7 +1144,7 @@
     </p:spTree>
     <p:extLst>
       <p:ext uri="{BB962C8B-B14F-4D97-AF65-F5344CB8AC3E}">
-        <p14:creationId xmlns:p14="http://schemas.microsoft.com/office/powerpoint/2010/main" val="261533702"/>
+        <p14:creationId xmlns:p14="http://schemas.microsoft.com/office/powerpoint/2010/main" val="3616234974"/>
       </p:ext>
     </p:extLst>
   </p:cSld>
@@ -788,7 +1154,7 @@
 </p:sldLayout>
 </file>
 
-<file path=ppt/slideLayouts/slideLayout12.xml><?xml version="1.0" encoding="utf-8"?>
+<file path=ppt/slideLayouts/slideLayout11.xml><?xml version="1.0" encoding="utf-8"?>
 <p:sldLayout xmlns:a="http://schemas.openxmlformats.org/drawingml/2006/main" xmlns:r="http://schemas.openxmlformats.org/officeDocument/2006/relationships" xmlns:p="http://schemas.openxmlformats.org/presentationml/2006/main" preserve="1">
   <p:cSld name="Quote with Caption">
     <p:spTree>
@@ -817,15 +1183,17 @@
         </p:nvSpPr>
         <p:spPr>
           <a:xfrm>
-            <a:off x="1446212" y="609600"/>
-            <a:ext cx="9302752" cy="2992904"/>
-          </a:xfrm>
-        </p:spPr>
-        <p:txBody>
-          <a:bodyPr anchor="ctr"/>
+            <a:off x="931334" y="609600"/>
+            <a:ext cx="8094134" cy="3022600"/>
+          </a:xfrm>
+        </p:spPr>
+        <p:txBody>
+          <a:bodyPr anchor="ctr">
+            <a:normAutofit/>
+          </a:bodyPr>
           <a:lstStyle>
-            <a:lvl1pPr>
-              <a:defRPr sz="3200"/>
+            <a:lvl1pPr algn="l">
+              <a:defRPr sz="4400" b="0" cap="none"/>
             </a:lvl1pPr>
           </a:lstStyle>
           <a:p>
@@ -839,61 +1207,57 @@
       </p:sp>
       <p:sp>
         <p:nvSpPr>
-          <p:cNvPr id="12" name="Text Placeholder 3"/>
+          <p:cNvPr id="23" name="Text Placeholder 9"/>
           <p:cNvSpPr>
             <a:spLocks noGrp="1"/>
           </p:cNvSpPr>
           <p:nvPr>
-            <p:ph type="body" sz="half" idx="13"/>
+            <p:ph type="body" sz="quarter" idx="13"/>
           </p:nvPr>
         </p:nvSpPr>
         <p:spPr>
           <a:xfrm>
-            <a:off x="1720644" y="3610032"/>
-            <a:ext cx="8752299" cy="426812"/>
-          </a:xfrm>
-        </p:spPr>
-        <p:txBody>
-          <a:bodyPr anchor="t">
-            <a:normAutofit/>
+            <a:off x="1366139" y="3632200"/>
+            <a:ext cx="7224524" cy="381000"/>
+          </a:xfrm>
+        </p:spPr>
+        <p:txBody>
+          <a:bodyPr anchor="ctr">
+            <a:noAutofit/>
           </a:bodyPr>
           <a:lstStyle>
-            <a:lvl1pPr marL="0" indent="0" algn="r">
-              <a:buNone/>
-              <a:defRPr sz="1400"/>
+            <a:lvl1pPr marL="0" indent="0">
+              <a:buFontTx/>
+              <a:buNone/>
+              <a:defRPr sz="1600">
+                <a:solidFill>
+                  <a:schemeClr val="tx1">
+                    <a:lumMod val="50000"/>
+                    <a:lumOff val="50000"/>
+                  </a:schemeClr>
+                </a:solidFill>
+              </a:defRPr>
             </a:lvl1pPr>
             <a:lvl2pPr marL="457200" indent="0">
-              <a:buNone/>
-              <a:defRPr sz="1400"/>
+              <a:buFontTx/>
+              <a:buNone/>
+              <a:defRPr/>
             </a:lvl2pPr>
             <a:lvl3pPr marL="914400" indent="0">
-              <a:buNone/>
-              <a:defRPr sz="1200"/>
+              <a:buFontTx/>
+              <a:buNone/>
+              <a:defRPr/>
             </a:lvl3pPr>
             <a:lvl4pPr marL="1371600" indent="0">
-              <a:buNone/>
-              <a:defRPr sz="1000"/>
+              <a:buFontTx/>
+              <a:buNone/>
+              <a:defRPr/>
             </a:lvl4pPr>
             <a:lvl5pPr marL="1828800" indent="0">
-              <a:buNone/>
-              <a:defRPr sz="1000"/>
+              <a:buFontTx/>
+              <a:buNone/>
+              <a:defRPr/>
             </a:lvl5pPr>
-            <a:lvl6pPr marL="2286000" indent="0">
-              <a:buNone/>
-              <a:defRPr sz="1000"/>
-            </a:lvl6pPr>
-            <a:lvl7pPr marL="2743200" indent="0">
-              <a:buNone/>
-              <a:defRPr sz="1000"/>
-            </a:lvl7pPr>
-            <a:lvl8pPr marL="3200400" indent="0">
-              <a:buNone/>
-              <a:defRPr sz="1000"/>
-            </a:lvl8pPr>
-            <a:lvl9pPr marL="3657600" indent="0">
-              <a:buNone/>
-              <a:defRPr sz="1000"/>
-            </a:lvl9pPr>
           </a:lstStyle>
           <a:p>
             <a:pPr lvl="0"/>
@@ -906,18 +1270,18 @@
       </p:sp>
       <p:sp>
         <p:nvSpPr>
-          <p:cNvPr id="4" name="Text Placeholder 3"/>
+          <p:cNvPr id="3" name="Text Placeholder 2"/>
           <p:cNvSpPr>
             <a:spLocks noGrp="1"/>
           </p:cNvSpPr>
           <p:nvPr>
-            <p:ph type="body" sz="half" idx="2"/>
+            <p:ph type="body" idx="1"/>
           </p:nvPr>
         </p:nvSpPr>
         <p:spPr>
           <a:xfrm>
-            <a:off x="913794" y="4204821"/>
-            <a:ext cx="10353762" cy="1586380"/>
+            <a:off x="677335" y="4470400"/>
+            <a:ext cx="8596668" cy="1570962"/>
           </a:xfrm>
         </p:spPr>
         <p:txBody>
@@ -925,41 +1289,96 @@
             <a:normAutofit/>
           </a:bodyPr>
           <a:lstStyle>
-            <a:lvl1pPr marL="0" indent="0" algn="ctr">
-              <a:buNone/>
-              <a:defRPr sz="1600"/>
+            <a:lvl1pPr marL="0" indent="0" algn="l">
+              <a:buNone/>
+              <a:defRPr sz="1800">
+                <a:solidFill>
+                  <a:schemeClr val="tx1">
+                    <a:lumMod val="75000"/>
+                    <a:lumOff val="25000"/>
+                  </a:schemeClr>
+                </a:solidFill>
+              </a:defRPr>
             </a:lvl1pPr>
             <a:lvl2pPr marL="457200" indent="0">
               <a:buNone/>
-              <a:defRPr sz="1400"/>
+              <a:defRPr sz="1800">
+                <a:solidFill>
+                  <a:schemeClr val="tx1">
+                    <a:tint val="75000"/>
+                  </a:schemeClr>
+                </a:solidFill>
+              </a:defRPr>
             </a:lvl2pPr>
             <a:lvl3pPr marL="914400" indent="0">
               <a:buNone/>
-              <a:defRPr sz="1200"/>
+              <a:defRPr sz="1600">
+                <a:solidFill>
+                  <a:schemeClr val="tx1">
+                    <a:tint val="75000"/>
+                  </a:schemeClr>
+                </a:solidFill>
+              </a:defRPr>
             </a:lvl3pPr>
             <a:lvl4pPr marL="1371600" indent="0">
               <a:buNone/>
-              <a:defRPr sz="1000"/>
+              <a:defRPr sz="1400">
+                <a:solidFill>
+                  <a:schemeClr val="tx1">
+                    <a:tint val="75000"/>
+                  </a:schemeClr>
+                </a:solidFill>
+              </a:defRPr>
             </a:lvl4pPr>
             <a:lvl5pPr marL="1828800" indent="0">
               <a:buNone/>
-              <a:defRPr sz="1000"/>
+              <a:defRPr sz="1400">
+                <a:solidFill>
+                  <a:schemeClr val="tx1">
+                    <a:tint val="75000"/>
+                  </a:schemeClr>
+                </a:solidFill>
+              </a:defRPr>
             </a:lvl5pPr>
             <a:lvl6pPr marL="2286000" indent="0">
               <a:buNone/>
-              <a:defRPr sz="1000"/>
+              <a:defRPr sz="1400">
+                <a:solidFill>
+                  <a:schemeClr val="tx1">
+                    <a:tint val="75000"/>
+                  </a:schemeClr>
+                </a:solidFill>
+              </a:defRPr>
             </a:lvl6pPr>
             <a:lvl7pPr marL="2743200" indent="0">
               <a:buNone/>
-              <a:defRPr sz="1000"/>
+              <a:defRPr sz="1400">
+                <a:solidFill>
+                  <a:schemeClr val="tx1">
+                    <a:tint val="75000"/>
+                  </a:schemeClr>
+                </a:solidFill>
+              </a:defRPr>
             </a:lvl7pPr>
             <a:lvl8pPr marL="3200400" indent="0">
               <a:buNone/>
-              <a:defRPr sz="1000"/>
+              <a:defRPr sz="1400">
+                <a:solidFill>
+                  <a:schemeClr val="tx1">
+                    <a:tint val="75000"/>
+                  </a:schemeClr>
+                </a:solidFill>
+              </a:defRPr>
             </a:lvl8pPr>
             <a:lvl9pPr marL="3657600" indent="0">
               <a:buNone/>
-              <a:defRPr sz="1000"/>
+              <a:defRPr sz="1400">
+                <a:solidFill>
+                  <a:schemeClr val="tx1">
+                    <a:tint val="75000"/>
+                  </a:schemeClr>
+                </a:solidFill>
+              </a:defRPr>
             </a:lvl9pPr>
           </a:lstStyle>
           <a:p>
@@ -973,7 +1392,7 @@
       </p:sp>
       <p:sp>
         <p:nvSpPr>
-          <p:cNvPr id="5" name="Date Placeholder 4"/>
+          <p:cNvPr id="4" name="Date Placeholder 3"/>
           <p:cNvSpPr>
             <a:spLocks noGrp="1"/>
           </p:cNvSpPr>
@@ -988,7 +1407,7 @@
           <a:p>
             <a:fld id="{25E87A1C-2017-4D7B-8BCE-8BECB9EF8580}" type="datetimeFigureOut">
               <a:rPr lang="en-US" smtClean="0"/>
-              <a:t>9/8/2023</a:t>
+              <a:t>9/9/2023</a:t>
             </a:fld>
             <a:endParaRPr lang="en-US"/>
           </a:p>
@@ -996,7 +1415,7 @@
       </p:sp>
       <p:sp>
         <p:nvSpPr>
-          <p:cNvPr id="6" name="Footer Placeholder 5"/>
+          <p:cNvPr id="5" name="Footer Placeholder 4"/>
           <p:cNvSpPr>
             <a:spLocks noGrp="1"/>
           </p:cNvSpPr>
@@ -1015,7 +1434,7 @@
       </p:sp>
       <p:sp>
         <p:nvSpPr>
-          <p:cNvPr id="7" name="Slide Number Placeholder 6"/>
+          <p:cNvPr id="6" name="Slide Number Placeholder 5"/>
           <p:cNvSpPr>
             <a:spLocks noGrp="1"/>
           </p:cNvSpPr>
@@ -1038,13 +1457,13 @@
       </p:sp>
       <p:sp>
         <p:nvSpPr>
-          <p:cNvPr id="11" name="TextBox 10"/>
+          <p:cNvPr id="20" name="TextBox 19"/>
           <p:cNvSpPr txBox="1"/>
           <p:nvPr/>
         </p:nvSpPr>
         <p:spPr>
           <a:xfrm>
-            <a:off x="836612" y="735241"/>
+            <a:off x="541870" y="790378"/>
             <a:ext cx="609600" cy="584776"/>
           </a:xfrm>
           <a:prstGeom prst="rect">
@@ -1055,97 +1474,22 @@
           <a:bodyPr vert="horz" lIns="91440" tIns="45720" rIns="91440" bIns="45720" rtlCol="0" anchor="ctr">
             <a:noAutofit/>
           </a:bodyPr>
-          <a:lstStyle>
-            <a:lvl1pPr>
-              <a:spcBef>
-                <a:spcPct val="0"/>
-              </a:spcBef>
-              <a:buNone/>
-              <a:defRPr sz="3200" b="0" cap="all">
+          <a:lstStyle/>
+          <a:p>
+            <a:pPr lvl="0"/>
+            <a:r>
+              <a:rPr lang="en-US" sz="8000" baseline="0" dirty="0">
                 <a:ln w="3175" cmpd="sng">
                   <a:noFill/>
                 </a:ln>
-                <a:effectLst>
-                  <a:glow rad="38100">
-                    <a:schemeClr val="bg1">
-                      <a:lumMod val="65000"/>
-                      <a:lumOff val="35000"/>
-                      <a:alpha val="40000"/>
-                    </a:schemeClr>
-                  </a:glow>
-                  <a:outerShdw blurRad="28575" dist="38100" dir="14040000" algn="tl" rotWithShape="0">
-                    <a:srgbClr val="000000">
-                      <a:alpha val="25000"/>
-                    </a:srgbClr>
-                  </a:outerShdw>
-                </a:effectLst>
-              </a:defRPr>
-            </a:lvl1pPr>
-            <a:lvl2pPr>
-              <a:defRPr>
                 <a:solidFill>
-                  <a:schemeClr val="tx2"/>
-                </a:solidFill>
-              </a:defRPr>
-            </a:lvl2pPr>
-            <a:lvl3pPr>
-              <a:defRPr>
-                <a:solidFill>
-                  <a:schemeClr val="tx2"/>
-                </a:solidFill>
-              </a:defRPr>
-            </a:lvl3pPr>
-            <a:lvl4pPr>
-              <a:defRPr>
-                <a:solidFill>
-                  <a:schemeClr val="tx2"/>
-                </a:solidFill>
-              </a:defRPr>
-            </a:lvl4pPr>
-            <a:lvl5pPr>
-              <a:defRPr>
-                <a:solidFill>
-                  <a:schemeClr val="tx2"/>
-                </a:solidFill>
-              </a:defRPr>
-            </a:lvl5pPr>
-            <a:lvl6pPr>
-              <a:defRPr>
-                <a:solidFill>
-                  <a:schemeClr val="tx2"/>
-                </a:solidFill>
-              </a:defRPr>
-            </a:lvl6pPr>
-            <a:lvl7pPr>
-              <a:defRPr>
-                <a:solidFill>
-                  <a:schemeClr val="tx2"/>
-                </a:solidFill>
-              </a:defRPr>
-            </a:lvl7pPr>
-            <a:lvl8pPr>
-              <a:defRPr>
-                <a:solidFill>
-                  <a:schemeClr val="tx2"/>
-                </a:solidFill>
-              </a:defRPr>
-            </a:lvl8pPr>
-            <a:lvl9pPr>
-              <a:defRPr>
-                <a:solidFill>
-                  <a:schemeClr val="tx2"/>
-                </a:solidFill>
-              </a:defRPr>
-            </a:lvl9pPr>
-          </a:lstStyle>
-          <a:p>
-            <a:pPr lvl="0"/>
-            <a:r>
-              <a:rPr lang="en-US" sz="8000" dirty="0">
-                <a:solidFill>
-                  <a:schemeClr val="tx1"/>
+                  <a:schemeClr val="accent1">
+                    <a:lumMod val="60000"/>
+                    <a:lumOff val="40000"/>
+                  </a:schemeClr>
                 </a:solidFill>
                 <a:effectLst/>
+                <a:latin typeface="Arial"/>
               </a:rPr>
               <a:t>“</a:t>
             </a:r>
@@ -1154,13 +1498,13 @@
       </p:sp>
       <p:sp>
         <p:nvSpPr>
-          <p:cNvPr id="13" name="TextBox 12"/>
+          <p:cNvPr id="22" name="TextBox 21"/>
           <p:cNvSpPr txBox="1"/>
           <p:nvPr/>
         </p:nvSpPr>
         <p:spPr>
           <a:xfrm>
-            <a:off x="10657956" y="2972093"/>
+            <a:off x="8893011" y="2886556"/>
             <a:ext cx="609600" cy="584776"/>
           </a:xfrm>
           <a:prstGeom prst="rect">
@@ -1171,107 +1515,40 @@
           <a:bodyPr vert="horz" lIns="91440" tIns="45720" rIns="91440" bIns="45720" rtlCol="0" anchor="ctr">
             <a:noAutofit/>
           </a:bodyPr>
-          <a:lstStyle>
-            <a:lvl1pPr>
-              <a:spcBef>
-                <a:spcPct val="0"/>
-              </a:spcBef>
-              <a:buNone/>
-              <a:defRPr sz="3200" b="0" cap="all">
+          <a:lstStyle/>
+          <a:p>
+            <a:pPr lvl="0"/>
+            <a:r>
+              <a:rPr lang="en-US" sz="8000" baseline="0" dirty="0">
                 <a:ln w="3175" cmpd="sng">
                   <a:noFill/>
                 </a:ln>
-                <a:effectLst>
-                  <a:glow rad="38100">
-                    <a:schemeClr val="bg1">
-                      <a:lumMod val="65000"/>
-                      <a:lumOff val="35000"/>
-                      <a:alpha val="40000"/>
-                    </a:schemeClr>
-                  </a:glow>
-                  <a:outerShdw blurRad="28575" dist="38100" dir="14040000" algn="tl" rotWithShape="0">
-                    <a:srgbClr val="000000">
-                      <a:alpha val="25000"/>
-                    </a:srgbClr>
-                  </a:outerShdw>
-                </a:effectLst>
-              </a:defRPr>
-            </a:lvl1pPr>
-            <a:lvl2pPr>
-              <a:defRPr>
                 <a:solidFill>
-                  <a:schemeClr val="tx2"/>
+                  <a:schemeClr val="accent1">
+                    <a:lumMod val="60000"/>
+                    <a:lumOff val="40000"/>
+                  </a:schemeClr>
                 </a:solidFill>
-              </a:defRPr>
-            </a:lvl2pPr>
-            <a:lvl3pPr>
-              <a:defRPr>
-                <a:solidFill>
-                  <a:schemeClr val="tx2"/>
-                </a:solidFill>
-              </a:defRPr>
-            </a:lvl3pPr>
-            <a:lvl4pPr>
-              <a:defRPr>
-                <a:solidFill>
-                  <a:schemeClr val="tx2"/>
-                </a:solidFill>
-              </a:defRPr>
-            </a:lvl4pPr>
-            <a:lvl5pPr>
-              <a:defRPr>
-                <a:solidFill>
-                  <a:schemeClr val="tx2"/>
-                </a:solidFill>
-              </a:defRPr>
-            </a:lvl5pPr>
-            <a:lvl6pPr>
-              <a:defRPr>
-                <a:solidFill>
-                  <a:schemeClr val="tx2"/>
-                </a:solidFill>
-              </a:defRPr>
-            </a:lvl6pPr>
-            <a:lvl7pPr>
-              <a:defRPr>
-                <a:solidFill>
-                  <a:schemeClr val="tx2"/>
-                </a:solidFill>
-              </a:defRPr>
-            </a:lvl7pPr>
-            <a:lvl8pPr>
-              <a:defRPr>
-                <a:solidFill>
-                  <a:schemeClr val="tx2"/>
-                </a:solidFill>
-              </a:defRPr>
-            </a:lvl8pPr>
-            <a:lvl9pPr>
-              <a:defRPr>
-                <a:solidFill>
-                  <a:schemeClr val="tx2"/>
-                </a:solidFill>
-              </a:defRPr>
-            </a:lvl9pPr>
-          </a:lstStyle>
-          <a:p>
-            <a:pPr lvl="0" algn="r"/>
-            <a:r>
-              <a:rPr lang="en-US" sz="8000" dirty="0">
-                <a:solidFill>
-                  <a:schemeClr val="tx1"/>
-                </a:solidFill>
-                <a:effectLst/>
+                <a:latin typeface="Arial"/>
               </a:rPr>
               <a:t>”</a:t>
             </a:r>
+            <a:endParaRPr lang="en-US" dirty="0">
+              <a:solidFill>
+                <a:schemeClr val="accent1">
+                  <a:lumMod val="60000"/>
+                  <a:lumOff val="40000"/>
+                </a:schemeClr>
+              </a:solidFill>
+              <a:latin typeface="Arial"/>
+            </a:endParaRPr>
           </a:p>
         </p:txBody>
       </p:sp>
     </p:spTree>
     <p:extLst>
       <p:ext uri="{BB962C8B-B14F-4D97-AF65-F5344CB8AC3E}">
-        <p14:creationId xmlns:p14="http://schemas.microsoft.com/office/powerpoint/2010/main" val="210503353"/>
+        <p14:creationId xmlns:p14="http://schemas.microsoft.com/office/powerpoint/2010/main" val="896323596"/>
       </p:ext>
     </p:extLst>
   </p:cSld>
@@ -1281,7 +1558,7 @@
 </p:sldLayout>
 </file>
 
-<file path=ppt/slideLayouts/slideLayout13.xml><?xml version="1.0" encoding="utf-8"?>
+<file path=ppt/slideLayouts/slideLayout12.xml><?xml version="1.0" encoding="utf-8"?>
 <p:sldLayout xmlns:a="http://schemas.openxmlformats.org/drawingml/2006/main" xmlns:r="http://schemas.openxmlformats.org/officeDocument/2006/relationships" xmlns:p="http://schemas.openxmlformats.org/presentationml/2006/main" preserve="1">
   <p:cSld name="Name Card">
     <p:spTree>
@@ -1310,15 +1587,17 @@
         </p:nvSpPr>
         <p:spPr>
           <a:xfrm>
-            <a:off x="913806" y="2126942"/>
-            <a:ext cx="10355327" cy="2511835"/>
-          </a:xfrm>
-        </p:spPr>
-        <p:txBody>
-          <a:bodyPr anchor="b"/>
+            <a:off x="677335" y="1931988"/>
+            <a:ext cx="8596668" cy="2595460"/>
+          </a:xfrm>
+        </p:spPr>
+        <p:txBody>
+          <a:bodyPr anchor="b">
+            <a:normAutofit/>
+          </a:bodyPr>
           <a:lstStyle>
-            <a:lvl1pPr>
-              <a:defRPr sz="3200"/>
+            <a:lvl1pPr algn="l">
+              <a:defRPr sz="4400" b="0" cap="none"/>
             </a:lvl1pPr>
           </a:lstStyle>
           <a:p>
@@ -1332,58 +1611,115 @@
       </p:sp>
       <p:sp>
         <p:nvSpPr>
-          <p:cNvPr id="4" name="Text Placeholder 3"/>
+          <p:cNvPr id="3" name="Text Placeholder 2"/>
           <p:cNvSpPr>
             <a:spLocks noGrp="1"/>
           </p:cNvSpPr>
           <p:nvPr>
-            <p:ph type="body" sz="half" idx="2"/>
+            <p:ph type="body" idx="1"/>
           </p:nvPr>
         </p:nvSpPr>
         <p:spPr>
           <a:xfrm>
-            <a:off x="913794" y="4650556"/>
-            <a:ext cx="10353763" cy="1140644"/>
-          </a:xfrm>
-        </p:spPr>
-        <p:txBody>
-          <a:bodyPr anchor="t"/>
+            <a:off x="677335" y="4527448"/>
+            <a:ext cx="8596668" cy="1513914"/>
+          </a:xfrm>
+        </p:spPr>
+        <p:txBody>
+          <a:bodyPr anchor="t">
+            <a:normAutofit/>
+          </a:bodyPr>
           <a:lstStyle>
-            <a:lvl1pPr marL="0" indent="0" algn="ctr">
-              <a:buNone/>
-              <a:defRPr sz="1600"/>
+            <a:lvl1pPr marL="0" indent="0" algn="l">
+              <a:buNone/>
+              <a:defRPr sz="1800">
+                <a:solidFill>
+                  <a:schemeClr val="tx1">
+                    <a:lumMod val="75000"/>
+                    <a:lumOff val="25000"/>
+                  </a:schemeClr>
+                </a:solidFill>
+              </a:defRPr>
             </a:lvl1pPr>
             <a:lvl2pPr marL="457200" indent="0">
               <a:buNone/>
-              <a:defRPr sz="1400"/>
+              <a:defRPr sz="1800">
+                <a:solidFill>
+                  <a:schemeClr val="tx1">
+                    <a:tint val="75000"/>
+                  </a:schemeClr>
+                </a:solidFill>
+              </a:defRPr>
             </a:lvl2pPr>
             <a:lvl3pPr marL="914400" indent="0">
               <a:buNone/>
-              <a:defRPr sz="1200"/>
+              <a:defRPr sz="1600">
+                <a:solidFill>
+                  <a:schemeClr val="tx1">
+                    <a:tint val="75000"/>
+                  </a:schemeClr>
+                </a:solidFill>
+              </a:defRPr>
             </a:lvl3pPr>
             <a:lvl4pPr marL="1371600" indent="0">
               <a:buNone/>
-              <a:defRPr sz="1000"/>
+              <a:defRPr sz="1400">
+                <a:solidFill>
+                  <a:schemeClr val="tx1">
+                    <a:tint val="75000"/>
+                  </a:schemeClr>
+                </a:solidFill>
+              </a:defRPr>
             </a:lvl4pPr>
             <a:lvl5pPr marL="1828800" indent="0">
               <a:buNone/>
-              <a:defRPr sz="1000"/>
+              <a:defRPr sz="1400">
+                <a:solidFill>
+                  <a:schemeClr val="tx1">
+                    <a:tint val="75000"/>
+                  </a:schemeClr>
+                </a:solidFill>
+              </a:defRPr>
             </a:lvl5pPr>
             <a:lvl6pPr marL="2286000" indent="0">
               <a:buNone/>
-              <a:defRPr sz="1000"/>
+              <a:defRPr sz="1400">
+                <a:solidFill>
+                  <a:schemeClr val="tx1">
+                    <a:tint val="75000"/>
+                  </a:schemeClr>
+                </a:solidFill>
+              </a:defRPr>
             </a:lvl6pPr>
             <a:lvl7pPr marL="2743200" indent="0">
               <a:buNone/>
-              <a:defRPr sz="1000"/>
+              <a:defRPr sz="1400">
+                <a:solidFill>
+                  <a:schemeClr val="tx1">
+                    <a:tint val="75000"/>
+                  </a:schemeClr>
+                </a:solidFill>
+              </a:defRPr>
             </a:lvl7pPr>
             <a:lvl8pPr marL="3200400" indent="0">
               <a:buNone/>
-              <a:defRPr sz="1000"/>
+              <a:defRPr sz="1400">
+                <a:solidFill>
+                  <a:schemeClr val="tx1">
+                    <a:tint val="75000"/>
+                  </a:schemeClr>
+                </a:solidFill>
+              </a:defRPr>
             </a:lvl8pPr>
             <a:lvl9pPr marL="3657600" indent="0">
               <a:buNone/>
-              <a:defRPr sz="1000"/>
+              <a:defRPr sz="1400">
+                <a:solidFill>
+                  <a:schemeClr val="tx1">
+                    <a:tint val="75000"/>
+                  </a:schemeClr>
+                </a:solidFill>
+              </a:defRPr>
             </a:lvl9pPr>
           </a:lstStyle>
           <a:p>
@@ -1397,7 +1733,7 @@
       </p:sp>
       <p:sp>
         <p:nvSpPr>
-          <p:cNvPr id="5" name="Date Placeholder 4"/>
+          <p:cNvPr id="4" name="Date Placeholder 3"/>
           <p:cNvSpPr>
             <a:spLocks noGrp="1"/>
           </p:cNvSpPr>
@@ -1412,7 +1748,7 @@
           <a:p>
             <a:fld id="{25E87A1C-2017-4D7B-8BCE-8BECB9EF8580}" type="datetimeFigureOut">
               <a:rPr lang="en-US" smtClean="0"/>
-              <a:t>9/8/2023</a:t>
+              <a:t>9/9/2023</a:t>
             </a:fld>
             <a:endParaRPr lang="en-US"/>
           </a:p>
@@ -1420,7 +1756,7 @@
       </p:sp>
       <p:sp>
         <p:nvSpPr>
-          <p:cNvPr id="6" name="Footer Placeholder 5"/>
+          <p:cNvPr id="5" name="Footer Placeholder 4"/>
           <p:cNvSpPr>
             <a:spLocks noGrp="1"/>
           </p:cNvSpPr>
@@ -1439,7 +1775,7 @@
       </p:sp>
       <p:sp>
         <p:nvSpPr>
-          <p:cNvPr id="7" name="Slide Number Placeholder 6"/>
+          <p:cNvPr id="6" name="Slide Number Placeholder 5"/>
           <p:cNvSpPr>
             <a:spLocks noGrp="1"/>
           </p:cNvSpPr>
@@ -1463,7 +1799,7 @@
     </p:spTree>
     <p:extLst>
       <p:ext uri="{BB962C8B-B14F-4D97-AF65-F5344CB8AC3E}">
-        <p14:creationId xmlns:p14="http://schemas.microsoft.com/office/powerpoint/2010/main" val="4007365761"/>
+        <p14:creationId xmlns:p14="http://schemas.microsoft.com/office/powerpoint/2010/main" val="149574742"/>
       </p:ext>
     </p:extLst>
   </p:cSld>
@@ -1473,9 +1809,9 @@
 </p:sldLayout>
 </file>
 
-<file path=ppt/slideLayouts/slideLayout14.xml><?xml version="1.0" encoding="utf-8"?>
+<file path=ppt/slideLayouts/slideLayout13.xml><?xml version="1.0" encoding="utf-8"?>
 <p:sldLayout xmlns:a="http://schemas.openxmlformats.org/drawingml/2006/main" xmlns:r="http://schemas.openxmlformats.org/officeDocument/2006/relationships" xmlns:p="http://schemas.openxmlformats.org/presentationml/2006/main" preserve="1">
-  <p:cSld name="3 Column">
+  <p:cSld name="Quote Name Card">
     <p:spTree>
       <p:nvGrpSpPr>
         <p:cNvPr id="1" name=""/>
@@ -1492,7 +1828,7 @@
       </p:grpSpPr>
       <p:sp>
         <p:nvSpPr>
-          <p:cNvPr id="15" name="Title 1"/>
+          <p:cNvPr id="2" name="Title 1"/>
           <p:cNvSpPr>
             <a:spLocks noGrp="1"/>
           </p:cNvSpPr>
@@ -1502,13 +1838,19 @@
         </p:nvSpPr>
         <p:spPr>
           <a:xfrm>
-            <a:off x="913794" y="609600"/>
-            <a:ext cx="10353762" cy="1325563"/>
-          </a:xfrm>
-        </p:spPr>
-        <p:txBody>
-          <a:bodyPr/>
-          <a:lstStyle/>
+            <a:off x="931334" y="609600"/>
+            <a:ext cx="8094134" cy="3022600"/>
+          </a:xfrm>
+        </p:spPr>
+        <p:txBody>
+          <a:bodyPr anchor="ctr">
+            <a:normAutofit/>
+          </a:bodyPr>
+          <a:lstStyle>
+            <a:lvl1pPr algn="l">
+              <a:defRPr sz="4400" b="0" cap="none"/>
+            </a:lvl1pPr>
+          </a:lstStyle>
           <a:p>
             <a:r>
               <a:rPr lang="en-US"/>
@@ -1520,7 +1862,70 @@
       </p:sp>
       <p:sp>
         <p:nvSpPr>
-          <p:cNvPr id="7" name="Text Placeholder 2"/>
+          <p:cNvPr id="23" name="Text Placeholder 9"/>
+          <p:cNvSpPr>
+            <a:spLocks noGrp="1"/>
+          </p:cNvSpPr>
+          <p:nvPr>
+            <p:ph type="body" sz="quarter" idx="13"/>
+          </p:nvPr>
+        </p:nvSpPr>
+        <p:spPr>
+          <a:xfrm>
+            <a:off x="677332" y="4013200"/>
+            <a:ext cx="8596669" cy="514248"/>
+          </a:xfrm>
+        </p:spPr>
+        <p:txBody>
+          <a:bodyPr anchor="b">
+            <a:noAutofit/>
+          </a:bodyPr>
+          <a:lstStyle>
+            <a:lvl1pPr marL="0" indent="0">
+              <a:buFontTx/>
+              <a:buNone/>
+              <a:defRPr sz="2400">
+                <a:solidFill>
+                  <a:schemeClr val="tx1">
+                    <a:lumMod val="75000"/>
+                    <a:lumOff val="25000"/>
+                  </a:schemeClr>
+                </a:solidFill>
+              </a:defRPr>
+            </a:lvl1pPr>
+            <a:lvl2pPr marL="457200" indent="0">
+              <a:buFontTx/>
+              <a:buNone/>
+              <a:defRPr/>
+            </a:lvl2pPr>
+            <a:lvl3pPr marL="914400" indent="0">
+              <a:buFontTx/>
+              <a:buNone/>
+              <a:defRPr/>
+            </a:lvl3pPr>
+            <a:lvl4pPr marL="1371600" indent="0">
+              <a:buFontTx/>
+              <a:buNone/>
+              <a:defRPr/>
+            </a:lvl4pPr>
+            <a:lvl5pPr marL="1828800" indent="0">
+              <a:buFontTx/>
+              <a:buNone/>
+              <a:defRPr/>
+            </a:lvl5pPr>
+          </a:lstStyle>
+          <a:p>
+            <a:pPr lvl="0"/>
+            <a:r>
+              <a:rPr lang="en-US"/>
+              <a:t>Click to edit Master text styles</a:t>
+            </a:r>
+          </a:p>
+        </p:txBody>
+      </p:sp>
+      <p:sp>
+        <p:nvSpPr>
+          <p:cNvPr id="3" name="Text Placeholder 2"/>
           <p:cNvSpPr>
             <a:spLocks noGrp="1"/>
           </p:cNvSpPr>
@@ -1530,57 +1935,105 @@
         </p:nvSpPr>
         <p:spPr>
           <a:xfrm>
-            <a:off x="913794" y="2088319"/>
-            <a:ext cx="3298956" cy="823305"/>
-          </a:xfrm>
-        </p:spPr>
-        <p:txBody>
-          <a:bodyPr anchor="b">
-            <a:noAutofit/>
+            <a:off x="677335" y="4527448"/>
+            <a:ext cx="8596668" cy="1513914"/>
+          </a:xfrm>
+        </p:spPr>
+        <p:txBody>
+          <a:bodyPr anchor="t">
+            <a:normAutofit/>
           </a:bodyPr>
           <a:lstStyle>
-            <a:lvl1pPr marL="0" indent="0" algn="ctr">
-              <a:lnSpc>
-                <a:spcPct val="100000"/>
-              </a:lnSpc>
-              <a:buNone/>
-              <a:defRPr sz="2400" b="0">
+            <a:lvl1pPr marL="0" indent="0" algn="l">
+              <a:buNone/>
+              <a:defRPr sz="1800">
                 <a:solidFill>
-                  <a:schemeClr val="tx1"/>
+                  <a:schemeClr val="tx1">
+                    <a:lumMod val="50000"/>
+                    <a:lumOff val="50000"/>
+                  </a:schemeClr>
                 </a:solidFill>
               </a:defRPr>
             </a:lvl1pPr>
             <a:lvl2pPr marL="457200" indent="0">
               <a:buNone/>
-              <a:defRPr sz="2000" b="1"/>
+              <a:defRPr sz="1800">
+                <a:solidFill>
+                  <a:schemeClr val="tx1">
+                    <a:tint val="75000"/>
+                  </a:schemeClr>
+                </a:solidFill>
+              </a:defRPr>
             </a:lvl2pPr>
             <a:lvl3pPr marL="914400" indent="0">
               <a:buNone/>
-              <a:defRPr sz="1800" b="1"/>
+              <a:defRPr sz="1600">
+                <a:solidFill>
+                  <a:schemeClr val="tx1">
+                    <a:tint val="75000"/>
+                  </a:schemeClr>
+                </a:solidFill>
+              </a:defRPr>
             </a:lvl3pPr>
             <a:lvl4pPr marL="1371600" indent="0">
               <a:buNone/>
-              <a:defRPr sz="1600" b="1"/>
+              <a:defRPr sz="1400">
+                <a:solidFill>
+                  <a:schemeClr val="tx1">
+                    <a:tint val="75000"/>
+                  </a:schemeClr>
+                </a:solidFill>
+              </a:defRPr>
             </a:lvl4pPr>
             <a:lvl5pPr marL="1828800" indent="0">
               <a:buNone/>
-              <a:defRPr sz="1600" b="1"/>
+              <a:defRPr sz="1400">
+                <a:solidFill>
+                  <a:schemeClr val="tx1">
+                    <a:tint val="75000"/>
+                  </a:schemeClr>
+                </a:solidFill>
+              </a:defRPr>
             </a:lvl5pPr>
             <a:lvl6pPr marL="2286000" indent="0">
               <a:buNone/>
-              <a:defRPr sz="1600" b="1"/>
+              <a:defRPr sz="1400">
+                <a:solidFill>
+                  <a:schemeClr val="tx1">
+                    <a:tint val="75000"/>
+                  </a:schemeClr>
+                </a:solidFill>
+              </a:defRPr>
             </a:lvl6pPr>
             <a:lvl7pPr marL="2743200" indent="0">
               <a:buNone/>
-              <a:defRPr sz="1600" b="1"/>
+              <a:defRPr sz="1400">
+                <a:solidFill>
+                  <a:schemeClr val="tx1">
+                    <a:tint val="75000"/>
+                  </a:schemeClr>
+                </a:solidFill>
+              </a:defRPr>
             </a:lvl7pPr>
             <a:lvl8pPr marL="3200400" indent="0">
               <a:buNone/>
-              <a:defRPr sz="1600" b="1"/>
+              <a:defRPr sz="1400">
+                <a:solidFill>
+                  <a:schemeClr val="tx1">
+                    <a:tint val="75000"/>
+                  </a:schemeClr>
+                </a:solidFill>
+              </a:defRPr>
             </a:lvl8pPr>
             <a:lvl9pPr marL="3657600" indent="0">
               <a:buNone/>
-              <a:defRPr sz="1600" b="1"/>
+              <a:defRPr sz="1400">
+                <a:solidFill>
+                  <a:schemeClr val="tx1">
+                    <a:tint val="75000"/>
+                  </a:schemeClr>
+                </a:solidFill>
+              </a:defRPr>
             </a:lvl9pPr>
           </a:lstStyle>
           <a:p>
@@ -1594,356 +2047,7 @@
       </p:sp>
       <p:sp>
         <p:nvSpPr>
-          <p:cNvPr id="8" name="Text Placeholder 3"/>
-          <p:cNvSpPr>
-            <a:spLocks noGrp="1"/>
-          </p:cNvSpPr>
-          <p:nvPr>
-            <p:ph type="body" sz="half" idx="15"/>
-          </p:nvPr>
-        </p:nvSpPr>
-        <p:spPr>
-          <a:xfrm>
-            <a:off x="913794" y="2911624"/>
-            <a:ext cx="3298956" cy="2879576"/>
-          </a:xfrm>
-        </p:spPr>
-        <p:txBody>
-          <a:bodyPr anchor="t">
-            <a:normAutofit/>
-          </a:bodyPr>
-          <a:lstStyle>
-            <a:lvl1pPr marL="0" indent="0" algn="ctr">
-              <a:buNone/>
-              <a:defRPr sz="1400"/>
-            </a:lvl1pPr>
-            <a:lvl2pPr marL="457200" indent="0">
-              <a:buNone/>
-              <a:defRPr sz="1200"/>
-            </a:lvl2pPr>
-            <a:lvl3pPr marL="914400" indent="0">
-              <a:buNone/>
-              <a:defRPr sz="1000"/>
-            </a:lvl3pPr>
-            <a:lvl4pPr marL="1371600" indent="0">
-              <a:buNone/>
-              <a:defRPr sz="900"/>
-            </a:lvl4pPr>
-            <a:lvl5pPr marL="1828800" indent="0">
-              <a:buNone/>
-              <a:defRPr sz="900"/>
-            </a:lvl5pPr>
-            <a:lvl6pPr marL="2286000" indent="0">
-              <a:buNone/>
-              <a:defRPr sz="900"/>
-            </a:lvl6pPr>
-            <a:lvl7pPr marL="2743200" indent="0">
-              <a:buNone/>
-              <a:defRPr sz="900"/>
-            </a:lvl7pPr>
-            <a:lvl8pPr marL="3200400" indent="0">
-              <a:buNone/>
-              <a:defRPr sz="900"/>
-            </a:lvl8pPr>
-            <a:lvl9pPr marL="3657600" indent="0">
-              <a:buNone/>
-              <a:defRPr sz="900"/>
-            </a:lvl9pPr>
-          </a:lstStyle>
-          <a:p>
-            <a:pPr lvl="0"/>
-            <a:r>
-              <a:rPr lang="en-US"/>
-              <a:t>Click to edit Master text styles</a:t>
-            </a:r>
-          </a:p>
-        </p:txBody>
-      </p:sp>
-      <p:sp>
-        <p:nvSpPr>
-          <p:cNvPr id="9" name="Text Placeholder 4"/>
-          <p:cNvSpPr>
-            <a:spLocks noGrp="1"/>
-          </p:cNvSpPr>
-          <p:nvPr>
-            <p:ph type="body" sz="quarter" idx="3"/>
-          </p:nvPr>
-        </p:nvSpPr>
-        <p:spPr>
-          <a:xfrm>
-            <a:off x="4444878" y="2088320"/>
-            <a:ext cx="3298558" cy="823304"/>
-          </a:xfrm>
-        </p:spPr>
-        <p:txBody>
-          <a:bodyPr anchor="b">
-            <a:noAutofit/>
-          </a:bodyPr>
-          <a:lstStyle>
-            <a:lvl1pPr marL="0" indent="0" algn="ctr">
-              <a:lnSpc>
-                <a:spcPct val="100000"/>
-              </a:lnSpc>
-              <a:buNone/>
-              <a:defRPr sz="2400" b="0">
-                <a:solidFill>
-                  <a:schemeClr val="tx1"/>
-                </a:solidFill>
-              </a:defRPr>
-            </a:lvl1pPr>
-            <a:lvl2pPr marL="457200" indent="0">
-              <a:buNone/>
-              <a:defRPr sz="2000" b="1"/>
-            </a:lvl2pPr>
-            <a:lvl3pPr marL="914400" indent="0">
-              <a:buNone/>
-              <a:defRPr sz="1800" b="1"/>
-            </a:lvl3pPr>
-            <a:lvl4pPr marL="1371600" indent="0">
-              <a:buNone/>
-              <a:defRPr sz="1600" b="1"/>
-            </a:lvl4pPr>
-            <a:lvl5pPr marL="1828800" indent="0">
-              <a:buNone/>
-              <a:defRPr sz="1600" b="1"/>
-            </a:lvl5pPr>
-            <a:lvl6pPr marL="2286000" indent="0">
-              <a:buNone/>
-              <a:defRPr sz="1600" b="1"/>
-            </a:lvl6pPr>
-            <a:lvl7pPr marL="2743200" indent="0">
-              <a:buNone/>
-              <a:defRPr sz="1600" b="1"/>
-            </a:lvl7pPr>
-            <a:lvl8pPr marL="3200400" indent="0">
-              <a:buNone/>
-              <a:defRPr sz="1600" b="1"/>
-            </a:lvl8pPr>
-            <a:lvl9pPr marL="3657600" indent="0">
-              <a:buNone/>
-              <a:defRPr sz="1600" b="1"/>
-            </a:lvl9pPr>
-          </a:lstStyle>
-          <a:p>
-            <a:pPr lvl="0"/>
-            <a:r>
-              <a:rPr lang="en-US"/>
-              <a:t>Click to edit Master text styles</a:t>
-            </a:r>
-          </a:p>
-        </p:txBody>
-      </p:sp>
-      <p:sp>
-        <p:nvSpPr>
-          <p:cNvPr id="10" name="Text Placeholder 3"/>
-          <p:cNvSpPr>
-            <a:spLocks noGrp="1"/>
-          </p:cNvSpPr>
-          <p:nvPr>
-            <p:ph type="body" sz="half" idx="16"/>
-          </p:nvPr>
-        </p:nvSpPr>
-        <p:spPr>
-          <a:xfrm>
-            <a:off x="4444878" y="2911624"/>
-            <a:ext cx="3299821" cy="2879576"/>
-          </a:xfrm>
-        </p:spPr>
-        <p:txBody>
-          <a:bodyPr anchor="t">
-            <a:normAutofit/>
-          </a:bodyPr>
-          <a:lstStyle>
-            <a:lvl1pPr marL="0" indent="0" algn="ctr">
-              <a:buNone/>
-              <a:defRPr sz="1400"/>
-            </a:lvl1pPr>
-            <a:lvl2pPr marL="457200" indent="0">
-              <a:buNone/>
-              <a:defRPr sz="1200"/>
-            </a:lvl2pPr>
-            <a:lvl3pPr marL="914400" indent="0">
-              <a:buNone/>
-              <a:defRPr sz="1000"/>
-            </a:lvl3pPr>
-            <a:lvl4pPr marL="1371600" indent="0">
-              <a:buNone/>
-              <a:defRPr sz="900"/>
-            </a:lvl4pPr>
-            <a:lvl5pPr marL="1828800" indent="0">
-              <a:buNone/>
-              <a:defRPr sz="900"/>
-            </a:lvl5pPr>
-            <a:lvl6pPr marL="2286000" indent="0">
-              <a:buNone/>
-              <a:defRPr sz="900"/>
-            </a:lvl6pPr>
-            <a:lvl7pPr marL="2743200" indent="0">
-              <a:buNone/>
-              <a:defRPr sz="900"/>
-            </a:lvl7pPr>
-            <a:lvl8pPr marL="3200400" indent="0">
-              <a:buNone/>
-              <a:defRPr sz="900"/>
-            </a:lvl8pPr>
-            <a:lvl9pPr marL="3657600" indent="0">
-              <a:buNone/>
-              <a:defRPr sz="900"/>
-            </a:lvl9pPr>
-          </a:lstStyle>
-          <a:p>
-            <a:pPr lvl="0"/>
-            <a:r>
-              <a:rPr lang="en-US"/>
-              <a:t>Click to edit Master text styles</a:t>
-            </a:r>
-          </a:p>
-        </p:txBody>
-      </p:sp>
-      <p:sp>
-        <p:nvSpPr>
-          <p:cNvPr id="11" name="Text Placeholder 4"/>
-          <p:cNvSpPr>
-            <a:spLocks noGrp="1"/>
-          </p:cNvSpPr>
-          <p:nvPr>
-            <p:ph type="body" sz="quarter" idx="13"/>
-          </p:nvPr>
-        </p:nvSpPr>
-        <p:spPr>
-          <a:xfrm>
-            <a:off x="7973298" y="2088320"/>
-            <a:ext cx="3291211" cy="823304"/>
-          </a:xfrm>
-        </p:spPr>
-        <p:txBody>
-          <a:bodyPr anchor="b">
-            <a:noAutofit/>
-          </a:bodyPr>
-          <a:lstStyle>
-            <a:lvl1pPr marL="0" indent="0" algn="ctr">
-              <a:lnSpc>
-                <a:spcPct val="100000"/>
-              </a:lnSpc>
-              <a:buNone/>
-              <a:defRPr sz="2400" b="0">
-                <a:solidFill>
-                  <a:schemeClr val="tx1"/>
-                </a:solidFill>
-              </a:defRPr>
-            </a:lvl1pPr>
-            <a:lvl2pPr marL="457200" indent="0">
-              <a:buNone/>
-              <a:defRPr sz="2000" b="1"/>
-            </a:lvl2pPr>
-            <a:lvl3pPr marL="914400" indent="0">
-              <a:buNone/>
-              <a:defRPr sz="1800" b="1"/>
-            </a:lvl3pPr>
-            <a:lvl4pPr marL="1371600" indent="0">
-              <a:buNone/>
-              <a:defRPr sz="1600" b="1"/>
-            </a:lvl4pPr>
-            <a:lvl5pPr marL="1828800" indent="0">
-              <a:buNone/>
-              <a:defRPr sz="1600" b="1"/>
-            </a:lvl5pPr>
-            <a:lvl6pPr marL="2286000" indent="0">
-              <a:buNone/>
-              <a:defRPr sz="1600" b="1"/>
-            </a:lvl6pPr>
-            <a:lvl7pPr marL="2743200" indent="0">
-              <a:buNone/>
-              <a:defRPr sz="1600" b="1"/>
-            </a:lvl7pPr>
-            <a:lvl8pPr marL="3200400" indent="0">
-              <a:buNone/>
-              <a:defRPr sz="1600" b="1"/>
-            </a:lvl8pPr>
-            <a:lvl9pPr marL="3657600" indent="0">
-              <a:buNone/>
-              <a:defRPr sz="1600" b="1"/>
-            </a:lvl9pPr>
-          </a:lstStyle>
-          <a:p>
-            <a:pPr lvl="0"/>
-            <a:r>
-              <a:rPr lang="en-US"/>
-              <a:t>Click to edit Master text styles</a:t>
-            </a:r>
-          </a:p>
-        </p:txBody>
-      </p:sp>
-      <p:sp>
-        <p:nvSpPr>
-          <p:cNvPr id="12" name="Text Placeholder 3"/>
-          <p:cNvSpPr>
-            <a:spLocks noGrp="1"/>
-          </p:cNvSpPr>
-          <p:nvPr>
-            <p:ph type="body" sz="half" idx="17"/>
-          </p:nvPr>
-        </p:nvSpPr>
-        <p:spPr>
-          <a:xfrm>
-            <a:off x="7976346" y="2911624"/>
-            <a:ext cx="3291211" cy="2879576"/>
-          </a:xfrm>
-        </p:spPr>
-        <p:txBody>
-          <a:bodyPr anchor="t">
-            <a:normAutofit/>
-          </a:bodyPr>
-          <a:lstStyle>
-            <a:lvl1pPr marL="0" indent="0" algn="ctr">
-              <a:buNone/>
-              <a:defRPr sz="1400"/>
-            </a:lvl1pPr>
-            <a:lvl2pPr marL="457200" indent="0">
-              <a:buNone/>
-              <a:defRPr sz="1200"/>
-            </a:lvl2pPr>
-            <a:lvl3pPr marL="914400" indent="0">
-              <a:buNone/>
-              <a:defRPr sz="1000"/>
-            </a:lvl3pPr>
-            <a:lvl4pPr marL="1371600" indent="0">
-              <a:buNone/>
-              <a:defRPr sz="900"/>
-            </a:lvl4pPr>
-            <a:lvl5pPr marL="1828800" indent="0">
-              <a:buNone/>
-              <a:defRPr sz="900"/>
-            </a:lvl5pPr>
-            <a:lvl6pPr marL="2286000" indent="0">
-              <a:buNone/>
-              <a:defRPr sz="900"/>
-            </a:lvl6pPr>
-            <a:lvl7pPr marL="2743200" indent="0">
-              <a:buNone/>
-              <a:defRPr sz="900"/>
-            </a:lvl7pPr>
-            <a:lvl8pPr marL="3200400" indent="0">
-              <a:buNone/>
-              <a:defRPr sz="900"/>
-            </a:lvl8pPr>
-            <a:lvl9pPr marL="3657600" indent="0">
-              <a:buNone/>
-              <a:defRPr sz="900"/>
-            </a:lvl9pPr>
-          </a:lstStyle>
-          <a:p>
-            <a:pPr lvl="0"/>
-            <a:r>
-              <a:rPr lang="en-US"/>
-              <a:t>Click to edit Master text styles</a:t>
-            </a:r>
-          </a:p>
-        </p:txBody>
-      </p:sp>
-      <p:sp>
-        <p:nvSpPr>
-          <p:cNvPr id="3" name="Date Placeholder 2"/>
+          <p:cNvPr id="4" name="Date Placeholder 3"/>
           <p:cNvSpPr>
             <a:spLocks noGrp="1"/>
           </p:cNvSpPr>
@@ -1958,7 +2062,7 @@
           <a:p>
             <a:fld id="{25E87A1C-2017-4D7B-8BCE-8BECB9EF8580}" type="datetimeFigureOut">
               <a:rPr lang="en-US" smtClean="0"/>
-              <a:t>9/8/2023</a:t>
+              <a:t>9/9/2023</a:t>
             </a:fld>
             <a:endParaRPr lang="en-US"/>
           </a:p>
@@ -1966,7 +2070,7 @@
       </p:sp>
       <p:sp>
         <p:nvSpPr>
-          <p:cNvPr id="4" name="Footer Placeholder 3"/>
+          <p:cNvPr id="5" name="Footer Placeholder 4"/>
           <p:cNvSpPr>
             <a:spLocks noGrp="1"/>
           </p:cNvSpPr>
@@ -1985,7 +2089,7 @@
       </p:sp>
       <p:sp>
         <p:nvSpPr>
-          <p:cNvPr id="5" name="Slide Number Placeholder 4"/>
+          <p:cNvPr id="6" name="Slide Number Placeholder 5"/>
           <p:cNvSpPr>
             <a:spLocks noGrp="1"/>
           </p:cNvSpPr>
@@ -2006,10 +2110,92 @@
           </a:p>
         </p:txBody>
       </p:sp>
+      <p:sp>
+        <p:nvSpPr>
+          <p:cNvPr id="24" name="TextBox 23"/>
+          <p:cNvSpPr txBox="1"/>
+          <p:nvPr/>
+        </p:nvSpPr>
+        <p:spPr>
+          <a:xfrm>
+            <a:off x="541870" y="790378"/>
+            <a:ext cx="609600" cy="584776"/>
+          </a:xfrm>
+          <a:prstGeom prst="rect">
+            <a:avLst/>
+          </a:prstGeom>
+        </p:spPr>
+        <p:txBody>
+          <a:bodyPr vert="horz" lIns="91440" tIns="45720" rIns="91440" bIns="45720" rtlCol="0" anchor="ctr">
+            <a:noAutofit/>
+          </a:bodyPr>
+          <a:lstStyle/>
+          <a:p>
+            <a:pPr lvl="0"/>
+            <a:r>
+              <a:rPr lang="en-US" sz="8000" baseline="0" dirty="0">
+                <a:ln w="3175" cmpd="sng">
+                  <a:noFill/>
+                </a:ln>
+                <a:solidFill>
+                  <a:schemeClr val="accent1">
+                    <a:lumMod val="60000"/>
+                    <a:lumOff val="40000"/>
+                  </a:schemeClr>
+                </a:solidFill>
+                <a:effectLst/>
+                <a:latin typeface="Arial"/>
+              </a:rPr>
+              <a:t>“</a:t>
+            </a:r>
+          </a:p>
+        </p:txBody>
+      </p:sp>
+      <p:sp>
+        <p:nvSpPr>
+          <p:cNvPr id="25" name="TextBox 24"/>
+          <p:cNvSpPr txBox="1"/>
+          <p:nvPr/>
+        </p:nvSpPr>
+        <p:spPr>
+          <a:xfrm>
+            <a:off x="8893011" y="2886556"/>
+            <a:ext cx="609600" cy="584776"/>
+          </a:xfrm>
+          <a:prstGeom prst="rect">
+            <a:avLst/>
+          </a:prstGeom>
+        </p:spPr>
+        <p:txBody>
+          <a:bodyPr vert="horz" lIns="91440" tIns="45720" rIns="91440" bIns="45720" rtlCol="0" anchor="ctr">
+            <a:noAutofit/>
+          </a:bodyPr>
+          <a:lstStyle/>
+          <a:p>
+            <a:pPr lvl="0"/>
+            <a:r>
+              <a:rPr lang="en-US" sz="8000" baseline="0" dirty="0">
+                <a:ln w="3175" cmpd="sng">
+                  <a:noFill/>
+                </a:ln>
+                <a:solidFill>
+                  <a:schemeClr val="accent1">
+                    <a:lumMod val="60000"/>
+                    <a:lumOff val="40000"/>
+                  </a:schemeClr>
+                </a:solidFill>
+                <a:effectLst/>
+                <a:latin typeface="Arial"/>
+              </a:rPr>
+              <a:t>”</a:t>
+            </a:r>
+          </a:p>
+        </p:txBody>
+      </p:sp>
     </p:spTree>
     <p:extLst>
       <p:ext uri="{BB962C8B-B14F-4D97-AF65-F5344CB8AC3E}">
-        <p14:creationId xmlns:p14="http://schemas.microsoft.com/office/powerpoint/2010/main" val="835499773"/>
+        <p14:creationId xmlns:p14="http://schemas.microsoft.com/office/powerpoint/2010/main" val="484420247"/>
       </p:ext>
     </p:extLst>
   </p:cSld>
@@ -2019,9 +2205,9 @@
 </p:sldLayout>
 </file>
 
-<file path=ppt/slideLayouts/slideLayout15.xml><?xml version="1.0" encoding="utf-8"?>
+<file path=ppt/slideLayouts/slideLayout14.xml><?xml version="1.0" encoding="utf-8"?>
 <p:sldLayout xmlns:a="http://schemas.openxmlformats.org/drawingml/2006/main" xmlns:r="http://schemas.openxmlformats.org/officeDocument/2006/relationships" xmlns:p="http://schemas.openxmlformats.org/presentationml/2006/main" preserve="1">
-  <p:cSld name="3 Picture Column">
+  <p:cSld name="True or False">
     <p:spTree>
       <p:nvGrpSpPr>
         <p:cNvPr id="1" name=""/>
@@ -2038,7 +2224,7 @@
       </p:grpSpPr>
       <p:sp>
         <p:nvSpPr>
-          <p:cNvPr id="30" name="Title 1"/>
+          <p:cNvPr id="2" name="Title 1"/>
           <p:cNvSpPr>
             <a:spLocks noGrp="1"/>
           </p:cNvSpPr>
@@ -2048,13 +2234,19 @@
         </p:nvSpPr>
         <p:spPr>
           <a:xfrm>
-            <a:off x="913795" y="609600"/>
-            <a:ext cx="10353762" cy="1325563"/>
-          </a:xfrm>
-        </p:spPr>
-        <p:txBody>
-          <a:bodyPr/>
-          <a:lstStyle/>
+            <a:off x="685799" y="609600"/>
+            <a:ext cx="8588203" cy="3022600"/>
+          </a:xfrm>
+        </p:spPr>
+        <p:txBody>
+          <a:bodyPr anchor="ctr">
+            <a:normAutofit/>
+          </a:bodyPr>
+          <a:lstStyle>
+            <a:lvl1pPr algn="l">
+              <a:defRPr sz="4400" b="0" cap="none"/>
+            </a:lvl1pPr>
+          </a:lstStyle>
           <a:p>
             <a:r>
               <a:rPr lang="en-US"/>
@@ -2066,7 +2258,67 @@
       </p:sp>
       <p:sp>
         <p:nvSpPr>
-          <p:cNvPr id="19" name="Text Placeholder 2"/>
+          <p:cNvPr id="23" name="Text Placeholder 9"/>
+          <p:cNvSpPr>
+            <a:spLocks noGrp="1"/>
+          </p:cNvSpPr>
+          <p:nvPr>
+            <p:ph type="body" sz="quarter" idx="13"/>
+          </p:nvPr>
+        </p:nvSpPr>
+        <p:spPr>
+          <a:xfrm>
+            <a:off x="677332" y="4013200"/>
+            <a:ext cx="8596669" cy="514248"/>
+          </a:xfrm>
+        </p:spPr>
+        <p:txBody>
+          <a:bodyPr anchor="b">
+            <a:noAutofit/>
+          </a:bodyPr>
+          <a:lstStyle>
+            <a:lvl1pPr marL="0" indent="0">
+              <a:buFontTx/>
+              <a:buNone/>
+              <a:defRPr sz="2400">
+                <a:solidFill>
+                  <a:schemeClr val="accent1"/>
+                </a:solidFill>
+              </a:defRPr>
+            </a:lvl1pPr>
+            <a:lvl2pPr marL="457200" indent="0">
+              <a:buFontTx/>
+              <a:buNone/>
+              <a:defRPr/>
+            </a:lvl2pPr>
+            <a:lvl3pPr marL="914400" indent="0">
+              <a:buFontTx/>
+              <a:buNone/>
+              <a:defRPr/>
+            </a:lvl3pPr>
+            <a:lvl4pPr marL="1371600" indent="0">
+              <a:buFontTx/>
+              <a:buNone/>
+              <a:defRPr/>
+            </a:lvl4pPr>
+            <a:lvl5pPr marL="1828800" indent="0">
+              <a:buFontTx/>
+              <a:buNone/>
+              <a:defRPr/>
+            </a:lvl5pPr>
+          </a:lstStyle>
+          <a:p>
+            <a:pPr lvl="0"/>
+            <a:r>
+              <a:rPr lang="en-US"/>
+              <a:t>Click to edit Master text styles</a:t>
+            </a:r>
+          </a:p>
+        </p:txBody>
+      </p:sp>
+      <p:sp>
+        <p:nvSpPr>
+          <p:cNvPr id="3" name="Text Placeholder 2"/>
           <p:cNvSpPr>
             <a:spLocks noGrp="1"/>
           </p:cNvSpPr>
@@ -2076,57 +2328,105 @@
         </p:nvSpPr>
         <p:spPr>
           <a:xfrm>
-            <a:off x="913795" y="4195899"/>
-            <a:ext cx="3298955" cy="576262"/>
-          </a:xfrm>
-        </p:spPr>
-        <p:txBody>
-          <a:bodyPr anchor="b">
-            <a:noAutofit/>
+            <a:off x="677335" y="4527448"/>
+            <a:ext cx="8596668" cy="1513914"/>
+          </a:xfrm>
+        </p:spPr>
+        <p:txBody>
+          <a:bodyPr anchor="t">
+            <a:normAutofit/>
           </a:bodyPr>
           <a:lstStyle>
-            <a:lvl1pPr marL="0" indent="0" algn="ctr">
-              <a:lnSpc>
-                <a:spcPct val="100000"/>
-              </a:lnSpc>
-              <a:buNone/>
-              <a:defRPr sz="2000" b="0">
+            <a:lvl1pPr marL="0" indent="0" algn="l">
+              <a:buNone/>
+              <a:defRPr sz="1800">
                 <a:solidFill>
-                  <a:schemeClr val="tx1"/>
+                  <a:schemeClr val="tx1">
+                    <a:lumMod val="50000"/>
+                    <a:lumOff val="50000"/>
+                  </a:schemeClr>
                 </a:solidFill>
               </a:defRPr>
             </a:lvl1pPr>
             <a:lvl2pPr marL="457200" indent="0">
               <a:buNone/>
-              <a:defRPr sz="2000" b="1"/>
+              <a:defRPr sz="1800">
+                <a:solidFill>
+                  <a:schemeClr val="tx1">
+                    <a:tint val="75000"/>
+                  </a:schemeClr>
+                </a:solidFill>
+              </a:defRPr>
             </a:lvl2pPr>
             <a:lvl3pPr marL="914400" indent="0">
               <a:buNone/>
-              <a:defRPr sz="1800" b="1"/>
+              <a:defRPr sz="1600">
+                <a:solidFill>
+                  <a:schemeClr val="tx1">
+                    <a:tint val="75000"/>
+                  </a:schemeClr>
+                </a:solidFill>
+              </a:defRPr>
             </a:lvl3pPr>
             <a:lvl4pPr marL="1371600" indent="0">
               <a:buNone/>
-              <a:defRPr sz="1600" b="1"/>
+              <a:defRPr sz="1400">
+                <a:solidFill>
+                  <a:schemeClr val="tx1">
+                    <a:tint val="75000"/>
+                  </a:schemeClr>
+                </a:solidFill>
+              </a:defRPr>
             </a:lvl4pPr>
             <a:lvl5pPr marL="1828800" indent="0">
               <a:buNone/>
-              <a:defRPr sz="1600" b="1"/>
+              <a:defRPr sz="1400">
+                <a:solidFill>
+                  <a:schemeClr val="tx1">
+                    <a:tint val="75000"/>
+                  </a:schemeClr>
+                </a:solidFill>
+              </a:defRPr>
             </a:lvl5pPr>
             <a:lvl6pPr marL="2286000" indent="0">
               <a:buNone/>
-              <a:defRPr sz="1600" b="1"/>
+              <a:defRPr sz="1400">
+                <a:solidFill>
+                  <a:schemeClr val="tx1">
+                    <a:tint val="75000"/>
+                  </a:schemeClr>
+                </a:solidFill>
+              </a:defRPr>
             </a:lvl6pPr>
             <a:lvl7pPr marL="2743200" indent="0">
               <a:buNone/>
-              <a:defRPr sz="1600" b="1"/>
+              <a:defRPr sz="1400">
+                <a:solidFill>
+                  <a:schemeClr val="tx1">
+                    <a:tint val="75000"/>
+                  </a:schemeClr>
+                </a:solidFill>
+              </a:defRPr>
             </a:lvl7pPr>
             <a:lvl8pPr marL="3200400" indent="0">
               <a:buNone/>
-              <a:defRPr sz="1600" b="1"/>
+              <a:defRPr sz="1400">
+                <a:solidFill>
+                  <a:schemeClr val="tx1">
+                    <a:tint val="75000"/>
+                  </a:schemeClr>
+                </a:solidFill>
+              </a:defRPr>
             </a:lvl8pPr>
             <a:lvl9pPr marL="3657600" indent="0">
               <a:buNone/>
-              <a:defRPr sz="1600" b="1"/>
+              <a:defRPr sz="1400">
+                <a:solidFill>
+                  <a:schemeClr val="tx1">
+                    <a:tint val="75000"/>
+                  </a:schemeClr>
+                </a:solidFill>
+              </a:defRPr>
             </a:lvl9pPr>
           </a:lstStyle>
           <a:p>
@@ -2140,650 +2440,7 @@
       </p:sp>
       <p:sp>
         <p:nvSpPr>
-          <p:cNvPr id="20" name="Picture Placeholder 2"/>
-          <p:cNvSpPr>
-            <a:spLocks noGrp="1" noChangeAspect="1"/>
-          </p:cNvSpPr>
-          <p:nvPr>
-            <p:ph type="pic" idx="15"/>
-          </p:nvPr>
-        </p:nvSpPr>
-        <p:spPr>
-          <a:xfrm>
-            <a:off x="1092020" y="2298987"/>
-            <a:ext cx="2940050" cy="1524000"/>
-          </a:xfrm>
-          <a:prstGeom prst="roundRect">
-            <a:avLst>
-              <a:gd name="adj" fmla="val 0"/>
-            </a:avLst>
-          </a:prstGeom>
-          <a:noFill/>
-          <a:ln w="146050" cap="sq">
-            <a:solidFill>
-              <a:srgbClr val="FFFFFF"/>
-            </a:solidFill>
-            <a:miter lim="800000"/>
-          </a:ln>
-          <a:effectLst>
-            <a:outerShdw blurRad="55000" dist="18000" dir="5400000" algn="tl" rotWithShape="0">
-              <a:srgbClr val="000000">
-                <a:alpha val="40000"/>
-              </a:srgbClr>
-            </a:outerShdw>
-          </a:effectLst>
-          <a:scene3d>
-            <a:camera prst="orthographicFront"/>
-            <a:lightRig rig="twoPt" dir="t">
-              <a:rot lat="0" lon="0" rev="7200000"/>
-            </a:lightRig>
-          </a:scene3d>
-          <a:sp3d>
-            <a:bevelT w="25400" h="19050"/>
-            <a:contourClr>
-              <a:srgbClr val="FFFFFF"/>
-            </a:contourClr>
-          </a:sp3d>
-        </p:spPr>
-        <p:txBody>
-          <a:bodyPr anchor="t">
-            <a:normAutofit/>
-          </a:bodyPr>
-          <a:lstStyle>
-            <a:lvl1pPr marL="0" indent="0" algn="ctr">
-              <a:buNone/>
-              <a:defRPr sz="1600"/>
-            </a:lvl1pPr>
-            <a:lvl2pPr marL="457200" indent="0">
-              <a:buNone/>
-              <a:defRPr sz="1600"/>
-            </a:lvl2pPr>
-            <a:lvl3pPr marL="914400" indent="0">
-              <a:buNone/>
-              <a:defRPr sz="1600"/>
-            </a:lvl3pPr>
-            <a:lvl4pPr marL="1371600" indent="0">
-              <a:buNone/>
-              <a:defRPr sz="1600"/>
-            </a:lvl4pPr>
-            <a:lvl5pPr marL="1828800" indent="0">
-              <a:buNone/>
-              <a:defRPr sz="1600"/>
-            </a:lvl5pPr>
-            <a:lvl6pPr marL="2286000" indent="0">
-              <a:buNone/>
-              <a:defRPr sz="1600"/>
-            </a:lvl6pPr>
-            <a:lvl7pPr marL="2743200" indent="0">
-              <a:buNone/>
-              <a:defRPr sz="1600"/>
-            </a:lvl7pPr>
-            <a:lvl8pPr marL="3200400" indent="0">
-              <a:buNone/>
-              <a:defRPr sz="1600"/>
-            </a:lvl8pPr>
-            <a:lvl9pPr marL="3657600" indent="0">
-              <a:buNone/>
-              <a:defRPr sz="1600"/>
-            </a:lvl9pPr>
-          </a:lstStyle>
-          <a:p>
-            <a:r>
-              <a:rPr lang="en-US"/>
-              <a:t>Click icon to add picture</a:t>
-            </a:r>
-            <a:endParaRPr lang="en-US" dirty="0"/>
-          </a:p>
-        </p:txBody>
-      </p:sp>
-      <p:sp>
-        <p:nvSpPr>
-          <p:cNvPr id="21" name="Text Placeholder 3"/>
-          <p:cNvSpPr>
-            <a:spLocks noGrp="1"/>
-          </p:cNvSpPr>
-          <p:nvPr>
-            <p:ph type="body" sz="half" idx="18"/>
-          </p:nvPr>
-        </p:nvSpPr>
-        <p:spPr>
-          <a:xfrm>
-            <a:off x="913795" y="4772161"/>
-            <a:ext cx="3298955" cy="1019038"/>
-          </a:xfrm>
-        </p:spPr>
-        <p:txBody>
-          <a:bodyPr anchor="t">
-            <a:normAutofit/>
-          </a:bodyPr>
-          <a:lstStyle>
-            <a:lvl1pPr marL="0" indent="0" algn="ctr">
-              <a:buNone/>
-              <a:defRPr sz="1400"/>
-            </a:lvl1pPr>
-            <a:lvl2pPr marL="457200" indent="0">
-              <a:buNone/>
-              <a:defRPr sz="1200"/>
-            </a:lvl2pPr>
-            <a:lvl3pPr marL="914400" indent="0">
-              <a:buNone/>
-              <a:defRPr sz="1000"/>
-            </a:lvl3pPr>
-            <a:lvl4pPr marL="1371600" indent="0">
-              <a:buNone/>
-              <a:defRPr sz="900"/>
-            </a:lvl4pPr>
-            <a:lvl5pPr marL="1828800" indent="0">
-              <a:buNone/>
-              <a:defRPr sz="900"/>
-            </a:lvl5pPr>
-            <a:lvl6pPr marL="2286000" indent="0">
-              <a:buNone/>
-              <a:defRPr sz="900"/>
-            </a:lvl6pPr>
-            <a:lvl7pPr marL="2743200" indent="0">
-              <a:buNone/>
-              <a:defRPr sz="900"/>
-            </a:lvl7pPr>
-            <a:lvl8pPr marL="3200400" indent="0">
-              <a:buNone/>
-              <a:defRPr sz="900"/>
-            </a:lvl8pPr>
-            <a:lvl9pPr marL="3657600" indent="0">
-              <a:buNone/>
-              <a:defRPr sz="900"/>
-            </a:lvl9pPr>
-          </a:lstStyle>
-          <a:p>
-            <a:pPr lvl="0"/>
-            <a:r>
-              <a:rPr lang="en-US"/>
-              <a:t>Click to edit Master text styles</a:t>
-            </a:r>
-          </a:p>
-        </p:txBody>
-      </p:sp>
-      <p:sp>
-        <p:nvSpPr>
-          <p:cNvPr id="22" name="Text Placeholder 4"/>
-          <p:cNvSpPr>
-            <a:spLocks noGrp="1"/>
-          </p:cNvSpPr>
-          <p:nvPr>
-            <p:ph type="body" sz="quarter" idx="3"/>
-          </p:nvPr>
-        </p:nvSpPr>
-        <p:spPr>
-          <a:xfrm>
-            <a:off x="4442701" y="4195899"/>
-            <a:ext cx="3298983" cy="576262"/>
-          </a:xfrm>
-        </p:spPr>
-        <p:txBody>
-          <a:bodyPr anchor="b">
-            <a:noAutofit/>
-          </a:bodyPr>
-          <a:lstStyle>
-            <a:lvl1pPr marL="0" indent="0" algn="ctr">
-              <a:lnSpc>
-                <a:spcPct val="100000"/>
-              </a:lnSpc>
-              <a:buNone/>
-              <a:defRPr sz="2000" b="0">
-                <a:solidFill>
-                  <a:schemeClr val="tx1"/>
-                </a:solidFill>
-              </a:defRPr>
-            </a:lvl1pPr>
-            <a:lvl2pPr marL="457200" indent="0">
-              <a:buNone/>
-              <a:defRPr sz="2000" b="1"/>
-            </a:lvl2pPr>
-            <a:lvl3pPr marL="914400" indent="0">
-              <a:buNone/>
-              <a:defRPr sz="1800" b="1"/>
-            </a:lvl3pPr>
-            <a:lvl4pPr marL="1371600" indent="0">
-              <a:buNone/>
-              <a:defRPr sz="1600" b="1"/>
-            </a:lvl4pPr>
-            <a:lvl5pPr marL="1828800" indent="0">
-              <a:buNone/>
-              <a:defRPr sz="1600" b="1"/>
-            </a:lvl5pPr>
-            <a:lvl6pPr marL="2286000" indent="0">
-              <a:buNone/>
-              <a:defRPr sz="1600" b="1"/>
-            </a:lvl6pPr>
-            <a:lvl7pPr marL="2743200" indent="0">
-              <a:buNone/>
-              <a:defRPr sz="1600" b="1"/>
-            </a:lvl7pPr>
-            <a:lvl8pPr marL="3200400" indent="0">
-              <a:buNone/>
-              <a:defRPr sz="1600" b="1"/>
-            </a:lvl8pPr>
-            <a:lvl9pPr marL="3657600" indent="0">
-              <a:buNone/>
-              <a:defRPr sz="1600" b="1"/>
-            </a:lvl9pPr>
-          </a:lstStyle>
-          <a:p>
-            <a:pPr lvl="0"/>
-            <a:r>
-              <a:rPr lang="en-US"/>
-              <a:t>Click to edit Master text styles</a:t>
-            </a:r>
-          </a:p>
-        </p:txBody>
-      </p:sp>
-      <p:sp>
-        <p:nvSpPr>
-          <p:cNvPr id="23" name="Picture Placeholder 2"/>
-          <p:cNvSpPr>
-            <a:spLocks noGrp="1" noChangeAspect="1"/>
-          </p:cNvSpPr>
-          <p:nvPr>
-            <p:ph type="pic" idx="21"/>
-          </p:nvPr>
-        </p:nvSpPr>
-        <p:spPr>
-          <a:xfrm>
-            <a:off x="4568996" y="2298987"/>
-            <a:ext cx="2930525" cy="1524000"/>
-          </a:xfrm>
-          <a:prstGeom prst="roundRect">
-            <a:avLst>
-              <a:gd name="adj" fmla="val 0"/>
-            </a:avLst>
-          </a:prstGeom>
-          <a:noFill/>
-          <a:ln w="146050" cap="sq">
-            <a:solidFill>
-              <a:srgbClr val="FFFFFF"/>
-            </a:solidFill>
-            <a:miter lim="800000"/>
-          </a:ln>
-          <a:effectLst>
-            <a:outerShdw blurRad="55000" dist="18000" dir="5400000" algn="tl" rotWithShape="0">
-              <a:srgbClr val="000000">
-                <a:alpha val="40000"/>
-              </a:srgbClr>
-            </a:outerShdw>
-          </a:effectLst>
-          <a:scene3d>
-            <a:camera prst="orthographicFront"/>
-            <a:lightRig rig="twoPt" dir="t">
-              <a:rot lat="0" lon="0" rev="7200000"/>
-            </a:lightRig>
-          </a:scene3d>
-          <a:sp3d>
-            <a:bevelT w="25400" h="19050"/>
-            <a:contourClr>
-              <a:srgbClr val="FFFFFF"/>
-            </a:contourClr>
-          </a:sp3d>
-        </p:spPr>
-        <p:txBody>
-          <a:bodyPr anchor="t">
-            <a:normAutofit/>
-          </a:bodyPr>
-          <a:lstStyle>
-            <a:lvl1pPr marL="0" indent="0" algn="ctr">
-              <a:buNone/>
-              <a:defRPr sz="1600"/>
-            </a:lvl1pPr>
-            <a:lvl2pPr marL="457200" indent="0">
-              <a:buNone/>
-              <a:defRPr sz="1600"/>
-            </a:lvl2pPr>
-            <a:lvl3pPr marL="914400" indent="0">
-              <a:buNone/>
-              <a:defRPr sz="1600"/>
-            </a:lvl3pPr>
-            <a:lvl4pPr marL="1371600" indent="0">
-              <a:buNone/>
-              <a:defRPr sz="1600"/>
-            </a:lvl4pPr>
-            <a:lvl5pPr marL="1828800" indent="0">
-              <a:buNone/>
-              <a:defRPr sz="1600"/>
-            </a:lvl5pPr>
-            <a:lvl6pPr marL="2286000" indent="0">
-              <a:buNone/>
-              <a:defRPr sz="1600"/>
-            </a:lvl6pPr>
-            <a:lvl7pPr marL="2743200" indent="0">
-              <a:buNone/>
-              <a:defRPr sz="1600"/>
-            </a:lvl7pPr>
-            <a:lvl8pPr marL="3200400" indent="0">
-              <a:buNone/>
-              <a:defRPr sz="1600"/>
-            </a:lvl8pPr>
-            <a:lvl9pPr marL="3657600" indent="0">
-              <a:buNone/>
-              <a:defRPr sz="1600"/>
-            </a:lvl9pPr>
-          </a:lstStyle>
-          <a:p>
-            <a:r>
-              <a:rPr lang="en-US"/>
-              <a:t>Click icon to add picture</a:t>
-            </a:r>
-            <a:endParaRPr lang="en-US" dirty="0"/>
-          </a:p>
-        </p:txBody>
-      </p:sp>
-      <p:sp>
-        <p:nvSpPr>
-          <p:cNvPr id="24" name="Text Placeholder 3"/>
-          <p:cNvSpPr>
-            <a:spLocks noGrp="1"/>
-          </p:cNvSpPr>
-          <p:nvPr>
-            <p:ph type="body" sz="half" idx="19"/>
-          </p:nvPr>
-        </p:nvSpPr>
-        <p:spPr>
-          <a:xfrm>
-            <a:off x="4441348" y="4772160"/>
-            <a:ext cx="3300336" cy="1019038"/>
-          </a:xfrm>
-        </p:spPr>
-        <p:txBody>
-          <a:bodyPr anchor="t">
-            <a:normAutofit/>
-          </a:bodyPr>
-          <a:lstStyle>
-            <a:lvl1pPr marL="0" indent="0" algn="ctr">
-              <a:buNone/>
-              <a:defRPr sz="1400"/>
-            </a:lvl1pPr>
-            <a:lvl2pPr marL="457200" indent="0">
-              <a:buNone/>
-              <a:defRPr sz="1200"/>
-            </a:lvl2pPr>
-            <a:lvl3pPr marL="914400" indent="0">
-              <a:buNone/>
-              <a:defRPr sz="1000"/>
-            </a:lvl3pPr>
-            <a:lvl4pPr marL="1371600" indent="0">
-              <a:buNone/>
-              <a:defRPr sz="900"/>
-            </a:lvl4pPr>
-            <a:lvl5pPr marL="1828800" indent="0">
-              <a:buNone/>
-              <a:defRPr sz="900"/>
-            </a:lvl5pPr>
-            <a:lvl6pPr marL="2286000" indent="0">
-              <a:buNone/>
-              <a:defRPr sz="900"/>
-            </a:lvl6pPr>
-            <a:lvl7pPr marL="2743200" indent="0">
-              <a:buNone/>
-              <a:defRPr sz="900"/>
-            </a:lvl7pPr>
-            <a:lvl8pPr marL="3200400" indent="0">
-              <a:buNone/>
-              <a:defRPr sz="900"/>
-            </a:lvl8pPr>
-            <a:lvl9pPr marL="3657600" indent="0">
-              <a:buNone/>
-              <a:defRPr sz="900"/>
-            </a:lvl9pPr>
-          </a:lstStyle>
-          <a:p>
-            <a:pPr lvl="0"/>
-            <a:r>
-              <a:rPr lang="en-US"/>
-              <a:t>Click to edit Master text styles</a:t>
-            </a:r>
-          </a:p>
-        </p:txBody>
-      </p:sp>
-      <p:sp>
-        <p:nvSpPr>
-          <p:cNvPr id="25" name="Text Placeholder 4"/>
-          <p:cNvSpPr>
-            <a:spLocks noGrp="1"/>
-          </p:cNvSpPr>
-          <p:nvPr>
-            <p:ph type="body" sz="quarter" idx="13"/>
-          </p:nvPr>
-        </p:nvSpPr>
-        <p:spPr>
-          <a:xfrm>
-            <a:off x="7973423" y="4195899"/>
-            <a:ext cx="3289900" cy="576262"/>
-          </a:xfrm>
-        </p:spPr>
-        <p:txBody>
-          <a:bodyPr anchor="b">
-            <a:noAutofit/>
-          </a:bodyPr>
-          <a:lstStyle>
-            <a:lvl1pPr marL="0" indent="0" algn="ctr">
-              <a:lnSpc>
-                <a:spcPct val="100000"/>
-              </a:lnSpc>
-              <a:buNone/>
-              <a:defRPr sz="2000" b="0">
-                <a:solidFill>
-                  <a:schemeClr val="tx1"/>
-                </a:solidFill>
-              </a:defRPr>
-            </a:lvl1pPr>
-            <a:lvl2pPr marL="457200" indent="0">
-              <a:buNone/>
-              <a:defRPr sz="2000" b="1"/>
-            </a:lvl2pPr>
-            <a:lvl3pPr marL="914400" indent="0">
-              <a:buNone/>
-              <a:defRPr sz="1800" b="1"/>
-            </a:lvl3pPr>
-            <a:lvl4pPr marL="1371600" indent="0">
-              <a:buNone/>
-              <a:defRPr sz="1600" b="1"/>
-            </a:lvl4pPr>
-            <a:lvl5pPr marL="1828800" indent="0">
-              <a:buNone/>
-              <a:defRPr sz="1600" b="1"/>
-            </a:lvl5pPr>
-            <a:lvl6pPr marL="2286000" indent="0">
-              <a:buNone/>
-              <a:defRPr sz="1600" b="1"/>
-            </a:lvl6pPr>
-            <a:lvl7pPr marL="2743200" indent="0">
-              <a:buNone/>
-              <a:defRPr sz="1600" b="1"/>
-            </a:lvl7pPr>
-            <a:lvl8pPr marL="3200400" indent="0">
-              <a:buNone/>
-              <a:defRPr sz="1600" b="1"/>
-            </a:lvl8pPr>
-            <a:lvl9pPr marL="3657600" indent="0">
-              <a:buNone/>
-              <a:defRPr sz="1600" b="1"/>
-            </a:lvl9pPr>
-          </a:lstStyle>
-          <a:p>
-            <a:pPr lvl="0"/>
-            <a:r>
-              <a:rPr lang="en-US"/>
-              <a:t>Click to edit Master text styles</a:t>
-            </a:r>
-          </a:p>
-        </p:txBody>
-      </p:sp>
-      <p:sp>
-        <p:nvSpPr>
-          <p:cNvPr id="26" name="Picture Placeholder 2"/>
-          <p:cNvSpPr>
-            <a:spLocks noGrp="1" noChangeAspect="1"/>
-          </p:cNvSpPr>
-          <p:nvPr>
-            <p:ph type="pic" idx="22"/>
-          </p:nvPr>
-        </p:nvSpPr>
-        <p:spPr>
-          <a:xfrm>
-            <a:off x="8152803" y="2298987"/>
-            <a:ext cx="2932113" cy="1524000"/>
-          </a:xfrm>
-          <a:prstGeom prst="roundRect">
-            <a:avLst>
-              <a:gd name="adj" fmla="val 0"/>
-            </a:avLst>
-          </a:prstGeom>
-          <a:noFill/>
-          <a:ln w="146050" cap="sq">
-            <a:solidFill>
-              <a:srgbClr val="FFFFFF"/>
-            </a:solidFill>
-            <a:miter lim="800000"/>
-          </a:ln>
-          <a:effectLst>
-            <a:outerShdw blurRad="55000" dist="18000" dir="5400000" algn="tl" rotWithShape="0">
-              <a:srgbClr val="000000">
-                <a:alpha val="40000"/>
-              </a:srgbClr>
-            </a:outerShdw>
-          </a:effectLst>
-          <a:scene3d>
-            <a:camera prst="orthographicFront"/>
-            <a:lightRig rig="twoPt" dir="t">
-              <a:rot lat="0" lon="0" rev="7200000"/>
-            </a:lightRig>
-          </a:scene3d>
-          <a:sp3d>
-            <a:bevelT w="25400" h="19050"/>
-            <a:contourClr>
-              <a:srgbClr val="FFFFFF"/>
-            </a:contourClr>
-          </a:sp3d>
-        </p:spPr>
-        <p:txBody>
-          <a:bodyPr anchor="t">
-            <a:normAutofit/>
-          </a:bodyPr>
-          <a:lstStyle>
-            <a:lvl1pPr marL="0" indent="0" algn="ctr">
-              <a:buNone/>
-              <a:defRPr sz="1600"/>
-            </a:lvl1pPr>
-            <a:lvl2pPr marL="457200" indent="0">
-              <a:buNone/>
-              <a:defRPr sz="1600"/>
-            </a:lvl2pPr>
-            <a:lvl3pPr marL="914400" indent="0">
-              <a:buNone/>
-              <a:defRPr sz="1600"/>
-            </a:lvl3pPr>
-            <a:lvl4pPr marL="1371600" indent="0">
-              <a:buNone/>
-              <a:defRPr sz="1600"/>
-            </a:lvl4pPr>
-            <a:lvl5pPr marL="1828800" indent="0">
-              <a:buNone/>
-              <a:defRPr sz="1600"/>
-            </a:lvl5pPr>
-            <a:lvl6pPr marL="2286000" indent="0">
-              <a:buNone/>
-              <a:defRPr sz="1600"/>
-            </a:lvl6pPr>
-            <a:lvl7pPr marL="2743200" indent="0">
-              <a:buNone/>
-              <a:defRPr sz="1600"/>
-            </a:lvl7pPr>
-            <a:lvl8pPr marL="3200400" indent="0">
-              <a:buNone/>
-              <a:defRPr sz="1600"/>
-            </a:lvl8pPr>
-            <a:lvl9pPr marL="3657600" indent="0">
-              <a:buNone/>
-              <a:defRPr sz="1600"/>
-            </a:lvl9pPr>
-          </a:lstStyle>
-          <a:p>
-            <a:r>
-              <a:rPr lang="en-US"/>
-              <a:t>Click icon to add picture</a:t>
-            </a:r>
-            <a:endParaRPr lang="en-US" dirty="0"/>
-          </a:p>
-        </p:txBody>
-      </p:sp>
-      <p:sp>
-        <p:nvSpPr>
-          <p:cNvPr id="27" name="Text Placeholder 3"/>
-          <p:cNvSpPr>
-            <a:spLocks noGrp="1"/>
-          </p:cNvSpPr>
-          <p:nvPr>
-            <p:ph type="body" sz="half" idx="20"/>
-          </p:nvPr>
-        </p:nvSpPr>
-        <p:spPr>
-          <a:xfrm>
-            <a:off x="7973298" y="4772161"/>
-            <a:ext cx="3294258" cy="1019037"/>
-          </a:xfrm>
-        </p:spPr>
-        <p:txBody>
-          <a:bodyPr anchor="t">
-            <a:normAutofit/>
-          </a:bodyPr>
-          <a:lstStyle>
-            <a:lvl1pPr marL="0" indent="0" algn="ctr">
-              <a:buNone/>
-              <a:defRPr sz="1400"/>
-            </a:lvl1pPr>
-            <a:lvl2pPr marL="457200" indent="0">
-              <a:buNone/>
-              <a:defRPr sz="1200"/>
-            </a:lvl2pPr>
-            <a:lvl3pPr marL="914400" indent="0">
-              <a:buNone/>
-              <a:defRPr sz="1000"/>
-            </a:lvl3pPr>
-            <a:lvl4pPr marL="1371600" indent="0">
-              <a:buNone/>
-              <a:defRPr sz="900"/>
-            </a:lvl4pPr>
-            <a:lvl5pPr marL="1828800" indent="0">
-              <a:buNone/>
-              <a:defRPr sz="900"/>
-            </a:lvl5pPr>
-            <a:lvl6pPr marL="2286000" indent="0">
-              <a:buNone/>
-              <a:defRPr sz="900"/>
-            </a:lvl6pPr>
-            <a:lvl7pPr marL="2743200" indent="0">
-              <a:buNone/>
-              <a:defRPr sz="900"/>
-            </a:lvl7pPr>
-            <a:lvl8pPr marL="3200400" indent="0">
-              <a:buNone/>
-              <a:defRPr sz="900"/>
-            </a:lvl8pPr>
-            <a:lvl9pPr marL="3657600" indent="0">
-              <a:buNone/>
-              <a:defRPr sz="900"/>
-            </a:lvl9pPr>
-          </a:lstStyle>
-          <a:p>
-            <a:pPr lvl="0"/>
-            <a:r>
-              <a:rPr lang="en-US"/>
-              <a:t>Click to edit Master text styles</a:t>
-            </a:r>
-          </a:p>
-        </p:txBody>
-      </p:sp>
-      <p:sp>
-        <p:nvSpPr>
-          <p:cNvPr id="3" name="Date Placeholder 2"/>
+          <p:cNvPr id="4" name="Date Placeholder 3"/>
           <p:cNvSpPr>
             <a:spLocks noGrp="1"/>
           </p:cNvSpPr>
@@ -2798,7 +2455,7 @@
           <a:p>
             <a:fld id="{25E87A1C-2017-4D7B-8BCE-8BECB9EF8580}" type="datetimeFigureOut">
               <a:rPr lang="en-US" smtClean="0"/>
-              <a:t>9/8/2023</a:t>
+              <a:t>9/9/2023</a:t>
             </a:fld>
             <a:endParaRPr lang="en-US"/>
           </a:p>
@@ -2806,7 +2463,7 @@
       </p:sp>
       <p:sp>
         <p:nvSpPr>
-          <p:cNvPr id="4" name="Footer Placeholder 3"/>
+          <p:cNvPr id="5" name="Footer Placeholder 4"/>
           <p:cNvSpPr>
             <a:spLocks noGrp="1"/>
           </p:cNvSpPr>
@@ -2825,7 +2482,7 @@
       </p:sp>
       <p:sp>
         <p:nvSpPr>
-          <p:cNvPr id="5" name="Slide Number Placeholder 4"/>
+          <p:cNvPr id="6" name="Slide Number Placeholder 5"/>
           <p:cNvSpPr>
             <a:spLocks noGrp="1"/>
           </p:cNvSpPr>
@@ -2849,7 +2506,7 @@
     </p:spTree>
     <p:extLst>
       <p:ext uri="{BB962C8B-B14F-4D97-AF65-F5344CB8AC3E}">
-        <p14:creationId xmlns:p14="http://schemas.microsoft.com/office/powerpoint/2010/main" val="1891732349"/>
+        <p14:creationId xmlns:p14="http://schemas.microsoft.com/office/powerpoint/2010/main" val="1926761343"/>
       </p:ext>
     </p:extLst>
   </p:cSld>
@@ -2859,7 +2516,7 @@
 </p:sldLayout>
 </file>
 
-<file path=ppt/slideLayouts/slideLayout16.xml><?xml version="1.0" encoding="utf-8"?>
+<file path=ppt/slideLayouts/slideLayout15.xml><?xml version="1.0" encoding="utf-8"?>
 <p:sldLayout xmlns:a="http://schemas.openxmlformats.org/drawingml/2006/main" xmlns:r="http://schemas.openxmlformats.org/officeDocument/2006/relationships" xmlns:p="http://schemas.openxmlformats.org/presentationml/2006/main" type="vertTx" preserve="1">
   <p:cSld name="Title and Vertical Text">
     <p:spTree>
@@ -2968,7 +2625,7 @@
           <a:p>
             <a:fld id="{25E87A1C-2017-4D7B-8BCE-8BECB9EF8580}" type="datetimeFigureOut">
               <a:rPr lang="en-US" smtClean="0"/>
-              <a:t>9/8/2023</a:t>
+              <a:t>9/9/2023</a:t>
             </a:fld>
             <a:endParaRPr lang="en-US"/>
           </a:p>
@@ -3019,7 +2676,7 @@
     </p:spTree>
     <p:extLst>
       <p:ext uri="{BB962C8B-B14F-4D97-AF65-F5344CB8AC3E}">
-        <p14:creationId xmlns:p14="http://schemas.microsoft.com/office/powerpoint/2010/main" val="426834767"/>
+        <p14:creationId xmlns:p14="http://schemas.microsoft.com/office/powerpoint/2010/main" val="2509627182"/>
       </p:ext>
     </p:extLst>
   </p:cSld>
@@ -3029,7 +2686,7 @@
 </p:sldLayout>
 </file>
 
-<file path=ppt/slideLayouts/slideLayout17.xml><?xml version="1.0" encoding="utf-8"?>
+<file path=ppt/slideLayouts/slideLayout16.xml><?xml version="1.0" encoding="utf-8"?>
 <p:sldLayout xmlns:a="http://schemas.openxmlformats.org/drawingml/2006/main" xmlns:r="http://schemas.openxmlformats.org/officeDocument/2006/relationships" xmlns:p="http://schemas.openxmlformats.org/presentationml/2006/main" type="vertTitleAndTx" preserve="1">
   <p:cSld name="Vertical Title and Text">
     <p:spTree>
@@ -3058,17 +2715,13 @@
         </p:nvSpPr>
         <p:spPr>
           <a:xfrm>
-            <a:off x="8724900" y="609599"/>
-            <a:ext cx="2542657" cy="5181601"/>
-          </a:xfrm>
-        </p:spPr>
-        <p:txBody>
-          <a:bodyPr vert="eaVert"/>
-          <a:lstStyle>
-            <a:lvl1pPr algn="l">
-              <a:defRPr/>
-            </a:lvl1pPr>
-          </a:lstStyle>
+            <a:off x="7967673" y="609599"/>
+            <a:ext cx="1304743" cy="5251451"/>
+          </a:xfrm>
+        </p:spPr>
+        <p:txBody>
+          <a:bodyPr vert="eaVert" anchor="ctr"/>
+          <a:lstStyle/>
           <a:p>
             <a:r>
               <a:rPr lang="en-US"/>
@@ -3090,8 +2743,8 @@
         </p:nvSpPr>
         <p:spPr>
           <a:xfrm>
-            <a:off x="913794" y="609599"/>
-            <a:ext cx="7658705" cy="5181601"/>
+            <a:off x="677335" y="609600"/>
+            <a:ext cx="7060150" cy="5251450"/>
           </a:xfrm>
         </p:spPr>
         <p:txBody>
@@ -3152,7 +2805,7 @@
           <a:p>
             <a:fld id="{25E87A1C-2017-4D7B-8BCE-8BECB9EF8580}" type="datetimeFigureOut">
               <a:rPr lang="en-US" smtClean="0"/>
-              <a:t>9/8/2023</a:t>
+              <a:t>9/9/2023</a:t>
             </a:fld>
             <a:endParaRPr lang="en-US"/>
           </a:p>
@@ -3203,7 +2856,7 @@
     </p:spTree>
     <p:extLst>
       <p:ext uri="{BB962C8B-B14F-4D97-AF65-F5344CB8AC3E}">
-        <p14:creationId xmlns:p14="http://schemas.microsoft.com/office/powerpoint/2010/main" val="1780361552"/>
+        <p14:creationId xmlns:p14="http://schemas.microsoft.com/office/powerpoint/2010/main" val="4045290459"/>
       </p:ext>
     </p:extLst>
   </p:cSld>
@@ -3242,8 +2895,14 @@
         </p:nvSpPr>
         <p:spPr/>
         <p:txBody>
-          <a:bodyPr/>
-          <a:lstStyle/>
+          <a:bodyPr>
+            <a:normAutofit/>
+          </a:bodyPr>
+          <a:lstStyle>
+            <a:lvl1pPr>
+              <a:defRPr sz="3600"/>
+            </a:lvl1pPr>
+          </a:lstStyle>
           <a:p>
             <a:r>
               <a:rPr lang="en-US"/>
@@ -3322,7 +2981,7 @@
           <a:p>
             <a:fld id="{25E87A1C-2017-4D7B-8BCE-8BECB9EF8580}" type="datetimeFigureOut">
               <a:rPr lang="en-US" smtClean="0"/>
-              <a:t>9/8/2023</a:t>
+              <a:t>9/9/2023</a:t>
             </a:fld>
             <a:endParaRPr lang="en-US"/>
           </a:p>
@@ -3373,7 +3032,7 @@
     </p:spTree>
     <p:extLst>
       <p:ext uri="{BB962C8B-B14F-4D97-AF65-F5344CB8AC3E}">
-        <p14:creationId xmlns:p14="http://schemas.microsoft.com/office/powerpoint/2010/main" val="1517002219"/>
+        <p14:creationId xmlns:p14="http://schemas.microsoft.com/office/powerpoint/2010/main" val="1173722983"/>
       </p:ext>
     </p:extLst>
   </p:cSld>
@@ -3412,17 +3071,15 @@
         </p:nvSpPr>
         <p:spPr>
           <a:xfrm>
-            <a:off x="1229244" y="657226"/>
-            <a:ext cx="9733512" cy="2852737"/>
-          </a:xfrm>
-        </p:spPr>
-        <p:txBody>
-          <a:bodyPr anchor="b">
-            <a:normAutofit/>
-          </a:bodyPr>
+            <a:off x="677335" y="2700867"/>
+            <a:ext cx="8596668" cy="1826581"/>
+          </a:xfrm>
+        </p:spPr>
+        <p:txBody>
+          <a:bodyPr anchor="b"/>
           <a:lstStyle>
-            <a:lvl1pPr>
-              <a:defRPr sz="3400"/>
+            <a:lvl1pPr algn="l">
+              <a:defRPr sz="4000" b="0" cap="none"/>
             </a:lvl1pPr>
           </a:lstStyle>
           <a:p>
@@ -3446,26 +3103,27 @@
         </p:nvSpPr>
         <p:spPr>
           <a:xfrm>
-            <a:off x="1229244" y="3602038"/>
-            <a:ext cx="9733512" cy="1500187"/>
-          </a:xfrm>
-        </p:spPr>
-        <p:txBody>
-          <a:bodyPr/>
+            <a:off x="677335" y="4527448"/>
+            <a:ext cx="8596668" cy="860400"/>
+          </a:xfrm>
+        </p:spPr>
+        <p:txBody>
+          <a:bodyPr anchor="t"/>
           <a:lstStyle>
-            <a:lvl1pPr marL="0" indent="0" algn="ctr">
-              <a:buNone/>
-              <a:defRPr sz="2400">
+            <a:lvl1pPr marL="0" indent="0" algn="l">
+              <a:buNone/>
+              <a:defRPr sz="2000">
                 <a:solidFill>
                   <a:schemeClr val="tx1">
-                    <a:tint val="75000"/>
+                    <a:lumMod val="50000"/>
+                    <a:lumOff val="50000"/>
                   </a:schemeClr>
                 </a:solidFill>
               </a:defRPr>
             </a:lvl1pPr>
             <a:lvl2pPr marL="457200" indent="0">
               <a:buNone/>
-              <a:defRPr sz="2000">
+              <a:defRPr sz="1800">
                 <a:solidFill>
                   <a:schemeClr val="tx1">
                     <a:tint val="75000"/>
@@ -3475,7 +3133,7 @@
             </a:lvl2pPr>
             <a:lvl3pPr marL="914400" indent="0">
               <a:buNone/>
-              <a:defRPr sz="1800">
+              <a:defRPr sz="1600">
                 <a:solidFill>
                   <a:schemeClr val="tx1">
                     <a:tint val="75000"/>
@@ -3485,7 +3143,7 @@
             </a:lvl3pPr>
             <a:lvl4pPr marL="1371600" indent="0">
               <a:buNone/>
-              <a:defRPr sz="1600">
+              <a:defRPr sz="1400">
                 <a:solidFill>
                   <a:schemeClr val="tx1">
                     <a:tint val="75000"/>
@@ -3495,7 +3153,7 @@
             </a:lvl4pPr>
             <a:lvl5pPr marL="1828800" indent="0">
               <a:buNone/>
-              <a:defRPr sz="1600">
+              <a:defRPr sz="1400">
                 <a:solidFill>
                   <a:schemeClr val="tx1">
                     <a:tint val="75000"/>
@@ -3505,7 +3163,7 @@
             </a:lvl5pPr>
             <a:lvl6pPr marL="2286000" indent="0">
               <a:buNone/>
-              <a:defRPr sz="1600">
+              <a:defRPr sz="1400">
                 <a:solidFill>
                   <a:schemeClr val="tx1">
                     <a:tint val="75000"/>
@@ -3515,7 +3173,7 @@
             </a:lvl6pPr>
             <a:lvl7pPr marL="2743200" indent="0">
               <a:buNone/>
-              <a:defRPr sz="1600">
+              <a:defRPr sz="1400">
                 <a:solidFill>
                   <a:schemeClr val="tx1">
                     <a:tint val="75000"/>
@@ -3525,7 +3183,7 @@
             </a:lvl7pPr>
             <a:lvl8pPr marL="3200400" indent="0">
               <a:buNone/>
-              <a:defRPr sz="1600">
+              <a:defRPr sz="1400">
                 <a:solidFill>
                   <a:schemeClr val="tx1">
                     <a:tint val="75000"/>
@@ -3535,7 +3193,7 @@
             </a:lvl8pPr>
             <a:lvl9pPr marL="3657600" indent="0">
               <a:buNone/>
-              <a:defRPr sz="1600">
+              <a:defRPr sz="1400">
                 <a:solidFill>
                   <a:schemeClr val="tx1">
                     <a:tint val="75000"/>
@@ -3570,7 +3228,7 @@
           <a:p>
             <a:fld id="{25E87A1C-2017-4D7B-8BCE-8BECB9EF8580}" type="datetimeFigureOut">
               <a:rPr lang="en-US" smtClean="0"/>
-              <a:t>9/8/2023</a:t>
+              <a:t>9/9/2023</a:t>
             </a:fld>
             <a:endParaRPr lang="en-US"/>
           </a:p>
@@ -3621,7 +3279,7 @@
     </p:spTree>
     <p:extLst>
       <p:ext uri="{BB962C8B-B14F-4D97-AF65-F5344CB8AC3E}">
-        <p14:creationId xmlns:p14="http://schemas.microsoft.com/office/powerpoint/2010/main" val="1349612191"/>
+        <p14:creationId xmlns:p14="http://schemas.microsoft.com/office/powerpoint/2010/main" val="4190806491"/>
       </p:ext>
     </p:extLst>
   </p:cSld>
@@ -3658,12 +3316,7 @@
             <p:ph type="title"/>
           </p:nvPr>
         </p:nvSpPr>
-        <p:spPr>
-          <a:xfrm>
-            <a:off x="913795" y="609600"/>
-            <a:ext cx="10353761" cy="1326321"/>
-          </a:xfrm>
-        </p:spPr>
+        <p:spPr/>
         <p:txBody>
           <a:bodyPr/>
           <a:lstStyle/>
@@ -3688,8 +3341,8 @@
         </p:nvSpPr>
         <p:spPr>
           <a:xfrm>
-            <a:off x="913795" y="2088319"/>
-            <a:ext cx="5106004" cy="3702881"/>
+            <a:off x="677334" y="2160589"/>
+            <a:ext cx="4184035" cy="3880772"/>
           </a:xfrm>
         </p:spPr>
         <p:txBody>
@@ -3745,8 +3398,8 @@
         </p:nvSpPr>
         <p:spPr>
           <a:xfrm>
-            <a:off x="6173403" y="2088319"/>
-            <a:ext cx="5094154" cy="3702881"/>
+            <a:off x="5089970" y="2160589"/>
+            <a:ext cx="4184034" cy="3880773"/>
           </a:xfrm>
         </p:spPr>
         <p:txBody>
@@ -3807,7 +3460,7 @@
           <a:p>
             <a:fld id="{25E87A1C-2017-4D7B-8BCE-8BECB9EF8580}" type="datetimeFigureOut">
               <a:rPr lang="en-US" smtClean="0"/>
-              <a:t>9/8/2023</a:t>
+              <a:t>9/9/2023</a:t>
             </a:fld>
             <a:endParaRPr lang="en-US"/>
           </a:p>
@@ -3858,7 +3511,7 @@
     </p:spTree>
     <p:extLst>
       <p:ext uri="{BB962C8B-B14F-4D97-AF65-F5344CB8AC3E}">
-        <p14:creationId xmlns:p14="http://schemas.microsoft.com/office/powerpoint/2010/main" val="3354513988"/>
+        <p14:creationId xmlns:p14="http://schemas.microsoft.com/office/powerpoint/2010/main" val="4292409354"/>
       </p:ext>
     </p:extLst>
   </p:cSld>
@@ -3895,15 +3548,14 @@
             <p:ph type="title"/>
           </p:nvPr>
         </p:nvSpPr>
-        <p:spPr>
-          <a:xfrm>
-            <a:off x="913795" y="609600"/>
-            <a:ext cx="10353761" cy="1325563"/>
-          </a:xfrm>
-        </p:spPr>
+        <p:spPr/>
         <p:txBody>
           <a:bodyPr/>
-          <a:lstStyle/>
+          <a:lstStyle>
+            <a:lvl1pPr>
+              <a:defRPr/>
+            </a:lvl1pPr>
+          </a:lstStyle>
           <a:p>
             <a:r>
               <a:rPr lang="en-US"/>
@@ -3925,19 +3577,18 @@
         </p:nvSpPr>
         <p:spPr>
           <a:xfrm>
-            <a:off x="1141804" y="2088320"/>
-            <a:ext cx="4879199" cy="823912"/>
-          </a:xfrm>
-        </p:spPr>
-        <p:txBody>
-          <a:bodyPr anchor="b"/>
+            <a:off x="675745" y="2160983"/>
+            <a:ext cx="4185623" cy="576262"/>
+          </a:xfrm>
+        </p:spPr>
+        <p:txBody>
+          <a:bodyPr anchor="b">
+            <a:noAutofit/>
+          </a:bodyPr>
           <a:lstStyle>
             <a:lvl1pPr marL="0" indent="0">
-              <a:lnSpc>
-                <a:spcPct val="100000"/>
-              </a:lnSpc>
-              <a:buNone/>
-              <a:defRPr sz="2400" b="1"/>
+              <a:buNone/>
+              <a:defRPr sz="2400" b="0"/>
             </a:lvl1pPr>
             <a:lvl2pPr marL="457200" indent="0">
               <a:buNone/>
@@ -3993,12 +3644,14 @@
         </p:nvSpPr>
         <p:spPr>
           <a:xfrm>
-            <a:off x="913795" y="2912232"/>
-            <a:ext cx="5107208" cy="2878968"/>
-          </a:xfrm>
-        </p:spPr>
-        <p:txBody>
-          <a:bodyPr/>
+            <a:off x="675745" y="2737245"/>
+            <a:ext cx="4185623" cy="3304117"/>
+          </a:xfrm>
+        </p:spPr>
+        <p:txBody>
+          <a:bodyPr>
+            <a:normAutofit/>
+          </a:bodyPr>
           <a:lstStyle/>
           <a:p>
             <a:pPr lvl="0"/>
@@ -4050,19 +3703,18 @@
         </p:nvSpPr>
         <p:spPr>
           <a:xfrm>
-            <a:off x="6402003" y="2088320"/>
-            <a:ext cx="4865554" cy="823912"/>
-          </a:xfrm>
-        </p:spPr>
-        <p:txBody>
-          <a:bodyPr anchor="b"/>
+            <a:off x="5088383" y="2160983"/>
+            <a:ext cx="4185618" cy="576262"/>
+          </a:xfrm>
+        </p:spPr>
+        <p:txBody>
+          <a:bodyPr anchor="b">
+            <a:noAutofit/>
+          </a:bodyPr>
           <a:lstStyle>
             <a:lvl1pPr marL="0" indent="0">
-              <a:lnSpc>
-                <a:spcPct val="100000"/>
-              </a:lnSpc>
-              <a:buNone/>
-              <a:defRPr sz="2400" b="1"/>
+              <a:buNone/>
+              <a:defRPr sz="2400" b="0"/>
             </a:lvl1pPr>
             <a:lvl2pPr marL="457200" indent="0">
               <a:buNone/>
@@ -4118,12 +3770,14 @@
         </p:nvSpPr>
         <p:spPr>
           <a:xfrm>
-            <a:off x="6172200" y="2912232"/>
-            <a:ext cx="5095357" cy="2878968"/>
-          </a:xfrm>
-        </p:spPr>
-        <p:txBody>
-          <a:bodyPr/>
+            <a:off x="5088384" y="2737245"/>
+            <a:ext cx="4185617" cy="3304117"/>
+          </a:xfrm>
+        </p:spPr>
+        <p:txBody>
+          <a:bodyPr>
+            <a:normAutofit/>
+          </a:bodyPr>
           <a:lstStyle/>
           <a:p>
             <a:pPr lvl="0"/>
@@ -4180,7 +3834,7 @@
           <a:p>
             <a:fld id="{25E87A1C-2017-4D7B-8BCE-8BECB9EF8580}" type="datetimeFigureOut">
               <a:rPr lang="en-US" smtClean="0"/>
-              <a:t>9/8/2023</a:t>
+              <a:t>9/9/2023</a:t>
             </a:fld>
             <a:endParaRPr lang="en-US"/>
           </a:p>
@@ -4231,7 +3885,7 @@
     </p:spTree>
     <p:extLst>
       <p:ext uri="{BB962C8B-B14F-4D97-AF65-F5344CB8AC3E}">
-        <p14:creationId xmlns:p14="http://schemas.microsoft.com/office/powerpoint/2010/main" val="3308773750"/>
+        <p14:creationId xmlns:p14="http://schemas.microsoft.com/office/powerpoint/2010/main" val="3156871264"/>
       </p:ext>
     </p:extLst>
   </p:cSld>
@@ -4268,7 +3922,12 @@
             <p:ph type="title"/>
           </p:nvPr>
         </p:nvSpPr>
-        <p:spPr/>
+        <p:spPr>
+          <a:xfrm>
+            <a:off x="677334" y="609600"/>
+            <a:ext cx="8596668" cy="1320800"/>
+          </a:xfrm>
+        </p:spPr>
         <p:txBody>
           <a:bodyPr/>
           <a:lstStyle/>
@@ -4298,7 +3957,7 @@
           <a:p>
             <a:fld id="{25E87A1C-2017-4D7B-8BCE-8BECB9EF8580}" type="datetimeFigureOut">
               <a:rPr lang="en-US" smtClean="0"/>
-              <a:t>9/8/2023</a:t>
+              <a:t>9/9/2023</a:t>
             </a:fld>
             <a:endParaRPr lang="en-US"/>
           </a:p>
@@ -4349,7 +4008,7 @@
     </p:spTree>
     <p:extLst>
       <p:ext uri="{BB962C8B-B14F-4D97-AF65-F5344CB8AC3E}">
-        <p14:creationId xmlns:p14="http://schemas.microsoft.com/office/powerpoint/2010/main" val="982734276"/>
+        <p14:creationId xmlns:p14="http://schemas.microsoft.com/office/powerpoint/2010/main" val="2921711450"/>
       </p:ext>
     </p:extLst>
   </p:cSld>
@@ -4393,7 +4052,7 @@
           <a:p>
             <a:fld id="{25E87A1C-2017-4D7B-8BCE-8BECB9EF8580}" type="datetimeFigureOut">
               <a:rPr lang="en-US" smtClean="0"/>
-              <a:t>9/8/2023</a:t>
+              <a:t>9/9/2023</a:t>
             </a:fld>
             <a:endParaRPr lang="en-US"/>
           </a:p>
@@ -4444,7 +4103,7 @@
     </p:spTree>
     <p:extLst>
       <p:ext uri="{BB962C8B-B14F-4D97-AF65-F5344CB8AC3E}">
-        <p14:creationId xmlns:p14="http://schemas.microsoft.com/office/powerpoint/2010/main" val="3212580430"/>
+        <p14:creationId xmlns:p14="http://schemas.microsoft.com/office/powerpoint/2010/main" val="298742562"/>
       </p:ext>
     </p:extLst>
   </p:cSld>
@@ -4483,8 +4142,8 @@
         </p:nvSpPr>
         <p:spPr>
           <a:xfrm>
-            <a:off x="917228" y="609600"/>
-            <a:ext cx="3932237" cy="2362200"/>
+            <a:off x="677334" y="1498604"/>
+            <a:ext cx="3854528" cy="1278466"/>
           </a:xfrm>
         </p:spPr>
         <p:txBody>
@@ -4493,7 +4152,7 @@
           </a:bodyPr>
           <a:lstStyle>
             <a:lvl1pPr>
-              <a:defRPr sz="2800"/>
+              <a:defRPr sz="2000"/>
             </a:lvl1pPr>
           </a:lstStyle>
           <a:p>
@@ -4517,12 +4176,14 @@
         </p:nvSpPr>
         <p:spPr>
           <a:xfrm>
-            <a:off x="5078064" y="609600"/>
-            <a:ext cx="6189492" cy="5181600"/>
-          </a:xfrm>
-        </p:spPr>
-        <p:txBody>
-          <a:bodyPr anchor="ctr"/>
+            <a:off x="4760461" y="514924"/>
+            <a:ext cx="4513541" cy="5526437"/>
+          </a:xfrm>
+        </p:spPr>
+        <p:txBody>
+          <a:bodyPr>
+            <a:normAutofit/>
+          </a:bodyPr>
           <a:lstStyle/>
           <a:p>
             <a:pPr lvl="0"/>
@@ -4574,46 +4235,48 @@
         </p:nvSpPr>
         <p:spPr>
           <a:xfrm>
-            <a:off x="917228" y="2971800"/>
-            <a:ext cx="3932237" cy="2819399"/>
-          </a:xfrm>
-        </p:spPr>
-        <p:txBody>
-          <a:bodyPr/>
+            <a:off x="677334" y="2777069"/>
+            <a:ext cx="3854528" cy="2584449"/>
+          </a:xfrm>
+        </p:spPr>
+        <p:txBody>
+          <a:bodyPr>
+            <a:normAutofit/>
+          </a:bodyPr>
           <a:lstStyle>
-            <a:lvl1pPr marL="0" indent="0" algn="ctr">
-              <a:buNone/>
-              <a:defRPr sz="1600"/>
+            <a:lvl1pPr marL="0" indent="0">
+              <a:buNone/>
+              <a:defRPr sz="1400"/>
             </a:lvl1pPr>
-            <a:lvl2pPr marL="457200" indent="0">
+            <a:lvl2pPr marL="457063" indent="0">
               <a:buNone/>
               <a:defRPr sz="1400"/>
             </a:lvl2pPr>
-            <a:lvl3pPr marL="914400" indent="0">
+            <a:lvl3pPr marL="914126" indent="0">
               <a:buNone/>
               <a:defRPr sz="1200"/>
             </a:lvl3pPr>
-            <a:lvl4pPr marL="1371600" indent="0">
+            <a:lvl4pPr marL="1371189" indent="0">
               <a:buNone/>
               <a:defRPr sz="1000"/>
             </a:lvl4pPr>
-            <a:lvl5pPr marL="1828800" indent="0">
+            <a:lvl5pPr marL="1828251" indent="0">
               <a:buNone/>
               <a:defRPr sz="1000"/>
             </a:lvl5pPr>
-            <a:lvl6pPr marL="2286000" indent="0">
+            <a:lvl6pPr marL="2285314" indent="0">
               <a:buNone/>
               <a:defRPr sz="1000"/>
             </a:lvl6pPr>
-            <a:lvl7pPr marL="2743200" indent="0">
+            <a:lvl7pPr marL="2742377" indent="0">
               <a:buNone/>
               <a:defRPr sz="1000"/>
             </a:lvl7pPr>
-            <a:lvl8pPr marL="3200400" indent="0">
+            <a:lvl8pPr marL="3199440" indent="0">
               <a:buNone/>
               <a:defRPr sz="1000"/>
             </a:lvl8pPr>
-            <a:lvl9pPr marL="3657600" indent="0">
+            <a:lvl9pPr marL="3656503" indent="0">
               <a:buNone/>
               <a:defRPr sz="1000"/>
             </a:lvl9pPr>
@@ -4644,7 +4307,7 @@
           <a:p>
             <a:fld id="{25E87A1C-2017-4D7B-8BCE-8BECB9EF8580}" type="datetimeFigureOut">
               <a:rPr lang="en-US" smtClean="0"/>
-              <a:t>9/8/2023</a:t>
+              <a:t>9/9/2023</a:t>
             </a:fld>
             <a:endParaRPr lang="en-US"/>
           </a:p>
@@ -4695,7 +4358,7 @@
     </p:spTree>
     <p:extLst>
       <p:ext uri="{BB962C8B-B14F-4D97-AF65-F5344CB8AC3E}">
-        <p14:creationId xmlns:p14="http://schemas.microsoft.com/office/powerpoint/2010/main" val="3957277251"/>
+        <p14:creationId xmlns:p14="http://schemas.microsoft.com/office/powerpoint/2010/main" val="3218689746"/>
       </p:ext>
     </p:extLst>
   </p:cSld>
@@ -4734,8 +4397,8 @@
         </p:nvSpPr>
         <p:spPr>
           <a:xfrm>
-            <a:off x="917227" y="609600"/>
-            <a:ext cx="5929773" cy="2362200"/>
+            <a:off x="677334" y="4800600"/>
+            <a:ext cx="8596667" cy="566738"/>
           </a:xfrm>
         </p:spPr>
         <p:txBody>
@@ -4743,8 +4406,8 @@
             <a:normAutofit/>
           </a:bodyPr>
           <a:lstStyle>
-            <a:lvl1pPr>
-              <a:defRPr sz="3200"/>
+            <a:lvl1pPr algn="l">
+              <a:defRPr sz="2400" b="0"/>
             </a:lvl1pPr>
           </a:lstStyle>
           <a:p>
@@ -4768,74 +4431,50 @@
         </p:nvSpPr>
         <p:spPr>
           <a:xfrm>
-            <a:off x="7424804" y="758881"/>
-            <a:ext cx="3255356" cy="4883038"/>
-          </a:xfrm>
-          <a:noFill/>
-          <a:ln w="190500" cap="sq">
-            <a:solidFill>
-              <a:srgbClr val="FFFFFF"/>
-            </a:solidFill>
-            <a:miter lim="800000"/>
-          </a:ln>
-          <a:effectLst>
-            <a:outerShdw blurRad="55000" dist="18000" dir="5400000" algn="tl" rotWithShape="0">
-              <a:srgbClr val="000000">
-                <a:alpha val="40000"/>
-              </a:srgbClr>
-            </a:outerShdw>
-          </a:effectLst>
-          <a:scene3d>
-            <a:camera prst="orthographicFront"/>
-            <a:lightRig rig="twoPt" dir="t">
-              <a:rot lat="0" lon="0" rev="7200000"/>
-            </a:lightRig>
-          </a:scene3d>
-          <a:sp3d>
-            <a:bevelT w="25400" h="19050"/>
-            <a:contourClr>
-              <a:srgbClr val="FFFFFF"/>
-            </a:contourClr>
-          </a:sp3d>
-        </p:spPr>
-        <p:txBody>
-          <a:bodyPr anchor="t"/>
+            <a:off x="677334" y="609600"/>
+            <a:ext cx="8596668" cy="3845718"/>
+          </a:xfrm>
+        </p:spPr>
+        <p:txBody>
+          <a:bodyPr anchor="t">
+            <a:normAutofit/>
+          </a:bodyPr>
           <a:lstStyle>
             <a:lvl1pPr marL="0" indent="0" algn="ctr">
               <a:buNone/>
-              <a:defRPr sz="3200"/>
+              <a:defRPr sz="1600"/>
             </a:lvl1pPr>
             <a:lvl2pPr marL="457200" indent="0">
               <a:buNone/>
-              <a:defRPr sz="2800"/>
+              <a:defRPr sz="1600"/>
             </a:lvl2pPr>
             <a:lvl3pPr marL="914400" indent="0">
               <a:buNone/>
-              <a:defRPr sz="2400"/>
+              <a:defRPr sz="1600"/>
             </a:lvl3pPr>
             <a:lvl4pPr marL="1371600" indent="0">
               <a:buNone/>
-              <a:defRPr sz="2000"/>
+              <a:defRPr sz="1600"/>
             </a:lvl4pPr>
             <a:lvl5pPr marL="1828800" indent="0">
               <a:buNone/>
-              <a:defRPr sz="2000"/>
+              <a:defRPr sz="1600"/>
             </a:lvl5pPr>
             <a:lvl6pPr marL="2286000" indent="0">
               <a:buNone/>
-              <a:defRPr sz="2000"/>
+              <a:defRPr sz="1600"/>
             </a:lvl6pPr>
             <a:lvl7pPr marL="2743200" indent="0">
               <a:buNone/>
-              <a:defRPr sz="2000"/>
+              <a:defRPr sz="1600"/>
             </a:lvl7pPr>
             <a:lvl8pPr marL="3200400" indent="0">
               <a:buNone/>
-              <a:defRPr sz="2000"/>
+              <a:defRPr sz="1600"/>
             </a:lvl8pPr>
             <a:lvl9pPr marL="3657600" indent="0">
               <a:buNone/>
-              <a:defRPr sz="2000"/>
+              <a:defRPr sz="1600"/>
             </a:lvl9pPr>
           </a:lstStyle>
           <a:p>
@@ -4859,8 +4498,8 @@
         </p:nvSpPr>
         <p:spPr>
           <a:xfrm>
-            <a:off x="913794" y="2971800"/>
-            <a:ext cx="5934950" cy="2819400"/>
+            <a:off x="677334" y="5367338"/>
+            <a:ext cx="8596667" cy="674024"/>
           </a:xfrm>
         </p:spPr>
         <p:txBody>
@@ -4868,41 +4507,41 @@
             <a:normAutofit/>
           </a:bodyPr>
           <a:lstStyle>
-            <a:lvl1pPr marL="0" indent="0" algn="ctr">
-              <a:buNone/>
-              <a:defRPr sz="1800"/>
+            <a:lvl1pPr marL="0" indent="0">
+              <a:buNone/>
+              <a:defRPr sz="1200"/>
             </a:lvl1pPr>
             <a:lvl2pPr marL="457200" indent="0">
               <a:buNone/>
-              <a:defRPr sz="1400"/>
+              <a:defRPr sz="1200"/>
             </a:lvl2pPr>
             <a:lvl3pPr marL="914400" indent="0">
               <a:buNone/>
-              <a:defRPr sz="1200"/>
+              <a:defRPr sz="1000"/>
             </a:lvl3pPr>
             <a:lvl4pPr marL="1371600" indent="0">
               <a:buNone/>
-              <a:defRPr sz="1000"/>
+              <a:defRPr sz="900"/>
             </a:lvl4pPr>
             <a:lvl5pPr marL="1828800" indent="0">
               <a:buNone/>
-              <a:defRPr sz="1000"/>
+              <a:defRPr sz="900"/>
             </a:lvl5pPr>
             <a:lvl6pPr marL="2286000" indent="0">
               <a:buNone/>
-              <a:defRPr sz="1000"/>
+              <a:defRPr sz="900"/>
             </a:lvl6pPr>
             <a:lvl7pPr marL="2743200" indent="0">
               <a:buNone/>
-              <a:defRPr sz="1000"/>
+              <a:defRPr sz="900"/>
             </a:lvl7pPr>
             <a:lvl8pPr marL="3200400" indent="0">
               <a:buNone/>
-              <a:defRPr sz="1000"/>
+              <a:defRPr sz="900"/>
             </a:lvl8pPr>
             <a:lvl9pPr marL="3657600" indent="0">
               <a:buNone/>
-              <a:defRPr sz="1000"/>
+              <a:defRPr sz="900"/>
             </a:lvl9pPr>
           </a:lstStyle>
           <a:p>
@@ -4931,7 +4570,7 @@
           <a:p>
             <a:fld id="{25E87A1C-2017-4D7B-8BCE-8BECB9EF8580}" type="datetimeFigureOut">
               <a:rPr lang="en-US" smtClean="0"/>
-              <a:t>9/8/2023</a:t>
+              <a:t>9/9/2023</a:t>
             </a:fld>
             <a:endParaRPr lang="en-US"/>
           </a:p>
@@ -4982,7 +4621,7 @@
     </p:spTree>
     <p:extLst>
       <p:ext uri="{BB962C8B-B14F-4D97-AF65-F5344CB8AC3E}">
-        <p14:creationId xmlns:p14="http://schemas.microsoft.com/office/powerpoint/2010/main" val="1654821783"/>
+        <p14:creationId xmlns:p14="http://schemas.microsoft.com/office/powerpoint/2010/main" val="2423244949"/>
       </p:ext>
     </p:extLst>
   </p:cSld>
@@ -4996,626 +4635,10 @@
 <p:sldMaster xmlns:a="http://schemas.openxmlformats.org/drawingml/2006/main" xmlns:r="http://schemas.openxmlformats.org/officeDocument/2006/relationships" xmlns:p="http://schemas.openxmlformats.org/presentationml/2006/main">
   <p:cSld>
     <p:bg>
-      <p:bgRef idx="1003">
-        <a:schemeClr val="bg2"/>
-      </p:bgRef>
-    </p:bg>
-    <p:spTree>
-      <p:nvGrpSpPr>
-        <p:cNvPr id="1" name=""/>
-        <p:cNvGrpSpPr/>
-        <p:nvPr/>
-      </p:nvGrpSpPr>
-      <p:grpSpPr>
-        <a:xfrm>
-          <a:off x="0" y="0"/>
-          <a:ext cx="0" cy="0"/>
-          <a:chOff x="0" y="0"/>
-          <a:chExt cx="0" cy="0"/>
-        </a:xfrm>
-      </p:grpSpPr>
-      <p:sp>
-        <p:nvSpPr>
-          <p:cNvPr id="2" name="Title Placeholder 1"/>
-          <p:cNvSpPr>
-            <a:spLocks noGrp="1"/>
-          </p:cNvSpPr>
-          <p:nvPr>
-            <p:ph type="title"/>
-          </p:nvPr>
-        </p:nvSpPr>
-        <p:spPr>
-          <a:xfrm>
-            <a:off x="913795" y="609600"/>
-            <a:ext cx="10353761" cy="1326321"/>
-          </a:xfrm>
-          <a:prstGeom prst="rect">
-            <a:avLst/>
-          </a:prstGeom>
-        </p:spPr>
-        <p:txBody>
-          <a:bodyPr vert="horz" lIns="91440" tIns="45720" rIns="91440" bIns="45720" rtlCol="0" anchor="ctr">
-            <a:normAutofit/>
-          </a:bodyPr>
-          <a:lstStyle/>
-          <a:p>
-            <a:r>
-              <a:rPr lang="en-US"/>
-              <a:t>Click to edit Master title style</a:t>
-            </a:r>
-            <a:endParaRPr lang="en-US" dirty="0"/>
-          </a:p>
-        </p:txBody>
-      </p:sp>
-      <p:sp>
-        <p:nvSpPr>
-          <p:cNvPr id="3" name="Text Placeholder 2"/>
-          <p:cNvSpPr>
-            <a:spLocks noGrp="1"/>
-          </p:cNvSpPr>
-          <p:nvPr>
-            <p:ph type="body" idx="1"/>
-          </p:nvPr>
-        </p:nvSpPr>
-        <p:spPr>
-          <a:xfrm>
-            <a:off x="913795" y="2096064"/>
-            <a:ext cx="10353762" cy="3695136"/>
-          </a:xfrm>
-          <a:prstGeom prst="rect">
-            <a:avLst/>
-          </a:prstGeom>
-        </p:spPr>
-        <p:txBody>
-          <a:bodyPr vert="horz" lIns="91440" tIns="45720" rIns="91440" bIns="45720" rtlCol="0">
-            <a:normAutofit/>
-          </a:bodyPr>
-          <a:lstStyle/>
-          <a:p>
-            <a:pPr lvl="0"/>
-            <a:r>
-              <a:rPr lang="en-US"/>
-              <a:t>Click to edit Master text styles</a:t>
-            </a:r>
-          </a:p>
-          <a:p>
-            <a:pPr lvl="1"/>
-            <a:r>
-              <a:rPr lang="en-US"/>
-              <a:t>Second level</a:t>
-            </a:r>
-          </a:p>
-          <a:p>
-            <a:pPr lvl="2"/>
-            <a:r>
-              <a:rPr lang="en-US"/>
-              <a:t>Third level</a:t>
-            </a:r>
-          </a:p>
-          <a:p>
-            <a:pPr lvl="3"/>
-            <a:r>
-              <a:rPr lang="en-US"/>
-              <a:t>Fourth level</a:t>
-            </a:r>
-          </a:p>
-          <a:p>
-            <a:pPr lvl="4"/>
-            <a:r>
-              <a:rPr lang="en-US"/>
-              <a:t>Fifth level</a:t>
-            </a:r>
-            <a:endParaRPr lang="en-US" dirty="0"/>
-          </a:p>
-        </p:txBody>
-      </p:sp>
-      <p:sp>
-        <p:nvSpPr>
-          <p:cNvPr id="4" name="Date Placeholder 3"/>
-          <p:cNvSpPr>
-            <a:spLocks noGrp="1"/>
-          </p:cNvSpPr>
-          <p:nvPr>
-            <p:ph type="dt" sz="half" idx="2"/>
-          </p:nvPr>
-        </p:nvSpPr>
-        <p:spPr>
-          <a:xfrm>
-            <a:off x="7678736" y="5883275"/>
-            <a:ext cx="2743200" cy="365125"/>
-          </a:xfrm>
-          <a:prstGeom prst="rect">
-            <a:avLst/>
-          </a:prstGeom>
-        </p:spPr>
-        <p:txBody>
-          <a:bodyPr vert="horz" lIns="91440" tIns="45720" rIns="91440" bIns="45720" rtlCol="0" anchor="ctr"/>
-          <a:lstStyle>
-            <a:lvl1pPr algn="r">
-              <a:defRPr sz="1000">
-                <a:solidFill>
-                  <a:schemeClr val="tx1">
-                    <a:tint val="75000"/>
-                  </a:schemeClr>
-                </a:solidFill>
-              </a:defRPr>
-            </a:lvl1pPr>
-          </a:lstStyle>
-          <a:p>
-            <a:fld id="{25E87A1C-2017-4D7B-8BCE-8BECB9EF8580}" type="datetimeFigureOut">
-              <a:rPr lang="en-US" smtClean="0"/>
-              <a:t>9/8/2023</a:t>
-            </a:fld>
-            <a:endParaRPr lang="en-US"/>
-          </a:p>
-        </p:txBody>
-      </p:sp>
-      <p:sp>
-        <p:nvSpPr>
-          <p:cNvPr id="5" name="Footer Placeholder 4"/>
-          <p:cNvSpPr>
-            <a:spLocks noGrp="1"/>
-          </p:cNvSpPr>
-          <p:nvPr>
-            <p:ph type="ftr" sz="quarter" idx="3"/>
-          </p:nvPr>
-        </p:nvSpPr>
-        <p:spPr>
-          <a:xfrm>
-            <a:off x="913794" y="5883275"/>
-            <a:ext cx="6672865" cy="365125"/>
-          </a:xfrm>
-          <a:prstGeom prst="rect">
-            <a:avLst/>
-          </a:prstGeom>
-        </p:spPr>
-        <p:txBody>
-          <a:bodyPr vert="horz" lIns="91440" tIns="45720" rIns="91440" bIns="45720" rtlCol="0" anchor="ctr"/>
-          <a:lstStyle>
-            <a:lvl1pPr algn="l">
-              <a:defRPr sz="1000">
-                <a:solidFill>
-                  <a:schemeClr val="tx1">
-                    <a:tint val="75000"/>
-                  </a:schemeClr>
-                </a:solidFill>
-              </a:defRPr>
-            </a:lvl1pPr>
-          </a:lstStyle>
-          <a:p>
-            <a:endParaRPr lang="en-US"/>
-          </a:p>
-        </p:txBody>
-      </p:sp>
-      <p:sp>
-        <p:nvSpPr>
-          <p:cNvPr id="6" name="Slide Number Placeholder 5"/>
-          <p:cNvSpPr>
-            <a:spLocks noGrp="1"/>
-          </p:cNvSpPr>
-          <p:nvPr>
-            <p:ph type="sldNum" sz="quarter" idx="4"/>
-          </p:nvPr>
-        </p:nvSpPr>
-        <p:spPr>
-          <a:xfrm>
-            <a:off x="10514011" y="5883275"/>
-            <a:ext cx="753545" cy="365125"/>
-          </a:xfrm>
-          <a:prstGeom prst="rect">
-            <a:avLst/>
-          </a:prstGeom>
-        </p:spPr>
-        <p:txBody>
-          <a:bodyPr vert="horz" lIns="91440" tIns="45720" rIns="91440" bIns="45720" rtlCol="0" anchor="ctr"/>
-          <a:lstStyle>
-            <a:lvl1pPr algn="r">
-              <a:defRPr sz="1000">
-                <a:solidFill>
-                  <a:schemeClr val="tx1">
-                    <a:tint val="75000"/>
-                  </a:schemeClr>
-                </a:solidFill>
-              </a:defRPr>
-            </a:lvl1pPr>
-          </a:lstStyle>
-          <a:p>
-            <a:fld id="{702D6640-3B58-4065-AB72-F0CFC69DBC35}" type="slidenum">
-              <a:rPr lang="en-US" smtClean="0"/>
-              <a:t>‹#›</a:t>
-            </a:fld>
-            <a:endParaRPr lang="en-US"/>
-          </a:p>
-        </p:txBody>
-      </p:sp>
-    </p:spTree>
-    <p:extLst>
-      <p:ext uri="{BB962C8B-B14F-4D97-AF65-F5344CB8AC3E}">
-        <p14:creationId xmlns:p14="http://schemas.microsoft.com/office/powerpoint/2010/main" val="1990015746"/>
-      </p:ext>
-    </p:extLst>
-  </p:cSld>
-  <p:clrMap bg1="dk1" tx1="lt1" bg2="dk2" tx2="lt2" accent1="accent1" accent2="accent2" accent3="accent3" accent4="accent4" accent5="accent5" accent6="accent6" hlink="hlink" folHlink="folHlink"/>
-  <p:sldLayoutIdLst>
-    <p:sldLayoutId id="2147483797" r:id="rId1"/>
-    <p:sldLayoutId id="2147483798" r:id="rId2"/>
-    <p:sldLayoutId id="2147483799" r:id="rId3"/>
-    <p:sldLayoutId id="2147483800" r:id="rId4"/>
-    <p:sldLayoutId id="2147483801" r:id="rId5"/>
-    <p:sldLayoutId id="2147483802" r:id="rId6"/>
-    <p:sldLayoutId id="2147483803" r:id="rId7"/>
-    <p:sldLayoutId id="2147483804" r:id="rId8"/>
-    <p:sldLayoutId id="2147483805" r:id="rId9"/>
-    <p:sldLayoutId id="2147483806" r:id="rId10"/>
-    <p:sldLayoutId id="2147483807" r:id="rId11"/>
-    <p:sldLayoutId id="2147483808" r:id="rId12"/>
-    <p:sldLayoutId id="2147483809" r:id="rId13"/>
-    <p:sldLayoutId id="2147483810" r:id="rId14"/>
-    <p:sldLayoutId id="2147483811" r:id="rId15"/>
-    <p:sldLayoutId id="2147483812" r:id="rId16"/>
-    <p:sldLayoutId id="2147483813" r:id="rId17"/>
-  </p:sldLayoutIdLst>
-  <p:txStyles>
-    <p:titleStyle>
-      <a:lvl1pPr algn="ctr" defTabSz="914400" rtl="0" eaLnBrk="1" latinLnBrk="0" hangingPunct="1">
-        <a:lnSpc>
-          <a:spcPct val="90000"/>
-        </a:lnSpc>
-        <a:spcBef>
-          <a:spcPct val="0"/>
-        </a:spcBef>
-        <a:buNone/>
-        <a:defRPr sz="3400" b="1" i="0" kern="1200" cap="all">
-          <a:solidFill>
-            <a:schemeClr val="tx1"/>
-          </a:solidFill>
-          <a:effectLst>
-            <a:outerShdw blurRad="50800" dist="63500" dir="2700000" algn="tl" rotWithShape="0">
-              <a:srgbClr val="000000">
-                <a:alpha val="48000"/>
-              </a:srgbClr>
-            </a:outerShdw>
-          </a:effectLst>
-          <a:latin typeface="+mj-lt"/>
-          <a:ea typeface="+mj-ea"/>
-          <a:cs typeface="+mj-cs"/>
-        </a:defRPr>
-      </a:lvl1pPr>
-    </p:titleStyle>
-    <p:bodyStyle>
-      <a:lvl1pPr marL="228600" indent="-228600" algn="l" defTabSz="914400" rtl="0" eaLnBrk="1" latinLnBrk="0" hangingPunct="1">
-        <a:lnSpc>
-          <a:spcPct val="120000"/>
-        </a:lnSpc>
-        <a:spcBef>
-          <a:spcPts val="1000"/>
-        </a:spcBef>
-        <a:buFont typeface="Arial" panose="020B0604020202020204" pitchFamily="34" charset="0"/>
-        <a:buChar char="•"/>
-        <a:defRPr sz="2000" kern="1200">
-          <a:solidFill>
-            <a:schemeClr val="tx1"/>
-          </a:solidFill>
-          <a:effectLst>
-            <a:outerShdw blurRad="50800" dist="38100" dir="2700000" algn="tl" rotWithShape="0">
-              <a:srgbClr val="000000">
-                <a:alpha val="48000"/>
-              </a:srgbClr>
-            </a:outerShdw>
-          </a:effectLst>
-          <a:latin typeface="+mn-lt"/>
-          <a:ea typeface="+mn-ea"/>
-          <a:cs typeface="+mn-cs"/>
-        </a:defRPr>
-      </a:lvl1pPr>
-      <a:lvl2pPr marL="685800" indent="-228600" algn="l" defTabSz="914400" rtl="0" eaLnBrk="1" latinLnBrk="0" hangingPunct="1">
-        <a:lnSpc>
-          <a:spcPct val="120000"/>
-        </a:lnSpc>
-        <a:spcBef>
-          <a:spcPts val="500"/>
-        </a:spcBef>
-        <a:buFont typeface="Arial" panose="020B0604020202020204" pitchFamily="34" charset="0"/>
-        <a:buChar char="•"/>
-        <a:defRPr sz="1800" kern="1200">
-          <a:solidFill>
-            <a:schemeClr val="tx1"/>
-          </a:solidFill>
-          <a:effectLst>
-            <a:outerShdw blurRad="50800" dist="38100" dir="2700000" algn="tl" rotWithShape="0">
-              <a:srgbClr val="000000">
-                <a:alpha val="48000"/>
-              </a:srgbClr>
-            </a:outerShdw>
-          </a:effectLst>
-          <a:latin typeface="+mn-lt"/>
-          <a:ea typeface="+mn-ea"/>
-          <a:cs typeface="+mn-cs"/>
-        </a:defRPr>
-      </a:lvl2pPr>
-      <a:lvl3pPr marL="1143000" indent="-228600" algn="l" defTabSz="914400" rtl="0" eaLnBrk="1" latinLnBrk="0" hangingPunct="1">
-        <a:lnSpc>
-          <a:spcPct val="120000"/>
-        </a:lnSpc>
-        <a:spcBef>
-          <a:spcPts val="500"/>
-        </a:spcBef>
-        <a:buFont typeface="Arial" panose="020B0604020202020204" pitchFamily="34" charset="0"/>
-        <a:buChar char="•"/>
-        <a:defRPr sz="1600" kern="1200">
-          <a:solidFill>
-            <a:schemeClr val="tx1"/>
-          </a:solidFill>
-          <a:effectLst>
-            <a:outerShdw blurRad="50800" dist="38100" dir="2700000" algn="tl" rotWithShape="0">
-              <a:srgbClr val="000000">
-                <a:alpha val="48000"/>
-              </a:srgbClr>
-            </a:outerShdw>
-          </a:effectLst>
-          <a:latin typeface="+mn-lt"/>
-          <a:ea typeface="+mn-ea"/>
-          <a:cs typeface="+mn-cs"/>
-        </a:defRPr>
-      </a:lvl3pPr>
-      <a:lvl4pPr marL="1600200" indent="-228600" algn="l" defTabSz="914400" rtl="0" eaLnBrk="1" latinLnBrk="0" hangingPunct="1">
-        <a:lnSpc>
-          <a:spcPct val="120000"/>
-        </a:lnSpc>
-        <a:spcBef>
-          <a:spcPts val="500"/>
-        </a:spcBef>
-        <a:buFont typeface="Arial" panose="020B0604020202020204" pitchFamily="34" charset="0"/>
-        <a:buChar char="•"/>
-        <a:defRPr sz="1400" kern="1200">
-          <a:solidFill>
-            <a:schemeClr val="tx1"/>
-          </a:solidFill>
-          <a:effectLst>
-            <a:outerShdw blurRad="50800" dist="38100" dir="2700000" algn="tl" rotWithShape="0">
-              <a:srgbClr val="000000">
-                <a:alpha val="48000"/>
-              </a:srgbClr>
-            </a:outerShdw>
-          </a:effectLst>
-          <a:latin typeface="+mn-lt"/>
-          <a:ea typeface="+mn-ea"/>
-          <a:cs typeface="+mn-cs"/>
-        </a:defRPr>
-      </a:lvl4pPr>
-      <a:lvl5pPr marL="2057400" indent="-228600" algn="l" defTabSz="914400" rtl="0" eaLnBrk="1" latinLnBrk="0" hangingPunct="1">
-        <a:lnSpc>
-          <a:spcPct val="120000"/>
-        </a:lnSpc>
-        <a:spcBef>
-          <a:spcPts val="500"/>
-        </a:spcBef>
-        <a:buFont typeface="Arial" panose="020B0604020202020204" pitchFamily="34" charset="0"/>
-        <a:buChar char="•"/>
-        <a:defRPr sz="1200" kern="1200">
-          <a:solidFill>
-            <a:schemeClr val="tx1"/>
-          </a:solidFill>
-          <a:effectLst>
-            <a:outerShdw blurRad="50800" dist="38100" dir="2700000" algn="tl" rotWithShape="0">
-              <a:srgbClr val="000000">
-                <a:alpha val="48000"/>
-              </a:srgbClr>
-            </a:outerShdw>
-          </a:effectLst>
-          <a:latin typeface="+mn-lt"/>
-          <a:ea typeface="+mn-ea"/>
-          <a:cs typeface="+mn-cs"/>
-        </a:defRPr>
-      </a:lvl5pPr>
-      <a:lvl6pPr marL="2514600" indent="-228600" algn="l" defTabSz="914400" rtl="0" eaLnBrk="1" latinLnBrk="0" hangingPunct="1">
-        <a:lnSpc>
-          <a:spcPct val="120000"/>
-        </a:lnSpc>
-        <a:spcBef>
-          <a:spcPts val="500"/>
-        </a:spcBef>
-        <a:buFont typeface="Arial" panose="020B0604020202020204" pitchFamily="34" charset="0"/>
-        <a:buChar char="•"/>
-        <a:defRPr sz="1200" kern="1200">
-          <a:solidFill>
-            <a:schemeClr val="tx1"/>
-          </a:solidFill>
-          <a:effectLst>
-            <a:outerShdw blurRad="50800" dist="38100" dir="2700000" algn="tl" rotWithShape="0">
-              <a:srgbClr val="000000">
-                <a:alpha val="48000"/>
-              </a:srgbClr>
-            </a:outerShdw>
-          </a:effectLst>
-          <a:latin typeface="+mn-lt"/>
-          <a:ea typeface="+mn-ea"/>
-          <a:cs typeface="+mn-cs"/>
-        </a:defRPr>
-      </a:lvl6pPr>
-      <a:lvl7pPr marL="2971800" indent="-228600" algn="l" defTabSz="914400" rtl="0" eaLnBrk="1" latinLnBrk="0" hangingPunct="1">
-        <a:lnSpc>
-          <a:spcPct val="120000"/>
-        </a:lnSpc>
-        <a:spcBef>
-          <a:spcPts val="500"/>
-        </a:spcBef>
-        <a:buFont typeface="Arial" panose="020B0604020202020204" pitchFamily="34" charset="0"/>
-        <a:buChar char="•"/>
-        <a:defRPr sz="1200" kern="1200">
-          <a:solidFill>
-            <a:schemeClr val="tx1"/>
-          </a:solidFill>
-          <a:effectLst>
-            <a:outerShdw blurRad="50800" dist="38100" dir="2700000" algn="tl" rotWithShape="0">
-              <a:srgbClr val="000000">
-                <a:alpha val="48000"/>
-              </a:srgbClr>
-            </a:outerShdw>
-          </a:effectLst>
-          <a:latin typeface="+mn-lt"/>
-          <a:ea typeface="+mn-ea"/>
-          <a:cs typeface="+mn-cs"/>
-        </a:defRPr>
-      </a:lvl7pPr>
-      <a:lvl8pPr marL="3429000" indent="-228600" algn="l" defTabSz="914400" rtl="0" eaLnBrk="1" latinLnBrk="0" hangingPunct="1">
-        <a:lnSpc>
-          <a:spcPct val="120000"/>
-        </a:lnSpc>
-        <a:spcBef>
-          <a:spcPts val="500"/>
-        </a:spcBef>
-        <a:buFont typeface="Arial" panose="020B0604020202020204" pitchFamily="34" charset="0"/>
-        <a:buChar char="•"/>
-        <a:defRPr sz="1200" kern="1200">
-          <a:solidFill>
-            <a:schemeClr val="tx1"/>
-          </a:solidFill>
-          <a:effectLst>
-            <a:outerShdw blurRad="50800" dist="38100" dir="2700000" algn="tl" rotWithShape="0">
-              <a:srgbClr val="000000">
-                <a:alpha val="48000"/>
-              </a:srgbClr>
-            </a:outerShdw>
-          </a:effectLst>
-          <a:latin typeface="+mn-lt"/>
-          <a:ea typeface="+mn-ea"/>
-          <a:cs typeface="+mn-cs"/>
-        </a:defRPr>
-      </a:lvl8pPr>
-      <a:lvl9pPr marL="3886200" indent="-228600" algn="l" defTabSz="914400" rtl="0" eaLnBrk="1" latinLnBrk="0" hangingPunct="1">
-        <a:lnSpc>
-          <a:spcPct val="120000"/>
-        </a:lnSpc>
-        <a:spcBef>
-          <a:spcPts val="500"/>
-        </a:spcBef>
-        <a:buFont typeface="Arial" panose="020B0604020202020204" pitchFamily="34" charset="0"/>
-        <a:buChar char="•"/>
-        <a:defRPr sz="1200" kern="1200">
-          <a:solidFill>
-            <a:schemeClr val="tx1"/>
-          </a:solidFill>
-          <a:effectLst>
-            <a:outerShdw blurRad="50800" dist="38100" dir="2700000" algn="tl" rotWithShape="0">
-              <a:srgbClr val="000000">
-                <a:alpha val="48000"/>
-              </a:srgbClr>
-            </a:outerShdw>
-          </a:effectLst>
-          <a:latin typeface="+mn-lt"/>
-          <a:ea typeface="+mn-ea"/>
-          <a:cs typeface="+mn-cs"/>
-        </a:defRPr>
-      </a:lvl9pPr>
-    </p:bodyStyle>
-    <p:otherStyle>
-      <a:defPPr>
-        <a:defRPr lang="en-US"/>
-      </a:defPPr>
-      <a:lvl1pPr marL="0" algn="l" defTabSz="914400" rtl="0" eaLnBrk="1" latinLnBrk="0" hangingPunct="1">
-        <a:defRPr sz="1800" kern="1200">
-          <a:solidFill>
-            <a:schemeClr val="tx1"/>
-          </a:solidFill>
-          <a:latin typeface="+mn-lt"/>
-          <a:ea typeface="+mn-ea"/>
-          <a:cs typeface="+mn-cs"/>
-        </a:defRPr>
-      </a:lvl1pPr>
-      <a:lvl2pPr marL="457200" algn="l" defTabSz="914400" rtl="0" eaLnBrk="1" latinLnBrk="0" hangingPunct="1">
-        <a:defRPr sz="1800" kern="1200">
-          <a:solidFill>
-            <a:schemeClr val="tx1"/>
-          </a:solidFill>
-          <a:latin typeface="+mn-lt"/>
-          <a:ea typeface="+mn-ea"/>
-          <a:cs typeface="+mn-cs"/>
-        </a:defRPr>
-      </a:lvl2pPr>
-      <a:lvl3pPr marL="914400" algn="l" defTabSz="914400" rtl="0" eaLnBrk="1" latinLnBrk="0" hangingPunct="1">
-        <a:defRPr sz="1800" kern="1200">
-          <a:solidFill>
-            <a:schemeClr val="tx1"/>
-          </a:solidFill>
-          <a:latin typeface="+mn-lt"/>
-          <a:ea typeface="+mn-ea"/>
-          <a:cs typeface="+mn-cs"/>
-        </a:defRPr>
-      </a:lvl3pPr>
-      <a:lvl4pPr marL="1371600" algn="l" defTabSz="914400" rtl="0" eaLnBrk="1" latinLnBrk="0" hangingPunct="1">
-        <a:defRPr sz="1800" kern="1200">
-          <a:solidFill>
-            <a:schemeClr val="tx1"/>
-          </a:solidFill>
-          <a:latin typeface="+mn-lt"/>
-          <a:ea typeface="+mn-ea"/>
-          <a:cs typeface="+mn-cs"/>
-        </a:defRPr>
-      </a:lvl4pPr>
-      <a:lvl5pPr marL="1828800" algn="l" defTabSz="914400" rtl="0" eaLnBrk="1" latinLnBrk="0" hangingPunct="1">
-        <a:defRPr sz="1800" kern="1200">
-          <a:solidFill>
-            <a:schemeClr val="tx1"/>
-          </a:solidFill>
-          <a:latin typeface="+mn-lt"/>
-          <a:ea typeface="+mn-ea"/>
-          <a:cs typeface="+mn-cs"/>
-        </a:defRPr>
-      </a:lvl5pPr>
-      <a:lvl6pPr marL="2286000" algn="l" defTabSz="914400" rtl="0" eaLnBrk="1" latinLnBrk="0" hangingPunct="1">
-        <a:defRPr sz="1800" kern="1200">
-          <a:solidFill>
-            <a:schemeClr val="tx1"/>
-          </a:solidFill>
-          <a:latin typeface="+mn-lt"/>
-          <a:ea typeface="+mn-ea"/>
-          <a:cs typeface="+mn-cs"/>
-        </a:defRPr>
-      </a:lvl6pPr>
-      <a:lvl7pPr marL="2743200" algn="l" defTabSz="914400" rtl="0" eaLnBrk="1" latinLnBrk="0" hangingPunct="1">
-        <a:defRPr sz="1800" kern="1200">
-          <a:solidFill>
-            <a:schemeClr val="tx1"/>
-          </a:solidFill>
-          <a:latin typeface="+mn-lt"/>
-          <a:ea typeface="+mn-ea"/>
-          <a:cs typeface="+mn-cs"/>
-        </a:defRPr>
-      </a:lvl7pPr>
-      <a:lvl8pPr marL="3200400" algn="l" defTabSz="914400" rtl="0" eaLnBrk="1" latinLnBrk="0" hangingPunct="1">
-        <a:defRPr sz="1800" kern="1200">
-          <a:solidFill>
-            <a:schemeClr val="tx1"/>
-          </a:solidFill>
-          <a:latin typeface="+mn-lt"/>
-          <a:ea typeface="+mn-ea"/>
-          <a:cs typeface="+mn-cs"/>
-        </a:defRPr>
-      </a:lvl8pPr>
-      <a:lvl9pPr marL="3657600" algn="l" defTabSz="914400" rtl="0" eaLnBrk="1" latinLnBrk="0" hangingPunct="1">
-        <a:defRPr sz="1800" kern="1200">
-          <a:solidFill>
-            <a:schemeClr val="tx1"/>
-          </a:solidFill>
-          <a:latin typeface="+mn-lt"/>
-          <a:ea typeface="+mn-ea"/>
-          <a:cs typeface="+mn-cs"/>
-        </a:defRPr>
-      </a:lvl9pPr>
-    </p:otherStyle>
-  </p:txStyles>
-</p:sldMaster>
-</file>
-
-<file path=ppt/slides/slide1.xml><?xml version="1.0" encoding="utf-8"?>
-<p:sld xmlns:a="http://schemas.openxmlformats.org/drawingml/2006/main" xmlns:r="http://schemas.openxmlformats.org/officeDocument/2006/relationships" xmlns:p="http://schemas.openxmlformats.org/presentationml/2006/main">
-  <p:cSld>
-    <p:bg>
       <p:bgPr>
         <a:blipFill dpi="0" rotWithShape="1">
-          <a:blip r:embed="rId2">
-            <a:alphaModFix amt="88000"/>
+          <a:blip r:embed="rId18">
+            <a:alphaModFix amt="75000"/>
             <a:duotone>
               <a:schemeClr val="bg2">
                 <a:shade val="18000"/>
@@ -5652,62 +4675,1190 @@
           <a:chExt cx="0" cy="0"/>
         </a:xfrm>
       </p:grpSpPr>
-      <p:sp>
-        <p:nvSpPr>
-          <p:cNvPr id="4" name="Rectangle 3">
-            <a:extLst>
-              <a:ext uri="{FF2B5EF4-FFF2-40B4-BE49-F238E27FC236}">
-                <a16:creationId xmlns:a16="http://schemas.microsoft.com/office/drawing/2014/main" id="{D6B4481E-C0D4-4C0D-31E7-9A6E5C59819C}"/>
-              </a:ext>
-            </a:extLst>
-          </p:cNvPr>
-          <p:cNvSpPr/>
+      <p:grpSp>
+        <p:nvGrpSpPr>
+          <p:cNvPr id="7" name="Group 6"/>
+          <p:cNvGrpSpPr/>
           <p:nvPr/>
-        </p:nvSpPr>
-        <p:spPr>
-          <a:xfrm>
-            <a:off x="3152774" y="328613"/>
-            <a:ext cx="6067425" cy="1524000"/>
+        </p:nvGrpSpPr>
+        <p:grpSpPr>
+          <a:xfrm>
+            <a:off x="0" y="-8467"/>
+            <a:ext cx="12192000" cy="6866467"/>
+            <a:chOff x="0" y="-8467"/>
+            <a:chExt cx="12192000" cy="6866467"/>
+          </a:xfrm>
+        </p:grpSpPr>
+        <p:cxnSp>
+          <p:nvCxnSpPr>
+            <p:cNvPr id="20" name="Straight Connector 19"/>
+            <p:cNvCxnSpPr/>
+            <p:nvPr/>
+          </p:nvCxnSpPr>
+          <p:spPr>
+            <a:xfrm>
+              <a:off x="9371012" y="0"/>
+              <a:ext cx="1219200" cy="6858000"/>
+            </a:xfrm>
+            <a:prstGeom prst="line">
+              <a:avLst/>
+            </a:prstGeom>
+            <a:ln w="9525">
+              <a:solidFill>
+                <a:schemeClr val="bg1">
+                  <a:lumMod val="75000"/>
+                </a:schemeClr>
+              </a:solidFill>
+            </a:ln>
+          </p:spPr>
+          <p:style>
+            <a:lnRef idx="2">
+              <a:schemeClr val="accent1"/>
+            </a:lnRef>
+            <a:fillRef idx="0">
+              <a:schemeClr val="accent1"/>
+            </a:fillRef>
+            <a:effectRef idx="1">
+              <a:schemeClr val="accent1"/>
+            </a:effectRef>
+            <a:fontRef idx="minor">
+              <a:schemeClr val="tx1"/>
+            </a:fontRef>
+          </p:style>
+        </p:cxnSp>
+        <p:cxnSp>
+          <p:nvCxnSpPr>
+            <p:cNvPr id="21" name="Straight Connector 20"/>
+            <p:cNvCxnSpPr/>
+            <p:nvPr/>
+          </p:nvCxnSpPr>
+          <p:spPr>
+            <a:xfrm flipH="1">
+              <a:off x="7425267" y="3681413"/>
+              <a:ext cx="4763558" cy="3176587"/>
+            </a:xfrm>
+            <a:prstGeom prst="line">
+              <a:avLst/>
+            </a:prstGeom>
+            <a:ln w="9525">
+              <a:solidFill>
+                <a:schemeClr val="bg1">
+                  <a:lumMod val="85000"/>
+                </a:schemeClr>
+              </a:solidFill>
+            </a:ln>
+          </p:spPr>
+          <p:style>
+            <a:lnRef idx="2">
+              <a:schemeClr val="accent1"/>
+            </a:lnRef>
+            <a:fillRef idx="0">
+              <a:schemeClr val="accent1"/>
+            </a:fillRef>
+            <a:effectRef idx="1">
+              <a:schemeClr val="accent1"/>
+            </a:effectRef>
+            <a:fontRef idx="minor">
+              <a:schemeClr val="tx1"/>
+            </a:fontRef>
+          </p:style>
+        </p:cxnSp>
+        <p:sp>
+          <p:nvSpPr>
+            <p:cNvPr id="22" name="Rectangle 23"/>
+            <p:cNvSpPr/>
+            <p:nvPr/>
+          </p:nvSpPr>
+          <p:spPr>
+            <a:xfrm>
+              <a:off x="9181476" y="-8467"/>
+              <a:ext cx="3007349" cy="6866467"/>
+            </a:xfrm>
+            <a:custGeom>
+              <a:avLst/>
+              <a:gdLst/>
+              <a:ahLst/>
+              <a:cxnLst/>
+              <a:rect l="l" t="t" r="r" b="b"/>
+              <a:pathLst>
+                <a:path w="3007349" h="6866467">
+                  <a:moveTo>
+                    <a:pt x="2045532" y="0"/>
+                  </a:moveTo>
+                  <a:lnTo>
+                    <a:pt x="3007349" y="0"/>
+                  </a:lnTo>
+                  <a:lnTo>
+                    <a:pt x="3007349" y="6866467"/>
+                  </a:lnTo>
+                  <a:lnTo>
+                    <a:pt x="0" y="6866467"/>
+                  </a:lnTo>
+                  <a:lnTo>
+                    <a:pt x="2045532" y="0"/>
+                  </a:lnTo>
+                  <a:close/>
+                </a:path>
+              </a:pathLst>
+            </a:custGeom>
+            <a:solidFill>
+              <a:schemeClr val="accent1">
+                <a:alpha val="30000"/>
+              </a:schemeClr>
+            </a:solidFill>
+            <a:ln>
+              <a:noFill/>
+            </a:ln>
+            <a:effectLst/>
+          </p:spPr>
+          <p:style>
+            <a:lnRef idx="1">
+              <a:schemeClr val="accent1"/>
+            </a:lnRef>
+            <a:fillRef idx="3">
+              <a:schemeClr val="accent1"/>
+            </a:fillRef>
+            <a:effectRef idx="2">
+              <a:schemeClr val="accent1"/>
+            </a:effectRef>
+            <a:fontRef idx="minor">
+              <a:schemeClr val="lt1"/>
+            </a:fontRef>
+          </p:style>
+        </p:sp>
+        <p:sp>
+          <p:nvSpPr>
+            <p:cNvPr id="23" name="Rectangle 25"/>
+            <p:cNvSpPr/>
+            <p:nvPr/>
+          </p:nvSpPr>
+          <p:spPr>
+            <a:xfrm>
+              <a:off x="9603442" y="-8467"/>
+              <a:ext cx="2588558" cy="6866467"/>
+            </a:xfrm>
+            <a:custGeom>
+              <a:avLst/>
+              <a:gdLst/>
+              <a:ahLst/>
+              <a:cxnLst/>
+              <a:rect l="l" t="t" r="r" b="b"/>
+              <a:pathLst>
+                <a:path w="2573311" h="6866467">
+                  <a:moveTo>
+                    <a:pt x="0" y="0"/>
+                  </a:moveTo>
+                  <a:lnTo>
+                    <a:pt x="2573311" y="0"/>
+                  </a:lnTo>
+                  <a:lnTo>
+                    <a:pt x="2573311" y="6866467"/>
+                  </a:lnTo>
+                  <a:lnTo>
+                    <a:pt x="1202336" y="6866467"/>
+                  </a:lnTo>
+                  <a:lnTo>
+                    <a:pt x="0" y="0"/>
+                  </a:lnTo>
+                  <a:close/>
+                </a:path>
+              </a:pathLst>
+            </a:custGeom>
+            <a:solidFill>
+              <a:schemeClr val="accent1">
+                <a:alpha val="20000"/>
+              </a:schemeClr>
+            </a:solidFill>
+            <a:ln>
+              <a:noFill/>
+            </a:ln>
+            <a:effectLst/>
+          </p:spPr>
+          <p:style>
+            <a:lnRef idx="1">
+              <a:schemeClr val="accent1"/>
+            </a:lnRef>
+            <a:fillRef idx="3">
+              <a:schemeClr val="accent1"/>
+            </a:fillRef>
+            <a:effectRef idx="2">
+              <a:schemeClr val="accent1"/>
+            </a:effectRef>
+            <a:fontRef idx="minor">
+              <a:schemeClr val="lt1"/>
+            </a:fontRef>
+          </p:style>
+        </p:sp>
+        <p:sp>
+          <p:nvSpPr>
+            <p:cNvPr id="24" name="Isosceles Triangle 23"/>
+            <p:cNvSpPr/>
+            <p:nvPr/>
+          </p:nvSpPr>
+          <p:spPr>
+            <a:xfrm>
+              <a:off x="8932333" y="3048000"/>
+              <a:ext cx="3259667" cy="3810000"/>
+            </a:xfrm>
+            <a:prstGeom prst="triangle">
+              <a:avLst>
+                <a:gd name="adj" fmla="val 100000"/>
+              </a:avLst>
+            </a:prstGeom>
+            <a:solidFill>
+              <a:schemeClr val="accent2">
+                <a:alpha val="72000"/>
+              </a:schemeClr>
+            </a:solidFill>
+            <a:ln>
+              <a:noFill/>
+            </a:ln>
+            <a:effectLst/>
+          </p:spPr>
+          <p:style>
+            <a:lnRef idx="1">
+              <a:schemeClr val="accent1"/>
+            </a:lnRef>
+            <a:fillRef idx="3">
+              <a:schemeClr val="accent1"/>
+            </a:fillRef>
+            <a:effectRef idx="2">
+              <a:schemeClr val="accent1"/>
+            </a:effectRef>
+            <a:fontRef idx="minor">
+              <a:schemeClr val="lt1"/>
+            </a:fontRef>
+          </p:style>
+        </p:sp>
+        <p:sp>
+          <p:nvSpPr>
+            <p:cNvPr id="25" name="Rectangle 27"/>
+            <p:cNvSpPr/>
+            <p:nvPr/>
+          </p:nvSpPr>
+          <p:spPr>
+            <a:xfrm>
+              <a:off x="9334500" y="-8467"/>
+              <a:ext cx="2854326" cy="6866467"/>
+            </a:xfrm>
+            <a:custGeom>
+              <a:avLst/>
+              <a:gdLst/>
+              <a:ahLst/>
+              <a:cxnLst/>
+              <a:rect l="l" t="t" r="r" b="b"/>
+              <a:pathLst>
+                <a:path w="2858013" h="6866467">
+                  <a:moveTo>
+                    <a:pt x="0" y="0"/>
+                  </a:moveTo>
+                  <a:lnTo>
+                    <a:pt x="2858013" y="0"/>
+                  </a:lnTo>
+                  <a:lnTo>
+                    <a:pt x="2858013" y="6866467"/>
+                  </a:lnTo>
+                  <a:lnTo>
+                    <a:pt x="2473942" y="6866467"/>
+                  </a:lnTo>
+                  <a:lnTo>
+                    <a:pt x="0" y="0"/>
+                  </a:lnTo>
+                  <a:close/>
+                </a:path>
+              </a:pathLst>
+            </a:custGeom>
+            <a:solidFill>
+              <a:schemeClr val="accent2">
+                <a:lumMod val="75000"/>
+                <a:alpha val="70000"/>
+              </a:schemeClr>
+            </a:solidFill>
+            <a:ln>
+              <a:noFill/>
+            </a:ln>
+            <a:effectLst/>
+          </p:spPr>
+          <p:style>
+            <a:lnRef idx="1">
+              <a:schemeClr val="accent1"/>
+            </a:lnRef>
+            <a:fillRef idx="3">
+              <a:schemeClr val="accent1"/>
+            </a:fillRef>
+            <a:effectRef idx="2">
+              <a:schemeClr val="accent1"/>
+            </a:effectRef>
+            <a:fontRef idx="minor">
+              <a:schemeClr val="lt1"/>
+            </a:fontRef>
+          </p:style>
+        </p:sp>
+        <p:sp>
+          <p:nvSpPr>
+            <p:cNvPr id="26" name="Rectangle 28"/>
+            <p:cNvSpPr/>
+            <p:nvPr/>
+          </p:nvSpPr>
+          <p:spPr>
+            <a:xfrm>
+              <a:off x="10898730" y="-8467"/>
+              <a:ext cx="1290094" cy="6866467"/>
+            </a:xfrm>
+            <a:custGeom>
+              <a:avLst/>
+              <a:gdLst/>
+              <a:ahLst/>
+              <a:cxnLst/>
+              <a:rect l="l" t="t" r="r" b="b"/>
+              <a:pathLst>
+                <a:path w="1290094" h="6858000">
+                  <a:moveTo>
+                    <a:pt x="1019735" y="0"/>
+                  </a:moveTo>
+                  <a:lnTo>
+                    <a:pt x="1290094" y="0"/>
+                  </a:lnTo>
+                  <a:lnTo>
+                    <a:pt x="1290094" y="6858000"/>
+                  </a:lnTo>
+                  <a:lnTo>
+                    <a:pt x="0" y="6858000"/>
+                  </a:lnTo>
+                  <a:lnTo>
+                    <a:pt x="1019735" y="0"/>
+                  </a:lnTo>
+                  <a:close/>
+                </a:path>
+              </a:pathLst>
+            </a:custGeom>
+            <a:solidFill>
+              <a:schemeClr val="accent1">
+                <a:lumMod val="60000"/>
+                <a:lumOff val="40000"/>
+                <a:alpha val="70000"/>
+              </a:schemeClr>
+            </a:solidFill>
+            <a:ln>
+              <a:noFill/>
+            </a:ln>
+            <a:effectLst/>
+          </p:spPr>
+          <p:style>
+            <a:lnRef idx="1">
+              <a:schemeClr val="accent1"/>
+            </a:lnRef>
+            <a:fillRef idx="3">
+              <a:schemeClr val="accent1"/>
+            </a:fillRef>
+            <a:effectRef idx="2">
+              <a:schemeClr val="accent1"/>
+            </a:effectRef>
+            <a:fontRef idx="minor">
+              <a:schemeClr val="lt1"/>
+            </a:fontRef>
+          </p:style>
+        </p:sp>
+        <p:sp>
+          <p:nvSpPr>
+            <p:cNvPr id="27" name="Rectangle 29"/>
+            <p:cNvSpPr/>
+            <p:nvPr/>
+          </p:nvSpPr>
+          <p:spPr>
+            <a:xfrm>
+              <a:off x="10938999" y="-8467"/>
+              <a:ext cx="1249825" cy="6866467"/>
+            </a:xfrm>
+            <a:custGeom>
+              <a:avLst/>
+              <a:gdLst/>
+              <a:ahLst/>
+              <a:cxnLst/>
+              <a:rect l="l" t="t" r="r" b="b"/>
+              <a:pathLst>
+                <a:path w="1249825" h="6858000">
+                  <a:moveTo>
+                    <a:pt x="0" y="0"/>
+                  </a:moveTo>
+                  <a:lnTo>
+                    <a:pt x="1249825" y="0"/>
+                  </a:lnTo>
+                  <a:lnTo>
+                    <a:pt x="1249825" y="6858000"/>
+                  </a:lnTo>
+                  <a:lnTo>
+                    <a:pt x="1109382" y="6858000"/>
+                  </a:lnTo>
+                  <a:lnTo>
+                    <a:pt x="0" y="0"/>
+                  </a:lnTo>
+                  <a:close/>
+                </a:path>
+              </a:pathLst>
+            </a:custGeom>
+            <a:solidFill>
+              <a:schemeClr val="accent1">
+                <a:alpha val="65000"/>
+              </a:schemeClr>
+            </a:solidFill>
+            <a:ln>
+              <a:noFill/>
+            </a:ln>
+            <a:effectLst/>
+          </p:spPr>
+          <p:style>
+            <a:lnRef idx="1">
+              <a:schemeClr val="accent1"/>
+            </a:lnRef>
+            <a:fillRef idx="3">
+              <a:schemeClr val="accent1"/>
+            </a:fillRef>
+            <a:effectRef idx="2">
+              <a:schemeClr val="accent1"/>
+            </a:effectRef>
+            <a:fontRef idx="minor">
+              <a:schemeClr val="lt1"/>
+            </a:fontRef>
+          </p:style>
+        </p:sp>
+        <p:sp>
+          <p:nvSpPr>
+            <p:cNvPr id="28" name="Isosceles Triangle 27"/>
+            <p:cNvSpPr/>
+            <p:nvPr/>
+          </p:nvSpPr>
+          <p:spPr>
+            <a:xfrm>
+              <a:off x="10371666" y="3589867"/>
+              <a:ext cx="1817159" cy="3268133"/>
+            </a:xfrm>
+            <a:prstGeom prst="triangle">
+              <a:avLst>
+                <a:gd name="adj" fmla="val 100000"/>
+              </a:avLst>
+            </a:prstGeom>
+            <a:solidFill>
+              <a:schemeClr val="accent1">
+                <a:alpha val="80000"/>
+              </a:schemeClr>
+            </a:solidFill>
+            <a:ln>
+              <a:noFill/>
+            </a:ln>
+            <a:effectLst/>
+          </p:spPr>
+          <p:style>
+            <a:lnRef idx="1">
+              <a:schemeClr val="accent1"/>
+            </a:lnRef>
+            <a:fillRef idx="3">
+              <a:schemeClr val="accent1"/>
+            </a:fillRef>
+            <a:effectRef idx="2">
+              <a:schemeClr val="accent1"/>
+            </a:effectRef>
+            <a:fontRef idx="minor">
+              <a:schemeClr val="lt1"/>
+            </a:fontRef>
+          </p:style>
+        </p:sp>
+        <p:sp>
+          <p:nvSpPr>
+            <p:cNvPr id="29" name="Isosceles Triangle 28"/>
+            <p:cNvSpPr/>
+            <p:nvPr/>
+          </p:nvSpPr>
+          <p:spPr>
+            <a:xfrm>
+              <a:off x="0" y="4013200"/>
+              <a:ext cx="448733" cy="2844800"/>
+            </a:xfrm>
+            <a:prstGeom prst="triangle">
+              <a:avLst>
+                <a:gd name="adj" fmla="val 0"/>
+              </a:avLst>
+            </a:prstGeom>
+            <a:solidFill>
+              <a:schemeClr val="accent1">
+                <a:alpha val="85000"/>
+              </a:schemeClr>
+            </a:solidFill>
+            <a:ln>
+              <a:noFill/>
+            </a:ln>
+            <a:effectLst/>
+          </p:spPr>
+          <p:style>
+            <a:lnRef idx="1">
+              <a:schemeClr val="accent1"/>
+            </a:lnRef>
+            <a:fillRef idx="3">
+              <a:schemeClr val="accent1"/>
+            </a:fillRef>
+            <a:effectRef idx="2">
+              <a:schemeClr val="accent1"/>
+            </a:effectRef>
+            <a:fontRef idx="minor">
+              <a:schemeClr val="lt1"/>
+            </a:fontRef>
+          </p:style>
+        </p:sp>
+      </p:grpSp>
+      <p:sp>
+        <p:nvSpPr>
+          <p:cNvPr id="2" name="Title Placeholder 1"/>
+          <p:cNvSpPr>
+            <a:spLocks noGrp="1"/>
+          </p:cNvSpPr>
+          <p:nvPr>
+            <p:ph type="title"/>
+          </p:nvPr>
+        </p:nvSpPr>
+        <p:spPr>
+          <a:xfrm>
+            <a:off x="677334" y="609600"/>
+            <a:ext cx="8596668" cy="1320800"/>
           </a:xfrm>
           <a:prstGeom prst="rect">
             <a:avLst/>
           </a:prstGeom>
+        </p:spPr>
+        <p:txBody>
+          <a:bodyPr vert="horz" lIns="91440" tIns="45720" rIns="91440" bIns="45720" rtlCol="0" anchor="t">
+            <a:normAutofit/>
+          </a:bodyPr>
+          <a:lstStyle/>
+          <a:p>
+            <a:r>
+              <a:rPr lang="en-US"/>
+              <a:t>Click to edit Master title style</a:t>
+            </a:r>
+            <a:endParaRPr lang="en-US" dirty="0"/>
+          </a:p>
+        </p:txBody>
+      </p:sp>
+      <p:sp>
+        <p:nvSpPr>
+          <p:cNvPr id="3" name="Text Placeholder 2"/>
+          <p:cNvSpPr>
+            <a:spLocks noGrp="1"/>
+          </p:cNvSpPr>
+          <p:nvPr>
+            <p:ph type="body" idx="1"/>
+          </p:nvPr>
+        </p:nvSpPr>
+        <p:spPr>
+          <a:xfrm>
+            <a:off x="677334" y="2160589"/>
+            <a:ext cx="8596668" cy="3880773"/>
+          </a:xfrm>
+          <a:prstGeom prst="rect">
+            <a:avLst/>
+          </a:prstGeom>
+        </p:spPr>
+        <p:txBody>
+          <a:bodyPr vert="horz" lIns="91440" tIns="45720" rIns="91440" bIns="45720" rtlCol="0">
+            <a:normAutofit/>
+          </a:bodyPr>
+          <a:lstStyle/>
+          <a:p>
+            <a:pPr lvl="0"/>
+            <a:r>
+              <a:rPr lang="en-US"/>
+              <a:t>Click to edit Master text styles</a:t>
+            </a:r>
+          </a:p>
+          <a:p>
+            <a:pPr lvl="1"/>
+            <a:r>
+              <a:rPr lang="en-US"/>
+              <a:t>Second level</a:t>
+            </a:r>
+          </a:p>
+          <a:p>
+            <a:pPr lvl="2"/>
+            <a:r>
+              <a:rPr lang="en-US"/>
+              <a:t>Third level</a:t>
+            </a:r>
+          </a:p>
+          <a:p>
+            <a:pPr lvl="3"/>
+            <a:r>
+              <a:rPr lang="en-US"/>
+              <a:t>Fourth level</a:t>
+            </a:r>
+          </a:p>
+          <a:p>
+            <a:pPr lvl="4"/>
+            <a:r>
+              <a:rPr lang="en-US"/>
+              <a:t>Fifth level</a:t>
+            </a:r>
+            <a:endParaRPr lang="en-US" dirty="0"/>
+          </a:p>
+        </p:txBody>
+      </p:sp>
+      <p:sp>
+        <p:nvSpPr>
+          <p:cNvPr id="4" name="Date Placeholder 3"/>
+          <p:cNvSpPr>
+            <a:spLocks noGrp="1"/>
+          </p:cNvSpPr>
+          <p:nvPr>
+            <p:ph type="dt" sz="half" idx="2"/>
+          </p:nvPr>
+        </p:nvSpPr>
+        <p:spPr>
+          <a:xfrm>
+            <a:off x="7205133" y="6041362"/>
+            <a:ext cx="911939" cy="365125"/>
+          </a:xfrm>
+          <a:prstGeom prst="rect">
+            <a:avLst/>
+          </a:prstGeom>
+        </p:spPr>
+        <p:txBody>
+          <a:bodyPr vert="horz" lIns="91440" tIns="45720" rIns="91440" bIns="45720" rtlCol="0" anchor="ctr"/>
+          <a:lstStyle>
+            <a:lvl1pPr algn="r">
+              <a:defRPr sz="900">
+                <a:solidFill>
+                  <a:schemeClr val="tx1">
+                    <a:tint val="75000"/>
+                  </a:schemeClr>
+                </a:solidFill>
+              </a:defRPr>
+            </a:lvl1pPr>
+          </a:lstStyle>
+          <a:p>
+            <a:fld id="{25E87A1C-2017-4D7B-8BCE-8BECB9EF8580}" type="datetimeFigureOut">
+              <a:rPr lang="en-US" smtClean="0"/>
+              <a:t>9/9/2023</a:t>
+            </a:fld>
+            <a:endParaRPr lang="en-US"/>
+          </a:p>
+        </p:txBody>
+      </p:sp>
+      <p:sp>
+        <p:nvSpPr>
+          <p:cNvPr id="5" name="Footer Placeholder 4"/>
+          <p:cNvSpPr>
+            <a:spLocks noGrp="1"/>
+          </p:cNvSpPr>
+          <p:nvPr>
+            <p:ph type="ftr" sz="quarter" idx="3"/>
+          </p:nvPr>
+        </p:nvSpPr>
+        <p:spPr>
+          <a:xfrm>
+            <a:off x="677334" y="6041362"/>
+            <a:ext cx="6297612" cy="365125"/>
+          </a:xfrm>
+          <a:prstGeom prst="rect">
+            <a:avLst/>
+          </a:prstGeom>
+        </p:spPr>
+        <p:txBody>
+          <a:bodyPr vert="horz" lIns="91440" tIns="45720" rIns="91440" bIns="45720" rtlCol="0" anchor="ctr"/>
+          <a:lstStyle>
+            <a:lvl1pPr algn="l">
+              <a:defRPr sz="900">
+                <a:solidFill>
+                  <a:schemeClr val="tx1">
+                    <a:tint val="75000"/>
+                  </a:schemeClr>
+                </a:solidFill>
+              </a:defRPr>
+            </a:lvl1pPr>
+          </a:lstStyle>
+          <a:p>
+            <a:endParaRPr lang="en-US"/>
+          </a:p>
+        </p:txBody>
+      </p:sp>
+      <p:sp>
+        <p:nvSpPr>
+          <p:cNvPr id="6" name="Slide Number Placeholder 5"/>
+          <p:cNvSpPr>
+            <a:spLocks noGrp="1"/>
+          </p:cNvSpPr>
+          <p:nvPr>
+            <p:ph type="sldNum" sz="quarter" idx="4"/>
+          </p:nvPr>
+        </p:nvSpPr>
+        <p:spPr>
+          <a:xfrm>
+            <a:off x="8590663" y="6041362"/>
+            <a:ext cx="683339" cy="365125"/>
+          </a:xfrm>
+          <a:prstGeom prst="rect">
+            <a:avLst/>
+          </a:prstGeom>
+        </p:spPr>
+        <p:txBody>
+          <a:bodyPr vert="horz" lIns="91440" tIns="45720" rIns="91440" bIns="45720" rtlCol="0" anchor="ctr"/>
+          <a:lstStyle>
+            <a:lvl1pPr algn="r">
+              <a:defRPr sz="900">
+                <a:solidFill>
+                  <a:schemeClr val="accent1"/>
+                </a:solidFill>
+              </a:defRPr>
+            </a:lvl1pPr>
+          </a:lstStyle>
+          <a:p>
+            <a:fld id="{702D6640-3B58-4065-AB72-F0CFC69DBC35}" type="slidenum">
+              <a:rPr lang="en-US" smtClean="0"/>
+              <a:t>‹#›</a:t>
+            </a:fld>
+            <a:endParaRPr lang="en-US"/>
+          </a:p>
+        </p:txBody>
+      </p:sp>
+    </p:spTree>
+    <p:extLst>
+      <p:ext uri="{BB962C8B-B14F-4D97-AF65-F5344CB8AC3E}">
+        <p14:creationId xmlns:p14="http://schemas.microsoft.com/office/powerpoint/2010/main" val="2560476035"/>
+      </p:ext>
+    </p:extLst>
+  </p:cSld>
+  <p:clrMap bg1="lt1" tx1="dk1" bg2="lt2" tx2="dk2" accent1="accent1" accent2="accent2" accent3="accent3" accent4="accent4" accent5="accent5" accent6="accent6" hlink="hlink" folHlink="folHlink"/>
+  <p:sldLayoutIdLst>
+    <p:sldLayoutId id="2147483971" r:id="rId1"/>
+    <p:sldLayoutId id="2147483972" r:id="rId2"/>
+    <p:sldLayoutId id="2147483973" r:id="rId3"/>
+    <p:sldLayoutId id="2147483974" r:id="rId4"/>
+    <p:sldLayoutId id="2147483975" r:id="rId5"/>
+    <p:sldLayoutId id="2147483976" r:id="rId6"/>
+    <p:sldLayoutId id="2147483977" r:id="rId7"/>
+    <p:sldLayoutId id="2147483978" r:id="rId8"/>
+    <p:sldLayoutId id="2147483979" r:id="rId9"/>
+    <p:sldLayoutId id="2147483980" r:id="rId10"/>
+    <p:sldLayoutId id="2147483981" r:id="rId11"/>
+    <p:sldLayoutId id="2147483982" r:id="rId12"/>
+    <p:sldLayoutId id="2147483983" r:id="rId13"/>
+    <p:sldLayoutId id="2147483984" r:id="rId14"/>
+    <p:sldLayoutId id="2147483985" r:id="rId15"/>
+    <p:sldLayoutId id="2147483986" r:id="rId16"/>
+  </p:sldLayoutIdLst>
+  <p:txStyles>
+    <p:titleStyle>
+      <a:lvl1pPr algn="l" defTabSz="457200" rtl="0" eaLnBrk="1" latinLnBrk="0" hangingPunct="1">
+        <a:spcBef>
+          <a:spcPct val="0"/>
+        </a:spcBef>
+        <a:buNone/>
+        <a:defRPr sz="3600" kern="1200">
+          <a:solidFill>
+            <a:schemeClr val="accent1"/>
+          </a:solidFill>
+          <a:latin typeface="+mj-lt"/>
+          <a:ea typeface="+mj-ea"/>
+          <a:cs typeface="+mj-cs"/>
+        </a:defRPr>
+      </a:lvl1pPr>
+      <a:lvl2pPr eaLnBrk="1" hangingPunct="1">
+        <a:defRPr>
+          <a:solidFill>
+            <a:schemeClr val="tx2"/>
+          </a:solidFill>
+        </a:defRPr>
+      </a:lvl2pPr>
+      <a:lvl3pPr eaLnBrk="1" hangingPunct="1">
+        <a:defRPr>
+          <a:solidFill>
+            <a:schemeClr val="tx2"/>
+          </a:solidFill>
+        </a:defRPr>
+      </a:lvl3pPr>
+      <a:lvl4pPr eaLnBrk="1" hangingPunct="1">
+        <a:defRPr>
+          <a:solidFill>
+            <a:schemeClr val="tx2"/>
+          </a:solidFill>
+        </a:defRPr>
+      </a:lvl4pPr>
+      <a:lvl5pPr eaLnBrk="1" hangingPunct="1">
+        <a:defRPr>
+          <a:solidFill>
+            <a:schemeClr val="tx2"/>
+          </a:solidFill>
+        </a:defRPr>
+      </a:lvl5pPr>
+      <a:lvl6pPr eaLnBrk="1" hangingPunct="1">
+        <a:defRPr>
+          <a:solidFill>
+            <a:schemeClr val="tx2"/>
+          </a:solidFill>
+        </a:defRPr>
+      </a:lvl6pPr>
+      <a:lvl7pPr eaLnBrk="1" hangingPunct="1">
+        <a:defRPr>
+          <a:solidFill>
+            <a:schemeClr val="tx2"/>
+          </a:solidFill>
+        </a:defRPr>
+      </a:lvl7pPr>
+      <a:lvl8pPr eaLnBrk="1" hangingPunct="1">
+        <a:defRPr>
+          <a:solidFill>
+            <a:schemeClr val="tx2"/>
+          </a:solidFill>
+        </a:defRPr>
+      </a:lvl8pPr>
+      <a:lvl9pPr eaLnBrk="1" hangingPunct="1">
+        <a:defRPr>
+          <a:solidFill>
+            <a:schemeClr val="tx2"/>
+          </a:solidFill>
+        </a:defRPr>
+      </a:lvl9pPr>
+    </p:titleStyle>
+    <p:bodyStyle>
+      <a:lvl1pPr marL="342900" indent="-342900" algn="l" defTabSz="457200" rtl="0" eaLnBrk="1" latinLnBrk="0" hangingPunct="1">
+        <a:spcBef>
+          <a:spcPts val="1000"/>
+        </a:spcBef>
+        <a:spcAft>
+          <a:spcPts val="0"/>
+        </a:spcAft>
+        <a:buClr>
+          <a:schemeClr val="accent1"/>
+        </a:buClr>
+        <a:buSzPct val="80000"/>
+        <a:buFont typeface="Wingdings 3" charset="2"/>
+        <a:buChar char=""/>
+        <a:defRPr sz="1800" kern="1200">
+          <a:solidFill>
+            <a:schemeClr val="tx1">
+              <a:lumMod val="75000"/>
+              <a:lumOff val="25000"/>
+            </a:schemeClr>
+          </a:solidFill>
+          <a:latin typeface="+mn-lt"/>
+          <a:ea typeface="+mn-ea"/>
+          <a:cs typeface="+mn-cs"/>
+        </a:defRPr>
+      </a:lvl1pPr>
+      <a:lvl2pPr marL="742950" indent="-285750" algn="l" defTabSz="457200" rtl="0" eaLnBrk="1" latinLnBrk="0" hangingPunct="1">
+        <a:spcBef>
+          <a:spcPts val="1000"/>
+        </a:spcBef>
+        <a:spcAft>
+          <a:spcPts val="0"/>
+        </a:spcAft>
+        <a:buClr>
+          <a:schemeClr val="accent1"/>
+        </a:buClr>
+        <a:buSzPct val="80000"/>
+        <a:buFont typeface="Wingdings 3" charset="2"/>
+        <a:buChar char=""/>
+        <a:defRPr sz="1600" kern="1200">
+          <a:solidFill>
+            <a:schemeClr val="tx1">
+              <a:lumMod val="75000"/>
+              <a:lumOff val="25000"/>
+            </a:schemeClr>
+          </a:solidFill>
+          <a:latin typeface="+mn-lt"/>
+          <a:ea typeface="+mn-ea"/>
+          <a:cs typeface="+mn-cs"/>
+        </a:defRPr>
+      </a:lvl2pPr>
+      <a:lvl3pPr marL="1143000" indent="-228600" algn="l" defTabSz="457200" rtl="0" eaLnBrk="1" latinLnBrk="0" hangingPunct="1">
+        <a:spcBef>
+          <a:spcPts val="1000"/>
+        </a:spcBef>
+        <a:spcAft>
+          <a:spcPts val="0"/>
+        </a:spcAft>
+        <a:buClr>
+          <a:schemeClr val="accent1"/>
+        </a:buClr>
+        <a:buSzPct val="80000"/>
+        <a:buFont typeface="Wingdings 3" charset="2"/>
+        <a:buChar char=""/>
+        <a:defRPr sz="1400" kern="1200">
+          <a:solidFill>
+            <a:schemeClr val="tx1">
+              <a:lumMod val="75000"/>
+              <a:lumOff val="25000"/>
+            </a:schemeClr>
+          </a:solidFill>
+          <a:latin typeface="+mn-lt"/>
+          <a:ea typeface="+mn-ea"/>
+          <a:cs typeface="+mn-cs"/>
+        </a:defRPr>
+      </a:lvl3pPr>
+      <a:lvl4pPr marL="1600200" indent="-228600" algn="l" defTabSz="457200" rtl="0" eaLnBrk="1" latinLnBrk="0" hangingPunct="1">
+        <a:spcBef>
+          <a:spcPts val="1000"/>
+        </a:spcBef>
+        <a:spcAft>
+          <a:spcPts val="0"/>
+        </a:spcAft>
+        <a:buClr>
+          <a:schemeClr val="accent1"/>
+        </a:buClr>
+        <a:buSzPct val="80000"/>
+        <a:buFont typeface="Wingdings 3" charset="2"/>
+        <a:buChar char=""/>
+        <a:defRPr sz="1200" kern="1200">
+          <a:solidFill>
+            <a:schemeClr val="tx1">
+              <a:lumMod val="75000"/>
+              <a:lumOff val="25000"/>
+            </a:schemeClr>
+          </a:solidFill>
+          <a:latin typeface="+mn-lt"/>
+          <a:ea typeface="+mn-ea"/>
+          <a:cs typeface="+mn-cs"/>
+        </a:defRPr>
+      </a:lvl4pPr>
+      <a:lvl5pPr marL="2057400" indent="-228600" algn="l" defTabSz="457200" rtl="0" eaLnBrk="1" latinLnBrk="0" hangingPunct="1">
+        <a:spcBef>
+          <a:spcPts val="1000"/>
+        </a:spcBef>
+        <a:spcAft>
+          <a:spcPts val="0"/>
+        </a:spcAft>
+        <a:buClr>
+          <a:schemeClr val="accent1"/>
+        </a:buClr>
+        <a:buSzPct val="80000"/>
+        <a:buFont typeface="Wingdings 3" charset="2"/>
+        <a:buChar char=""/>
+        <a:defRPr sz="1200" kern="1200">
+          <a:solidFill>
+            <a:schemeClr val="tx1">
+              <a:lumMod val="75000"/>
+              <a:lumOff val="25000"/>
+            </a:schemeClr>
+          </a:solidFill>
+          <a:latin typeface="+mn-lt"/>
+          <a:ea typeface="+mn-ea"/>
+          <a:cs typeface="+mn-cs"/>
+        </a:defRPr>
+      </a:lvl5pPr>
+      <a:lvl6pPr marL="2514600" indent="-228600" algn="l" defTabSz="457200" rtl="0" eaLnBrk="1" latinLnBrk="0" hangingPunct="1">
+        <a:spcBef>
+          <a:spcPts val="1000"/>
+        </a:spcBef>
+        <a:spcAft>
+          <a:spcPts val="0"/>
+        </a:spcAft>
+        <a:buClr>
+          <a:schemeClr val="accent1"/>
+        </a:buClr>
+        <a:buSzPct val="80000"/>
+        <a:buFont typeface="Wingdings 3" charset="2"/>
+        <a:buChar char=""/>
+        <a:defRPr sz="1200" kern="1200">
+          <a:solidFill>
+            <a:schemeClr val="tx1">
+              <a:lumMod val="75000"/>
+              <a:lumOff val="25000"/>
+            </a:schemeClr>
+          </a:solidFill>
+          <a:latin typeface="+mn-lt"/>
+          <a:ea typeface="+mn-ea"/>
+          <a:cs typeface="+mn-cs"/>
+        </a:defRPr>
+      </a:lvl6pPr>
+      <a:lvl7pPr marL="2971800" indent="-228600" algn="l" defTabSz="457200" rtl="0" eaLnBrk="1" latinLnBrk="0" hangingPunct="1">
+        <a:spcBef>
+          <a:spcPts val="1000"/>
+        </a:spcBef>
+        <a:spcAft>
+          <a:spcPts val="0"/>
+        </a:spcAft>
+        <a:buClr>
+          <a:schemeClr val="accent1"/>
+        </a:buClr>
+        <a:buSzPct val="80000"/>
+        <a:buFont typeface="Wingdings 3" charset="2"/>
+        <a:buChar char=""/>
+        <a:defRPr sz="1200" kern="1200">
+          <a:solidFill>
+            <a:schemeClr val="tx1">
+              <a:lumMod val="75000"/>
+              <a:lumOff val="25000"/>
+            </a:schemeClr>
+          </a:solidFill>
+          <a:latin typeface="+mn-lt"/>
+          <a:ea typeface="+mn-ea"/>
+          <a:cs typeface="+mn-cs"/>
+        </a:defRPr>
+      </a:lvl7pPr>
+      <a:lvl8pPr marL="3429000" indent="-228600" algn="l" defTabSz="457200" rtl="0" eaLnBrk="1" latinLnBrk="0" hangingPunct="1">
+        <a:spcBef>
+          <a:spcPts val="1000"/>
+        </a:spcBef>
+        <a:spcAft>
+          <a:spcPts val="0"/>
+        </a:spcAft>
+        <a:buClr>
+          <a:schemeClr val="accent1"/>
+        </a:buClr>
+        <a:buSzPct val="80000"/>
+        <a:buFont typeface="Wingdings 3" charset="2"/>
+        <a:buChar char=""/>
+        <a:defRPr sz="1200" kern="1200">
+          <a:solidFill>
+            <a:schemeClr val="tx1">
+              <a:lumMod val="75000"/>
+              <a:lumOff val="25000"/>
+            </a:schemeClr>
+          </a:solidFill>
+          <a:latin typeface="+mn-lt"/>
+          <a:ea typeface="+mn-ea"/>
+          <a:cs typeface="+mn-cs"/>
+        </a:defRPr>
+      </a:lvl8pPr>
+      <a:lvl9pPr marL="3886200" indent="-228600" algn="l" defTabSz="457200" rtl="0" eaLnBrk="1" latinLnBrk="0" hangingPunct="1">
+        <a:spcBef>
+          <a:spcPts val="1000"/>
+        </a:spcBef>
+        <a:spcAft>
+          <a:spcPts val="0"/>
+        </a:spcAft>
+        <a:buClr>
+          <a:schemeClr val="accent1"/>
+        </a:buClr>
+        <a:buSzPct val="80000"/>
+        <a:buFont typeface="Wingdings 3" charset="2"/>
+        <a:buChar char=""/>
+        <a:defRPr sz="1200" kern="1200">
+          <a:solidFill>
+            <a:schemeClr val="tx1">
+              <a:lumMod val="75000"/>
+              <a:lumOff val="25000"/>
+            </a:schemeClr>
+          </a:solidFill>
+          <a:latin typeface="+mn-lt"/>
+          <a:ea typeface="+mn-ea"/>
+          <a:cs typeface="+mn-cs"/>
+        </a:defRPr>
+      </a:lvl9pPr>
+    </p:bodyStyle>
+    <p:otherStyle>
+      <a:defPPr>
+        <a:defRPr lang="en-US"/>
+      </a:defPPr>
+      <a:lvl1pPr marL="0" algn="l" defTabSz="457200" rtl="0" eaLnBrk="1" latinLnBrk="0" hangingPunct="1">
+        <a:defRPr sz="1800" kern="1200">
           <a:solidFill>
             <a:schemeClr val="tx1"/>
           </a:solidFill>
-        </p:spPr>
-        <p:style>
-          <a:lnRef idx="2">
-            <a:schemeClr val="accent1">
-              <a:shade val="15000"/>
-            </a:schemeClr>
-          </a:lnRef>
-          <a:fillRef idx="1">
-            <a:schemeClr val="accent1"/>
-          </a:fillRef>
-          <a:effectRef idx="0">
-            <a:schemeClr val="accent1"/>
-          </a:effectRef>
-          <a:fontRef idx="minor">
-            <a:schemeClr val="lt1"/>
-          </a:fontRef>
-        </p:style>
-        <p:txBody>
-          <a:bodyPr rtlCol="0" anchor="ctr"/>
-          <a:lstStyle/>
-          <a:p>
-            <a:pPr algn="ctr"/>
-            <a:r>
-              <a:rPr lang="en-US" sz="3200" dirty="0">
-                <a:solidFill>
-                  <a:srgbClr val="00B0F0"/>
-                </a:solidFill>
-              </a:rPr>
-              <a:t>Derivative Calculator</a:t>
-            </a:r>
-          </a:p>
-        </p:txBody>
-      </p:sp>
+          <a:latin typeface="+mn-lt"/>
+          <a:ea typeface="+mn-ea"/>
+          <a:cs typeface="+mn-cs"/>
+        </a:defRPr>
+      </a:lvl1pPr>
+      <a:lvl2pPr marL="457200" algn="l" defTabSz="457200" rtl="0" eaLnBrk="1" latinLnBrk="0" hangingPunct="1">
+        <a:defRPr sz="1800" kern="1200">
+          <a:solidFill>
+            <a:schemeClr val="tx1"/>
+          </a:solidFill>
+          <a:latin typeface="+mn-lt"/>
+          <a:ea typeface="+mn-ea"/>
+          <a:cs typeface="+mn-cs"/>
+        </a:defRPr>
+      </a:lvl2pPr>
+      <a:lvl3pPr marL="914400" algn="l" defTabSz="457200" rtl="0" eaLnBrk="1" latinLnBrk="0" hangingPunct="1">
+        <a:defRPr sz="1800" kern="1200">
+          <a:solidFill>
+            <a:schemeClr val="tx1"/>
+          </a:solidFill>
+          <a:latin typeface="+mn-lt"/>
+          <a:ea typeface="+mn-ea"/>
+          <a:cs typeface="+mn-cs"/>
+        </a:defRPr>
+      </a:lvl3pPr>
+      <a:lvl4pPr marL="1371600" algn="l" defTabSz="457200" rtl="0" eaLnBrk="1" latinLnBrk="0" hangingPunct="1">
+        <a:defRPr sz="1800" kern="1200">
+          <a:solidFill>
+            <a:schemeClr val="tx1"/>
+          </a:solidFill>
+          <a:latin typeface="+mn-lt"/>
+          <a:ea typeface="+mn-ea"/>
+          <a:cs typeface="+mn-cs"/>
+        </a:defRPr>
+      </a:lvl4pPr>
+      <a:lvl5pPr marL="1828800" algn="l" defTabSz="457200" rtl="0" eaLnBrk="1" latinLnBrk="0" hangingPunct="1">
+        <a:defRPr sz="1800" kern="1200">
+          <a:solidFill>
+            <a:schemeClr val="tx1"/>
+          </a:solidFill>
+          <a:latin typeface="+mn-lt"/>
+          <a:ea typeface="+mn-ea"/>
+          <a:cs typeface="+mn-cs"/>
+        </a:defRPr>
+      </a:lvl5pPr>
+      <a:lvl6pPr marL="2286000" algn="l" defTabSz="457200" rtl="0" eaLnBrk="1" latinLnBrk="0" hangingPunct="1">
+        <a:defRPr sz="1800" kern="1200">
+          <a:solidFill>
+            <a:schemeClr val="tx1"/>
+          </a:solidFill>
+          <a:latin typeface="+mn-lt"/>
+          <a:ea typeface="+mn-ea"/>
+          <a:cs typeface="+mn-cs"/>
+        </a:defRPr>
+      </a:lvl6pPr>
+      <a:lvl7pPr marL="2743200" algn="l" defTabSz="457200" rtl="0" eaLnBrk="1" latinLnBrk="0" hangingPunct="1">
+        <a:defRPr sz="1800" kern="1200">
+          <a:solidFill>
+            <a:schemeClr val="tx1"/>
+          </a:solidFill>
+          <a:latin typeface="+mn-lt"/>
+          <a:ea typeface="+mn-ea"/>
+          <a:cs typeface="+mn-cs"/>
+        </a:defRPr>
+      </a:lvl7pPr>
+      <a:lvl8pPr marL="3200400" algn="l" defTabSz="457200" rtl="0" eaLnBrk="1" latinLnBrk="0" hangingPunct="1">
+        <a:defRPr sz="1800" kern="1200">
+          <a:solidFill>
+            <a:schemeClr val="tx1"/>
+          </a:solidFill>
+          <a:latin typeface="+mn-lt"/>
+          <a:ea typeface="+mn-ea"/>
+          <a:cs typeface="+mn-cs"/>
+        </a:defRPr>
+      </a:lvl8pPr>
+      <a:lvl9pPr marL="3657600" algn="l" defTabSz="457200" rtl="0" eaLnBrk="1" latinLnBrk="0" hangingPunct="1">
+        <a:defRPr sz="1800" kern="1200">
+          <a:solidFill>
+            <a:schemeClr val="tx1"/>
+          </a:solidFill>
+          <a:latin typeface="+mn-lt"/>
+          <a:ea typeface="+mn-ea"/>
+          <a:cs typeface="+mn-cs"/>
+        </a:defRPr>
+      </a:lvl9pPr>
+    </p:otherStyle>
+  </p:txStyles>
+</p:sldMaster>
+</file>
+
+<file path=ppt/slides/slide1.xml><?xml version="1.0" encoding="utf-8"?>
+<p:sld xmlns:a="http://schemas.openxmlformats.org/drawingml/2006/main" xmlns:r="http://schemas.openxmlformats.org/officeDocument/2006/relationships" xmlns:p="http://schemas.openxmlformats.org/presentationml/2006/main">
+  <p:cSld>
+    <p:spTree>
+      <p:nvGrpSpPr>
+        <p:cNvPr id="1" name=""/>
+        <p:cNvGrpSpPr/>
+        <p:nvPr/>
+      </p:nvGrpSpPr>
+      <p:grpSpPr>
+        <a:xfrm>
+          <a:off x="0" y="0"/>
+          <a:ext cx="0" cy="0"/>
+          <a:chOff x="0" y="0"/>
+          <a:chExt cx="0" cy="0"/>
+        </a:xfrm>
+      </p:grpSpPr>
       <p:sp>
         <p:nvSpPr>
           <p:cNvPr id="18" name="TextBox 17">
@@ -5783,7 +5934,7 @@
         </p:nvSpPr>
         <p:spPr>
           <a:xfrm>
-            <a:off x="7305040" y="4541520"/>
+            <a:off x="6096000" y="4691848"/>
             <a:ext cx="4236720" cy="1200329"/>
           </a:xfrm>
           <a:prstGeom prst="rect">
@@ -5818,6 +5969,139 @@
             <a:r>
               <a:rPr lang="en-US" dirty="0"/>
               <a:t>IIT, University of Dhaka</a:t>
+            </a:r>
+          </a:p>
+        </p:txBody>
+      </p:sp>
+      <p:sp>
+        <p:nvSpPr>
+          <p:cNvPr id="2" name="Rectangle 1">
+            <a:extLst>
+              <a:ext uri="{FF2B5EF4-FFF2-40B4-BE49-F238E27FC236}">
+                <a16:creationId xmlns:a16="http://schemas.microsoft.com/office/drawing/2014/main" id="{08E259FA-90AC-E829-77E9-701F4A2494F4}"/>
+              </a:ext>
+            </a:extLst>
+          </p:cNvPr>
+          <p:cNvSpPr/>
+          <p:nvPr/>
+        </p:nvSpPr>
+        <p:spPr>
+          <a:xfrm>
+            <a:off x="2108986" y="42493"/>
+            <a:ext cx="7544822" cy="923330"/>
+          </a:xfrm>
+          <a:prstGeom prst="rect">
+            <a:avLst/>
+          </a:prstGeom>
+          <a:noFill/>
+        </p:spPr>
+        <p:txBody>
+          <a:bodyPr wrap="none" lIns="91440" tIns="45720" rIns="91440" bIns="45720">
+            <a:spAutoFit/>
+          </a:bodyPr>
+          <a:lstStyle/>
+          <a:p>
+            <a:pPr algn="ctr"/>
+            <a:r>
+              <a:rPr lang="en-US" sz="5400" b="1" dirty="0">
+                <a:ln w="12700">
+                  <a:solidFill>
+                    <a:schemeClr val="tx2">
+                      <a:lumMod val="75000"/>
+                    </a:schemeClr>
+                  </a:solidFill>
+                  <a:prstDash val="solid"/>
+                </a:ln>
+                <a:solidFill>
+                  <a:schemeClr val="accent3"/>
+                </a:solidFill>
+                <a:effectLst>
+                  <a:outerShdw dist="38100" dir="2640000" algn="bl" rotWithShape="0">
+                    <a:schemeClr val="tx2">
+                      <a:lumMod val="75000"/>
+                    </a:schemeClr>
+                  </a:outerShdw>
+                </a:effectLst>
+              </a:rPr>
+              <a:t>Derivative Calculator</a:t>
+            </a:r>
+          </a:p>
+        </p:txBody>
+      </p:sp>
+      <p:pic>
+        <p:nvPicPr>
+          <p:cNvPr id="5" name="Graphic 4" descr="A calculator">
+            <a:extLst>
+              <a:ext uri="{FF2B5EF4-FFF2-40B4-BE49-F238E27FC236}">
+                <a16:creationId xmlns:a16="http://schemas.microsoft.com/office/drawing/2014/main" id="{1C9259FC-FD39-6302-52AE-7C474ED2CC9F}"/>
+              </a:ext>
+            </a:extLst>
+          </p:cNvPr>
+          <p:cNvPicPr>
+            <a:picLocks noChangeAspect="1"/>
+          </p:cNvPicPr>
+          <p:nvPr/>
+        </p:nvPicPr>
+        <p:blipFill>
+          <a:blip r:embed="rId2">
+            <a:extLst>
+              <a:ext uri="{28A0092B-C50C-407E-A947-70E740481C1C}">
+                <a14:useLocalDpi xmlns:a14="http://schemas.microsoft.com/office/drawing/2010/main" val="0"/>
+              </a:ext>
+              <a:ext uri="{96DAC541-7B7A-43D3-8B79-37D633B846F1}">
+                <asvg:svgBlip xmlns:asvg="http://schemas.microsoft.com/office/drawing/2016/SVG/main" r:embed="rId3"/>
+              </a:ext>
+            </a:extLst>
+          </a:blip>
+          <a:stretch>
+            <a:fillRect/>
+          </a:stretch>
+        </p:blipFill>
+        <p:spPr>
+          <a:xfrm>
+            <a:off x="7786913" y="-209214"/>
+            <a:ext cx="6087289" cy="6087289"/>
+          </a:xfrm>
+          <a:prstGeom prst="rect">
+            <a:avLst/>
+          </a:prstGeom>
+          <a:scene3d>
+            <a:camera prst="perspectiveLeft"/>
+            <a:lightRig rig="threePt" dir="t"/>
+          </a:scene3d>
+        </p:spPr>
+      </p:pic>
+      <p:sp>
+        <p:nvSpPr>
+          <p:cNvPr id="6" name="TextBox 5">
+            <a:extLst>
+              <a:ext uri="{FF2B5EF4-FFF2-40B4-BE49-F238E27FC236}">
+                <a16:creationId xmlns:a16="http://schemas.microsoft.com/office/drawing/2014/main" id="{4CDA7F83-A533-558B-F266-FFA2E787CD32}"/>
+              </a:ext>
+            </a:extLst>
+          </p:cNvPr>
+          <p:cNvSpPr txBox="1"/>
+          <p:nvPr/>
+        </p:nvSpPr>
+        <p:spPr>
+          <a:xfrm>
+            <a:off x="10138999" y="1796821"/>
+            <a:ext cx="2276669" cy="369332"/>
+          </a:xfrm>
+          <a:prstGeom prst="rect">
+            <a:avLst/>
+          </a:prstGeom>
+          <a:noFill/>
+        </p:spPr>
+        <p:txBody>
+          <a:bodyPr wrap="square" rtlCol="0">
+            <a:spAutoFit/>
+          </a:bodyPr>
+          <a:lstStyle/>
+          <a:p>
+            <a:r>
+              <a:rPr lang="en-US" dirty="0"/>
+              <a:t>d/dx(f(x))</a:t>
             </a:r>
           </a:p>
         </p:txBody>
@@ -5841,33 +6125,6 @@
 <file path=ppt/slides/slide2.xml><?xml version="1.0" encoding="utf-8"?>
 <p:sld xmlns:a="http://schemas.openxmlformats.org/drawingml/2006/main" xmlns:r="http://schemas.openxmlformats.org/officeDocument/2006/relationships" xmlns:p="http://schemas.openxmlformats.org/presentationml/2006/main">
   <p:cSld>
-    <p:bg>
-      <p:bgPr>
-        <a:blipFill dpi="0" rotWithShape="1">
-          <a:blip r:embed="rId2">
-            <a:alphaModFix amt="88000"/>
-            <a:duotone>
-              <a:schemeClr val="bg2">
-                <a:shade val="18000"/>
-                <a:satMod val="160000"/>
-                <a:lumMod val="28000"/>
-              </a:schemeClr>
-              <a:schemeClr val="bg2">
-                <a:tint val="95000"/>
-                <a:satMod val="160000"/>
-                <a:lumMod val="116000"/>
-              </a:schemeClr>
-            </a:duotone>
-            <a:lum/>
-          </a:blip>
-          <a:srcRect/>
-          <a:stretch>
-            <a:fillRect/>
-          </a:stretch>
-        </a:blipFill>
-        <a:effectLst/>
-      </p:bgPr>
-    </p:bg>
     <p:spTree>
       <p:nvGrpSpPr>
         <p:cNvPr id="1" name=""/>
@@ -5884,210 +6141,6 @@
       </p:grpSpPr>
       <p:sp>
         <p:nvSpPr>
-          <p:cNvPr id="10" name="Diamond 9">
-            <a:extLst>
-              <a:ext uri="{FF2B5EF4-FFF2-40B4-BE49-F238E27FC236}">
-                <a16:creationId xmlns:a16="http://schemas.microsoft.com/office/drawing/2014/main" id="{326D6958-6DC0-03D3-C70E-68B8851C91BD}"/>
-              </a:ext>
-            </a:extLst>
-          </p:cNvPr>
-          <p:cNvSpPr/>
-          <p:nvPr/>
-        </p:nvSpPr>
-        <p:spPr>
-          <a:xfrm>
-            <a:off x="3931920" y="1786244"/>
-            <a:ext cx="352425" cy="276225"/>
-          </a:xfrm>
-          <a:prstGeom prst="diamond">
-            <a:avLst/>
-          </a:prstGeom>
-          <a:solidFill>
-            <a:schemeClr val="tx1">
-              <a:lumMod val="95000"/>
-            </a:schemeClr>
-          </a:solidFill>
-        </p:spPr>
-        <p:style>
-          <a:lnRef idx="2">
-            <a:schemeClr val="accent1">
-              <a:shade val="15000"/>
-            </a:schemeClr>
-          </a:lnRef>
-          <a:fillRef idx="1">
-            <a:schemeClr val="accent1"/>
-          </a:fillRef>
-          <a:effectRef idx="0">
-            <a:schemeClr val="accent1"/>
-          </a:effectRef>
-          <a:fontRef idx="minor">
-            <a:schemeClr val="lt1"/>
-          </a:fontRef>
-        </p:style>
-        <p:txBody>
-          <a:bodyPr rtlCol="0" anchor="ctr"/>
-          <a:lstStyle/>
-          <a:p>
-            <a:pPr algn="ctr"/>
-            <a:endParaRPr lang="en-US"/>
-          </a:p>
-        </p:txBody>
-      </p:sp>
-      <p:sp>
-        <p:nvSpPr>
-          <p:cNvPr id="14" name="Diamond 13">
-            <a:extLst>
-              <a:ext uri="{FF2B5EF4-FFF2-40B4-BE49-F238E27FC236}">
-                <a16:creationId xmlns:a16="http://schemas.microsoft.com/office/drawing/2014/main" id="{38FA0682-1B7F-8EFF-3FCA-C86BF3583050}"/>
-              </a:ext>
-            </a:extLst>
-          </p:cNvPr>
-          <p:cNvSpPr/>
-          <p:nvPr/>
-        </p:nvSpPr>
-        <p:spPr>
-          <a:xfrm>
-            <a:off x="3931920" y="2390129"/>
-            <a:ext cx="352425" cy="276225"/>
-          </a:xfrm>
-          <a:prstGeom prst="diamond">
-            <a:avLst/>
-          </a:prstGeom>
-          <a:solidFill>
-            <a:schemeClr val="tx1">
-              <a:lumMod val="95000"/>
-            </a:schemeClr>
-          </a:solidFill>
-        </p:spPr>
-        <p:style>
-          <a:lnRef idx="2">
-            <a:schemeClr val="accent1">
-              <a:shade val="15000"/>
-            </a:schemeClr>
-          </a:lnRef>
-          <a:fillRef idx="1">
-            <a:schemeClr val="accent1"/>
-          </a:fillRef>
-          <a:effectRef idx="0">
-            <a:schemeClr val="accent1"/>
-          </a:effectRef>
-          <a:fontRef idx="minor">
-            <a:schemeClr val="lt1"/>
-          </a:fontRef>
-        </p:style>
-        <p:txBody>
-          <a:bodyPr rtlCol="0" anchor="ctr"/>
-          <a:lstStyle/>
-          <a:p>
-            <a:pPr algn="ctr"/>
-            <a:endParaRPr lang="en-US"/>
-          </a:p>
-        </p:txBody>
-      </p:sp>
-      <p:sp>
-        <p:nvSpPr>
-          <p:cNvPr id="16" name="Diamond 15">
-            <a:extLst>
-              <a:ext uri="{FF2B5EF4-FFF2-40B4-BE49-F238E27FC236}">
-                <a16:creationId xmlns:a16="http://schemas.microsoft.com/office/drawing/2014/main" id="{A4645582-2CC5-BAB2-FB04-5FDF9937B074}"/>
-              </a:ext>
-            </a:extLst>
-          </p:cNvPr>
-          <p:cNvSpPr/>
-          <p:nvPr/>
-        </p:nvSpPr>
-        <p:spPr>
-          <a:xfrm>
-            <a:off x="3938586" y="2994014"/>
-            <a:ext cx="352425" cy="276225"/>
-          </a:xfrm>
-          <a:prstGeom prst="diamond">
-            <a:avLst/>
-          </a:prstGeom>
-          <a:solidFill>
-            <a:schemeClr val="tx1">
-              <a:lumMod val="95000"/>
-            </a:schemeClr>
-          </a:solidFill>
-        </p:spPr>
-        <p:style>
-          <a:lnRef idx="2">
-            <a:schemeClr val="accent1">
-              <a:shade val="15000"/>
-            </a:schemeClr>
-          </a:lnRef>
-          <a:fillRef idx="1">
-            <a:schemeClr val="accent1"/>
-          </a:fillRef>
-          <a:effectRef idx="0">
-            <a:schemeClr val="accent1"/>
-          </a:effectRef>
-          <a:fontRef idx="minor">
-            <a:schemeClr val="lt1"/>
-          </a:fontRef>
-        </p:style>
-        <p:txBody>
-          <a:bodyPr rtlCol="0" anchor="ctr"/>
-          <a:lstStyle/>
-          <a:p>
-            <a:pPr algn="ctr"/>
-            <a:endParaRPr lang="en-US"/>
-          </a:p>
-        </p:txBody>
-      </p:sp>
-      <p:sp>
-        <p:nvSpPr>
-          <p:cNvPr id="18" name="Diamond 17">
-            <a:extLst>
-              <a:ext uri="{FF2B5EF4-FFF2-40B4-BE49-F238E27FC236}">
-                <a16:creationId xmlns:a16="http://schemas.microsoft.com/office/drawing/2014/main" id="{4CB40DC5-B939-04B3-5500-DC328E81AA88}"/>
-              </a:ext>
-            </a:extLst>
-          </p:cNvPr>
-          <p:cNvSpPr/>
-          <p:nvPr/>
-        </p:nvSpPr>
-        <p:spPr>
-          <a:xfrm>
-            <a:off x="3933822" y="3647422"/>
-            <a:ext cx="352425" cy="276225"/>
-          </a:xfrm>
-          <a:prstGeom prst="diamond">
-            <a:avLst/>
-          </a:prstGeom>
-          <a:solidFill>
-            <a:schemeClr val="tx1">
-              <a:lumMod val="95000"/>
-            </a:schemeClr>
-          </a:solidFill>
-        </p:spPr>
-        <p:style>
-          <a:lnRef idx="2">
-            <a:schemeClr val="accent1">
-              <a:shade val="15000"/>
-            </a:schemeClr>
-          </a:lnRef>
-          <a:fillRef idx="1">
-            <a:schemeClr val="accent1"/>
-          </a:fillRef>
-          <a:effectRef idx="0">
-            <a:schemeClr val="accent1"/>
-          </a:effectRef>
-          <a:fontRef idx="minor">
-            <a:schemeClr val="lt1"/>
-          </a:fontRef>
-        </p:style>
-        <p:txBody>
-          <a:bodyPr rtlCol="0" anchor="ctr"/>
-          <a:lstStyle/>
-          <a:p>
-            <a:pPr algn="ctr"/>
-            <a:endParaRPr lang="en-US"/>
-          </a:p>
-        </p:txBody>
-      </p:sp>
-      <p:sp>
-        <p:nvSpPr>
           <p:cNvPr id="21" name="TextBox 20">
             <a:extLst>
               <a:ext uri="{FF2B5EF4-FFF2-40B4-BE49-F238E27FC236}">
@@ -6115,7 +6168,7 @@
           <a:lstStyle/>
           <a:p>
             <a:r>
-              <a:rPr lang="en-US" sz="2800" dirty="0"/>
+              <a:rPr lang="en-US" sz="2800" b="1" dirty="0"/>
               <a:t>About Derivative Calculator</a:t>
             </a:r>
           </a:p>
@@ -6297,6 +6350,162 @@
           </a:p>
         </p:txBody>
       </p:sp>
+      <p:pic>
+        <p:nvPicPr>
+          <p:cNvPr id="3" name="Graphic 2" descr="Chevron arrows with solid fill">
+            <a:extLst>
+              <a:ext uri="{FF2B5EF4-FFF2-40B4-BE49-F238E27FC236}">
+                <a16:creationId xmlns:a16="http://schemas.microsoft.com/office/drawing/2014/main" id="{D760BE5F-8CA5-676F-EEAB-68CD4BBF8B5D}"/>
+              </a:ext>
+            </a:extLst>
+          </p:cNvPr>
+          <p:cNvPicPr>
+            <a:picLocks noChangeAspect="1"/>
+          </p:cNvPicPr>
+          <p:nvPr/>
+        </p:nvPicPr>
+        <p:blipFill>
+          <a:blip r:embed="rId2">
+            <a:extLst>
+              <a:ext uri="{28A0092B-C50C-407E-A947-70E740481C1C}">
+                <a14:useLocalDpi xmlns:a14="http://schemas.microsoft.com/office/drawing/2010/main" val="0"/>
+              </a:ext>
+              <a:ext uri="{96DAC541-7B7A-43D3-8B79-37D633B846F1}">
+                <asvg:svgBlip xmlns:asvg="http://schemas.microsoft.com/office/drawing/2016/SVG/main" r:embed="rId3"/>
+              </a:ext>
+            </a:extLst>
+          </a:blip>
+          <a:stretch>
+            <a:fillRect/>
+          </a:stretch>
+        </p:blipFill>
+        <p:spPr>
+          <a:xfrm>
+            <a:off x="3750996" y="1822400"/>
+            <a:ext cx="361847" cy="192528"/>
+          </a:xfrm>
+          <a:prstGeom prst="rect">
+            <a:avLst/>
+          </a:prstGeom>
+        </p:spPr>
+      </p:pic>
+      <p:pic>
+        <p:nvPicPr>
+          <p:cNvPr id="4" name="Graphic 3" descr="Chevron arrows with solid fill">
+            <a:extLst>
+              <a:ext uri="{FF2B5EF4-FFF2-40B4-BE49-F238E27FC236}">
+                <a16:creationId xmlns:a16="http://schemas.microsoft.com/office/drawing/2014/main" id="{A2914BE4-9072-2DD8-C6FE-5536BC289E30}"/>
+              </a:ext>
+            </a:extLst>
+          </p:cNvPr>
+          <p:cNvPicPr>
+            <a:picLocks noChangeAspect="1"/>
+          </p:cNvPicPr>
+          <p:nvPr/>
+        </p:nvPicPr>
+        <p:blipFill>
+          <a:blip r:embed="rId2">
+            <a:extLst>
+              <a:ext uri="{28A0092B-C50C-407E-A947-70E740481C1C}">
+                <a14:useLocalDpi xmlns:a14="http://schemas.microsoft.com/office/drawing/2010/main" val="0"/>
+              </a:ext>
+              <a:ext uri="{96DAC541-7B7A-43D3-8B79-37D633B846F1}">
+                <asvg:svgBlip xmlns:asvg="http://schemas.microsoft.com/office/drawing/2016/SVG/main" r:embed="rId3"/>
+              </a:ext>
+            </a:extLst>
+          </a:blip>
+          <a:stretch>
+            <a:fillRect/>
+          </a:stretch>
+        </p:blipFill>
+        <p:spPr>
+          <a:xfrm>
+            <a:off x="3749090" y="3685203"/>
+            <a:ext cx="361847" cy="192528"/>
+          </a:xfrm>
+          <a:prstGeom prst="rect">
+            <a:avLst/>
+          </a:prstGeom>
+        </p:spPr>
+      </p:pic>
+      <p:pic>
+        <p:nvPicPr>
+          <p:cNvPr id="6" name="Graphic 5" descr="Chevron arrows with solid fill">
+            <a:extLst>
+              <a:ext uri="{FF2B5EF4-FFF2-40B4-BE49-F238E27FC236}">
+                <a16:creationId xmlns:a16="http://schemas.microsoft.com/office/drawing/2014/main" id="{1CDBC893-6301-6401-E207-032E0E46031F}"/>
+              </a:ext>
+            </a:extLst>
+          </p:cNvPr>
+          <p:cNvPicPr>
+            <a:picLocks noChangeAspect="1"/>
+          </p:cNvPicPr>
+          <p:nvPr/>
+        </p:nvPicPr>
+        <p:blipFill>
+          <a:blip r:embed="rId2">
+            <a:extLst>
+              <a:ext uri="{28A0092B-C50C-407E-A947-70E740481C1C}">
+                <a14:useLocalDpi xmlns:a14="http://schemas.microsoft.com/office/drawing/2010/main" val="0"/>
+              </a:ext>
+              <a:ext uri="{96DAC541-7B7A-43D3-8B79-37D633B846F1}">
+                <asvg:svgBlip xmlns:asvg="http://schemas.microsoft.com/office/drawing/2016/SVG/main" r:embed="rId3"/>
+              </a:ext>
+            </a:extLst>
+          </a:blip>
+          <a:stretch>
+            <a:fillRect/>
+          </a:stretch>
+        </p:blipFill>
+        <p:spPr>
+          <a:xfrm>
+            <a:off x="3749090" y="2428178"/>
+            <a:ext cx="361847" cy="192528"/>
+          </a:xfrm>
+          <a:prstGeom prst="rect">
+            <a:avLst/>
+          </a:prstGeom>
+        </p:spPr>
+      </p:pic>
+      <p:pic>
+        <p:nvPicPr>
+          <p:cNvPr id="7" name="Graphic 6" descr="Chevron arrows with solid fill">
+            <a:extLst>
+              <a:ext uri="{FF2B5EF4-FFF2-40B4-BE49-F238E27FC236}">
+                <a16:creationId xmlns:a16="http://schemas.microsoft.com/office/drawing/2014/main" id="{3B863358-A292-20FD-18DF-1BE82D370838}"/>
+              </a:ext>
+            </a:extLst>
+          </p:cNvPr>
+          <p:cNvPicPr>
+            <a:picLocks noChangeAspect="1"/>
+          </p:cNvPicPr>
+          <p:nvPr/>
+        </p:nvPicPr>
+        <p:blipFill>
+          <a:blip r:embed="rId2">
+            <a:extLst>
+              <a:ext uri="{28A0092B-C50C-407E-A947-70E740481C1C}">
+                <a14:useLocalDpi xmlns:a14="http://schemas.microsoft.com/office/drawing/2010/main" val="0"/>
+              </a:ext>
+              <a:ext uri="{96DAC541-7B7A-43D3-8B79-37D633B846F1}">
+                <asvg:svgBlip xmlns:asvg="http://schemas.microsoft.com/office/drawing/2016/SVG/main" r:embed="rId3"/>
+              </a:ext>
+            </a:extLst>
+          </a:blip>
+          <a:stretch>
+            <a:fillRect/>
+          </a:stretch>
+        </p:blipFill>
+        <p:spPr>
+          <a:xfrm>
+            <a:off x="3749090" y="3033956"/>
+            <a:ext cx="361847" cy="192528"/>
+          </a:xfrm>
+          <a:prstGeom prst="rect">
+            <a:avLst/>
+          </a:prstGeom>
+        </p:spPr>
+      </p:pic>
     </p:spTree>
     <p:extLst>
       <p:ext uri="{BB962C8B-B14F-4D97-AF65-F5344CB8AC3E}">
@@ -6313,33 +6522,6 @@
 <file path=ppt/slides/slide3.xml><?xml version="1.0" encoding="utf-8"?>
 <p:sld xmlns:a="http://schemas.openxmlformats.org/drawingml/2006/main" xmlns:r="http://schemas.openxmlformats.org/officeDocument/2006/relationships" xmlns:p="http://schemas.openxmlformats.org/presentationml/2006/main">
   <p:cSld>
-    <p:bg>
-      <p:bgPr>
-        <a:blipFill dpi="0" rotWithShape="1">
-          <a:blip r:embed="rId2">
-            <a:alphaModFix amt="88000"/>
-            <a:duotone>
-              <a:schemeClr val="bg2">
-                <a:shade val="18000"/>
-                <a:satMod val="160000"/>
-                <a:lumMod val="28000"/>
-              </a:schemeClr>
-              <a:schemeClr val="bg2">
-                <a:tint val="95000"/>
-                <a:satMod val="160000"/>
-                <a:lumMod val="116000"/>
-              </a:schemeClr>
-            </a:duotone>
-            <a:lum/>
-          </a:blip>
-          <a:srcRect/>
-          <a:stretch>
-            <a:fillRect/>
-          </a:stretch>
-        </a:blipFill>
-        <a:effectLst/>
-      </p:bgPr>
-    </p:bg>
     <p:spTree>
       <p:nvGrpSpPr>
         <p:cNvPr id="1" name=""/>
@@ -6356,261 +6538,6 @@
       </p:grpSpPr>
       <p:sp>
         <p:nvSpPr>
-          <p:cNvPr id="4" name="Diamond 3">
-            <a:extLst>
-              <a:ext uri="{FF2B5EF4-FFF2-40B4-BE49-F238E27FC236}">
-                <a16:creationId xmlns:a16="http://schemas.microsoft.com/office/drawing/2014/main" id="{A20283AF-E00F-7560-1965-D8B9CC11FFD2}"/>
-              </a:ext>
-            </a:extLst>
-          </p:cNvPr>
-          <p:cNvSpPr/>
-          <p:nvPr/>
-        </p:nvSpPr>
-        <p:spPr>
-          <a:xfrm>
-            <a:off x="4230368" y="1842600"/>
-            <a:ext cx="352425" cy="276225"/>
-          </a:xfrm>
-          <a:prstGeom prst="diamond">
-            <a:avLst/>
-          </a:prstGeom>
-          <a:solidFill>
-            <a:schemeClr val="tx1">
-              <a:lumMod val="95000"/>
-            </a:schemeClr>
-          </a:solidFill>
-        </p:spPr>
-        <p:style>
-          <a:lnRef idx="2">
-            <a:schemeClr val="accent1">
-              <a:shade val="15000"/>
-            </a:schemeClr>
-          </a:lnRef>
-          <a:fillRef idx="1">
-            <a:schemeClr val="accent1"/>
-          </a:fillRef>
-          <a:effectRef idx="0">
-            <a:schemeClr val="accent1"/>
-          </a:effectRef>
-          <a:fontRef idx="minor">
-            <a:schemeClr val="lt1"/>
-          </a:fontRef>
-        </p:style>
-        <p:txBody>
-          <a:bodyPr rtlCol="0" anchor="ctr"/>
-          <a:lstStyle/>
-          <a:p>
-            <a:pPr algn="ctr"/>
-            <a:endParaRPr lang="en-US"/>
-          </a:p>
-        </p:txBody>
-      </p:sp>
-      <p:sp>
-        <p:nvSpPr>
-          <p:cNvPr id="6" name="Diamond 5">
-            <a:extLst>
-              <a:ext uri="{FF2B5EF4-FFF2-40B4-BE49-F238E27FC236}">
-                <a16:creationId xmlns:a16="http://schemas.microsoft.com/office/drawing/2014/main" id="{4849694A-CB18-8BC7-4536-0706B325318F}"/>
-              </a:ext>
-            </a:extLst>
-          </p:cNvPr>
-          <p:cNvSpPr/>
-          <p:nvPr/>
-        </p:nvSpPr>
-        <p:spPr>
-          <a:xfrm>
-            <a:off x="4230367" y="2490008"/>
-            <a:ext cx="352425" cy="276225"/>
-          </a:xfrm>
-          <a:prstGeom prst="diamond">
-            <a:avLst/>
-          </a:prstGeom>
-          <a:solidFill>
-            <a:schemeClr val="tx1">
-              <a:lumMod val="95000"/>
-            </a:schemeClr>
-          </a:solidFill>
-        </p:spPr>
-        <p:style>
-          <a:lnRef idx="2">
-            <a:schemeClr val="accent1">
-              <a:shade val="15000"/>
-            </a:schemeClr>
-          </a:lnRef>
-          <a:fillRef idx="1">
-            <a:schemeClr val="accent1"/>
-          </a:fillRef>
-          <a:effectRef idx="0">
-            <a:schemeClr val="accent1"/>
-          </a:effectRef>
-          <a:fontRef idx="minor">
-            <a:schemeClr val="lt1"/>
-          </a:fontRef>
-        </p:style>
-        <p:txBody>
-          <a:bodyPr rtlCol="0" anchor="ctr"/>
-          <a:lstStyle/>
-          <a:p>
-            <a:pPr algn="ctr"/>
-            <a:endParaRPr lang="en-US"/>
-          </a:p>
-        </p:txBody>
-      </p:sp>
-      <p:sp>
-        <p:nvSpPr>
-          <p:cNvPr id="8" name="Diamond 7">
-            <a:extLst>
-              <a:ext uri="{FF2B5EF4-FFF2-40B4-BE49-F238E27FC236}">
-                <a16:creationId xmlns:a16="http://schemas.microsoft.com/office/drawing/2014/main" id="{9B437E57-156D-647D-6247-E301945A1205}"/>
-              </a:ext>
-            </a:extLst>
-          </p:cNvPr>
-          <p:cNvSpPr/>
-          <p:nvPr/>
-        </p:nvSpPr>
-        <p:spPr>
-          <a:xfrm>
-            <a:off x="4253546" y="3105619"/>
-            <a:ext cx="352425" cy="276225"/>
-          </a:xfrm>
-          <a:prstGeom prst="diamond">
-            <a:avLst/>
-          </a:prstGeom>
-          <a:solidFill>
-            <a:schemeClr val="tx1">
-              <a:lumMod val="95000"/>
-            </a:schemeClr>
-          </a:solidFill>
-        </p:spPr>
-        <p:style>
-          <a:lnRef idx="2">
-            <a:schemeClr val="accent1">
-              <a:shade val="15000"/>
-            </a:schemeClr>
-          </a:lnRef>
-          <a:fillRef idx="1">
-            <a:schemeClr val="accent1"/>
-          </a:fillRef>
-          <a:effectRef idx="0">
-            <a:schemeClr val="accent1"/>
-          </a:effectRef>
-          <a:fontRef idx="minor">
-            <a:schemeClr val="lt1"/>
-          </a:fontRef>
-        </p:style>
-        <p:txBody>
-          <a:bodyPr rtlCol="0" anchor="ctr"/>
-          <a:lstStyle/>
-          <a:p>
-            <a:pPr algn="ctr"/>
-            <a:endParaRPr lang="en-US"/>
-          </a:p>
-        </p:txBody>
-      </p:sp>
-      <p:sp>
-        <p:nvSpPr>
-          <p:cNvPr id="10" name="Diamond 9">
-            <a:extLst>
-              <a:ext uri="{FF2B5EF4-FFF2-40B4-BE49-F238E27FC236}">
-                <a16:creationId xmlns:a16="http://schemas.microsoft.com/office/drawing/2014/main" id="{28C04B05-9214-7B9E-B10B-F9826771031C}"/>
-              </a:ext>
-            </a:extLst>
-          </p:cNvPr>
-          <p:cNvSpPr/>
-          <p:nvPr/>
-        </p:nvSpPr>
-        <p:spPr>
-          <a:xfrm>
-            <a:off x="4253545" y="3721230"/>
-            <a:ext cx="352425" cy="276225"/>
-          </a:xfrm>
-          <a:prstGeom prst="diamond">
-            <a:avLst/>
-          </a:prstGeom>
-          <a:solidFill>
-            <a:schemeClr val="tx1">
-              <a:lumMod val="95000"/>
-            </a:schemeClr>
-          </a:solidFill>
-        </p:spPr>
-        <p:style>
-          <a:lnRef idx="2">
-            <a:schemeClr val="accent1">
-              <a:shade val="15000"/>
-            </a:schemeClr>
-          </a:lnRef>
-          <a:fillRef idx="1">
-            <a:schemeClr val="accent1"/>
-          </a:fillRef>
-          <a:effectRef idx="0">
-            <a:schemeClr val="accent1"/>
-          </a:effectRef>
-          <a:fontRef idx="minor">
-            <a:schemeClr val="lt1"/>
-          </a:fontRef>
-        </p:style>
-        <p:txBody>
-          <a:bodyPr rtlCol="0" anchor="ctr"/>
-          <a:lstStyle/>
-          <a:p>
-            <a:pPr algn="ctr"/>
-            <a:endParaRPr lang="en-US"/>
-          </a:p>
-        </p:txBody>
-      </p:sp>
-      <p:sp>
-        <p:nvSpPr>
-          <p:cNvPr id="13" name="Diamond 12">
-            <a:extLst>
-              <a:ext uri="{FF2B5EF4-FFF2-40B4-BE49-F238E27FC236}">
-                <a16:creationId xmlns:a16="http://schemas.microsoft.com/office/drawing/2014/main" id="{52D89E0E-875D-F3D5-F081-1C2A233E0BDA}"/>
-              </a:ext>
-            </a:extLst>
-          </p:cNvPr>
-          <p:cNvSpPr/>
-          <p:nvPr/>
-        </p:nvSpPr>
-        <p:spPr>
-          <a:xfrm>
-            <a:off x="4253547" y="4368364"/>
-            <a:ext cx="352425" cy="276225"/>
-          </a:xfrm>
-          <a:prstGeom prst="diamond">
-            <a:avLst/>
-          </a:prstGeom>
-          <a:solidFill>
-            <a:schemeClr val="tx1">
-              <a:lumMod val="95000"/>
-            </a:schemeClr>
-          </a:solidFill>
-        </p:spPr>
-        <p:style>
-          <a:lnRef idx="2">
-            <a:schemeClr val="accent1">
-              <a:shade val="15000"/>
-            </a:schemeClr>
-          </a:lnRef>
-          <a:fillRef idx="1">
-            <a:schemeClr val="accent1"/>
-          </a:fillRef>
-          <a:effectRef idx="0">
-            <a:schemeClr val="accent1"/>
-          </a:effectRef>
-          <a:fontRef idx="minor">
-            <a:schemeClr val="lt1"/>
-          </a:fontRef>
-        </p:style>
-        <p:txBody>
-          <a:bodyPr rtlCol="0" anchor="ctr"/>
-          <a:lstStyle/>
-          <a:p>
-            <a:pPr algn="ctr"/>
-            <a:endParaRPr lang="en-US" dirty="0"/>
-          </a:p>
-        </p:txBody>
-      </p:sp>
-      <p:sp>
-        <p:nvSpPr>
           <p:cNvPr id="15" name="TextBox 14">
             <a:extLst>
               <a:ext uri="{FF2B5EF4-FFF2-40B4-BE49-F238E27FC236}">
@@ -6623,8 +6550,8 @@
         </p:nvSpPr>
         <p:spPr>
           <a:xfrm>
-            <a:off x="4429760" y="71120"/>
-            <a:ext cx="4653280" cy="523220"/>
+            <a:off x="3484562" y="63036"/>
+            <a:ext cx="6315075" cy="523220"/>
           </a:xfrm>
           <a:prstGeom prst="rect">
             <a:avLst/>
@@ -6637,8 +6564,9 @@
           </a:bodyPr>
           <a:lstStyle/>
           <a:p>
-            <a:r>
-              <a:rPr lang="en-US" sz="2800" dirty="0"/>
+            <a:pPr algn="ctr"/>
+            <a:r>
+              <a:rPr lang="en-US" sz="2800" b="1" dirty="0"/>
               <a:t>Why Derivative Calculator</a:t>
             </a:r>
           </a:p>
@@ -6653,13 +6581,15 @@
               </a:ext>
             </a:extLst>
           </p:cNvPr>
-          <p:cNvCxnSpPr/>
+          <p:cNvCxnSpPr>
+            <a:cxnSpLocks/>
+          </p:cNvCxnSpPr>
           <p:nvPr/>
         </p:nvCxnSpPr>
         <p:spPr>
           <a:xfrm>
-            <a:off x="91440" y="594340"/>
-            <a:ext cx="11988800" cy="0"/>
+            <a:off x="-109855" y="693380"/>
+            <a:ext cx="12301855" cy="0"/>
           </a:xfrm>
           <a:prstGeom prst="line">
             <a:avLst/>
@@ -6694,7 +6624,7 @@
         </p:nvSpPr>
         <p:spPr>
           <a:xfrm>
-            <a:off x="4723130" y="1796046"/>
+            <a:off x="5056505" y="1796314"/>
             <a:ext cx="3171190" cy="369332"/>
           </a:xfrm>
           <a:prstGeom prst="rect">
@@ -6729,7 +6659,7 @@
         </p:nvSpPr>
         <p:spPr>
           <a:xfrm>
-            <a:off x="4723130" y="2421003"/>
+            <a:off x="5056505" y="2419849"/>
             <a:ext cx="4171950" cy="383117"/>
           </a:xfrm>
           <a:prstGeom prst="rect">
@@ -6764,7 +6694,7 @@
         </p:nvSpPr>
         <p:spPr>
           <a:xfrm>
-            <a:off x="4723130" y="3066671"/>
+            <a:off x="5056505" y="3057169"/>
             <a:ext cx="4171950" cy="383117"/>
           </a:xfrm>
           <a:prstGeom prst="rect">
@@ -6799,7 +6729,7 @@
         </p:nvSpPr>
         <p:spPr>
           <a:xfrm>
-            <a:off x="4723130" y="3658883"/>
+            <a:off x="5056505" y="3624152"/>
             <a:ext cx="4171950" cy="383117"/>
           </a:xfrm>
           <a:prstGeom prst="rect">
@@ -6834,7 +6764,7 @@
         </p:nvSpPr>
         <p:spPr>
           <a:xfrm>
-            <a:off x="4723130" y="4261472"/>
+            <a:off x="5056505" y="4191135"/>
             <a:ext cx="4171950" cy="383117"/>
           </a:xfrm>
           <a:prstGeom prst="rect">
@@ -6855,6 +6785,201 @@
           </a:p>
         </p:txBody>
       </p:sp>
+      <p:pic>
+        <p:nvPicPr>
+          <p:cNvPr id="2" name="Graphic 1" descr="Chevron arrows with solid fill">
+            <a:extLst>
+              <a:ext uri="{FF2B5EF4-FFF2-40B4-BE49-F238E27FC236}">
+                <a16:creationId xmlns:a16="http://schemas.microsoft.com/office/drawing/2014/main" id="{322495AD-52B1-B1A9-82A4-1C906341F926}"/>
+              </a:ext>
+            </a:extLst>
+          </p:cNvPr>
+          <p:cNvPicPr>
+            <a:picLocks noChangeAspect="1"/>
+          </p:cNvPicPr>
+          <p:nvPr/>
+        </p:nvPicPr>
+        <p:blipFill>
+          <a:blip r:embed="rId2">
+            <a:extLst>
+              <a:ext uri="{28A0092B-C50C-407E-A947-70E740481C1C}">
+                <a14:useLocalDpi xmlns:a14="http://schemas.microsoft.com/office/drawing/2010/main" val="0"/>
+              </a:ext>
+              <a:ext uri="{96DAC541-7B7A-43D3-8B79-37D633B846F1}">
+                <asvg:svgBlip xmlns:asvg="http://schemas.microsoft.com/office/drawing/2016/SVG/main" r:embed="rId3"/>
+              </a:ext>
+            </a:extLst>
+          </a:blip>
+          <a:stretch>
+            <a:fillRect/>
+          </a:stretch>
+        </p:blipFill>
+        <p:spPr>
+          <a:xfrm>
+            <a:off x="4361283" y="1872490"/>
+            <a:ext cx="361847" cy="192528"/>
+          </a:xfrm>
+          <a:prstGeom prst="rect">
+            <a:avLst/>
+          </a:prstGeom>
+        </p:spPr>
+      </p:pic>
+      <p:pic>
+        <p:nvPicPr>
+          <p:cNvPr id="18" name="Graphic 17" descr="Chevron arrows with solid fill">
+            <a:extLst>
+              <a:ext uri="{FF2B5EF4-FFF2-40B4-BE49-F238E27FC236}">
+                <a16:creationId xmlns:a16="http://schemas.microsoft.com/office/drawing/2014/main" id="{DB5F188A-5E0F-CD14-38DB-EE2739B44A7C}"/>
+              </a:ext>
+            </a:extLst>
+          </p:cNvPr>
+          <p:cNvPicPr>
+            <a:picLocks noChangeAspect="1"/>
+          </p:cNvPicPr>
+          <p:nvPr/>
+        </p:nvPicPr>
+        <p:blipFill>
+          <a:blip r:embed="rId2">
+            <a:extLst>
+              <a:ext uri="{28A0092B-C50C-407E-A947-70E740481C1C}">
+                <a14:useLocalDpi xmlns:a14="http://schemas.microsoft.com/office/drawing/2010/main" val="0"/>
+              </a:ext>
+              <a:ext uri="{96DAC541-7B7A-43D3-8B79-37D633B846F1}">
+                <asvg:svgBlip xmlns:asvg="http://schemas.microsoft.com/office/drawing/2016/SVG/main" r:embed="rId3"/>
+              </a:ext>
+            </a:extLst>
+          </a:blip>
+          <a:stretch>
+            <a:fillRect/>
+          </a:stretch>
+        </p:blipFill>
+        <p:spPr>
+          <a:xfrm>
+            <a:off x="4360063" y="2515143"/>
+            <a:ext cx="361847" cy="192528"/>
+          </a:xfrm>
+          <a:prstGeom prst="rect">
+            <a:avLst/>
+          </a:prstGeom>
+        </p:spPr>
+      </p:pic>
+      <p:pic>
+        <p:nvPicPr>
+          <p:cNvPr id="22" name="Graphic 21" descr="Chevron arrows with solid fill">
+            <a:extLst>
+              <a:ext uri="{FF2B5EF4-FFF2-40B4-BE49-F238E27FC236}">
+                <a16:creationId xmlns:a16="http://schemas.microsoft.com/office/drawing/2014/main" id="{5C53C49C-AAAF-3EEB-A753-48438BB2467F}"/>
+              </a:ext>
+            </a:extLst>
+          </p:cNvPr>
+          <p:cNvPicPr>
+            <a:picLocks noChangeAspect="1"/>
+          </p:cNvPicPr>
+          <p:nvPr/>
+        </p:nvPicPr>
+        <p:blipFill>
+          <a:blip r:embed="rId2">
+            <a:extLst>
+              <a:ext uri="{28A0092B-C50C-407E-A947-70E740481C1C}">
+                <a14:useLocalDpi xmlns:a14="http://schemas.microsoft.com/office/drawing/2010/main" val="0"/>
+              </a:ext>
+              <a:ext uri="{96DAC541-7B7A-43D3-8B79-37D633B846F1}">
+                <asvg:svgBlip xmlns:asvg="http://schemas.microsoft.com/office/drawing/2016/SVG/main" r:embed="rId3"/>
+              </a:ext>
+            </a:extLst>
+          </a:blip>
+          <a:stretch>
+            <a:fillRect/>
+          </a:stretch>
+        </p:blipFill>
+        <p:spPr>
+          <a:xfrm>
+            <a:off x="4360064" y="3164788"/>
+            <a:ext cx="361847" cy="192528"/>
+          </a:xfrm>
+          <a:prstGeom prst="rect">
+            <a:avLst/>
+          </a:prstGeom>
+        </p:spPr>
+      </p:pic>
+      <p:pic>
+        <p:nvPicPr>
+          <p:cNvPr id="25" name="Graphic 24" descr="Chevron arrows with solid fill">
+            <a:extLst>
+              <a:ext uri="{FF2B5EF4-FFF2-40B4-BE49-F238E27FC236}">
+                <a16:creationId xmlns:a16="http://schemas.microsoft.com/office/drawing/2014/main" id="{1B266FF3-7C9A-8A3B-BBE9-FA8A50CAC6FF}"/>
+              </a:ext>
+            </a:extLst>
+          </p:cNvPr>
+          <p:cNvPicPr>
+            <a:picLocks noChangeAspect="1"/>
+          </p:cNvPicPr>
+          <p:nvPr/>
+        </p:nvPicPr>
+        <p:blipFill>
+          <a:blip r:embed="rId2">
+            <a:extLst>
+              <a:ext uri="{28A0092B-C50C-407E-A947-70E740481C1C}">
+                <a14:useLocalDpi xmlns:a14="http://schemas.microsoft.com/office/drawing/2010/main" val="0"/>
+              </a:ext>
+              <a:ext uri="{96DAC541-7B7A-43D3-8B79-37D633B846F1}">
+                <asvg:svgBlip xmlns:asvg="http://schemas.microsoft.com/office/drawing/2016/SVG/main" r:embed="rId3"/>
+              </a:ext>
+            </a:extLst>
+          </a:blip>
+          <a:stretch>
+            <a:fillRect/>
+          </a:stretch>
+        </p:blipFill>
+        <p:spPr>
+          <a:xfrm>
+            <a:off x="4360064" y="3719446"/>
+            <a:ext cx="361847" cy="192528"/>
+          </a:xfrm>
+          <a:prstGeom prst="rect">
+            <a:avLst/>
+          </a:prstGeom>
+        </p:spPr>
+      </p:pic>
+      <p:pic>
+        <p:nvPicPr>
+          <p:cNvPr id="26" name="Graphic 25" descr="Chevron arrows with solid fill">
+            <a:extLst>
+              <a:ext uri="{FF2B5EF4-FFF2-40B4-BE49-F238E27FC236}">
+                <a16:creationId xmlns:a16="http://schemas.microsoft.com/office/drawing/2014/main" id="{77924E4A-DF8C-60C5-5D31-77F3ACE0F8E4}"/>
+              </a:ext>
+            </a:extLst>
+          </p:cNvPr>
+          <p:cNvPicPr>
+            <a:picLocks noChangeAspect="1"/>
+          </p:cNvPicPr>
+          <p:nvPr/>
+        </p:nvPicPr>
+        <p:blipFill>
+          <a:blip r:embed="rId2">
+            <a:extLst>
+              <a:ext uri="{28A0092B-C50C-407E-A947-70E740481C1C}">
+                <a14:useLocalDpi xmlns:a14="http://schemas.microsoft.com/office/drawing/2010/main" val="0"/>
+              </a:ext>
+              <a:ext uri="{96DAC541-7B7A-43D3-8B79-37D633B846F1}">
+                <asvg:svgBlip xmlns:asvg="http://schemas.microsoft.com/office/drawing/2016/SVG/main" r:embed="rId3"/>
+              </a:ext>
+            </a:extLst>
+          </a:blip>
+          <a:stretch>
+            <a:fillRect/>
+          </a:stretch>
+        </p:blipFill>
+        <p:spPr>
+          <a:xfrm>
+            <a:off x="4360064" y="4280708"/>
+            <a:ext cx="361847" cy="192528"/>
+          </a:xfrm>
+          <a:prstGeom prst="rect">
+            <a:avLst/>
+          </a:prstGeom>
+        </p:spPr>
+      </p:pic>
     </p:spTree>
     <p:extLst>
       <p:ext uri="{BB962C8B-B14F-4D97-AF65-F5344CB8AC3E}">
@@ -6871,33 +6996,6 @@
 <file path=ppt/slides/slide4.xml><?xml version="1.0" encoding="utf-8"?>
 <p:sld xmlns:a="http://schemas.openxmlformats.org/drawingml/2006/main" xmlns:r="http://schemas.openxmlformats.org/officeDocument/2006/relationships" xmlns:p="http://schemas.openxmlformats.org/presentationml/2006/main">
   <p:cSld>
-    <p:bg>
-      <p:bgPr>
-        <a:blipFill dpi="0" rotWithShape="1">
-          <a:blip r:embed="rId2">
-            <a:alphaModFix amt="88000"/>
-            <a:duotone>
-              <a:schemeClr val="bg2">
-                <a:shade val="18000"/>
-                <a:satMod val="160000"/>
-                <a:lumMod val="28000"/>
-              </a:schemeClr>
-              <a:schemeClr val="bg2">
-                <a:tint val="95000"/>
-                <a:satMod val="160000"/>
-                <a:lumMod val="116000"/>
-              </a:schemeClr>
-            </a:duotone>
-            <a:lum/>
-          </a:blip>
-          <a:srcRect/>
-          <a:stretch>
-            <a:fillRect/>
-          </a:stretch>
-        </a:blipFill>
-        <a:effectLst/>
-      </p:bgPr>
-    </p:bg>
     <p:spTree>
       <p:nvGrpSpPr>
         <p:cNvPr id="1" name=""/>
@@ -6926,7 +7024,7 @@
         </p:nvSpPr>
         <p:spPr>
           <a:xfrm>
-            <a:off x="3744595" y="1702356"/>
+            <a:off x="4048125" y="1648321"/>
             <a:ext cx="2047875" cy="400110"/>
           </a:xfrm>
           <a:prstGeom prst="rect">
@@ -6941,7 +7039,7 @@
           <a:lstStyle/>
           <a:p>
             <a:r>
-              <a:rPr lang="en-US" sz="2000" dirty="0"/>
+              <a:rPr lang="en-US" sz="2000" b="1" dirty="0"/>
               <a:t>Function Type</a:t>
             </a:r>
           </a:p>
@@ -6961,7 +7059,7 @@
         </p:nvSpPr>
         <p:spPr>
           <a:xfrm>
-            <a:off x="3224212" y="1721673"/>
+            <a:off x="3714750" y="1644379"/>
             <a:ext cx="333375" cy="400110"/>
           </a:xfrm>
           <a:prstGeom prst="star4">
@@ -7005,7 +7103,7 @@
         </p:nvSpPr>
         <p:spPr>
           <a:xfrm>
-            <a:off x="4383881" y="2268507"/>
+            <a:off x="5743374" y="2150736"/>
             <a:ext cx="2319338" cy="369332"/>
           </a:xfrm>
           <a:prstGeom prst="rect">
@@ -7040,7 +7138,7 @@
         </p:nvSpPr>
         <p:spPr>
           <a:xfrm>
-            <a:off x="4383881" y="2824676"/>
+            <a:off x="5743374" y="2627279"/>
             <a:ext cx="2319338" cy="369332"/>
           </a:xfrm>
           <a:prstGeom prst="rect">
@@ -7075,7 +7173,7 @@
         </p:nvSpPr>
         <p:spPr>
           <a:xfrm>
-            <a:off x="4387373" y="3380845"/>
+            <a:off x="5700870" y="3124789"/>
             <a:ext cx="2319338" cy="369332"/>
           </a:xfrm>
           <a:prstGeom prst="rect">
@@ -7110,7 +7208,7 @@
         </p:nvSpPr>
         <p:spPr>
           <a:xfrm>
-            <a:off x="4383881" y="3939027"/>
+            <a:off x="5735287" y="3661379"/>
             <a:ext cx="2319338" cy="369332"/>
           </a:xfrm>
           <a:prstGeom prst="rect">
@@ -7145,7 +7243,7 @@
         </p:nvSpPr>
         <p:spPr>
           <a:xfrm>
-            <a:off x="4383881" y="4493183"/>
+            <a:off x="5743374" y="4147112"/>
             <a:ext cx="2319338" cy="369332"/>
           </a:xfrm>
           <a:prstGeom prst="rect">
@@ -7195,7 +7293,7 @@
           <a:lstStyle/>
           <a:p>
             <a:r>
-              <a:rPr lang="en-US" sz="3200" dirty="0"/>
+              <a:rPr lang="en-US" sz="3200" b="1" dirty="0"/>
               <a:t>Features</a:t>
             </a:r>
           </a:p>
@@ -7237,6 +7335,80 @@
           </a:fontRef>
         </p:style>
       </p:cxnSp>
+      <p:pic>
+        <p:nvPicPr>
+          <p:cNvPr id="3" name="Graphic 2" descr="Chevron arrows with solid fill">
+            <a:extLst>
+              <a:ext uri="{FF2B5EF4-FFF2-40B4-BE49-F238E27FC236}">
+                <a16:creationId xmlns:a16="http://schemas.microsoft.com/office/drawing/2014/main" id="{FCFF84C8-9953-C22B-9BF6-32C42927FB98}"/>
+              </a:ext>
+            </a:extLst>
+          </p:cNvPr>
+          <p:cNvPicPr>
+            <a:picLocks noChangeAspect="1"/>
+          </p:cNvPicPr>
+          <p:nvPr/>
+        </p:nvPicPr>
+        <p:blipFill>
+          <a:blip r:embed="rId2">
+            <a:extLst>
+              <a:ext uri="{28A0092B-C50C-407E-A947-70E740481C1C}">
+                <a14:useLocalDpi xmlns:a14="http://schemas.microsoft.com/office/drawing/2010/main" val="0"/>
+              </a:ext>
+              <a:ext uri="{96DAC541-7B7A-43D3-8B79-37D633B846F1}">
+                <asvg:svgBlip xmlns:asvg="http://schemas.microsoft.com/office/drawing/2016/SVG/main" r:embed="rId3"/>
+              </a:ext>
+            </a:extLst>
+          </a:blip>
+          <a:stretch>
+            <a:fillRect/>
+          </a:stretch>
+        </p:blipFill>
+        <p:spPr>
+          <a:xfrm>
+            <a:off x="4827376" y="3004750"/>
+            <a:ext cx="489371" cy="489371"/>
+          </a:xfrm>
+          <a:prstGeom prst="rect">
+            <a:avLst/>
+          </a:prstGeom>
+        </p:spPr>
+      </p:pic>
+      <p:sp>
+        <p:nvSpPr>
+          <p:cNvPr id="4" name="TextBox 3">
+            <a:extLst>
+              <a:ext uri="{FF2B5EF4-FFF2-40B4-BE49-F238E27FC236}">
+                <a16:creationId xmlns:a16="http://schemas.microsoft.com/office/drawing/2014/main" id="{E17924E7-0039-EAD4-FB0F-36EB3F67F842}"/>
+              </a:ext>
+            </a:extLst>
+          </p:cNvPr>
+          <p:cNvSpPr txBox="1"/>
+          <p:nvPr/>
+        </p:nvSpPr>
+        <p:spPr>
+          <a:xfrm>
+            <a:off x="3546203" y="2815724"/>
+            <a:ext cx="1030948" cy="707886"/>
+          </a:xfrm>
+          <a:prstGeom prst="rect">
+            <a:avLst/>
+          </a:prstGeom>
+          <a:noFill/>
+        </p:spPr>
+        <p:txBody>
+          <a:bodyPr wrap="square" rtlCol="0">
+            <a:spAutoFit/>
+          </a:bodyPr>
+          <a:lstStyle/>
+          <a:p>
+            <a:r>
+              <a:rPr lang="en-US" sz="4000" dirty="0"/>
+              <a:t>f(x)</a:t>
+            </a:r>
+          </a:p>
+        </p:txBody>
+      </p:sp>
     </p:spTree>
     <p:extLst>
       <p:ext uri="{BB962C8B-B14F-4D97-AF65-F5344CB8AC3E}">
@@ -7253,33 +7425,6 @@
 <file path=ppt/slides/slide5.xml><?xml version="1.0" encoding="utf-8"?>
 <p:sld xmlns:a="http://schemas.openxmlformats.org/drawingml/2006/main" xmlns:r="http://schemas.openxmlformats.org/officeDocument/2006/relationships" xmlns:p="http://schemas.openxmlformats.org/presentationml/2006/main">
   <p:cSld>
-    <p:bg>
-      <p:bgPr>
-        <a:blipFill dpi="0" rotWithShape="1">
-          <a:blip r:embed="rId2">
-            <a:alphaModFix amt="88000"/>
-            <a:duotone>
-              <a:schemeClr val="bg2">
-                <a:shade val="18000"/>
-                <a:satMod val="160000"/>
-                <a:lumMod val="28000"/>
-              </a:schemeClr>
-              <a:schemeClr val="bg2">
-                <a:tint val="95000"/>
-                <a:satMod val="160000"/>
-                <a:lumMod val="116000"/>
-              </a:schemeClr>
-            </a:duotone>
-            <a:lum/>
-          </a:blip>
-          <a:srcRect/>
-          <a:stretch>
-            <a:fillRect/>
-          </a:stretch>
-        </a:blipFill>
-        <a:effectLst/>
-      </p:bgPr>
-    </p:bg>
     <p:spTree>
       <p:nvGrpSpPr>
         <p:cNvPr id="1" name=""/>
@@ -7296,210 +7441,6 @@
       </p:grpSpPr>
       <p:sp>
         <p:nvSpPr>
-          <p:cNvPr id="3" name="Diamond 2">
-            <a:extLst>
-              <a:ext uri="{FF2B5EF4-FFF2-40B4-BE49-F238E27FC236}">
-                <a16:creationId xmlns:a16="http://schemas.microsoft.com/office/drawing/2014/main" id="{D28681EA-1F0A-CD96-D549-597B5DBF2DB6}"/>
-              </a:ext>
-            </a:extLst>
-          </p:cNvPr>
-          <p:cNvSpPr/>
-          <p:nvPr/>
-        </p:nvSpPr>
-        <p:spPr>
-          <a:xfrm>
-            <a:off x="4148138" y="2052636"/>
-            <a:ext cx="352425" cy="276225"/>
-          </a:xfrm>
-          <a:prstGeom prst="diamond">
-            <a:avLst/>
-          </a:prstGeom>
-          <a:solidFill>
-            <a:schemeClr val="tx1">
-              <a:lumMod val="95000"/>
-            </a:schemeClr>
-          </a:solidFill>
-        </p:spPr>
-        <p:style>
-          <a:lnRef idx="2">
-            <a:schemeClr val="accent1">
-              <a:shade val="15000"/>
-            </a:schemeClr>
-          </a:lnRef>
-          <a:fillRef idx="1">
-            <a:schemeClr val="accent1"/>
-          </a:fillRef>
-          <a:effectRef idx="0">
-            <a:schemeClr val="accent1"/>
-          </a:effectRef>
-          <a:fontRef idx="minor">
-            <a:schemeClr val="lt1"/>
-          </a:fontRef>
-        </p:style>
-        <p:txBody>
-          <a:bodyPr rtlCol="0" anchor="ctr"/>
-          <a:lstStyle/>
-          <a:p>
-            <a:pPr algn="ctr"/>
-            <a:endParaRPr lang="en-US"/>
-          </a:p>
-        </p:txBody>
-      </p:sp>
-      <p:sp>
-        <p:nvSpPr>
-          <p:cNvPr id="5" name="Diamond 4">
-            <a:extLst>
-              <a:ext uri="{FF2B5EF4-FFF2-40B4-BE49-F238E27FC236}">
-                <a16:creationId xmlns:a16="http://schemas.microsoft.com/office/drawing/2014/main" id="{254FE6B4-1192-E652-AB21-4A471B557D84}"/>
-              </a:ext>
-            </a:extLst>
-          </p:cNvPr>
-          <p:cNvSpPr/>
-          <p:nvPr/>
-        </p:nvSpPr>
-        <p:spPr>
-          <a:xfrm>
-            <a:off x="4144326" y="2761204"/>
-            <a:ext cx="352425" cy="276225"/>
-          </a:xfrm>
-          <a:prstGeom prst="diamond">
-            <a:avLst/>
-          </a:prstGeom>
-          <a:solidFill>
-            <a:schemeClr val="tx1">
-              <a:lumMod val="95000"/>
-            </a:schemeClr>
-          </a:solidFill>
-        </p:spPr>
-        <p:style>
-          <a:lnRef idx="2">
-            <a:schemeClr val="accent1">
-              <a:shade val="15000"/>
-            </a:schemeClr>
-          </a:lnRef>
-          <a:fillRef idx="1">
-            <a:schemeClr val="accent1"/>
-          </a:fillRef>
-          <a:effectRef idx="0">
-            <a:schemeClr val="accent1"/>
-          </a:effectRef>
-          <a:fontRef idx="minor">
-            <a:schemeClr val="lt1"/>
-          </a:fontRef>
-        </p:style>
-        <p:txBody>
-          <a:bodyPr rtlCol="0" anchor="ctr"/>
-          <a:lstStyle/>
-          <a:p>
-            <a:pPr algn="ctr"/>
-            <a:endParaRPr lang="en-US"/>
-          </a:p>
-        </p:txBody>
-      </p:sp>
-      <p:sp>
-        <p:nvSpPr>
-          <p:cNvPr id="7" name="Diamond 6">
-            <a:extLst>
-              <a:ext uri="{FF2B5EF4-FFF2-40B4-BE49-F238E27FC236}">
-                <a16:creationId xmlns:a16="http://schemas.microsoft.com/office/drawing/2014/main" id="{747238E2-5D96-C650-64AE-56DA4D5C5AB6}"/>
-              </a:ext>
-            </a:extLst>
-          </p:cNvPr>
-          <p:cNvSpPr/>
-          <p:nvPr/>
-        </p:nvSpPr>
-        <p:spPr>
-          <a:xfrm>
-            <a:off x="4144326" y="3438320"/>
-            <a:ext cx="352425" cy="276225"/>
-          </a:xfrm>
-          <a:prstGeom prst="diamond">
-            <a:avLst/>
-          </a:prstGeom>
-          <a:solidFill>
-            <a:schemeClr val="tx1">
-              <a:lumMod val="95000"/>
-            </a:schemeClr>
-          </a:solidFill>
-        </p:spPr>
-        <p:style>
-          <a:lnRef idx="2">
-            <a:schemeClr val="accent1">
-              <a:shade val="15000"/>
-            </a:schemeClr>
-          </a:lnRef>
-          <a:fillRef idx="1">
-            <a:schemeClr val="accent1"/>
-          </a:fillRef>
-          <a:effectRef idx="0">
-            <a:schemeClr val="accent1"/>
-          </a:effectRef>
-          <a:fontRef idx="minor">
-            <a:schemeClr val="lt1"/>
-          </a:fontRef>
-        </p:style>
-        <p:txBody>
-          <a:bodyPr rtlCol="0" anchor="ctr"/>
-          <a:lstStyle/>
-          <a:p>
-            <a:pPr algn="ctr"/>
-            <a:endParaRPr lang="en-US"/>
-          </a:p>
-        </p:txBody>
-      </p:sp>
-      <p:sp>
-        <p:nvSpPr>
-          <p:cNvPr id="9" name="Diamond 8">
-            <a:extLst>
-              <a:ext uri="{FF2B5EF4-FFF2-40B4-BE49-F238E27FC236}">
-                <a16:creationId xmlns:a16="http://schemas.microsoft.com/office/drawing/2014/main" id="{07422C5C-BEED-04AA-FC8D-91778D170788}"/>
-              </a:ext>
-            </a:extLst>
-          </p:cNvPr>
-          <p:cNvSpPr/>
-          <p:nvPr/>
-        </p:nvSpPr>
-        <p:spPr>
-          <a:xfrm>
-            <a:off x="4148137" y="4115436"/>
-            <a:ext cx="352425" cy="276225"/>
-          </a:xfrm>
-          <a:prstGeom prst="diamond">
-            <a:avLst/>
-          </a:prstGeom>
-          <a:solidFill>
-            <a:schemeClr val="tx1">
-              <a:lumMod val="95000"/>
-            </a:schemeClr>
-          </a:solidFill>
-        </p:spPr>
-        <p:style>
-          <a:lnRef idx="2">
-            <a:schemeClr val="accent1">
-              <a:shade val="15000"/>
-            </a:schemeClr>
-          </a:lnRef>
-          <a:fillRef idx="1">
-            <a:schemeClr val="accent1"/>
-          </a:fillRef>
-          <a:effectRef idx="0">
-            <a:schemeClr val="accent1"/>
-          </a:effectRef>
-          <a:fontRef idx="minor">
-            <a:schemeClr val="lt1"/>
-          </a:fontRef>
-        </p:style>
-        <p:txBody>
-          <a:bodyPr rtlCol="0" anchor="ctr"/>
-          <a:lstStyle/>
-          <a:p>
-            <a:pPr algn="ctr"/>
-            <a:endParaRPr lang="en-US"/>
-          </a:p>
-        </p:txBody>
-      </p:sp>
-      <p:sp>
-        <p:nvSpPr>
           <p:cNvPr id="12" name="TextBox 11">
             <a:extLst>
               <a:ext uri="{FF2B5EF4-FFF2-40B4-BE49-F238E27FC236}">
@@ -7527,7 +7468,7 @@
           <a:lstStyle/>
           <a:p>
             <a:r>
-              <a:rPr lang="en-US" sz="3200" dirty="0"/>
+              <a:rPr lang="en-US" sz="3200" b="1" dirty="0"/>
               <a:t>Background Study</a:t>
             </a:r>
           </a:p>
@@ -7709,6 +7650,162 @@
           </a:p>
         </p:txBody>
       </p:sp>
+      <p:pic>
+        <p:nvPicPr>
+          <p:cNvPr id="2" name="Graphic 1" descr="Chevron arrows with solid fill">
+            <a:extLst>
+              <a:ext uri="{FF2B5EF4-FFF2-40B4-BE49-F238E27FC236}">
+                <a16:creationId xmlns:a16="http://schemas.microsoft.com/office/drawing/2014/main" id="{ED724DA5-98B4-2364-3CAC-4B9C8DC3A142}"/>
+              </a:ext>
+            </a:extLst>
+          </p:cNvPr>
+          <p:cNvPicPr>
+            <a:picLocks noChangeAspect="1"/>
+          </p:cNvPicPr>
+          <p:nvPr/>
+        </p:nvPicPr>
+        <p:blipFill>
+          <a:blip r:embed="rId2">
+            <a:extLst>
+              <a:ext uri="{28A0092B-C50C-407E-A947-70E740481C1C}">
+                <a14:useLocalDpi xmlns:a14="http://schemas.microsoft.com/office/drawing/2010/main" val="0"/>
+              </a:ext>
+              <a:ext uri="{96DAC541-7B7A-43D3-8B79-37D633B846F1}">
+                <asvg:svgBlip xmlns:asvg="http://schemas.microsoft.com/office/drawing/2016/SVG/main" r:embed="rId3"/>
+              </a:ext>
+            </a:extLst>
+          </a:blip>
+          <a:stretch>
+            <a:fillRect/>
+          </a:stretch>
+        </p:blipFill>
+        <p:spPr>
+          <a:xfrm>
+            <a:off x="4144326" y="2075436"/>
+            <a:ext cx="352425" cy="206254"/>
+          </a:xfrm>
+          <a:prstGeom prst="rect">
+            <a:avLst/>
+          </a:prstGeom>
+        </p:spPr>
+      </p:pic>
+      <p:pic>
+        <p:nvPicPr>
+          <p:cNvPr id="6" name="Graphic 5" descr="Chevron arrows with solid fill">
+            <a:extLst>
+              <a:ext uri="{FF2B5EF4-FFF2-40B4-BE49-F238E27FC236}">
+                <a16:creationId xmlns:a16="http://schemas.microsoft.com/office/drawing/2014/main" id="{878429EE-8219-8D13-6BC0-E34EC3DFB8C9}"/>
+              </a:ext>
+            </a:extLst>
+          </p:cNvPr>
+          <p:cNvPicPr>
+            <a:picLocks noChangeAspect="1"/>
+          </p:cNvPicPr>
+          <p:nvPr/>
+        </p:nvPicPr>
+        <p:blipFill>
+          <a:blip r:embed="rId2">
+            <a:extLst>
+              <a:ext uri="{28A0092B-C50C-407E-A947-70E740481C1C}">
+                <a14:useLocalDpi xmlns:a14="http://schemas.microsoft.com/office/drawing/2010/main" val="0"/>
+              </a:ext>
+              <a:ext uri="{96DAC541-7B7A-43D3-8B79-37D633B846F1}">
+                <asvg:svgBlip xmlns:asvg="http://schemas.microsoft.com/office/drawing/2016/SVG/main" r:embed="rId3"/>
+              </a:ext>
+            </a:extLst>
+          </a:blip>
+          <a:stretch>
+            <a:fillRect/>
+          </a:stretch>
+        </p:blipFill>
+        <p:spPr>
+          <a:xfrm>
+            <a:off x="4126227" y="2774373"/>
+            <a:ext cx="352425" cy="206254"/>
+          </a:xfrm>
+          <a:prstGeom prst="rect">
+            <a:avLst/>
+          </a:prstGeom>
+        </p:spPr>
+      </p:pic>
+      <p:pic>
+        <p:nvPicPr>
+          <p:cNvPr id="8" name="Graphic 7" descr="Chevron arrows with solid fill">
+            <a:extLst>
+              <a:ext uri="{FF2B5EF4-FFF2-40B4-BE49-F238E27FC236}">
+                <a16:creationId xmlns:a16="http://schemas.microsoft.com/office/drawing/2014/main" id="{D6A359E3-0565-1BC5-53E3-B4633A8EAB93}"/>
+              </a:ext>
+            </a:extLst>
+          </p:cNvPr>
+          <p:cNvPicPr>
+            <a:picLocks noChangeAspect="1"/>
+          </p:cNvPicPr>
+          <p:nvPr/>
+        </p:nvPicPr>
+        <p:blipFill>
+          <a:blip r:embed="rId2">
+            <a:extLst>
+              <a:ext uri="{28A0092B-C50C-407E-A947-70E740481C1C}">
+                <a14:useLocalDpi xmlns:a14="http://schemas.microsoft.com/office/drawing/2010/main" val="0"/>
+              </a:ext>
+              <a:ext uri="{96DAC541-7B7A-43D3-8B79-37D633B846F1}">
+                <asvg:svgBlip xmlns:asvg="http://schemas.microsoft.com/office/drawing/2016/SVG/main" r:embed="rId3"/>
+              </a:ext>
+            </a:extLst>
+          </a:blip>
+          <a:stretch>
+            <a:fillRect/>
+          </a:stretch>
+        </p:blipFill>
+        <p:spPr>
+          <a:xfrm>
+            <a:off x="4144326" y="3473310"/>
+            <a:ext cx="352425" cy="206254"/>
+          </a:xfrm>
+          <a:prstGeom prst="rect">
+            <a:avLst/>
+          </a:prstGeom>
+        </p:spPr>
+      </p:pic>
+      <p:pic>
+        <p:nvPicPr>
+          <p:cNvPr id="10" name="Graphic 9" descr="Chevron arrows with solid fill">
+            <a:extLst>
+              <a:ext uri="{FF2B5EF4-FFF2-40B4-BE49-F238E27FC236}">
+                <a16:creationId xmlns:a16="http://schemas.microsoft.com/office/drawing/2014/main" id="{E4F7A870-7D41-7478-E4BB-AA94B4670D45}"/>
+              </a:ext>
+            </a:extLst>
+          </p:cNvPr>
+          <p:cNvPicPr>
+            <a:picLocks noChangeAspect="1"/>
+          </p:cNvPicPr>
+          <p:nvPr/>
+        </p:nvPicPr>
+        <p:blipFill>
+          <a:blip r:embed="rId2">
+            <a:extLst>
+              <a:ext uri="{28A0092B-C50C-407E-A947-70E740481C1C}">
+                <a14:useLocalDpi xmlns:a14="http://schemas.microsoft.com/office/drawing/2010/main" val="0"/>
+              </a:ext>
+              <a:ext uri="{96DAC541-7B7A-43D3-8B79-37D633B846F1}">
+                <asvg:svgBlip xmlns:asvg="http://schemas.microsoft.com/office/drawing/2016/SVG/main" r:embed="rId3"/>
+              </a:ext>
+            </a:extLst>
+          </a:blip>
+          <a:stretch>
+            <a:fillRect/>
+          </a:stretch>
+        </p:blipFill>
+        <p:spPr>
+          <a:xfrm>
+            <a:off x="4126227" y="4099495"/>
+            <a:ext cx="352425" cy="206254"/>
+          </a:xfrm>
+          <a:prstGeom prst="rect">
+            <a:avLst/>
+          </a:prstGeom>
+        </p:spPr>
+      </p:pic>
     </p:spTree>
     <p:extLst>
       <p:ext uri="{BB962C8B-B14F-4D97-AF65-F5344CB8AC3E}">
@@ -7725,33 +7822,6 @@
 <file path=ppt/slides/slide6.xml><?xml version="1.0" encoding="utf-8"?>
 <p:sld xmlns:a="http://schemas.openxmlformats.org/drawingml/2006/main" xmlns:r="http://schemas.openxmlformats.org/officeDocument/2006/relationships" xmlns:p="http://schemas.openxmlformats.org/presentationml/2006/main">
   <p:cSld>
-    <p:bg>
-      <p:bgPr>
-        <a:blipFill dpi="0" rotWithShape="1">
-          <a:blip r:embed="rId2">
-            <a:alphaModFix amt="88000"/>
-            <a:duotone>
-              <a:schemeClr val="bg2">
-                <a:shade val="18000"/>
-                <a:satMod val="160000"/>
-                <a:lumMod val="28000"/>
-              </a:schemeClr>
-              <a:schemeClr val="bg2">
-                <a:tint val="95000"/>
-                <a:satMod val="160000"/>
-                <a:lumMod val="116000"/>
-              </a:schemeClr>
-            </a:duotone>
-            <a:lum/>
-          </a:blip>
-          <a:srcRect/>
-          <a:stretch>
-            <a:fillRect/>
-          </a:stretch>
-        </a:blipFill>
-        <a:effectLst/>
-      </p:bgPr>
-    </p:bg>
     <p:spTree>
       <p:nvGrpSpPr>
         <p:cNvPr id="1" name=""/>
@@ -7795,243 +7865,8 @@
           <a:lstStyle/>
           <a:p>
             <a:r>
-              <a:rPr lang="en-US" sz="3200" dirty="0"/>
+              <a:rPr lang="en-US" sz="3200" b="1" dirty="0"/>
               <a:t>Project Overview</a:t>
-            </a:r>
-          </a:p>
-        </p:txBody>
-      </p:sp>
-      <p:sp>
-        <p:nvSpPr>
-          <p:cNvPr id="3" name="Rectangle: Rounded Corners 2">
-            <a:extLst>
-              <a:ext uri="{FF2B5EF4-FFF2-40B4-BE49-F238E27FC236}">
-                <a16:creationId xmlns:a16="http://schemas.microsoft.com/office/drawing/2014/main" id="{5185D299-83BE-37CF-8D0E-8E3D42A92140}"/>
-              </a:ext>
-            </a:extLst>
-          </p:cNvPr>
-          <p:cNvSpPr/>
-          <p:nvPr/>
-        </p:nvSpPr>
-        <p:spPr>
-          <a:xfrm>
-            <a:off x="3181349" y="1391285"/>
-            <a:ext cx="6105525" cy="657225"/>
-          </a:xfrm>
-          <a:prstGeom prst="roundRect">
-            <a:avLst/>
-          </a:prstGeom>
-        </p:spPr>
-        <p:style>
-          <a:lnRef idx="2">
-            <a:schemeClr val="accent6"/>
-          </a:lnRef>
-          <a:fillRef idx="1">
-            <a:schemeClr val="lt1"/>
-          </a:fillRef>
-          <a:effectRef idx="0">
-            <a:schemeClr val="accent6"/>
-          </a:effectRef>
-          <a:fontRef idx="minor">
-            <a:schemeClr val="dk1"/>
-          </a:fontRef>
-        </p:style>
-        <p:txBody>
-          <a:bodyPr rtlCol="0" anchor="ctr"/>
-          <a:lstStyle/>
-          <a:p>
-            <a:pPr algn="ctr"/>
-            <a:r>
-              <a:rPr lang="en-US" sz="2800" dirty="0"/>
-              <a:t>Tokenization</a:t>
-            </a:r>
-          </a:p>
-        </p:txBody>
-      </p:sp>
-      <p:sp>
-        <p:nvSpPr>
-          <p:cNvPr id="4" name="Rectangle: Rounded Corners 3">
-            <a:extLst>
-              <a:ext uri="{FF2B5EF4-FFF2-40B4-BE49-F238E27FC236}">
-                <a16:creationId xmlns:a16="http://schemas.microsoft.com/office/drawing/2014/main" id="{A0A04C44-A13F-600C-56C4-CE67DB2B3184}"/>
-              </a:ext>
-            </a:extLst>
-          </p:cNvPr>
-          <p:cNvSpPr/>
-          <p:nvPr/>
-        </p:nvSpPr>
-        <p:spPr>
-          <a:xfrm>
-            <a:off x="3181350" y="2571750"/>
-            <a:ext cx="6105525" cy="657225"/>
-          </a:xfrm>
-          <a:prstGeom prst="roundRect">
-            <a:avLst/>
-          </a:prstGeom>
-        </p:spPr>
-        <p:style>
-          <a:lnRef idx="2">
-            <a:schemeClr val="accent6"/>
-          </a:lnRef>
-          <a:fillRef idx="1">
-            <a:schemeClr val="lt1"/>
-          </a:fillRef>
-          <a:effectRef idx="0">
-            <a:schemeClr val="accent6"/>
-          </a:effectRef>
-          <a:fontRef idx="minor">
-            <a:schemeClr val="dk1"/>
-          </a:fontRef>
-        </p:style>
-        <p:txBody>
-          <a:bodyPr rtlCol="0" anchor="ctr"/>
-          <a:lstStyle/>
-          <a:p>
-            <a:pPr algn="ctr"/>
-            <a:r>
-              <a:rPr lang="en-US" sz="2800" dirty="0"/>
-              <a:t>Parsing</a:t>
-            </a:r>
-          </a:p>
-        </p:txBody>
-      </p:sp>
-      <p:sp>
-        <p:nvSpPr>
-          <p:cNvPr id="5" name="Rectangle: Rounded Corners 4">
-            <a:extLst>
-              <a:ext uri="{FF2B5EF4-FFF2-40B4-BE49-F238E27FC236}">
-                <a16:creationId xmlns:a16="http://schemas.microsoft.com/office/drawing/2014/main" id="{D28498EE-15CE-0AF3-B19A-DCF349982CCC}"/>
-              </a:ext>
-            </a:extLst>
-          </p:cNvPr>
-          <p:cNvSpPr/>
-          <p:nvPr/>
-        </p:nvSpPr>
-        <p:spPr>
-          <a:xfrm>
-            <a:off x="3181350" y="3752215"/>
-            <a:ext cx="6105525" cy="657225"/>
-          </a:xfrm>
-          <a:prstGeom prst="roundRect">
-            <a:avLst/>
-          </a:prstGeom>
-        </p:spPr>
-        <p:style>
-          <a:lnRef idx="2">
-            <a:schemeClr val="accent6"/>
-          </a:lnRef>
-          <a:fillRef idx="1">
-            <a:schemeClr val="lt1"/>
-          </a:fillRef>
-          <a:effectRef idx="0">
-            <a:schemeClr val="accent6"/>
-          </a:effectRef>
-          <a:fontRef idx="minor">
-            <a:schemeClr val="dk1"/>
-          </a:fontRef>
-        </p:style>
-        <p:txBody>
-          <a:bodyPr rtlCol="0" anchor="ctr"/>
-          <a:lstStyle/>
-          <a:p>
-            <a:pPr algn="ctr"/>
-            <a:r>
-              <a:rPr lang="en-US" sz="2800" dirty="0"/>
-              <a:t>Derivative</a:t>
-            </a:r>
-          </a:p>
-        </p:txBody>
-      </p:sp>
-      <p:sp>
-        <p:nvSpPr>
-          <p:cNvPr id="6" name="Rectangle: Rounded Corners 5">
-            <a:extLst>
-              <a:ext uri="{FF2B5EF4-FFF2-40B4-BE49-F238E27FC236}">
-                <a16:creationId xmlns:a16="http://schemas.microsoft.com/office/drawing/2014/main" id="{5918923B-6844-AB69-C232-C47CB10B3F4A}"/>
-              </a:ext>
-            </a:extLst>
-          </p:cNvPr>
-          <p:cNvSpPr/>
-          <p:nvPr/>
-        </p:nvSpPr>
-        <p:spPr>
-          <a:xfrm>
-            <a:off x="3181350" y="4932680"/>
-            <a:ext cx="6105525" cy="657225"/>
-          </a:xfrm>
-          <a:prstGeom prst="roundRect">
-            <a:avLst/>
-          </a:prstGeom>
-        </p:spPr>
-        <p:style>
-          <a:lnRef idx="2">
-            <a:schemeClr val="accent6"/>
-          </a:lnRef>
-          <a:fillRef idx="1">
-            <a:schemeClr val="lt1"/>
-          </a:fillRef>
-          <a:effectRef idx="0">
-            <a:schemeClr val="accent6"/>
-          </a:effectRef>
-          <a:fontRef idx="minor">
-            <a:schemeClr val="dk1"/>
-          </a:fontRef>
-        </p:style>
-        <p:txBody>
-          <a:bodyPr rtlCol="0" anchor="ctr"/>
-          <a:lstStyle/>
-          <a:p>
-            <a:pPr algn="ctr"/>
-            <a:r>
-              <a:rPr lang="en-US" sz="2800" dirty="0"/>
-              <a:t>Calculation</a:t>
-            </a:r>
-          </a:p>
-        </p:txBody>
-      </p:sp>
-      <p:sp>
-        <p:nvSpPr>
-          <p:cNvPr id="7" name="Rectangle: Rounded Corners 6">
-            <a:extLst>
-              <a:ext uri="{FF2B5EF4-FFF2-40B4-BE49-F238E27FC236}">
-                <a16:creationId xmlns:a16="http://schemas.microsoft.com/office/drawing/2014/main" id="{C43880A1-9F94-3810-789B-DF472EED7592}"/>
-              </a:ext>
-            </a:extLst>
-          </p:cNvPr>
-          <p:cNvSpPr/>
-          <p:nvPr/>
-        </p:nvSpPr>
-        <p:spPr>
-          <a:xfrm>
-            <a:off x="3181349" y="6113145"/>
-            <a:ext cx="6105525" cy="657225"/>
-          </a:xfrm>
-          <a:prstGeom prst="roundRect">
-            <a:avLst/>
-          </a:prstGeom>
-        </p:spPr>
-        <p:style>
-          <a:lnRef idx="2">
-            <a:schemeClr val="accent6"/>
-          </a:lnRef>
-          <a:fillRef idx="1">
-            <a:schemeClr val="lt1"/>
-          </a:fillRef>
-          <a:effectRef idx="0">
-            <a:schemeClr val="accent6"/>
-          </a:effectRef>
-          <a:fontRef idx="minor">
-            <a:schemeClr val="dk1"/>
-          </a:fontRef>
-        </p:style>
-        <p:txBody>
-          <a:bodyPr rtlCol="0" anchor="ctr"/>
-          <a:lstStyle/>
-          <a:p>
-            <a:pPr algn="ctr"/>
-            <a:r>
-              <a:rPr lang="en-US" sz="2800" dirty="0"/>
-              <a:t>Shows Result</a:t>
             </a:r>
           </a:p>
         </p:txBody>
@@ -8056,6 +7891,367 @@
           <a:prstGeom prst="line">
             <a:avLst/>
           </a:prstGeom>
+        </p:spPr>
+        <p:style>
+          <a:lnRef idx="3">
+            <a:schemeClr val="dk1"/>
+          </a:lnRef>
+          <a:fillRef idx="0">
+            <a:schemeClr val="dk1"/>
+          </a:fillRef>
+          <a:effectRef idx="2">
+            <a:schemeClr val="dk1"/>
+          </a:effectRef>
+          <a:fontRef idx="minor">
+            <a:schemeClr val="tx1"/>
+          </a:fontRef>
+        </p:style>
+      </p:cxnSp>
+      <p:sp>
+        <p:nvSpPr>
+          <p:cNvPr id="8" name="TextBox 7">
+            <a:extLst>
+              <a:ext uri="{FF2B5EF4-FFF2-40B4-BE49-F238E27FC236}">
+                <a16:creationId xmlns:a16="http://schemas.microsoft.com/office/drawing/2014/main" id="{16AA4948-048C-AC74-B457-EE2A5CA83C3B}"/>
+              </a:ext>
+            </a:extLst>
+          </p:cNvPr>
+          <p:cNvSpPr txBox="1"/>
+          <p:nvPr/>
+        </p:nvSpPr>
+        <p:spPr>
+          <a:xfrm>
+            <a:off x="4711959" y="1380931"/>
+            <a:ext cx="2967135" cy="523220"/>
+          </a:xfrm>
+          <a:prstGeom prst="rect">
+            <a:avLst/>
+          </a:prstGeom>
+          <a:noFill/>
+        </p:spPr>
+        <p:txBody>
+          <a:bodyPr wrap="square" rtlCol="0">
+            <a:spAutoFit/>
+          </a:bodyPr>
+          <a:lstStyle/>
+          <a:p>
+            <a:pPr algn="ctr"/>
+            <a:r>
+              <a:rPr lang="en-US" sz="2800" dirty="0"/>
+              <a:t>Tokenization</a:t>
+            </a:r>
+          </a:p>
+        </p:txBody>
+      </p:sp>
+      <p:sp>
+        <p:nvSpPr>
+          <p:cNvPr id="10" name="TextBox 9">
+            <a:extLst>
+              <a:ext uri="{FF2B5EF4-FFF2-40B4-BE49-F238E27FC236}">
+                <a16:creationId xmlns:a16="http://schemas.microsoft.com/office/drawing/2014/main" id="{8BF8AE00-EE17-2554-DB76-2A952197D6DC}"/>
+              </a:ext>
+            </a:extLst>
+          </p:cNvPr>
+          <p:cNvSpPr txBox="1"/>
+          <p:nvPr/>
+        </p:nvSpPr>
+        <p:spPr>
+          <a:xfrm>
+            <a:off x="4631482" y="2482582"/>
+            <a:ext cx="2967135" cy="523220"/>
+          </a:xfrm>
+          <a:prstGeom prst="rect">
+            <a:avLst/>
+          </a:prstGeom>
+          <a:noFill/>
+        </p:spPr>
+        <p:txBody>
+          <a:bodyPr wrap="square" rtlCol="0">
+            <a:spAutoFit/>
+          </a:bodyPr>
+          <a:lstStyle/>
+          <a:p>
+            <a:pPr algn="ctr"/>
+            <a:r>
+              <a:rPr lang="en-US" sz="2800" dirty="0"/>
+              <a:t>Parsing</a:t>
+            </a:r>
+          </a:p>
+        </p:txBody>
+      </p:sp>
+      <p:sp>
+        <p:nvSpPr>
+          <p:cNvPr id="11" name="TextBox 10">
+            <a:extLst>
+              <a:ext uri="{FF2B5EF4-FFF2-40B4-BE49-F238E27FC236}">
+                <a16:creationId xmlns:a16="http://schemas.microsoft.com/office/drawing/2014/main" id="{63E5CB0C-F392-099C-E876-97A7F8A22621}"/>
+              </a:ext>
+            </a:extLst>
+          </p:cNvPr>
+          <p:cNvSpPr txBox="1"/>
+          <p:nvPr/>
+        </p:nvSpPr>
+        <p:spPr>
+          <a:xfrm>
+            <a:off x="3937606" y="3466396"/>
+            <a:ext cx="4469173" cy="584775"/>
+          </a:xfrm>
+          <a:prstGeom prst="rect">
+            <a:avLst/>
+          </a:prstGeom>
+          <a:noFill/>
+        </p:spPr>
+        <p:txBody>
+          <a:bodyPr wrap="square" rtlCol="0">
+            <a:spAutoFit/>
+          </a:bodyPr>
+          <a:lstStyle/>
+          <a:p>
+            <a:pPr algn="ctr"/>
+            <a:r>
+              <a:rPr lang="en-US" sz="3200" dirty="0"/>
+              <a:t>Derivative </a:t>
+            </a:r>
+            <a:r>
+              <a:rPr lang="en-US" sz="2800" dirty="0"/>
+              <a:t>Formulation</a:t>
+            </a:r>
+          </a:p>
+        </p:txBody>
+      </p:sp>
+      <p:sp>
+        <p:nvSpPr>
+          <p:cNvPr id="12" name="TextBox 11">
+            <a:extLst>
+              <a:ext uri="{FF2B5EF4-FFF2-40B4-BE49-F238E27FC236}">
+                <a16:creationId xmlns:a16="http://schemas.microsoft.com/office/drawing/2014/main" id="{8A0B88C0-9069-DA51-F70B-FA7DCFA0C535}"/>
+              </a:ext>
+            </a:extLst>
+          </p:cNvPr>
+          <p:cNvSpPr txBox="1"/>
+          <p:nvPr/>
+        </p:nvSpPr>
+        <p:spPr>
+          <a:xfrm>
+            <a:off x="4789127" y="4567737"/>
+            <a:ext cx="2967135" cy="523220"/>
+          </a:xfrm>
+          <a:prstGeom prst="rect">
+            <a:avLst/>
+          </a:prstGeom>
+          <a:noFill/>
+        </p:spPr>
+        <p:txBody>
+          <a:bodyPr wrap="square" rtlCol="0">
+            <a:spAutoFit/>
+          </a:bodyPr>
+          <a:lstStyle/>
+          <a:p>
+            <a:pPr algn="ctr"/>
+            <a:r>
+              <a:rPr lang="en-US" sz="2800" dirty="0" err="1"/>
+              <a:t>Calcualation</a:t>
+            </a:r>
+            <a:endParaRPr lang="en-US" sz="2800" dirty="0"/>
+          </a:p>
+        </p:txBody>
+      </p:sp>
+      <p:sp>
+        <p:nvSpPr>
+          <p:cNvPr id="13" name="TextBox 12">
+            <a:extLst>
+              <a:ext uri="{FF2B5EF4-FFF2-40B4-BE49-F238E27FC236}">
+                <a16:creationId xmlns:a16="http://schemas.microsoft.com/office/drawing/2014/main" id="{6FE70143-2081-5352-60EE-9B2431F531DE}"/>
+              </a:ext>
+            </a:extLst>
+          </p:cNvPr>
+          <p:cNvSpPr txBox="1"/>
+          <p:nvPr/>
+        </p:nvSpPr>
+        <p:spPr>
+          <a:xfrm>
+            <a:off x="4879132" y="5817156"/>
+            <a:ext cx="2967135" cy="523220"/>
+          </a:xfrm>
+          <a:prstGeom prst="rect">
+            <a:avLst/>
+          </a:prstGeom>
+          <a:noFill/>
+        </p:spPr>
+        <p:txBody>
+          <a:bodyPr wrap="square" rtlCol="0">
+            <a:spAutoFit/>
+          </a:bodyPr>
+          <a:lstStyle/>
+          <a:p>
+            <a:pPr algn="ctr"/>
+            <a:r>
+              <a:rPr lang="en-US" sz="2800" dirty="0"/>
+              <a:t>Shows Result</a:t>
+            </a:r>
+          </a:p>
+        </p:txBody>
+      </p:sp>
+      <p:cxnSp>
+        <p:nvCxnSpPr>
+          <p:cNvPr id="21" name="Straight Arrow Connector 20">
+            <a:extLst>
+              <a:ext uri="{FF2B5EF4-FFF2-40B4-BE49-F238E27FC236}">
+                <a16:creationId xmlns:a16="http://schemas.microsoft.com/office/drawing/2014/main" id="{41DF72FF-87B5-ABB6-4FE6-58851BC8E177}"/>
+              </a:ext>
+            </a:extLst>
+          </p:cNvPr>
+          <p:cNvCxnSpPr>
+            <a:cxnSpLocks/>
+          </p:cNvCxnSpPr>
+          <p:nvPr/>
+        </p:nvCxnSpPr>
+        <p:spPr>
+          <a:xfrm>
+            <a:off x="6172192" y="1904151"/>
+            <a:ext cx="0" cy="669730"/>
+          </a:xfrm>
+          <a:prstGeom prst="straightConnector1">
+            <a:avLst/>
+          </a:prstGeom>
+          <a:ln>
+            <a:solidFill>
+              <a:schemeClr val="bg1"/>
+            </a:solidFill>
+            <a:tailEnd type="triangle"/>
+          </a:ln>
+        </p:spPr>
+        <p:style>
+          <a:lnRef idx="3">
+            <a:schemeClr val="dk1"/>
+          </a:lnRef>
+          <a:fillRef idx="0">
+            <a:schemeClr val="dk1"/>
+          </a:fillRef>
+          <a:effectRef idx="2">
+            <a:schemeClr val="dk1"/>
+          </a:effectRef>
+          <a:fontRef idx="minor">
+            <a:schemeClr val="tx1"/>
+          </a:fontRef>
+        </p:style>
+      </p:cxnSp>
+      <p:cxnSp>
+        <p:nvCxnSpPr>
+          <p:cNvPr id="24" name="Straight Arrow Connector 23">
+            <a:extLst>
+              <a:ext uri="{FF2B5EF4-FFF2-40B4-BE49-F238E27FC236}">
+                <a16:creationId xmlns:a16="http://schemas.microsoft.com/office/drawing/2014/main" id="{5320053C-168B-9C19-2225-8AD9A5285D2A}"/>
+              </a:ext>
+            </a:extLst>
+          </p:cNvPr>
+          <p:cNvCxnSpPr>
+            <a:cxnSpLocks/>
+          </p:cNvCxnSpPr>
+          <p:nvPr/>
+        </p:nvCxnSpPr>
+        <p:spPr>
+          <a:xfrm>
+            <a:off x="6172184" y="2875701"/>
+            <a:ext cx="0" cy="669730"/>
+          </a:xfrm>
+          <a:prstGeom prst="straightConnector1">
+            <a:avLst/>
+          </a:prstGeom>
+          <a:ln>
+            <a:solidFill>
+              <a:schemeClr val="bg1"/>
+            </a:solidFill>
+            <a:tailEnd type="triangle"/>
+          </a:ln>
+        </p:spPr>
+        <p:style>
+          <a:lnRef idx="3">
+            <a:schemeClr val="dk1"/>
+          </a:lnRef>
+          <a:fillRef idx="0">
+            <a:schemeClr val="dk1"/>
+          </a:fillRef>
+          <a:effectRef idx="2">
+            <a:schemeClr val="dk1"/>
+          </a:effectRef>
+          <a:fontRef idx="minor">
+            <a:schemeClr val="tx1"/>
+          </a:fontRef>
+        </p:style>
+      </p:cxnSp>
+      <p:cxnSp>
+        <p:nvCxnSpPr>
+          <p:cNvPr id="25" name="Straight Arrow Connector 24">
+            <a:extLst>
+              <a:ext uri="{FF2B5EF4-FFF2-40B4-BE49-F238E27FC236}">
+                <a16:creationId xmlns:a16="http://schemas.microsoft.com/office/drawing/2014/main" id="{80D0A526-8D81-1E1B-FDCA-5E3BEC219FCE}"/>
+              </a:ext>
+            </a:extLst>
+          </p:cNvPr>
+          <p:cNvCxnSpPr>
+            <a:cxnSpLocks/>
+          </p:cNvCxnSpPr>
+          <p:nvPr/>
+        </p:nvCxnSpPr>
+        <p:spPr>
+          <a:xfrm>
+            <a:off x="6172184" y="4023963"/>
+            <a:ext cx="0" cy="669730"/>
+          </a:xfrm>
+          <a:prstGeom prst="straightConnector1">
+            <a:avLst/>
+          </a:prstGeom>
+          <a:ln>
+            <a:solidFill>
+              <a:schemeClr val="bg1"/>
+            </a:solidFill>
+            <a:tailEnd type="triangle"/>
+          </a:ln>
+        </p:spPr>
+        <p:style>
+          <a:lnRef idx="3">
+            <a:schemeClr val="dk1"/>
+          </a:lnRef>
+          <a:fillRef idx="0">
+            <a:schemeClr val="dk1"/>
+          </a:fillRef>
+          <a:effectRef idx="2">
+            <a:schemeClr val="dk1"/>
+          </a:effectRef>
+          <a:fontRef idx="minor">
+            <a:schemeClr val="tx1"/>
+          </a:fontRef>
+        </p:style>
+      </p:cxnSp>
+      <p:cxnSp>
+        <p:nvCxnSpPr>
+          <p:cNvPr id="26" name="Straight Arrow Connector 25">
+            <a:extLst>
+              <a:ext uri="{FF2B5EF4-FFF2-40B4-BE49-F238E27FC236}">
+                <a16:creationId xmlns:a16="http://schemas.microsoft.com/office/drawing/2014/main" id="{A5E8AA4D-D15B-59E0-083B-F1B48EBA2CCB}"/>
+              </a:ext>
+            </a:extLst>
+          </p:cNvPr>
+          <p:cNvCxnSpPr>
+            <a:cxnSpLocks/>
+          </p:cNvCxnSpPr>
+          <p:nvPr/>
+        </p:nvCxnSpPr>
+        <p:spPr>
+          <a:xfrm>
+            <a:off x="6172184" y="5147426"/>
+            <a:ext cx="0" cy="669730"/>
+          </a:xfrm>
+          <a:prstGeom prst="straightConnector1">
+            <a:avLst/>
+          </a:prstGeom>
+          <a:ln>
+            <a:solidFill>
+              <a:schemeClr val="bg1"/>
+            </a:solidFill>
+            <a:tailEnd type="triangle"/>
+          </a:ln>
         </p:spPr>
         <p:style>
           <a:lnRef idx="3">
@@ -8088,33 +8284,6 @@
 <file path=ppt/slides/slide7.xml><?xml version="1.0" encoding="utf-8"?>
 <p:sld xmlns:a="http://schemas.openxmlformats.org/drawingml/2006/main" xmlns:r="http://schemas.openxmlformats.org/officeDocument/2006/relationships" xmlns:p="http://schemas.openxmlformats.org/presentationml/2006/main">
   <p:cSld>
-    <p:bg>
-      <p:bgPr>
-        <a:blipFill dpi="0" rotWithShape="1">
-          <a:blip r:embed="rId2">
-            <a:alphaModFix amt="88000"/>
-            <a:duotone>
-              <a:schemeClr val="bg2">
-                <a:shade val="18000"/>
-                <a:satMod val="160000"/>
-                <a:lumMod val="28000"/>
-              </a:schemeClr>
-              <a:schemeClr val="bg2">
-                <a:tint val="95000"/>
-                <a:satMod val="160000"/>
-                <a:lumMod val="116000"/>
-              </a:schemeClr>
-            </a:duotone>
-            <a:lum/>
-          </a:blip>
-          <a:srcRect/>
-          <a:stretch>
-            <a:fillRect/>
-          </a:stretch>
-        </a:blipFill>
-        <a:effectLst/>
-      </p:bgPr>
-    </p:bg>
     <p:spTree>
       <p:nvGrpSpPr>
         <p:cNvPr id="1" name=""/>
@@ -8158,7 +8327,7 @@
           <a:lstStyle/>
           <a:p>
             <a:r>
-              <a:rPr lang="en-US" sz="3600" dirty="0"/>
+              <a:rPr lang="en-US" sz="3600" b="1" dirty="0"/>
               <a:t>Challenges</a:t>
             </a:r>
           </a:p>
@@ -8202,50 +8371,6 @@
       </p:cxnSp>
       <p:sp>
         <p:nvSpPr>
-          <p:cNvPr id="7" name="Isosceles Triangle 6">
-            <a:extLst>
-              <a:ext uri="{FF2B5EF4-FFF2-40B4-BE49-F238E27FC236}">
-                <a16:creationId xmlns:a16="http://schemas.microsoft.com/office/drawing/2014/main" id="{9E7B524D-2B46-F9BC-B888-0221BCF7AF0F}"/>
-              </a:ext>
-            </a:extLst>
-          </p:cNvPr>
-          <p:cNvSpPr/>
-          <p:nvPr/>
-        </p:nvSpPr>
-        <p:spPr>
-          <a:xfrm>
-            <a:off x="2367280" y="1798323"/>
-            <a:ext cx="335280" cy="203196"/>
-          </a:xfrm>
-          <a:prstGeom prst="triangle">
-            <a:avLst/>
-          </a:prstGeom>
-        </p:spPr>
-        <p:style>
-          <a:lnRef idx="2">
-            <a:schemeClr val="accent6"/>
-          </a:lnRef>
-          <a:fillRef idx="1">
-            <a:schemeClr val="lt1"/>
-          </a:fillRef>
-          <a:effectRef idx="0">
-            <a:schemeClr val="accent6"/>
-          </a:effectRef>
-          <a:fontRef idx="minor">
-            <a:schemeClr val="dk1"/>
-          </a:fontRef>
-        </p:style>
-        <p:txBody>
-          <a:bodyPr rtlCol="0" anchor="ctr"/>
-          <a:lstStyle/>
-          <a:p>
-            <a:pPr algn="ctr"/>
-            <a:endParaRPr lang="en-US"/>
-          </a:p>
-        </p:txBody>
-      </p:sp>
-      <p:sp>
-        <p:nvSpPr>
           <p:cNvPr id="8" name="TextBox 7">
             <a:extLst>
               <a:ext uri="{FF2B5EF4-FFF2-40B4-BE49-F238E27FC236}">
@@ -8258,7 +8383,7 @@
         </p:nvSpPr>
         <p:spPr>
           <a:xfrm>
-            <a:off x="2997200" y="1699866"/>
+            <a:off x="3368675" y="1728676"/>
             <a:ext cx="8493760" cy="400110"/>
           </a:xfrm>
           <a:prstGeom prst="rect">
@@ -8281,50 +8406,6 @@
       </p:sp>
       <p:sp>
         <p:nvSpPr>
-          <p:cNvPr id="9" name="Isosceles Triangle 8">
-            <a:extLst>
-              <a:ext uri="{FF2B5EF4-FFF2-40B4-BE49-F238E27FC236}">
-                <a16:creationId xmlns:a16="http://schemas.microsoft.com/office/drawing/2014/main" id="{D6DE93F3-97E2-39DC-1E8A-FFCB80EFF666}"/>
-              </a:ext>
-            </a:extLst>
-          </p:cNvPr>
-          <p:cNvSpPr/>
-          <p:nvPr/>
-        </p:nvSpPr>
-        <p:spPr>
-          <a:xfrm>
-            <a:off x="2367280" y="2418083"/>
-            <a:ext cx="335280" cy="203196"/>
-          </a:xfrm>
-          <a:prstGeom prst="triangle">
-            <a:avLst/>
-          </a:prstGeom>
-        </p:spPr>
-        <p:style>
-          <a:lnRef idx="2">
-            <a:schemeClr val="accent6"/>
-          </a:lnRef>
-          <a:fillRef idx="1">
-            <a:schemeClr val="lt1"/>
-          </a:fillRef>
-          <a:effectRef idx="0">
-            <a:schemeClr val="accent6"/>
-          </a:effectRef>
-          <a:fontRef idx="minor">
-            <a:schemeClr val="dk1"/>
-          </a:fontRef>
-        </p:style>
-        <p:txBody>
-          <a:bodyPr rtlCol="0" anchor="ctr"/>
-          <a:lstStyle/>
-          <a:p>
-            <a:pPr algn="ctr"/>
-            <a:endParaRPr lang="en-US"/>
-          </a:p>
-        </p:txBody>
-      </p:sp>
-      <p:sp>
-        <p:nvSpPr>
           <p:cNvPr id="10" name="TextBox 9">
             <a:extLst>
               <a:ext uri="{FF2B5EF4-FFF2-40B4-BE49-F238E27FC236}">
@@ -8337,7 +8418,7 @@
         </p:nvSpPr>
         <p:spPr>
           <a:xfrm>
-            <a:off x="2997200" y="2390747"/>
+            <a:off x="3368675" y="2390746"/>
             <a:ext cx="8493760" cy="400110"/>
           </a:xfrm>
           <a:prstGeom prst="rect">
@@ -8360,50 +8441,6 @@
       </p:sp>
       <p:sp>
         <p:nvSpPr>
-          <p:cNvPr id="11" name="Isosceles Triangle 10">
-            <a:extLst>
-              <a:ext uri="{FF2B5EF4-FFF2-40B4-BE49-F238E27FC236}">
-                <a16:creationId xmlns:a16="http://schemas.microsoft.com/office/drawing/2014/main" id="{B77EA2B0-F890-E149-1028-E3C5587431B5}"/>
-              </a:ext>
-            </a:extLst>
-          </p:cNvPr>
-          <p:cNvSpPr/>
-          <p:nvPr/>
-        </p:nvSpPr>
-        <p:spPr>
-          <a:xfrm>
-            <a:off x="2367280" y="3037843"/>
-            <a:ext cx="335280" cy="203196"/>
-          </a:xfrm>
-          <a:prstGeom prst="triangle">
-            <a:avLst/>
-          </a:prstGeom>
-        </p:spPr>
-        <p:style>
-          <a:lnRef idx="2">
-            <a:schemeClr val="accent6"/>
-          </a:lnRef>
-          <a:fillRef idx="1">
-            <a:schemeClr val="lt1"/>
-          </a:fillRef>
-          <a:effectRef idx="0">
-            <a:schemeClr val="accent6"/>
-          </a:effectRef>
-          <a:fontRef idx="minor">
-            <a:schemeClr val="dk1"/>
-          </a:fontRef>
-        </p:style>
-        <p:txBody>
-          <a:bodyPr rtlCol="0" anchor="ctr"/>
-          <a:lstStyle/>
-          <a:p>
-            <a:pPr algn="ctr"/>
-            <a:endParaRPr lang="en-US"/>
-          </a:p>
-        </p:txBody>
-      </p:sp>
-      <p:sp>
-        <p:nvSpPr>
           <p:cNvPr id="12" name="TextBox 11">
             <a:extLst>
               <a:ext uri="{FF2B5EF4-FFF2-40B4-BE49-F238E27FC236}">
@@ -8416,7 +8453,7 @@
         </p:nvSpPr>
         <p:spPr>
           <a:xfrm>
-            <a:off x="2997200" y="2939386"/>
+            <a:off x="3368675" y="2936773"/>
             <a:ext cx="8493760" cy="400110"/>
           </a:xfrm>
           <a:prstGeom prst="rect">
@@ -8439,50 +8476,6 @@
       </p:sp>
       <p:sp>
         <p:nvSpPr>
-          <p:cNvPr id="13" name="Isosceles Triangle 12">
-            <a:extLst>
-              <a:ext uri="{FF2B5EF4-FFF2-40B4-BE49-F238E27FC236}">
-                <a16:creationId xmlns:a16="http://schemas.microsoft.com/office/drawing/2014/main" id="{5046F049-3E5B-E1BE-8FE1-8A4CC0B0322C}"/>
-              </a:ext>
-            </a:extLst>
-          </p:cNvPr>
-          <p:cNvSpPr/>
-          <p:nvPr/>
-        </p:nvSpPr>
-        <p:spPr>
-          <a:xfrm>
-            <a:off x="2367280" y="3657603"/>
-            <a:ext cx="335280" cy="203196"/>
-          </a:xfrm>
-          <a:prstGeom prst="triangle">
-            <a:avLst/>
-          </a:prstGeom>
-        </p:spPr>
-        <p:style>
-          <a:lnRef idx="2">
-            <a:schemeClr val="accent6"/>
-          </a:lnRef>
-          <a:fillRef idx="1">
-            <a:schemeClr val="lt1"/>
-          </a:fillRef>
-          <a:effectRef idx="0">
-            <a:schemeClr val="accent6"/>
-          </a:effectRef>
-          <a:fontRef idx="minor">
-            <a:schemeClr val="dk1"/>
-          </a:fontRef>
-        </p:style>
-        <p:txBody>
-          <a:bodyPr rtlCol="0" anchor="ctr"/>
-          <a:lstStyle/>
-          <a:p>
-            <a:pPr algn="ctr"/>
-            <a:endParaRPr lang="en-US"/>
-          </a:p>
-        </p:txBody>
-      </p:sp>
-      <p:sp>
-        <p:nvSpPr>
           <p:cNvPr id="14" name="TextBox 13">
             <a:extLst>
               <a:ext uri="{FF2B5EF4-FFF2-40B4-BE49-F238E27FC236}">
@@ -8495,7 +8488,7 @@
         </p:nvSpPr>
         <p:spPr>
           <a:xfrm>
-            <a:off x="2997200" y="3559146"/>
+            <a:off x="3368675" y="3582988"/>
             <a:ext cx="8493760" cy="400110"/>
           </a:xfrm>
           <a:prstGeom prst="rect">
@@ -8518,50 +8511,6 @@
       </p:sp>
       <p:sp>
         <p:nvSpPr>
-          <p:cNvPr id="15" name="Isosceles Triangle 14">
-            <a:extLst>
-              <a:ext uri="{FF2B5EF4-FFF2-40B4-BE49-F238E27FC236}">
-                <a16:creationId xmlns:a16="http://schemas.microsoft.com/office/drawing/2014/main" id="{8F34F4D2-4486-E0EA-DBE8-884A4EEDEEBA}"/>
-              </a:ext>
-            </a:extLst>
-          </p:cNvPr>
-          <p:cNvSpPr/>
-          <p:nvPr/>
-        </p:nvSpPr>
-        <p:spPr>
-          <a:xfrm>
-            <a:off x="2346960" y="4277363"/>
-            <a:ext cx="335280" cy="203196"/>
-          </a:xfrm>
-          <a:prstGeom prst="triangle">
-            <a:avLst/>
-          </a:prstGeom>
-        </p:spPr>
-        <p:style>
-          <a:lnRef idx="2">
-            <a:schemeClr val="accent6"/>
-          </a:lnRef>
-          <a:fillRef idx="1">
-            <a:schemeClr val="lt1"/>
-          </a:fillRef>
-          <a:effectRef idx="0">
-            <a:schemeClr val="accent6"/>
-          </a:effectRef>
-          <a:fontRef idx="minor">
-            <a:schemeClr val="dk1"/>
-          </a:fontRef>
-        </p:style>
-        <p:txBody>
-          <a:bodyPr rtlCol="0" anchor="ctr"/>
-          <a:lstStyle/>
-          <a:p>
-            <a:pPr algn="ctr"/>
-            <a:endParaRPr lang="en-US"/>
-          </a:p>
-        </p:txBody>
-      </p:sp>
-      <p:sp>
-        <p:nvSpPr>
           <p:cNvPr id="16" name="TextBox 15">
             <a:extLst>
               <a:ext uri="{FF2B5EF4-FFF2-40B4-BE49-F238E27FC236}">
@@ -8574,7 +8523,7 @@
         </p:nvSpPr>
         <p:spPr>
           <a:xfrm>
-            <a:off x="2997200" y="4196082"/>
+            <a:off x="3411855" y="4196081"/>
             <a:ext cx="8493760" cy="400110"/>
           </a:xfrm>
           <a:prstGeom prst="rect">
@@ -8597,50 +8546,6 @@
       </p:sp>
       <p:sp>
         <p:nvSpPr>
-          <p:cNvPr id="17" name="Isosceles Triangle 16">
-            <a:extLst>
-              <a:ext uri="{FF2B5EF4-FFF2-40B4-BE49-F238E27FC236}">
-                <a16:creationId xmlns:a16="http://schemas.microsoft.com/office/drawing/2014/main" id="{FB0D916C-8D23-2471-2A9E-85CC97999CF0}"/>
-              </a:ext>
-            </a:extLst>
-          </p:cNvPr>
-          <p:cNvSpPr/>
-          <p:nvPr/>
-        </p:nvSpPr>
-        <p:spPr>
-          <a:xfrm>
-            <a:off x="2346960" y="4911155"/>
-            <a:ext cx="335280" cy="203196"/>
-          </a:xfrm>
-          <a:prstGeom prst="triangle">
-            <a:avLst/>
-          </a:prstGeom>
-        </p:spPr>
-        <p:style>
-          <a:lnRef idx="2">
-            <a:schemeClr val="accent6"/>
-          </a:lnRef>
-          <a:fillRef idx="1">
-            <a:schemeClr val="lt1"/>
-          </a:fillRef>
-          <a:effectRef idx="0">
-            <a:schemeClr val="accent6"/>
-          </a:effectRef>
-          <a:fontRef idx="minor">
-            <a:schemeClr val="dk1"/>
-          </a:fontRef>
-        </p:style>
-        <p:txBody>
-          <a:bodyPr rtlCol="0" anchor="ctr"/>
-          <a:lstStyle/>
-          <a:p>
-            <a:pPr algn="ctr"/>
-            <a:endParaRPr lang="en-US"/>
-          </a:p>
-        </p:txBody>
-      </p:sp>
-      <p:sp>
-        <p:nvSpPr>
           <p:cNvPr id="18" name="TextBox 17">
             <a:extLst>
               <a:ext uri="{FF2B5EF4-FFF2-40B4-BE49-F238E27FC236}">
@@ -8653,7 +8558,7 @@
         </p:nvSpPr>
         <p:spPr>
           <a:xfrm>
-            <a:off x="2997200" y="4791649"/>
+            <a:off x="3368675" y="4791648"/>
             <a:ext cx="8493760" cy="400110"/>
           </a:xfrm>
           <a:prstGeom prst="rect">
@@ -8674,6 +8579,240 @@
           </a:p>
         </p:txBody>
       </p:sp>
+      <p:pic>
+        <p:nvPicPr>
+          <p:cNvPr id="3" name="Graphic 2" descr="Chevron arrows with solid fill">
+            <a:extLst>
+              <a:ext uri="{FF2B5EF4-FFF2-40B4-BE49-F238E27FC236}">
+                <a16:creationId xmlns:a16="http://schemas.microsoft.com/office/drawing/2014/main" id="{017B1ACD-2F0D-F7EC-DE04-204D8D71B0FF}"/>
+              </a:ext>
+            </a:extLst>
+          </p:cNvPr>
+          <p:cNvPicPr>
+            <a:picLocks noChangeAspect="1"/>
+          </p:cNvPicPr>
+          <p:nvPr/>
+        </p:nvPicPr>
+        <p:blipFill>
+          <a:blip r:embed="rId2">
+            <a:extLst>
+              <a:ext uri="{28A0092B-C50C-407E-A947-70E740481C1C}">
+                <a14:useLocalDpi xmlns:a14="http://schemas.microsoft.com/office/drawing/2010/main" val="0"/>
+              </a:ext>
+              <a:ext uri="{96DAC541-7B7A-43D3-8B79-37D633B846F1}">
+                <asvg:svgBlip xmlns:asvg="http://schemas.microsoft.com/office/drawing/2016/SVG/main" r:embed="rId3"/>
+              </a:ext>
+            </a:extLst>
+          </a:blip>
+          <a:stretch>
+            <a:fillRect/>
+          </a:stretch>
+        </p:blipFill>
+        <p:spPr>
+          <a:xfrm>
+            <a:off x="2565488" y="1748173"/>
+            <a:ext cx="352425" cy="352425"/>
+          </a:xfrm>
+          <a:prstGeom prst="rect">
+            <a:avLst/>
+          </a:prstGeom>
+        </p:spPr>
+      </p:pic>
+      <p:pic>
+        <p:nvPicPr>
+          <p:cNvPr id="5" name="Graphic 4" descr="Chevron arrows with solid fill">
+            <a:extLst>
+              <a:ext uri="{FF2B5EF4-FFF2-40B4-BE49-F238E27FC236}">
+                <a16:creationId xmlns:a16="http://schemas.microsoft.com/office/drawing/2014/main" id="{B3EBB90D-8978-80A5-CA3B-D68652D78338}"/>
+              </a:ext>
+            </a:extLst>
+          </p:cNvPr>
+          <p:cNvPicPr>
+            <a:picLocks noChangeAspect="1"/>
+          </p:cNvPicPr>
+          <p:nvPr/>
+        </p:nvPicPr>
+        <p:blipFill>
+          <a:blip r:embed="rId2">
+            <a:extLst>
+              <a:ext uri="{28A0092B-C50C-407E-A947-70E740481C1C}">
+                <a14:useLocalDpi xmlns:a14="http://schemas.microsoft.com/office/drawing/2010/main" val="0"/>
+              </a:ext>
+              <a:ext uri="{96DAC541-7B7A-43D3-8B79-37D633B846F1}">
+                <asvg:svgBlip xmlns:asvg="http://schemas.microsoft.com/office/drawing/2016/SVG/main" r:embed="rId3"/>
+              </a:ext>
+            </a:extLst>
+          </a:blip>
+          <a:stretch>
+            <a:fillRect/>
+          </a:stretch>
+        </p:blipFill>
+        <p:spPr>
+          <a:xfrm>
+            <a:off x="2559469" y="2414589"/>
+            <a:ext cx="352425" cy="352425"/>
+          </a:xfrm>
+          <a:prstGeom prst="rect">
+            <a:avLst/>
+          </a:prstGeom>
+        </p:spPr>
+      </p:pic>
+      <p:pic>
+        <p:nvPicPr>
+          <p:cNvPr id="19" name="Graphic 18" descr="Chevron arrows with solid fill">
+            <a:extLst>
+              <a:ext uri="{FF2B5EF4-FFF2-40B4-BE49-F238E27FC236}">
+                <a16:creationId xmlns:a16="http://schemas.microsoft.com/office/drawing/2014/main" id="{DDCC459B-5200-37A4-1A0A-451CB7CEB941}"/>
+              </a:ext>
+            </a:extLst>
+          </p:cNvPr>
+          <p:cNvPicPr>
+            <a:picLocks noChangeAspect="1"/>
+          </p:cNvPicPr>
+          <p:nvPr/>
+        </p:nvPicPr>
+        <p:blipFill>
+          <a:blip r:embed="rId2">
+            <a:extLst>
+              <a:ext uri="{28A0092B-C50C-407E-A947-70E740481C1C}">
+                <a14:useLocalDpi xmlns:a14="http://schemas.microsoft.com/office/drawing/2010/main" val="0"/>
+              </a:ext>
+              <a:ext uri="{96DAC541-7B7A-43D3-8B79-37D633B846F1}">
+                <asvg:svgBlip xmlns:asvg="http://schemas.microsoft.com/office/drawing/2016/SVG/main" r:embed="rId3"/>
+              </a:ext>
+            </a:extLst>
+          </a:blip>
+          <a:stretch>
+            <a:fillRect/>
+          </a:stretch>
+        </p:blipFill>
+        <p:spPr>
+          <a:xfrm>
+            <a:off x="2559469" y="2963228"/>
+            <a:ext cx="352425" cy="352425"/>
+          </a:xfrm>
+          <a:prstGeom prst="rect">
+            <a:avLst/>
+          </a:prstGeom>
+        </p:spPr>
+      </p:pic>
+      <p:pic>
+        <p:nvPicPr>
+          <p:cNvPr id="20" name="Graphic 19" descr="Chevron arrows with solid fill">
+            <a:extLst>
+              <a:ext uri="{FF2B5EF4-FFF2-40B4-BE49-F238E27FC236}">
+                <a16:creationId xmlns:a16="http://schemas.microsoft.com/office/drawing/2014/main" id="{79B819D9-2BD6-0984-51D0-86CD5B66223F}"/>
+              </a:ext>
+            </a:extLst>
+          </p:cNvPr>
+          <p:cNvPicPr>
+            <a:picLocks noChangeAspect="1"/>
+          </p:cNvPicPr>
+          <p:nvPr/>
+        </p:nvPicPr>
+        <p:blipFill>
+          <a:blip r:embed="rId2">
+            <a:extLst>
+              <a:ext uri="{28A0092B-C50C-407E-A947-70E740481C1C}">
+                <a14:useLocalDpi xmlns:a14="http://schemas.microsoft.com/office/drawing/2010/main" val="0"/>
+              </a:ext>
+              <a:ext uri="{96DAC541-7B7A-43D3-8B79-37D633B846F1}">
+                <asvg:svgBlip xmlns:asvg="http://schemas.microsoft.com/office/drawing/2016/SVG/main" r:embed="rId3"/>
+              </a:ext>
+            </a:extLst>
+          </a:blip>
+          <a:stretch>
+            <a:fillRect/>
+          </a:stretch>
+        </p:blipFill>
+        <p:spPr>
+          <a:xfrm>
+            <a:off x="2559469" y="3606831"/>
+            <a:ext cx="352425" cy="352425"/>
+          </a:xfrm>
+          <a:prstGeom prst="rect">
+            <a:avLst/>
+          </a:prstGeom>
+        </p:spPr>
+      </p:pic>
+      <p:pic>
+        <p:nvPicPr>
+          <p:cNvPr id="21" name="Graphic 20" descr="Chevron arrows with solid fill">
+            <a:extLst>
+              <a:ext uri="{FF2B5EF4-FFF2-40B4-BE49-F238E27FC236}">
+                <a16:creationId xmlns:a16="http://schemas.microsoft.com/office/drawing/2014/main" id="{52D1FEBF-AAF7-E78A-BDDA-80F59E980F38}"/>
+              </a:ext>
+            </a:extLst>
+          </p:cNvPr>
+          <p:cNvPicPr>
+            <a:picLocks noChangeAspect="1"/>
+          </p:cNvPicPr>
+          <p:nvPr/>
+        </p:nvPicPr>
+        <p:blipFill>
+          <a:blip r:embed="rId2">
+            <a:extLst>
+              <a:ext uri="{28A0092B-C50C-407E-A947-70E740481C1C}">
+                <a14:useLocalDpi xmlns:a14="http://schemas.microsoft.com/office/drawing/2010/main" val="0"/>
+              </a:ext>
+              <a:ext uri="{96DAC541-7B7A-43D3-8B79-37D633B846F1}">
+                <asvg:svgBlip xmlns:asvg="http://schemas.microsoft.com/office/drawing/2016/SVG/main" r:embed="rId3"/>
+              </a:ext>
+            </a:extLst>
+          </a:blip>
+          <a:stretch>
+            <a:fillRect/>
+          </a:stretch>
+        </p:blipFill>
+        <p:spPr>
+          <a:xfrm>
+            <a:off x="2556713" y="4219924"/>
+            <a:ext cx="352425" cy="352425"/>
+          </a:xfrm>
+          <a:prstGeom prst="rect">
+            <a:avLst/>
+          </a:prstGeom>
+        </p:spPr>
+      </p:pic>
+      <p:pic>
+        <p:nvPicPr>
+          <p:cNvPr id="22" name="Graphic 21" descr="Chevron arrows with solid fill">
+            <a:extLst>
+              <a:ext uri="{FF2B5EF4-FFF2-40B4-BE49-F238E27FC236}">
+                <a16:creationId xmlns:a16="http://schemas.microsoft.com/office/drawing/2014/main" id="{583DFFD4-97BE-1159-0306-D183A2195C6A}"/>
+              </a:ext>
+            </a:extLst>
+          </p:cNvPr>
+          <p:cNvPicPr>
+            <a:picLocks noChangeAspect="1"/>
+          </p:cNvPicPr>
+          <p:nvPr/>
+        </p:nvPicPr>
+        <p:blipFill>
+          <a:blip r:embed="rId2">
+            <a:extLst>
+              <a:ext uri="{28A0092B-C50C-407E-A947-70E740481C1C}">
+                <a14:useLocalDpi xmlns:a14="http://schemas.microsoft.com/office/drawing/2010/main" val="0"/>
+              </a:ext>
+              <a:ext uri="{96DAC541-7B7A-43D3-8B79-37D633B846F1}">
+                <asvg:svgBlip xmlns:asvg="http://schemas.microsoft.com/office/drawing/2016/SVG/main" r:embed="rId3"/>
+              </a:ext>
+            </a:extLst>
+          </a:blip>
+          <a:stretch>
+            <a:fillRect/>
+          </a:stretch>
+        </p:blipFill>
+        <p:spPr>
+          <a:xfrm>
+            <a:off x="2565488" y="4815491"/>
+            <a:ext cx="352425" cy="352425"/>
+          </a:xfrm>
+          <a:prstGeom prst="rect">
+            <a:avLst/>
+          </a:prstGeom>
+        </p:spPr>
+      </p:pic>
     </p:spTree>
     <p:extLst>
       <p:ext uri="{BB962C8B-B14F-4D97-AF65-F5344CB8AC3E}">
@@ -8690,33 +8829,6 @@
 <file path=ppt/slides/slide8.xml><?xml version="1.0" encoding="utf-8"?>
 <p:sld xmlns:a="http://schemas.openxmlformats.org/drawingml/2006/main" xmlns:r="http://schemas.openxmlformats.org/officeDocument/2006/relationships" xmlns:p="http://schemas.openxmlformats.org/presentationml/2006/main">
   <p:cSld>
-    <p:bg>
-      <p:bgPr>
-        <a:blipFill dpi="0" rotWithShape="1">
-          <a:blip r:embed="rId2">
-            <a:alphaModFix amt="88000"/>
-            <a:duotone>
-              <a:schemeClr val="bg2">
-                <a:shade val="18000"/>
-                <a:satMod val="160000"/>
-                <a:lumMod val="28000"/>
-              </a:schemeClr>
-              <a:schemeClr val="bg2">
-                <a:tint val="95000"/>
-                <a:satMod val="160000"/>
-                <a:lumMod val="116000"/>
-              </a:schemeClr>
-            </a:duotone>
-            <a:lum/>
-          </a:blip>
-          <a:srcRect/>
-          <a:stretch>
-            <a:fillRect/>
-          </a:stretch>
-        </a:blipFill>
-        <a:effectLst/>
-      </p:bgPr>
-    </p:bg>
     <p:spTree>
       <p:nvGrpSpPr>
         <p:cNvPr id="1" name=""/>
@@ -8817,33 +8929,6 @@
 <file path=ppt/slides/slide9.xml><?xml version="1.0" encoding="utf-8"?>
 <p:sld xmlns:a="http://schemas.openxmlformats.org/drawingml/2006/main" xmlns:r="http://schemas.openxmlformats.org/officeDocument/2006/relationships" xmlns:p="http://schemas.openxmlformats.org/presentationml/2006/main">
   <p:cSld>
-    <p:bg>
-      <p:bgPr>
-        <a:blipFill dpi="0" rotWithShape="1">
-          <a:blip r:embed="rId2">
-            <a:alphaModFix amt="88000"/>
-            <a:duotone>
-              <a:schemeClr val="bg2">
-                <a:shade val="18000"/>
-                <a:satMod val="160000"/>
-                <a:lumMod val="28000"/>
-              </a:schemeClr>
-              <a:schemeClr val="bg2">
-                <a:tint val="95000"/>
-                <a:satMod val="160000"/>
-                <a:lumMod val="116000"/>
-              </a:schemeClr>
-            </a:duotone>
-            <a:lum/>
-          </a:blip>
-          <a:srcRect/>
-          <a:stretch>
-            <a:fillRect/>
-          </a:stretch>
-        </a:blipFill>
-        <a:effectLst/>
-      </p:bgPr>
-    </p:bg>
     <p:spTree>
       <p:nvGrpSpPr>
         <p:cNvPr id="1" name=""/>
@@ -8907,9 +8992,9 @@
 </file>
 
 <file path=ppt/theme/theme1.xml><?xml version="1.0" encoding="utf-8"?>
-<a:theme xmlns:a="http://schemas.openxmlformats.org/drawingml/2006/main" name="Damask">
+<a:theme xmlns:a="http://schemas.openxmlformats.org/drawingml/2006/main" name="Facet">
   <a:themeElements>
-    <a:clrScheme name="Damask">
+    <a:clrScheme name="Blue Warm">
       <a:dk1>
         <a:sysClr val="windowText" lastClr="000000"/>
       </a:dk1>
@@ -8917,52 +9002,52 @@
         <a:sysClr val="window" lastClr="FFFFFF"/>
       </a:lt1>
       <a:dk2>
-        <a:srgbClr val="742332"/>
+        <a:srgbClr val="242852"/>
       </a:dk2>
       <a:lt2>
-        <a:srgbClr val="EE91A0"/>
+        <a:srgbClr val="ACCBF9"/>
       </a:lt2>
       <a:accent1>
-        <a:srgbClr val="E03754"/>
+        <a:srgbClr val="4A66AC"/>
       </a:accent1>
       <a:accent2>
-        <a:srgbClr val="E86C2E"/>
+        <a:srgbClr val="629DD1"/>
       </a:accent2>
       <a:accent3>
-        <a:srgbClr val="DAB250"/>
+        <a:srgbClr val="297FD5"/>
       </a:accent3>
       <a:accent4>
-        <a:srgbClr val="60C4AA"/>
+        <a:srgbClr val="7F8FA9"/>
       </a:accent4>
       <a:accent5>
-        <a:srgbClr val="51A9DB"/>
+        <a:srgbClr val="5AA2AE"/>
       </a:accent5>
       <a:accent6>
-        <a:srgbClr val="976AC9"/>
+        <a:srgbClr val="9D90A0"/>
       </a:accent6>
       <a:hlink>
-        <a:srgbClr val="D5445E"/>
+        <a:srgbClr val="9454C3"/>
       </a:hlink>
       <a:folHlink>
-        <a:srgbClr val="E17C8E"/>
+        <a:srgbClr val="3EBBF0"/>
       </a:folHlink>
     </a:clrScheme>
-    <a:fontScheme name="Damask">
+    <a:fontScheme name="Facet">
       <a:majorFont>
-        <a:latin typeface="Bookman Old Style" panose="02050604050505020204"/>
+        <a:latin typeface="Trebuchet MS" panose="020B0603020202020204"/>
         <a:ea typeface=""/>
         <a:cs typeface=""/>
-        <a:font script="Jpan" typeface="ＭＳ Ｐゴシック"/>
+        <a:font script="Jpan" typeface="メイリオ"/>
         <a:font script="Hang" typeface="맑은 고딕"/>
-        <a:font script="Hans" typeface="宋体"/>
-        <a:font script="Hant" typeface="新細明體"/>
-        <a:font script="Arab" typeface="Times New Roman"/>
-        <a:font script="Hebr" typeface="Times New Roman"/>
-        <a:font script="Thai" typeface="Angsana New"/>
+        <a:font script="Hans" typeface="方正姚体"/>
+        <a:font script="Hant" typeface="微軟正黑體"/>
+        <a:font script="Arab" typeface="Tahoma"/>
+        <a:font script="Hebr" typeface="Arial"/>
+        <a:font script="Thai" typeface="Cordia New"/>
         <a:font script="Ethi" typeface="Nyala"/>
         <a:font script="Beng" typeface="Vrinda"/>
         <a:font script="Gujr" typeface="Shruti"/>
-        <a:font script="Khmr" typeface="MoolBoran"/>
+        <a:font script="Khmr" typeface="DaunPenh"/>
         <a:font script="Knda" typeface="Tunga"/>
         <a:font script="Guru" typeface="Raavi"/>
         <a:font script="Cans" typeface="Euphemia"/>
@@ -8979,21 +9064,21 @@
         <a:font script="Laoo" typeface="DokChampa"/>
         <a:font script="Sinh" typeface="Iskoola Pota"/>
         <a:font script="Mong" typeface="Mongolian Baiti"/>
-        <a:font script="Viet" typeface="Times New Roman"/>
+        <a:font script="Viet" typeface="Tahoma"/>
         <a:font script="Uigh" typeface="Microsoft Uighur"/>
         <a:font script="Geor" typeface="Sylfaen"/>
       </a:majorFont>
       <a:minorFont>
-        <a:latin typeface="Rockwell" panose="02060603020205020403"/>
+        <a:latin typeface="Trebuchet MS" panose="020B0603020202020204"/>
         <a:ea typeface=""/>
         <a:cs typeface=""/>
-        <a:font script="Jpan" typeface="ＭＳ Ｐゴシック"/>
-        <a:font script="Hang" typeface="맑은 고딕"/>
-        <a:font script="Hans" typeface="宋体"/>
-        <a:font script="Hant" typeface="新細明體"/>
-        <a:font script="Arab" typeface="Arial"/>
-        <a:font script="Hebr" typeface="Arial"/>
-        <a:font script="Thai" typeface="Cordia New"/>
+        <a:font script="Jpan" typeface="メイリオ"/>
+        <a:font script="Hang" typeface="HY그래픽M"/>
+        <a:font script="Hans" typeface="华文新魏"/>
+        <a:font script="Hant" typeface="微軟正黑體"/>
+        <a:font script="Arab" typeface="Tahoma"/>
+        <a:font script="Hebr" typeface="Gisha"/>
+        <a:font script="Thai" typeface="IrisUPC"/>
         <a:font script="Ethi" typeface="Nyala"/>
         <a:font script="Beng" typeface="Vrinda"/>
         <a:font script="Gujr" typeface="Shruti"/>
@@ -9019,7 +9104,7 @@
         <a:font script="Geor" typeface="Sylfaen"/>
       </a:minorFont>
     </a:fontScheme>
-    <a:fmtScheme name="Damask">
+    <a:fmtScheme name="Facet">
       <a:fillStyleLst>
         <a:solidFill>
           <a:schemeClr val="phClr"/>
@@ -9028,16 +9113,13 @@
           <a:gsLst>
             <a:gs pos="0">
               <a:schemeClr val="phClr">
-                <a:tint val="48000"/>
-                <a:satMod val="105000"/>
+                <a:tint val="65000"/>
                 <a:lumMod val="110000"/>
               </a:schemeClr>
             </a:gs>
-            <a:gs pos="100000">
+            <a:gs pos="88000">
               <a:schemeClr val="phClr">
-                <a:tint val="78000"/>
-                <a:satMod val="109000"/>
-                <a:lumMod val="100000"/>
+                <a:tint val="90000"/>
               </a:schemeClr>
             </a:gs>
           </a:gsLst>
@@ -9047,23 +9129,14 @@
           <a:gsLst>
             <a:gs pos="0">
               <a:schemeClr val="phClr">
-                <a:tint val="94000"/>
-                <a:satMod val="100000"/>
-                <a:lumMod val="104000"/>
+                <a:tint val="96000"/>
+                <a:lumMod val="100000"/>
               </a:schemeClr>
             </a:gs>
-            <a:gs pos="69000">
+            <a:gs pos="78000">
               <a:schemeClr val="phClr">
-                <a:shade val="86000"/>
-                <a:satMod val="130000"/>
-                <a:lumMod val="102000"/>
-              </a:schemeClr>
-            </a:gs>
-            <a:gs pos="100000">
-              <a:schemeClr val="phClr">
-                <a:shade val="72000"/>
-                <a:satMod val="130000"/>
-                <a:lumMod val="100000"/>
+                <a:shade val="94000"/>
+                <a:lumMod val="94000"/>
               </a:schemeClr>
             </a:gs>
           </a:gsLst>
@@ -9071,19 +9144,19 @@
         </a:gradFill>
       </a:fillStyleLst>
       <a:lnStyleLst>
-        <a:ln w="12700" cap="flat" cmpd="sng" algn="ctr">
+        <a:ln w="12700" cap="rnd" cmpd="sng" algn="ctr">
           <a:solidFill>
             <a:schemeClr val="phClr"/>
           </a:solidFill>
           <a:prstDash val="solid"/>
         </a:ln>
-        <a:ln w="19050" cap="flat" cmpd="sng" algn="ctr">
+        <a:ln w="19050" cap="rnd" cmpd="sng" algn="ctr">
           <a:solidFill>
             <a:schemeClr val="phClr"/>
           </a:solidFill>
           <a:prstDash val="solid"/>
         </a:ln>
-        <a:ln w="25400" cap="flat" cmpd="sng" algn="ctr">
+        <a:ln w="25400" cap="rnd" cmpd="sng" algn="ctr">
           <a:solidFill>
             <a:schemeClr val="phClr"/>
           </a:solidFill>
@@ -9096,18 +9169,18 @@
         </a:effectStyle>
         <a:effectStyle>
           <a:effectLst>
-            <a:outerShdw blurRad="50800" dist="38100" dir="5400000" sy="96000" rotWithShape="0">
+            <a:outerShdw blurRad="38100" dist="25400" dir="5400000" rotWithShape="0">
               <a:srgbClr val="000000">
-                <a:alpha val="54000"/>
+                <a:alpha val="35000"/>
               </a:srgbClr>
             </a:outerShdw>
           </a:effectLst>
         </a:effectStyle>
         <a:effectStyle>
           <a:effectLst>
-            <a:outerShdw blurRad="76200" dist="38100" dir="5400000" algn="ctr" rotWithShape="0">
+            <a:outerShdw blurRad="50800" dist="38100" dir="5400000" rotWithShape="0">
               <a:srgbClr val="000000">
-                <a:alpha val="76000"/>
+                <a:alpha val="35000"/>
               </a:srgbClr>
             </a:outerShdw>
           </a:effectLst>
@@ -9115,10 +9188,10 @@
             <a:camera prst="orthographicFront">
               <a:rot lat="0" lon="0" rev="0"/>
             </a:camera>
-            <a:lightRig rig="balanced" dir="t"/>
+            <a:lightRig rig="threePt" dir="tl"/>
           </a:scene3d>
-          <a:sp3d prstMaterial="matte">
-            <a:bevelT w="25400" h="25400" prst="relaxedInset"/>
+          <a:sp3d prstMaterial="plastic">
+            <a:bevelT w="0" h="0"/>
           </a:sp3d>
         </a:effectStyle>
       </a:effectStyleLst>
@@ -9126,29 +9199,42 @@
         <a:solidFill>
           <a:schemeClr val="phClr"/>
         </a:solidFill>
-        <a:solidFill>
-          <a:schemeClr val="phClr">
-            <a:tint val="95000"/>
-            <a:satMod val="170000"/>
-          </a:schemeClr>
-        </a:solidFill>
-        <a:blipFill rotWithShape="1">
-          <a:blip xmlns:r="http://schemas.openxmlformats.org/officeDocument/2006/relationships" r:embed="rId1">
-            <a:duotone>
+        <a:gradFill rotWithShape="1">
+          <a:gsLst>
+            <a:gs pos="0">
               <a:schemeClr val="phClr">
-                <a:shade val="18000"/>
-                <a:satMod val="160000"/>
-                <a:lumMod val="28000"/>
+                <a:tint val="90000"/>
+                <a:lumMod val="104000"/>
               </a:schemeClr>
+            </a:gs>
+            <a:gs pos="94000">
               <a:schemeClr val="phClr">
-                <a:tint val="95000"/>
-                <a:satMod val="160000"/>
-                <a:lumMod val="116000"/>
+                <a:shade val="96000"/>
+                <a:lumMod val="82000"/>
               </a:schemeClr>
-            </a:duotone>
-          </a:blip>
-          <a:stretch/>
-        </a:blipFill>
+            </a:gs>
+          </a:gsLst>
+          <a:lin ang="5400000" scaled="0"/>
+        </a:gradFill>
+        <a:gradFill rotWithShape="1">
+          <a:gsLst>
+            <a:gs pos="0">
+              <a:schemeClr val="phClr">
+                <a:tint val="90000"/>
+                <a:lumMod val="110000"/>
+              </a:schemeClr>
+            </a:gs>
+            <a:gs pos="100000">
+              <a:schemeClr val="phClr">
+                <a:shade val="94000"/>
+                <a:lumMod val="96000"/>
+              </a:schemeClr>
+            </a:gs>
+          </a:gsLst>
+          <a:path path="circle">
+            <a:fillToRect l="50000" t="50000" r="100000" b="100000"/>
+          </a:path>
+        </a:gradFill>
       </a:bgFillStyleLst>
     </a:fmtScheme>
   </a:themeElements>
@@ -9156,7 +9242,7 @@
   <a:extraClrSchemeLst/>
   <a:extLst>
     <a:ext uri="{05A4C25C-085E-4340-85A3-A5531E510DB2}">
-      <thm15:themeFamily xmlns:thm15="http://schemas.microsoft.com/office/thememl/2012/main" name="Damask" id="{F9A299A0-33D0-4E0F-9F3F-7163E3744208}" vid="{6B2E858E-683F-40D9-B4CB-284D097F3AC0}"/>
+      <thm15:themeFamily xmlns:thm15="http://schemas.microsoft.com/office/thememl/2012/main" name="Facet" id="{C0C680CD-088A-49FC-A102-D699147F32B2}" vid="{CFBC31BA-B70F-4F30-BCAA-4F3011E16C4D}"/>
     </a:ext>
   </a:extLst>
 </a:theme>

--- a/SPL-1 Mid Presentation.pptx
+++ b/SPL-1 Mid Presentation.pptx
@@ -4,16 +4,20 @@
   <p:sldMasterIdLst>
     <p:sldMasterId id="2147483970" r:id="rId1"/>
   </p:sldMasterIdLst>
+  <p:notesMasterIdLst>
+    <p:notesMasterId r:id="rId12"/>
+  </p:notesMasterIdLst>
   <p:sldIdLst>
-    <p:sldId id="256" r:id="rId2"/>
-    <p:sldId id="257" r:id="rId3"/>
-    <p:sldId id="258" r:id="rId4"/>
-    <p:sldId id="259" r:id="rId5"/>
-    <p:sldId id="260" r:id="rId6"/>
-    <p:sldId id="261" r:id="rId7"/>
-    <p:sldId id="262" r:id="rId8"/>
-    <p:sldId id="263" r:id="rId9"/>
-    <p:sldId id="264" r:id="rId10"/>
+    <p:sldId id="265" r:id="rId2"/>
+    <p:sldId id="256" r:id="rId3"/>
+    <p:sldId id="257" r:id="rId4"/>
+    <p:sldId id="258" r:id="rId5"/>
+    <p:sldId id="259" r:id="rId6"/>
+    <p:sldId id="260" r:id="rId7"/>
+    <p:sldId id="261" r:id="rId8"/>
+    <p:sldId id="262" r:id="rId9"/>
+    <p:sldId id="263" r:id="rId10"/>
+    <p:sldId id="264" r:id="rId11"/>
   </p:sldIdLst>
   <p:sldSz cx="12192000" cy="6858000"/>
   <p:notesSz cx="6858000" cy="9144000"/>
@@ -118,6 +122,3527 @@
     </p:ext>
   </p:extLst>
 </p:presentation>
+</file>
+
+<file path=ppt/diagrams/colors1.xml><?xml version="1.0" encoding="utf-8"?>
+<dgm:colorsDef xmlns:dgm="http://schemas.openxmlformats.org/drawingml/2006/diagram" xmlns:a="http://schemas.openxmlformats.org/drawingml/2006/main" uniqueId="urn:microsoft.com/office/officeart/2005/8/colors/accent1_2">
+  <dgm:title val=""/>
+  <dgm:desc val=""/>
+  <dgm:catLst>
+    <dgm:cat type="accent1" pri="11200"/>
+  </dgm:catLst>
+  <dgm:styleLbl name="node0">
+    <dgm:fillClrLst meth="repeat">
+      <a:schemeClr val="accent1"/>
+    </dgm:fillClrLst>
+    <dgm:linClrLst meth="repeat">
+      <a:schemeClr val="lt1"/>
+    </dgm:linClrLst>
+    <dgm:effectClrLst/>
+    <dgm:txLinClrLst/>
+    <dgm:txFillClrLst/>
+    <dgm:txEffectClrLst/>
+  </dgm:styleLbl>
+  <dgm:styleLbl name="alignNode1">
+    <dgm:fillClrLst meth="repeat">
+      <a:schemeClr val="accent1"/>
+    </dgm:fillClrLst>
+    <dgm:linClrLst meth="repeat">
+      <a:schemeClr val="accent1"/>
+    </dgm:linClrLst>
+    <dgm:effectClrLst/>
+    <dgm:txLinClrLst/>
+    <dgm:txFillClrLst/>
+    <dgm:txEffectClrLst/>
+  </dgm:styleLbl>
+  <dgm:styleLbl name="node1">
+    <dgm:fillClrLst meth="repeat">
+      <a:schemeClr val="accent1"/>
+    </dgm:fillClrLst>
+    <dgm:linClrLst meth="repeat">
+      <a:schemeClr val="lt1"/>
+    </dgm:linClrLst>
+    <dgm:effectClrLst/>
+    <dgm:txLinClrLst/>
+    <dgm:txFillClrLst/>
+    <dgm:txEffectClrLst/>
+  </dgm:styleLbl>
+  <dgm:styleLbl name="lnNode1">
+    <dgm:fillClrLst meth="repeat">
+      <a:schemeClr val="accent1"/>
+    </dgm:fillClrLst>
+    <dgm:linClrLst meth="repeat">
+      <a:schemeClr val="lt1"/>
+    </dgm:linClrLst>
+    <dgm:effectClrLst/>
+    <dgm:txLinClrLst/>
+    <dgm:txFillClrLst/>
+    <dgm:txEffectClrLst/>
+  </dgm:styleLbl>
+  <dgm:styleLbl name="vennNode1">
+    <dgm:fillClrLst meth="repeat">
+      <a:schemeClr val="accent1">
+        <a:alpha val="50000"/>
+      </a:schemeClr>
+    </dgm:fillClrLst>
+    <dgm:linClrLst meth="repeat">
+      <a:schemeClr val="lt1"/>
+    </dgm:linClrLst>
+    <dgm:effectClrLst/>
+    <dgm:txLinClrLst/>
+    <dgm:txFillClrLst/>
+    <dgm:txEffectClrLst/>
+  </dgm:styleLbl>
+  <dgm:styleLbl name="node2">
+    <dgm:fillClrLst meth="repeat">
+      <a:schemeClr val="accent1"/>
+    </dgm:fillClrLst>
+    <dgm:linClrLst meth="repeat">
+      <a:schemeClr val="lt1"/>
+    </dgm:linClrLst>
+    <dgm:effectClrLst/>
+    <dgm:txLinClrLst/>
+    <dgm:txFillClrLst/>
+    <dgm:txEffectClrLst/>
+  </dgm:styleLbl>
+  <dgm:styleLbl name="node3">
+    <dgm:fillClrLst meth="repeat">
+      <a:schemeClr val="accent1"/>
+    </dgm:fillClrLst>
+    <dgm:linClrLst meth="repeat">
+      <a:schemeClr val="lt1"/>
+    </dgm:linClrLst>
+    <dgm:effectClrLst/>
+    <dgm:txLinClrLst/>
+    <dgm:txFillClrLst/>
+    <dgm:txEffectClrLst/>
+  </dgm:styleLbl>
+  <dgm:styleLbl name="node4">
+    <dgm:fillClrLst meth="repeat">
+      <a:schemeClr val="accent1"/>
+    </dgm:fillClrLst>
+    <dgm:linClrLst meth="repeat">
+      <a:schemeClr val="lt1"/>
+    </dgm:linClrLst>
+    <dgm:effectClrLst/>
+    <dgm:txLinClrLst/>
+    <dgm:txFillClrLst/>
+    <dgm:txEffectClrLst/>
+  </dgm:styleLbl>
+  <dgm:styleLbl name="fgImgPlace1">
+    <dgm:fillClrLst meth="repeat">
+      <a:schemeClr val="accent1">
+        <a:tint val="50000"/>
+      </a:schemeClr>
+    </dgm:fillClrLst>
+    <dgm:linClrLst meth="repeat">
+      <a:schemeClr val="lt1"/>
+    </dgm:linClrLst>
+    <dgm:effectClrLst/>
+    <dgm:txLinClrLst/>
+    <dgm:txFillClrLst meth="repeat">
+      <a:schemeClr val="lt1"/>
+    </dgm:txFillClrLst>
+    <dgm:txEffectClrLst/>
+  </dgm:styleLbl>
+  <dgm:styleLbl name="alignImgPlace1">
+    <dgm:fillClrLst meth="repeat">
+      <a:schemeClr val="accent1">
+        <a:tint val="50000"/>
+      </a:schemeClr>
+    </dgm:fillClrLst>
+    <dgm:linClrLst meth="repeat">
+      <a:schemeClr val="lt1"/>
+    </dgm:linClrLst>
+    <dgm:effectClrLst/>
+    <dgm:txLinClrLst/>
+    <dgm:txFillClrLst meth="repeat">
+      <a:schemeClr val="lt1"/>
+    </dgm:txFillClrLst>
+    <dgm:txEffectClrLst/>
+  </dgm:styleLbl>
+  <dgm:styleLbl name="bgImgPlace1">
+    <dgm:fillClrLst meth="repeat">
+      <a:schemeClr val="accent1">
+        <a:tint val="50000"/>
+      </a:schemeClr>
+    </dgm:fillClrLst>
+    <dgm:linClrLst meth="repeat">
+      <a:schemeClr val="lt1"/>
+    </dgm:linClrLst>
+    <dgm:effectClrLst/>
+    <dgm:txLinClrLst/>
+    <dgm:txFillClrLst meth="repeat">
+      <a:schemeClr val="lt1"/>
+    </dgm:txFillClrLst>
+    <dgm:txEffectClrLst/>
+  </dgm:styleLbl>
+  <dgm:styleLbl name="sibTrans2D1">
+    <dgm:fillClrLst meth="repeat">
+      <a:schemeClr val="accent1">
+        <a:tint val="60000"/>
+      </a:schemeClr>
+    </dgm:fillClrLst>
+    <dgm:linClrLst meth="repeat">
+      <a:schemeClr val="accent1">
+        <a:tint val="60000"/>
+      </a:schemeClr>
+    </dgm:linClrLst>
+    <dgm:effectClrLst/>
+    <dgm:txLinClrLst/>
+    <dgm:txFillClrLst/>
+    <dgm:txEffectClrLst/>
+  </dgm:styleLbl>
+  <dgm:styleLbl name="fgSibTrans2D1">
+    <dgm:fillClrLst meth="repeat">
+      <a:schemeClr val="accent1">
+        <a:tint val="60000"/>
+      </a:schemeClr>
+    </dgm:fillClrLst>
+    <dgm:linClrLst meth="repeat">
+      <a:schemeClr val="accent1">
+        <a:tint val="60000"/>
+      </a:schemeClr>
+    </dgm:linClrLst>
+    <dgm:effectClrLst/>
+    <dgm:txLinClrLst/>
+    <dgm:txFillClrLst/>
+    <dgm:txEffectClrLst/>
+  </dgm:styleLbl>
+  <dgm:styleLbl name="bgSibTrans2D1">
+    <dgm:fillClrLst meth="repeat">
+      <a:schemeClr val="accent1">
+        <a:tint val="60000"/>
+      </a:schemeClr>
+    </dgm:fillClrLst>
+    <dgm:linClrLst meth="repeat">
+      <a:schemeClr val="accent1">
+        <a:tint val="60000"/>
+      </a:schemeClr>
+    </dgm:linClrLst>
+    <dgm:effectClrLst/>
+    <dgm:txLinClrLst/>
+    <dgm:txFillClrLst/>
+    <dgm:txEffectClrLst/>
+  </dgm:styleLbl>
+  <dgm:styleLbl name="sibTrans1D1">
+    <dgm:fillClrLst meth="repeat">
+      <a:schemeClr val="accent1"/>
+    </dgm:fillClrLst>
+    <dgm:linClrLst meth="repeat">
+      <a:schemeClr val="accent1"/>
+    </dgm:linClrLst>
+    <dgm:effectClrLst/>
+    <dgm:txLinClrLst/>
+    <dgm:txFillClrLst meth="repeat">
+      <a:schemeClr val="tx1"/>
+    </dgm:txFillClrLst>
+    <dgm:txEffectClrLst/>
+  </dgm:styleLbl>
+  <dgm:styleLbl name="callout">
+    <dgm:fillClrLst meth="repeat">
+      <a:schemeClr val="accent1"/>
+    </dgm:fillClrLst>
+    <dgm:linClrLst meth="repeat">
+      <a:schemeClr val="accent1">
+        <a:tint val="50000"/>
+      </a:schemeClr>
+    </dgm:linClrLst>
+    <dgm:effectClrLst/>
+    <dgm:txLinClrLst/>
+    <dgm:txFillClrLst meth="repeat">
+      <a:schemeClr val="tx1"/>
+    </dgm:txFillClrLst>
+    <dgm:txEffectClrLst/>
+  </dgm:styleLbl>
+  <dgm:styleLbl name="asst0">
+    <dgm:fillClrLst meth="repeat">
+      <a:schemeClr val="accent1"/>
+    </dgm:fillClrLst>
+    <dgm:linClrLst meth="repeat">
+      <a:schemeClr val="lt1"/>
+    </dgm:linClrLst>
+    <dgm:effectClrLst/>
+    <dgm:txLinClrLst/>
+    <dgm:txFillClrLst/>
+    <dgm:txEffectClrLst/>
+  </dgm:styleLbl>
+  <dgm:styleLbl name="asst1">
+    <dgm:fillClrLst meth="repeat">
+      <a:schemeClr val="accent1"/>
+    </dgm:fillClrLst>
+    <dgm:linClrLst meth="repeat">
+      <a:schemeClr val="lt1"/>
+    </dgm:linClrLst>
+    <dgm:effectClrLst/>
+    <dgm:txLinClrLst/>
+    <dgm:txFillClrLst/>
+    <dgm:txEffectClrLst/>
+  </dgm:styleLbl>
+  <dgm:styleLbl name="asst2">
+    <dgm:fillClrLst meth="repeat">
+      <a:schemeClr val="accent1"/>
+    </dgm:fillClrLst>
+    <dgm:linClrLst meth="repeat">
+      <a:schemeClr val="lt1"/>
+    </dgm:linClrLst>
+    <dgm:effectClrLst/>
+    <dgm:txLinClrLst/>
+    <dgm:txFillClrLst/>
+    <dgm:txEffectClrLst/>
+  </dgm:styleLbl>
+  <dgm:styleLbl name="asst3">
+    <dgm:fillClrLst meth="repeat">
+      <a:schemeClr val="accent1"/>
+    </dgm:fillClrLst>
+    <dgm:linClrLst meth="repeat">
+      <a:schemeClr val="lt1"/>
+    </dgm:linClrLst>
+    <dgm:effectClrLst/>
+    <dgm:txLinClrLst/>
+    <dgm:txFillClrLst/>
+    <dgm:txEffectClrLst/>
+  </dgm:styleLbl>
+  <dgm:styleLbl name="asst4">
+    <dgm:fillClrLst meth="repeat">
+      <a:schemeClr val="accent1"/>
+    </dgm:fillClrLst>
+    <dgm:linClrLst meth="repeat">
+      <a:schemeClr val="lt1"/>
+    </dgm:linClrLst>
+    <dgm:effectClrLst/>
+    <dgm:txLinClrLst/>
+    <dgm:txFillClrLst/>
+    <dgm:txEffectClrLst/>
+  </dgm:styleLbl>
+  <dgm:styleLbl name="parChTrans2D1">
+    <dgm:fillClrLst meth="repeat">
+      <a:schemeClr val="accent1">
+        <a:tint val="60000"/>
+      </a:schemeClr>
+    </dgm:fillClrLst>
+    <dgm:linClrLst meth="repeat">
+      <a:schemeClr val="accent1">
+        <a:tint val="60000"/>
+      </a:schemeClr>
+    </dgm:linClrLst>
+    <dgm:effectClrLst/>
+    <dgm:txLinClrLst/>
+    <dgm:txFillClrLst meth="repeat">
+      <a:schemeClr val="lt1"/>
+    </dgm:txFillClrLst>
+    <dgm:txEffectClrLst/>
+  </dgm:styleLbl>
+  <dgm:styleLbl name="parChTrans2D2">
+    <dgm:fillClrLst meth="repeat">
+      <a:schemeClr val="accent1"/>
+    </dgm:fillClrLst>
+    <dgm:linClrLst meth="repeat">
+      <a:schemeClr val="accent1"/>
+    </dgm:linClrLst>
+    <dgm:effectClrLst/>
+    <dgm:txLinClrLst/>
+    <dgm:txFillClrLst meth="repeat">
+      <a:schemeClr val="lt1"/>
+    </dgm:txFillClrLst>
+    <dgm:txEffectClrLst/>
+  </dgm:styleLbl>
+  <dgm:styleLbl name="parChTrans2D3">
+    <dgm:fillClrLst meth="repeat">
+      <a:schemeClr val="accent1"/>
+    </dgm:fillClrLst>
+    <dgm:linClrLst meth="repeat">
+      <a:schemeClr val="accent1"/>
+    </dgm:linClrLst>
+    <dgm:effectClrLst/>
+    <dgm:txLinClrLst/>
+    <dgm:txFillClrLst meth="repeat">
+      <a:schemeClr val="lt1"/>
+    </dgm:txFillClrLst>
+    <dgm:txEffectClrLst/>
+  </dgm:styleLbl>
+  <dgm:styleLbl name="parChTrans2D4">
+    <dgm:fillClrLst meth="repeat">
+      <a:schemeClr val="accent1"/>
+    </dgm:fillClrLst>
+    <dgm:linClrLst meth="repeat">
+      <a:schemeClr val="accent1"/>
+    </dgm:linClrLst>
+    <dgm:effectClrLst/>
+    <dgm:txLinClrLst/>
+    <dgm:txFillClrLst meth="repeat">
+      <a:schemeClr val="lt1"/>
+    </dgm:txFillClrLst>
+    <dgm:txEffectClrLst/>
+  </dgm:styleLbl>
+  <dgm:styleLbl name="parChTrans1D1">
+    <dgm:fillClrLst meth="repeat">
+      <a:schemeClr val="accent1"/>
+    </dgm:fillClrLst>
+    <dgm:linClrLst meth="repeat">
+      <a:schemeClr val="accent1">
+        <a:shade val="60000"/>
+      </a:schemeClr>
+    </dgm:linClrLst>
+    <dgm:effectClrLst/>
+    <dgm:txLinClrLst/>
+    <dgm:txFillClrLst meth="repeat">
+      <a:schemeClr val="tx1"/>
+    </dgm:txFillClrLst>
+    <dgm:txEffectClrLst/>
+  </dgm:styleLbl>
+  <dgm:styleLbl name="parChTrans1D2">
+    <dgm:fillClrLst meth="repeat">
+      <a:schemeClr val="accent1"/>
+    </dgm:fillClrLst>
+    <dgm:linClrLst meth="repeat">
+      <a:schemeClr val="accent1">
+        <a:shade val="60000"/>
+      </a:schemeClr>
+    </dgm:linClrLst>
+    <dgm:effectClrLst/>
+    <dgm:txLinClrLst/>
+    <dgm:txFillClrLst meth="repeat">
+      <a:schemeClr val="tx1"/>
+    </dgm:txFillClrLst>
+    <dgm:txEffectClrLst/>
+  </dgm:styleLbl>
+  <dgm:styleLbl name="parChTrans1D3">
+    <dgm:fillClrLst meth="repeat">
+      <a:schemeClr val="accent1"/>
+    </dgm:fillClrLst>
+    <dgm:linClrLst meth="repeat">
+      <a:schemeClr val="accent1">
+        <a:shade val="80000"/>
+      </a:schemeClr>
+    </dgm:linClrLst>
+    <dgm:effectClrLst/>
+    <dgm:txLinClrLst/>
+    <dgm:txFillClrLst meth="repeat">
+      <a:schemeClr val="tx1"/>
+    </dgm:txFillClrLst>
+    <dgm:txEffectClrLst/>
+  </dgm:styleLbl>
+  <dgm:styleLbl name="parChTrans1D4">
+    <dgm:fillClrLst meth="repeat">
+      <a:schemeClr val="accent1"/>
+    </dgm:fillClrLst>
+    <dgm:linClrLst meth="repeat">
+      <a:schemeClr val="accent1">
+        <a:shade val="80000"/>
+      </a:schemeClr>
+    </dgm:linClrLst>
+    <dgm:effectClrLst/>
+    <dgm:txLinClrLst/>
+    <dgm:txFillClrLst meth="repeat">
+      <a:schemeClr val="tx1"/>
+    </dgm:txFillClrLst>
+    <dgm:txEffectClrLst/>
+  </dgm:styleLbl>
+  <dgm:styleLbl name="fgAcc1">
+    <dgm:fillClrLst meth="repeat">
+      <a:schemeClr val="lt1">
+        <a:alpha val="90000"/>
+      </a:schemeClr>
+    </dgm:fillClrLst>
+    <dgm:linClrLst meth="repeat">
+      <a:schemeClr val="accent1"/>
+    </dgm:linClrLst>
+    <dgm:effectClrLst/>
+    <dgm:txLinClrLst/>
+    <dgm:txFillClrLst meth="repeat">
+      <a:schemeClr val="dk1"/>
+    </dgm:txFillClrLst>
+    <dgm:txEffectClrLst/>
+  </dgm:styleLbl>
+  <dgm:styleLbl name="conFgAcc1">
+    <dgm:fillClrLst meth="repeat">
+      <a:schemeClr val="lt1">
+        <a:alpha val="90000"/>
+      </a:schemeClr>
+    </dgm:fillClrLst>
+    <dgm:linClrLst meth="repeat">
+      <a:schemeClr val="accent1"/>
+    </dgm:linClrLst>
+    <dgm:effectClrLst/>
+    <dgm:txLinClrLst/>
+    <dgm:txFillClrLst meth="repeat">
+      <a:schemeClr val="dk1"/>
+    </dgm:txFillClrLst>
+    <dgm:txEffectClrLst/>
+  </dgm:styleLbl>
+  <dgm:styleLbl name="alignAcc1">
+    <dgm:fillClrLst meth="repeat">
+      <a:schemeClr val="lt1">
+        <a:alpha val="90000"/>
+      </a:schemeClr>
+    </dgm:fillClrLst>
+    <dgm:linClrLst meth="repeat">
+      <a:schemeClr val="accent1"/>
+    </dgm:linClrLst>
+    <dgm:effectClrLst/>
+    <dgm:txLinClrLst/>
+    <dgm:txFillClrLst meth="repeat">
+      <a:schemeClr val="dk1"/>
+    </dgm:txFillClrLst>
+    <dgm:txEffectClrLst/>
+  </dgm:styleLbl>
+  <dgm:styleLbl name="trAlignAcc1">
+    <dgm:fillClrLst meth="repeat">
+      <a:schemeClr val="lt1">
+        <a:alpha val="40000"/>
+      </a:schemeClr>
+    </dgm:fillClrLst>
+    <dgm:linClrLst meth="repeat">
+      <a:schemeClr val="accent1"/>
+    </dgm:linClrLst>
+    <dgm:effectClrLst/>
+    <dgm:txLinClrLst/>
+    <dgm:txFillClrLst meth="repeat">
+      <a:schemeClr val="dk1"/>
+    </dgm:txFillClrLst>
+    <dgm:txEffectClrLst/>
+  </dgm:styleLbl>
+  <dgm:styleLbl name="bgAcc1">
+    <dgm:fillClrLst meth="repeat">
+      <a:schemeClr val="lt1">
+        <a:alpha val="90000"/>
+      </a:schemeClr>
+    </dgm:fillClrLst>
+    <dgm:linClrLst meth="repeat">
+      <a:schemeClr val="accent1"/>
+    </dgm:linClrLst>
+    <dgm:effectClrLst/>
+    <dgm:txLinClrLst/>
+    <dgm:txFillClrLst meth="repeat">
+      <a:schemeClr val="dk1"/>
+    </dgm:txFillClrLst>
+    <dgm:txEffectClrLst/>
+  </dgm:styleLbl>
+  <dgm:styleLbl name="solidFgAcc1">
+    <dgm:fillClrLst meth="repeat">
+      <a:schemeClr val="lt1"/>
+    </dgm:fillClrLst>
+    <dgm:linClrLst meth="repeat">
+      <a:schemeClr val="accent1"/>
+    </dgm:linClrLst>
+    <dgm:effectClrLst/>
+    <dgm:txLinClrLst/>
+    <dgm:txFillClrLst meth="repeat">
+      <a:schemeClr val="dk1"/>
+    </dgm:txFillClrLst>
+    <dgm:txEffectClrLst/>
+  </dgm:styleLbl>
+  <dgm:styleLbl name="solidAlignAcc1">
+    <dgm:fillClrLst meth="repeat">
+      <a:schemeClr val="lt1"/>
+    </dgm:fillClrLst>
+    <dgm:linClrLst meth="repeat">
+      <a:schemeClr val="accent1"/>
+    </dgm:linClrLst>
+    <dgm:effectClrLst/>
+    <dgm:txLinClrLst/>
+    <dgm:txFillClrLst meth="repeat">
+      <a:schemeClr val="dk1"/>
+    </dgm:txFillClrLst>
+    <dgm:txEffectClrLst/>
+  </dgm:styleLbl>
+  <dgm:styleLbl name="solidBgAcc1">
+    <dgm:fillClrLst meth="repeat">
+      <a:schemeClr val="lt1"/>
+    </dgm:fillClrLst>
+    <dgm:linClrLst meth="repeat">
+      <a:schemeClr val="accent1"/>
+    </dgm:linClrLst>
+    <dgm:effectClrLst/>
+    <dgm:txLinClrLst/>
+    <dgm:txFillClrLst meth="repeat">
+      <a:schemeClr val="dk1"/>
+    </dgm:txFillClrLst>
+    <dgm:txEffectClrLst/>
+  </dgm:styleLbl>
+  <dgm:styleLbl name="fgAccFollowNode1">
+    <dgm:fillClrLst meth="repeat">
+      <a:schemeClr val="accent1">
+        <a:alpha val="90000"/>
+        <a:tint val="40000"/>
+      </a:schemeClr>
+    </dgm:fillClrLst>
+    <dgm:linClrLst meth="repeat">
+      <a:schemeClr val="accent1">
+        <a:alpha val="90000"/>
+        <a:tint val="40000"/>
+      </a:schemeClr>
+    </dgm:linClrLst>
+    <dgm:effectClrLst/>
+    <dgm:txLinClrLst/>
+    <dgm:txFillClrLst meth="repeat">
+      <a:schemeClr val="dk1"/>
+    </dgm:txFillClrLst>
+    <dgm:txEffectClrLst/>
+  </dgm:styleLbl>
+  <dgm:styleLbl name="alignAccFollowNode1">
+    <dgm:fillClrLst meth="repeat">
+      <a:schemeClr val="accent1">
+        <a:alpha val="90000"/>
+        <a:tint val="40000"/>
+      </a:schemeClr>
+    </dgm:fillClrLst>
+    <dgm:linClrLst meth="repeat">
+      <a:schemeClr val="accent1">
+        <a:alpha val="90000"/>
+        <a:tint val="40000"/>
+      </a:schemeClr>
+    </dgm:linClrLst>
+    <dgm:effectClrLst/>
+    <dgm:txLinClrLst/>
+    <dgm:txFillClrLst meth="repeat">
+      <a:schemeClr val="dk1"/>
+    </dgm:txFillClrLst>
+    <dgm:txEffectClrLst/>
+  </dgm:styleLbl>
+  <dgm:styleLbl name="bgAccFollowNode1">
+    <dgm:fillClrLst meth="repeat">
+      <a:schemeClr val="accent1">
+        <a:alpha val="90000"/>
+        <a:tint val="40000"/>
+      </a:schemeClr>
+    </dgm:fillClrLst>
+    <dgm:linClrLst meth="repeat">
+      <a:schemeClr val="accent1">
+        <a:alpha val="90000"/>
+        <a:tint val="40000"/>
+      </a:schemeClr>
+    </dgm:linClrLst>
+    <dgm:effectClrLst/>
+    <dgm:txLinClrLst/>
+    <dgm:txFillClrLst meth="repeat">
+      <a:schemeClr val="dk1"/>
+    </dgm:txFillClrLst>
+    <dgm:txEffectClrLst/>
+  </dgm:styleLbl>
+  <dgm:styleLbl name="fgAcc0">
+    <dgm:fillClrLst meth="repeat">
+      <a:schemeClr val="lt1">
+        <a:alpha val="90000"/>
+      </a:schemeClr>
+    </dgm:fillClrLst>
+    <dgm:linClrLst meth="repeat">
+      <a:schemeClr val="accent1"/>
+    </dgm:linClrLst>
+    <dgm:effectClrLst/>
+    <dgm:txLinClrLst/>
+    <dgm:txFillClrLst meth="repeat">
+      <a:schemeClr val="dk1"/>
+    </dgm:txFillClrLst>
+    <dgm:txEffectClrLst/>
+  </dgm:styleLbl>
+  <dgm:styleLbl name="fgAcc2">
+    <dgm:fillClrLst meth="repeat">
+      <a:schemeClr val="lt1">
+        <a:alpha val="90000"/>
+      </a:schemeClr>
+    </dgm:fillClrLst>
+    <dgm:linClrLst meth="repeat">
+      <a:schemeClr val="accent1"/>
+    </dgm:linClrLst>
+    <dgm:effectClrLst/>
+    <dgm:txLinClrLst/>
+    <dgm:txFillClrLst meth="repeat">
+      <a:schemeClr val="dk1"/>
+    </dgm:txFillClrLst>
+    <dgm:txEffectClrLst/>
+  </dgm:styleLbl>
+  <dgm:styleLbl name="fgAcc3">
+    <dgm:fillClrLst meth="repeat">
+      <a:schemeClr val="lt1">
+        <a:alpha val="90000"/>
+      </a:schemeClr>
+    </dgm:fillClrLst>
+    <dgm:linClrLst meth="repeat">
+      <a:schemeClr val="accent1"/>
+    </dgm:linClrLst>
+    <dgm:effectClrLst/>
+    <dgm:txLinClrLst/>
+    <dgm:txFillClrLst meth="repeat">
+      <a:schemeClr val="dk1"/>
+    </dgm:txFillClrLst>
+    <dgm:txEffectClrLst/>
+  </dgm:styleLbl>
+  <dgm:styleLbl name="fgAcc4">
+    <dgm:fillClrLst meth="repeat">
+      <a:schemeClr val="lt1">
+        <a:alpha val="90000"/>
+      </a:schemeClr>
+    </dgm:fillClrLst>
+    <dgm:linClrLst meth="repeat">
+      <a:schemeClr val="accent1"/>
+    </dgm:linClrLst>
+    <dgm:effectClrLst/>
+    <dgm:txLinClrLst/>
+    <dgm:txFillClrLst meth="repeat">
+      <a:schemeClr val="dk1"/>
+    </dgm:txFillClrLst>
+    <dgm:txEffectClrLst/>
+  </dgm:styleLbl>
+  <dgm:styleLbl name="bgShp">
+    <dgm:fillClrLst meth="repeat">
+      <a:schemeClr val="accent1">
+        <a:tint val="40000"/>
+      </a:schemeClr>
+    </dgm:fillClrLst>
+    <dgm:linClrLst meth="repeat">
+      <a:schemeClr val="accent1"/>
+    </dgm:linClrLst>
+    <dgm:effectClrLst/>
+    <dgm:txLinClrLst/>
+    <dgm:txFillClrLst meth="repeat">
+      <a:schemeClr val="dk1"/>
+    </dgm:txFillClrLst>
+    <dgm:txEffectClrLst/>
+  </dgm:styleLbl>
+  <dgm:styleLbl name="dkBgShp">
+    <dgm:fillClrLst meth="repeat">
+      <a:schemeClr val="accent1">
+        <a:shade val="80000"/>
+      </a:schemeClr>
+    </dgm:fillClrLst>
+    <dgm:linClrLst meth="repeat">
+      <a:schemeClr val="accent1"/>
+    </dgm:linClrLst>
+    <dgm:effectClrLst/>
+    <dgm:txLinClrLst/>
+    <dgm:txFillClrLst meth="repeat">
+      <a:schemeClr val="lt1"/>
+    </dgm:txFillClrLst>
+    <dgm:txEffectClrLst/>
+  </dgm:styleLbl>
+  <dgm:styleLbl name="trBgShp">
+    <dgm:fillClrLst meth="repeat">
+      <a:schemeClr val="accent1">
+        <a:tint val="50000"/>
+        <a:alpha val="40000"/>
+      </a:schemeClr>
+    </dgm:fillClrLst>
+    <dgm:linClrLst meth="repeat">
+      <a:schemeClr val="accent1"/>
+    </dgm:linClrLst>
+    <dgm:effectClrLst/>
+    <dgm:txLinClrLst/>
+    <dgm:txFillClrLst meth="repeat">
+      <a:schemeClr val="lt1"/>
+    </dgm:txFillClrLst>
+    <dgm:txEffectClrLst/>
+  </dgm:styleLbl>
+  <dgm:styleLbl name="fgShp">
+    <dgm:fillClrLst meth="repeat">
+      <a:schemeClr val="accent1">
+        <a:tint val="60000"/>
+      </a:schemeClr>
+    </dgm:fillClrLst>
+    <dgm:linClrLst meth="repeat">
+      <a:schemeClr val="lt1"/>
+    </dgm:linClrLst>
+    <dgm:effectClrLst/>
+    <dgm:txLinClrLst/>
+    <dgm:txFillClrLst meth="repeat">
+      <a:schemeClr val="dk1"/>
+    </dgm:txFillClrLst>
+    <dgm:txEffectClrLst/>
+  </dgm:styleLbl>
+  <dgm:styleLbl name="revTx">
+    <dgm:fillClrLst meth="repeat">
+      <a:schemeClr val="lt1">
+        <a:alpha val="0"/>
+      </a:schemeClr>
+    </dgm:fillClrLst>
+    <dgm:linClrLst meth="repeat">
+      <a:schemeClr val="dk1">
+        <a:alpha val="0"/>
+      </a:schemeClr>
+    </dgm:linClrLst>
+    <dgm:effectClrLst/>
+    <dgm:txLinClrLst/>
+    <dgm:txFillClrLst meth="repeat">
+      <a:schemeClr val="tx1"/>
+    </dgm:txFillClrLst>
+    <dgm:txEffectClrLst/>
+  </dgm:styleLbl>
+</dgm:colorsDef>
+</file>
+
+<file path=ppt/diagrams/data1.xml><?xml version="1.0" encoding="utf-8"?>
+<dgm:dataModel xmlns:dgm="http://schemas.openxmlformats.org/drawingml/2006/diagram" xmlns:a="http://schemas.openxmlformats.org/drawingml/2006/main">
+  <dgm:ptLst>
+    <dgm:pt modelId="{FCED97A9-47D0-4FA7-A7DC-2AAB8F2FC3CC}" type="doc">
+      <dgm:prSet loTypeId="urn:microsoft.com/office/officeart/2005/8/layout/list1" loCatId="list" qsTypeId="urn:microsoft.com/office/officeart/2005/8/quickstyle/simple3" qsCatId="simple" csTypeId="urn:microsoft.com/office/officeart/2005/8/colors/accent1_2" csCatId="accent1" phldr="1"/>
+      <dgm:spPr/>
+      <dgm:t>
+        <a:bodyPr/>
+        <a:lstStyle/>
+        <a:p>
+          <a:endParaRPr lang="en-US"/>
+        </a:p>
+      </dgm:t>
+    </dgm:pt>
+    <dgm:pt modelId="{61D52C20-6795-4473-8116-E977F4E158A2}">
+      <dgm:prSet phldrT="[Text]"/>
+      <dgm:spPr/>
+      <dgm:t>
+        <a:bodyPr/>
+        <a:lstStyle/>
+        <a:p>
+          <a:pPr algn="ctr"/>
+          <a:r>
+            <a:rPr lang="en-US" dirty="0"/>
+            <a:t>Tokenization</a:t>
+          </a:r>
+        </a:p>
+      </dgm:t>
+    </dgm:pt>
+    <dgm:pt modelId="{F9C1F8D6-7777-476B-A1D2-717061CC5855}" type="parTrans" cxnId="{DAA26AE1-97FA-4087-86E0-2B99E881BD7B}">
+      <dgm:prSet/>
+      <dgm:spPr/>
+      <dgm:t>
+        <a:bodyPr/>
+        <a:lstStyle/>
+        <a:p>
+          <a:endParaRPr lang="en-US"/>
+        </a:p>
+      </dgm:t>
+    </dgm:pt>
+    <dgm:pt modelId="{A2E04D9B-4C9B-41B4-83A4-EAEA285FBC98}" type="sibTrans" cxnId="{DAA26AE1-97FA-4087-86E0-2B99E881BD7B}">
+      <dgm:prSet/>
+      <dgm:spPr/>
+      <dgm:t>
+        <a:bodyPr/>
+        <a:lstStyle/>
+        <a:p>
+          <a:endParaRPr lang="en-US"/>
+        </a:p>
+      </dgm:t>
+    </dgm:pt>
+    <dgm:pt modelId="{64A9B5FF-E2E2-4D7B-8D9E-7F5990756945}">
+      <dgm:prSet phldrT="[Text]"/>
+      <dgm:spPr/>
+      <dgm:t>
+        <a:bodyPr/>
+        <a:lstStyle/>
+        <a:p>
+          <a:pPr algn="ctr"/>
+          <a:r>
+            <a:rPr lang="en-US" dirty="0"/>
+            <a:t>Parsing</a:t>
+          </a:r>
+        </a:p>
+      </dgm:t>
+    </dgm:pt>
+    <dgm:pt modelId="{E0086FAD-3A73-410D-8353-010A99206E8A}" type="parTrans" cxnId="{404ACD0A-D9F5-40C3-B621-0B7986A9FE07}">
+      <dgm:prSet/>
+      <dgm:spPr/>
+      <dgm:t>
+        <a:bodyPr/>
+        <a:lstStyle/>
+        <a:p>
+          <a:endParaRPr lang="en-US"/>
+        </a:p>
+      </dgm:t>
+    </dgm:pt>
+    <dgm:pt modelId="{8A25692C-204C-48AE-B9D3-6A4F9D460A8B}" type="sibTrans" cxnId="{404ACD0A-D9F5-40C3-B621-0B7986A9FE07}">
+      <dgm:prSet/>
+      <dgm:spPr/>
+      <dgm:t>
+        <a:bodyPr/>
+        <a:lstStyle/>
+        <a:p>
+          <a:endParaRPr lang="en-US"/>
+        </a:p>
+      </dgm:t>
+    </dgm:pt>
+    <dgm:pt modelId="{894CC748-CC74-4DBD-9C8C-98F575C7F9E0}">
+      <dgm:prSet phldrT="[Text]"/>
+      <dgm:spPr/>
+      <dgm:t>
+        <a:bodyPr/>
+        <a:lstStyle/>
+        <a:p>
+          <a:pPr algn="ctr"/>
+          <a:r>
+            <a:rPr lang="en-US" dirty="0"/>
+            <a:t>Derivative Formulation</a:t>
+          </a:r>
+        </a:p>
+      </dgm:t>
+    </dgm:pt>
+    <dgm:pt modelId="{5A4B2E26-C61E-41F0-B336-2D6230E0FF60}" type="parTrans" cxnId="{5927474B-E43C-481F-A418-C5CAED5694D7}">
+      <dgm:prSet/>
+      <dgm:spPr/>
+      <dgm:t>
+        <a:bodyPr/>
+        <a:lstStyle/>
+        <a:p>
+          <a:endParaRPr lang="en-US"/>
+        </a:p>
+      </dgm:t>
+    </dgm:pt>
+    <dgm:pt modelId="{BA1DE16F-FCB7-423A-9680-0B41F62BFE9F}" type="sibTrans" cxnId="{5927474B-E43C-481F-A418-C5CAED5694D7}">
+      <dgm:prSet/>
+      <dgm:spPr/>
+      <dgm:t>
+        <a:bodyPr/>
+        <a:lstStyle/>
+        <a:p>
+          <a:endParaRPr lang="en-US"/>
+        </a:p>
+      </dgm:t>
+    </dgm:pt>
+    <dgm:pt modelId="{6BD2908D-43E3-4C81-8762-1C4BEB66B099}">
+      <dgm:prSet phldrT="[Text]"/>
+      <dgm:spPr/>
+      <dgm:t>
+        <a:bodyPr/>
+        <a:lstStyle/>
+        <a:p>
+          <a:pPr algn="ctr"/>
+          <a:r>
+            <a:rPr lang="en-US" dirty="0"/>
+            <a:t>Calculation</a:t>
+          </a:r>
+        </a:p>
+      </dgm:t>
+    </dgm:pt>
+    <dgm:pt modelId="{1F6A1F0D-6448-4B03-8506-131AB7D9EDBB}" type="parTrans" cxnId="{F678B37F-9B4B-46EC-8F62-043FDBF9C397}">
+      <dgm:prSet/>
+      <dgm:spPr/>
+      <dgm:t>
+        <a:bodyPr/>
+        <a:lstStyle/>
+        <a:p>
+          <a:endParaRPr lang="en-US"/>
+        </a:p>
+      </dgm:t>
+    </dgm:pt>
+    <dgm:pt modelId="{2A5C9C92-ABED-49D3-8148-AA04C15A2197}" type="sibTrans" cxnId="{F678B37F-9B4B-46EC-8F62-043FDBF9C397}">
+      <dgm:prSet/>
+      <dgm:spPr/>
+      <dgm:t>
+        <a:bodyPr/>
+        <a:lstStyle/>
+        <a:p>
+          <a:endParaRPr lang="en-US"/>
+        </a:p>
+      </dgm:t>
+    </dgm:pt>
+    <dgm:pt modelId="{C3E506E0-FC3E-4BDC-BD7A-6DD83FFBA7CE}">
+      <dgm:prSet phldrT="[Text]"/>
+      <dgm:spPr/>
+      <dgm:t>
+        <a:bodyPr/>
+        <a:lstStyle/>
+        <a:p>
+          <a:pPr algn="ctr"/>
+          <a:r>
+            <a:rPr lang="en-US" dirty="0"/>
+            <a:t>Shows Result</a:t>
+          </a:r>
+        </a:p>
+      </dgm:t>
+    </dgm:pt>
+    <dgm:pt modelId="{9AEAAF6D-6035-44D0-A101-7CE446FB3F90}" type="parTrans" cxnId="{E4B3A9B5-CA88-4C18-B3EA-697B92F2323C}">
+      <dgm:prSet/>
+      <dgm:spPr/>
+      <dgm:t>
+        <a:bodyPr/>
+        <a:lstStyle/>
+        <a:p>
+          <a:endParaRPr lang="en-US"/>
+        </a:p>
+      </dgm:t>
+    </dgm:pt>
+    <dgm:pt modelId="{EBB7BB87-AF79-4808-9A74-BD97ACF8CB90}" type="sibTrans" cxnId="{E4B3A9B5-CA88-4C18-B3EA-697B92F2323C}">
+      <dgm:prSet/>
+      <dgm:spPr/>
+      <dgm:t>
+        <a:bodyPr/>
+        <a:lstStyle/>
+        <a:p>
+          <a:endParaRPr lang="en-US"/>
+        </a:p>
+      </dgm:t>
+    </dgm:pt>
+    <dgm:pt modelId="{F9FDB921-81C0-47DC-B4C3-4E82EA389BBD}" type="pres">
+      <dgm:prSet presAssocID="{FCED97A9-47D0-4FA7-A7DC-2AAB8F2FC3CC}" presName="linear" presStyleCnt="0">
+        <dgm:presLayoutVars>
+          <dgm:dir/>
+          <dgm:animLvl val="lvl"/>
+          <dgm:resizeHandles val="exact"/>
+        </dgm:presLayoutVars>
+      </dgm:prSet>
+      <dgm:spPr/>
+    </dgm:pt>
+    <dgm:pt modelId="{059BE0AB-E500-42D4-8B9D-CD7568942BD0}" type="pres">
+      <dgm:prSet presAssocID="{61D52C20-6795-4473-8116-E977F4E158A2}" presName="parentLin" presStyleCnt="0"/>
+      <dgm:spPr/>
+    </dgm:pt>
+    <dgm:pt modelId="{761D3C62-5049-4567-8C2B-A631FBCC87CB}" type="pres">
+      <dgm:prSet presAssocID="{61D52C20-6795-4473-8116-E977F4E158A2}" presName="parentLeftMargin" presStyleLbl="node1" presStyleIdx="0" presStyleCnt="5"/>
+      <dgm:spPr/>
+    </dgm:pt>
+    <dgm:pt modelId="{C5DADD5F-80C2-4220-B302-37EC8969B57A}" type="pres">
+      <dgm:prSet presAssocID="{61D52C20-6795-4473-8116-E977F4E158A2}" presName="parentText" presStyleLbl="node1" presStyleIdx="0" presStyleCnt="5">
+        <dgm:presLayoutVars>
+          <dgm:chMax val="0"/>
+          <dgm:bulletEnabled val="1"/>
+        </dgm:presLayoutVars>
+      </dgm:prSet>
+      <dgm:spPr/>
+    </dgm:pt>
+    <dgm:pt modelId="{1BCE36E4-C3D0-4366-B99E-C1D5AD83FF1F}" type="pres">
+      <dgm:prSet presAssocID="{61D52C20-6795-4473-8116-E977F4E158A2}" presName="negativeSpace" presStyleCnt="0"/>
+      <dgm:spPr/>
+    </dgm:pt>
+    <dgm:pt modelId="{CD9AB4DA-2BB0-4AE5-8F84-A47027CD9CAD}" type="pres">
+      <dgm:prSet presAssocID="{61D52C20-6795-4473-8116-E977F4E158A2}" presName="childText" presStyleLbl="conFgAcc1" presStyleIdx="0" presStyleCnt="5">
+        <dgm:presLayoutVars>
+          <dgm:bulletEnabled val="1"/>
+        </dgm:presLayoutVars>
+      </dgm:prSet>
+      <dgm:spPr/>
+    </dgm:pt>
+    <dgm:pt modelId="{4F27B7FF-B1FC-4371-8687-517C9251F8B7}" type="pres">
+      <dgm:prSet presAssocID="{A2E04D9B-4C9B-41B4-83A4-EAEA285FBC98}" presName="spaceBetweenRectangles" presStyleCnt="0"/>
+      <dgm:spPr/>
+    </dgm:pt>
+    <dgm:pt modelId="{FB347732-0F6E-49B7-92E2-DEE7A0374737}" type="pres">
+      <dgm:prSet presAssocID="{64A9B5FF-E2E2-4D7B-8D9E-7F5990756945}" presName="parentLin" presStyleCnt="0"/>
+      <dgm:spPr/>
+    </dgm:pt>
+    <dgm:pt modelId="{C5A78396-D4C5-4886-80D1-32EAF273D5C1}" type="pres">
+      <dgm:prSet presAssocID="{64A9B5FF-E2E2-4D7B-8D9E-7F5990756945}" presName="parentLeftMargin" presStyleLbl="node1" presStyleIdx="0" presStyleCnt="5"/>
+      <dgm:spPr/>
+    </dgm:pt>
+    <dgm:pt modelId="{B47D5C7E-3FF6-4A1F-A988-C4CF538C5920}" type="pres">
+      <dgm:prSet presAssocID="{64A9B5FF-E2E2-4D7B-8D9E-7F5990756945}" presName="parentText" presStyleLbl="node1" presStyleIdx="1" presStyleCnt="5" custLinFactNeighborY="17911">
+        <dgm:presLayoutVars>
+          <dgm:chMax val="0"/>
+          <dgm:bulletEnabled val="1"/>
+        </dgm:presLayoutVars>
+      </dgm:prSet>
+      <dgm:spPr/>
+    </dgm:pt>
+    <dgm:pt modelId="{27DBEF47-0143-4BBE-A1AB-F8AC08B29C11}" type="pres">
+      <dgm:prSet presAssocID="{64A9B5FF-E2E2-4D7B-8D9E-7F5990756945}" presName="negativeSpace" presStyleCnt="0"/>
+      <dgm:spPr/>
+    </dgm:pt>
+    <dgm:pt modelId="{1560DFD2-8280-417B-953D-FB2E27321363}" type="pres">
+      <dgm:prSet presAssocID="{64A9B5FF-E2E2-4D7B-8D9E-7F5990756945}" presName="childText" presStyleLbl="conFgAcc1" presStyleIdx="1" presStyleCnt="5">
+        <dgm:presLayoutVars>
+          <dgm:bulletEnabled val="1"/>
+        </dgm:presLayoutVars>
+      </dgm:prSet>
+      <dgm:spPr/>
+    </dgm:pt>
+    <dgm:pt modelId="{2922BB80-142E-4EDC-8998-DEDB10E6A6D5}" type="pres">
+      <dgm:prSet presAssocID="{8A25692C-204C-48AE-B9D3-6A4F9D460A8B}" presName="spaceBetweenRectangles" presStyleCnt="0"/>
+      <dgm:spPr/>
+    </dgm:pt>
+    <dgm:pt modelId="{CDB33438-94CB-454F-88C1-186F22BF5157}" type="pres">
+      <dgm:prSet presAssocID="{894CC748-CC74-4DBD-9C8C-98F575C7F9E0}" presName="parentLin" presStyleCnt="0"/>
+      <dgm:spPr/>
+    </dgm:pt>
+    <dgm:pt modelId="{41AD538A-2529-4CC2-85BB-0D1B862635A0}" type="pres">
+      <dgm:prSet presAssocID="{894CC748-CC74-4DBD-9C8C-98F575C7F9E0}" presName="parentLeftMargin" presStyleLbl="node1" presStyleIdx="1" presStyleCnt="5"/>
+      <dgm:spPr/>
+    </dgm:pt>
+    <dgm:pt modelId="{7C24C53F-1CE6-4289-955A-7FC2396F7CE0}" type="pres">
+      <dgm:prSet presAssocID="{894CC748-CC74-4DBD-9C8C-98F575C7F9E0}" presName="parentText" presStyleLbl="node1" presStyleIdx="2" presStyleCnt="5">
+        <dgm:presLayoutVars>
+          <dgm:chMax val="0"/>
+          <dgm:bulletEnabled val="1"/>
+        </dgm:presLayoutVars>
+      </dgm:prSet>
+      <dgm:spPr/>
+    </dgm:pt>
+    <dgm:pt modelId="{7A014666-BFDB-4A02-9554-35DCB04061B2}" type="pres">
+      <dgm:prSet presAssocID="{894CC748-CC74-4DBD-9C8C-98F575C7F9E0}" presName="negativeSpace" presStyleCnt="0"/>
+      <dgm:spPr/>
+    </dgm:pt>
+    <dgm:pt modelId="{014055BA-7326-4FA5-AFDE-2A63D97B5821}" type="pres">
+      <dgm:prSet presAssocID="{894CC748-CC74-4DBD-9C8C-98F575C7F9E0}" presName="childText" presStyleLbl="conFgAcc1" presStyleIdx="2" presStyleCnt="5">
+        <dgm:presLayoutVars>
+          <dgm:bulletEnabled val="1"/>
+        </dgm:presLayoutVars>
+      </dgm:prSet>
+      <dgm:spPr/>
+    </dgm:pt>
+    <dgm:pt modelId="{3D69ABA8-5752-456F-BD07-F61B62167375}" type="pres">
+      <dgm:prSet presAssocID="{BA1DE16F-FCB7-423A-9680-0B41F62BFE9F}" presName="spaceBetweenRectangles" presStyleCnt="0"/>
+      <dgm:spPr/>
+    </dgm:pt>
+    <dgm:pt modelId="{CCBF7FBB-843F-4B79-B41A-73D0A2C3F8E4}" type="pres">
+      <dgm:prSet presAssocID="{6BD2908D-43E3-4C81-8762-1C4BEB66B099}" presName="parentLin" presStyleCnt="0"/>
+      <dgm:spPr/>
+    </dgm:pt>
+    <dgm:pt modelId="{15C0117B-390F-43B5-B06D-3DCFE980D6C3}" type="pres">
+      <dgm:prSet presAssocID="{6BD2908D-43E3-4C81-8762-1C4BEB66B099}" presName="parentLeftMargin" presStyleLbl="node1" presStyleIdx="2" presStyleCnt="5"/>
+      <dgm:spPr/>
+    </dgm:pt>
+    <dgm:pt modelId="{6FB05F04-5152-4272-BFA8-784D411A4D0A}" type="pres">
+      <dgm:prSet presAssocID="{6BD2908D-43E3-4C81-8762-1C4BEB66B099}" presName="parentText" presStyleLbl="node1" presStyleIdx="3" presStyleCnt="5">
+        <dgm:presLayoutVars>
+          <dgm:chMax val="0"/>
+          <dgm:bulletEnabled val="1"/>
+        </dgm:presLayoutVars>
+      </dgm:prSet>
+      <dgm:spPr/>
+    </dgm:pt>
+    <dgm:pt modelId="{15742E9B-B616-4621-99CE-03812BAD03C9}" type="pres">
+      <dgm:prSet presAssocID="{6BD2908D-43E3-4C81-8762-1C4BEB66B099}" presName="negativeSpace" presStyleCnt="0"/>
+      <dgm:spPr/>
+    </dgm:pt>
+    <dgm:pt modelId="{4D2ED061-F7B0-4827-9C8C-67D0162FCF16}" type="pres">
+      <dgm:prSet presAssocID="{6BD2908D-43E3-4C81-8762-1C4BEB66B099}" presName="childText" presStyleLbl="conFgAcc1" presStyleIdx="3" presStyleCnt="5">
+        <dgm:presLayoutVars>
+          <dgm:bulletEnabled val="1"/>
+        </dgm:presLayoutVars>
+      </dgm:prSet>
+      <dgm:spPr/>
+    </dgm:pt>
+    <dgm:pt modelId="{5AFFE4FC-F81C-4870-AF9C-401ADA59BF1C}" type="pres">
+      <dgm:prSet presAssocID="{2A5C9C92-ABED-49D3-8148-AA04C15A2197}" presName="spaceBetweenRectangles" presStyleCnt="0"/>
+      <dgm:spPr/>
+    </dgm:pt>
+    <dgm:pt modelId="{D9A91742-50DE-41D3-9D07-C64C37F2EE37}" type="pres">
+      <dgm:prSet presAssocID="{C3E506E0-FC3E-4BDC-BD7A-6DD83FFBA7CE}" presName="parentLin" presStyleCnt="0"/>
+      <dgm:spPr/>
+    </dgm:pt>
+    <dgm:pt modelId="{65B2CB6B-DED7-4F47-8BD3-D50CA3164B44}" type="pres">
+      <dgm:prSet presAssocID="{C3E506E0-FC3E-4BDC-BD7A-6DD83FFBA7CE}" presName="parentLeftMargin" presStyleLbl="node1" presStyleIdx="3" presStyleCnt="5"/>
+      <dgm:spPr/>
+    </dgm:pt>
+    <dgm:pt modelId="{8A449145-D021-456F-BAB4-923EC2FFF668}" type="pres">
+      <dgm:prSet presAssocID="{C3E506E0-FC3E-4BDC-BD7A-6DD83FFBA7CE}" presName="parentText" presStyleLbl="node1" presStyleIdx="4" presStyleCnt="5">
+        <dgm:presLayoutVars>
+          <dgm:chMax val="0"/>
+          <dgm:bulletEnabled val="1"/>
+        </dgm:presLayoutVars>
+      </dgm:prSet>
+      <dgm:spPr/>
+    </dgm:pt>
+    <dgm:pt modelId="{73E79D96-3440-43EA-826D-E725DE5D67D4}" type="pres">
+      <dgm:prSet presAssocID="{C3E506E0-FC3E-4BDC-BD7A-6DD83FFBA7CE}" presName="negativeSpace" presStyleCnt="0"/>
+      <dgm:spPr/>
+    </dgm:pt>
+    <dgm:pt modelId="{673D1288-B167-4B4C-AA31-2C0B7024CF0A}" type="pres">
+      <dgm:prSet presAssocID="{C3E506E0-FC3E-4BDC-BD7A-6DD83FFBA7CE}" presName="childText" presStyleLbl="conFgAcc1" presStyleIdx="4" presStyleCnt="5">
+        <dgm:presLayoutVars>
+          <dgm:bulletEnabled val="1"/>
+        </dgm:presLayoutVars>
+      </dgm:prSet>
+      <dgm:spPr/>
+    </dgm:pt>
+  </dgm:ptLst>
+  <dgm:cxnLst>
+    <dgm:cxn modelId="{BC385B00-9A85-45EB-BD32-2BD866AA62A8}" type="presOf" srcId="{6BD2908D-43E3-4C81-8762-1C4BEB66B099}" destId="{6FB05F04-5152-4272-BFA8-784D411A4D0A}" srcOrd="1" destOrd="0" presId="urn:microsoft.com/office/officeart/2005/8/layout/list1"/>
+    <dgm:cxn modelId="{404ACD0A-D9F5-40C3-B621-0B7986A9FE07}" srcId="{FCED97A9-47D0-4FA7-A7DC-2AAB8F2FC3CC}" destId="{64A9B5FF-E2E2-4D7B-8D9E-7F5990756945}" srcOrd="1" destOrd="0" parTransId="{E0086FAD-3A73-410D-8353-010A99206E8A}" sibTransId="{8A25692C-204C-48AE-B9D3-6A4F9D460A8B}"/>
+    <dgm:cxn modelId="{573B9C12-2E6D-4A46-89EF-E35946E7DDDF}" type="presOf" srcId="{61D52C20-6795-4473-8116-E977F4E158A2}" destId="{761D3C62-5049-4567-8C2B-A631FBCC87CB}" srcOrd="0" destOrd="0" presId="urn:microsoft.com/office/officeart/2005/8/layout/list1"/>
+    <dgm:cxn modelId="{3D499727-3866-4709-9FB6-E1889E6C9F54}" type="presOf" srcId="{64A9B5FF-E2E2-4D7B-8D9E-7F5990756945}" destId="{C5A78396-D4C5-4886-80D1-32EAF273D5C1}" srcOrd="0" destOrd="0" presId="urn:microsoft.com/office/officeart/2005/8/layout/list1"/>
+    <dgm:cxn modelId="{8E9CA747-49A2-43B0-9649-DD580A58BA13}" type="presOf" srcId="{61D52C20-6795-4473-8116-E977F4E158A2}" destId="{C5DADD5F-80C2-4220-B302-37EC8969B57A}" srcOrd="1" destOrd="0" presId="urn:microsoft.com/office/officeart/2005/8/layout/list1"/>
+    <dgm:cxn modelId="{83411369-D445-48DC-B677-E393F2D361BC}" type="presOf" srcId="{C3E506E0-FC3E-4BDC-BD7A-6DD83FFBA7CE}" destId="{65B2CB6B-DED7-4F47-8BD3-D50CA3164B44}" srcOrd="0" destOrd="0" presId="urn:microsoft.com/office/officeart/2005/8/layout/list1"/>
+    <dgm:cxn modelId="{5927474B-E43C-481F-A418-C5CAED5694D7}" srcId="{FCED97A9-47D0-4FA7-A7DC-2AAB8F2FC3CC}" destId="{894CC748-CC74-4DBD-9C8C-98F575C7F9E0}" srcOrd="2" destOrd="0" parTransId="{5A4B2E26-C61E-41F0-B336-2D6230E0FF60}" sibTransId="{BA1DE16F-FCB7-423A-9680-0B41F62BFE9F}"/>
+    <dgm:cxn modelId="{F678B37F-9B4B-46EC-8F62-043FDBF9C397}" srcId="{FCED97A9-47D0-4FA7-A7DC-2AAB8F2FC3CC}" destId="{6BD2908D-43E3-4C81-8762-1C4BEB66B099}" srcOrd="3" destOrd="0" parTransId="{1F6A1F0D-6448-4B03-8506-131AB7D9EDBB}" sibTransId="{2A5C9C92-ABED-49D3-8148-AA04C15A2197}"/>
+    <dgm:cxn modelId="{0D173EA2-0C25-4AFD-8DE0-3F09DBC872F9}" type="presOf" srcId="{6BD2908D-43E3-4C81-8762-1C4BEB66B099}" destId="{15C0117B-390F-43B5-B06D-3DCFE980D6C3}" srcOrd="0" destOrd="0" presId="urn:microsoft.com/office/officeart/2005/8/layout/list1"/>
+    <dgm:cxn modelId="{E98C29A4-55EA-44C9-8619-8AADFCADB889}" type="presOf" srcId="{894CC748-CC74-4DBD-9C8C-98F575C7F9E0}" destId="{41AD538A-2529-4CC2-85BB-0D1B862635A0}" srcOrd="0" destOrd="0" presId="urn:microsoft.com/office/officeart/2005/8/layout/list1"/>
+    <dgm:cxn modelId="{861170AB-DF79-4081-8ABD-30389FAF8B8D}" type="presOf" srcId="{C3E506E0-FC3E-4BDC-BD7A-6DD83FFBA7CE}" destId="{8A449145-D021-456F-BAB4-923EC2FFF668}" srcOrd="1" destOrd="0" presId="urn:microsoft.com/office/officeart/2005/8/layout/list1"/>
+    <dgm:cxn modelId="{E4B3A9B5-CA88-4C18-B3EA-697B92F2323C}" srcId="{FCED97A9-47D0-4FA7-A7DC-2AAB8F2FC3CC}" destId="{C3E506E0-FC3E-4BDC-BD7A-6DD83FFBA7CE}" srcOrd="4" destOrd="0" parTransId="{9AEAAF6D-6035-44D0-A101-7CE446FB3F90}" sibTransId="{EBB7BB87-AF79-4808-9A74-BD97ACF8CB90}"/>
+    <dgm:cxn modelId="{35BADBDB-B2EE-4FE8-8AF1-6FE7356502E8}" type="presOf" srcId="{894CC748-CC74-4DBD-9C8C-98F575C7F9E0}" destId="{7C24C53F-1CE6-4289-955A-7FC2396F7CE0}" srcOrd="1" destOrd="0" presId="urn:microsoft.com/office/officeart/2005/8/layout/list1"/>
+    <dgm:cxn modelId="{CD0331DE-21C0-47D8-B18D-B81DAA3F3566}" type="presOf" srcId="{64A9B5FF-E2E2-4D7B-8D9E-7F5990756945}" destId="{B47D5C7E-3FF6-4A1F-A988-C4CF538C5920}" srcOrd="1" destOrd="0" presId="urn:microsoft.com/office/officeart/2005/8/layout/list1"/>
+    <dgm:cxn modelId="{DAA26AE1-97FA-4087-86E0-2B99E881BD7B}" srcId="{FCED97A9-47D0-4FA7-A7DC-2AAB8F2FC3CC}" destId="{61D52C20-6795-4473-8116-E977F4E158A2}" srcOrd="0" destOrd="0" parTransId="{F9C1F8D6-7777-476B-A1D2-717061CC5855}" sibTransId="{A2E04D9B-4C9B-41B4-83A4-EAEA285FBC98}"/>
+    <dgm:cxn modelId="{23F0DEF3-B4E9-477D-AA79-96971D25DCE9}" type="presOf" srcId="{FCED97A9-47D0-4FA7-A7DC-2AAB8F2FC3CC}" destId="{F9FDB921-81C0-47DC-B4C3-4E82EA389BBD}" srcOrd="0" destOrd="0" presId="urn:microsoft.com/office/officeart/2005/8/layout/list1"/>
+    <dgm:cxn modelId="{CAD2B371-CC6B-4A61-AE9D-66ECA622A7F1}" type="presParOf" srcId="{F9FDB921-81C0-47DC-B4C3-4E82EA389BBD}" destId="{059BE0AB-E500-42D4-8B9D-CD7568942BD0}" srcOrd="0" destOrd="0" presId="urn:microsoft.com/office/officeart/2005/8/layout/list1"/>
+    <dgm:cxn modelId="{349484F5-2C43-4852-B751-EA95FB2A573C}" type="presParOf" srcId="{059BE0AB-E500-42D4-8B9D-CD7568942BD0}" destId="{761D3C62-5049-4567-8C2B-A631FBCC87CB}" srcOrd="0" destOrd="0" presId="urn:microsoft.com/office/officeart/2005/8/layout/list1"/>
+    <dgm:cxn modelId="{F467E1E5-948E-4436-8D30-D81601911D01}" type="presParOf" srcId="{059BE0AB-E500-42D4-8B9D-CD7568942BD0}" destId="{C5DADD5F-80C2-4220-B302-37EC8969B57A}" srcOrd="1" destOrd="0" presId="urn:microsoft.com/office/officeart/2005/8/layout/list1"/>
+    <dgm:cxn modelId="{82093D42-1983-4D05-8E78-24535D5202E1}" type="presParOf" srcId="{F9FDB921-81C0-47DC-B4C3-4E82EA389BBD}" destId="{1BCE36E4-C3D0-4366-B99E-C1D5AD83FF1F}" srcOrd="1" destOrd="0" presId="urn:microsoft.com/office/officeart/2005/8/layout/list1"/>
+    <dgm:cxn modelId="{102867F5-C0AC-4AD6-A1B8-EA738353B22B}" type="presParOf" srcId="{F9FDB921-81C0-47DC-B4C3-4E82EA389BBD}" destId="{CD9AB4DA-2BB0-4AE5-8F84-A47027CD9CAD}" srcOrd="2" destOrd="0" presId="urn:microsoft.com/office/officeart/2005/8/layout/list1"/>
+    <dgm:cxn modelId="{3C337E1C-336B-4E35-B8D7-52CEBD039755}" type="presParOf" srcId="{F9FDB921-81C0-47DC-B4C3-4E82EA389BBD}" destId="{4F27B7FF-B1FC-4371-8687-517C9251F8B7}" srcOrd="3" destOrd="0" presId="urn:microsoft.com/office/officeart/2005/8/layout/list1"/>
+    <dgm:cxn modelId="{D0DAA918-278C-4CBD-A0D2-AD26C7AEE525}" type="presParOf" srcId="{F9FDB921-81C0-47DC-B4C3-4E82EA389BBD}" destId="{FB347732-0F6E-49B7-92E2-DEE7A0374737}" srcOrd="4" destOrd="0" presId="urn:microsoft.com/office/officeart/2005/8/layout/list1"/>
+    <dgm:cxn modelId="{C53C7233-0660-45AB-8E7E-1BCCDF485EF5}" type="presParOf" srcId="{FB347732-0F6E-49B7-92E2-DEE7A0374737}" destId="{C5A78396-D4C5-4886-80D1-32EAF273D5C1}" srcOrd="0" destOrd="0" presId="urn:microsoft.com/office/officeart/2005/8/layout/list1"/>
+    <dgm:cxn modelId="{F4CBC808-3175-4664-A638-AFB6843FAD38}" type="presParOf" srcId="{FB347732-0F6E-49B7-92E2-DEE7A0374737}" destId="{B47D5C7E-3FF6-4A1F-A988-C4CF538C5920}" srcOrd="1" destOrd="0" presId="urn:microsoft.com/office/officeart/2005/8/layout/list1"/>
+    <dgm:cxn modelId="{53FF6FA3-B11A-4FC1-8CB0-274CBE97D483}" type="presParOf" srcId="{F9FDB921-81C0-47DC-B4C3-4E82EA389BBD}" destId="{27DBEF47-0143-4BBE-A1AB-F8AC08B29C11}" srcOrd="5" destOrd="0" presId="urn:microsoft.com/office/officeart/2005/8/layout/list1"/>
+    <dgm:cxn modelId="{05827E97-4FB7-4B66-AF66-A60935EBE741}" type="presParOf" srcId="{F9FDB921-81C0-47DC-B4C3-4E82EA389BBD}" destId="{1560DFD2-8280-417B-953D-FB2E27321363}" srcOrd="6" destOrd="0" presId="urn:microsoft.com/office/officeart/2005/8/layout/list1"/>
+    <dgm:cxn modelId="{B21A0435-FF47-4E7F-93D8-965E049C93F1}" type="presParOf" srcId="{F9FDB921-81C0-47DC-B4C3-4E82EA389BBD}" destId="{2922BB80-142E-4EDC-8998-DEDB10E6A6D5}" srcOrd="7" destOrd="0" presId="urn:microsoft.com/office/officeart/2005/8/layout/list1"/>
+    <dgm:cxn modelId="{D170E95D-5A00-40D0-B7C4-43FC5183ADEA}" type="presParOf" srcId="{F9FDB921-81C0-47DC-B4C3-4E82EA389BBD}" destId="{CDB33438-94CB-454F-88C1-186F22BF5157}" srcOrd="8" destOrd="0" presId="urn:microsoft.com/office/officeart/2005/8/layout/list1"/>
+    <dgm:cxn modelId="{F40FC8C6-F2CB-453B-9503-77983BA0415C}" type="presParOf" srcId="{CDB33438-94CB-454F-88C1-186F22BF5157}" destId="{41AD538A-2529-4CC2-85BB-0D1B862635A0}" srcOrd="0" destOrd="0" presId="urn:microsoft.com/office/officeart/2005/8/layout/list1"/>
+    <dgm:cxn modelId="{DC7D6165-E3D6-4735-9728-7C129D02CA7E}" type="presParOf" srcId="{CDB33438-94CB-454F-88C1-186F22BF5157}" destId="{7C24C53F-1CE6-4289-955A-7FC2396F7CE0}" srcOrd="1" destOrd="0" presId="urn:microsoft.com/office/officeart/2005/8/layout/list1"/>
+    <dgm:cxn modelId="{344D00A8-0D8D-4EE7-B1C5-5E063995C498}" type="presParOf" srcId="{F9FDB921-81C0-47DC-B4C3-4E82EA389BBD}" destId="{7A014666-BFDB-4A02-9554-35DCB04061B2}" srcOrd="9" destOrd="0" presId="urn:microsoft.com/office/officeart/2005/8/layout/list1"/>
+    <dgm:cxn modelId="{8942878A-89D1-43FC-ACFC-E69FD28BB299}" type="presParOf" srcId="{F9FDB921-81C0-47DC-B4C3-4E82EA389BBD}" destId="{014055BA-7326-4FA5-AFDE-2A63D97B5821}" srcOrd="10" destOrd="0" presId="urn:microsoft.com/office/officeart/2005/8/layout/list1"/>
+    <dgm:cxn modelId="{3B3DF833-25B6-4C92-B5E2-270A3B794A2B}" type="presParOf" srcId="{F9FDB921-81C0-47DC-B4C3-4E82EA389BBD}" destId="{3D69ABA8-5752-456F-BD07-F61B62167375}" srcOrd="11" destOrd="0" presId="urn:microsoft.com/office/officeart/2005/8/layout/list1"/>
+    <dgm:cxn modelId="{890189E4-7811-4D64-801A-0F77A8A13D3E}" type="presParOf" srcId="{F9FDB921-81C0-47DC-B4C3-4E82EA389BBD}" destId="{CCBF7FBB-843F-4B79-B41A-73D0A2C3F8E4}" srcOrd="12" destOrd="0" presId="urn:microsoft.com/office/officeart/2005/8/layout/list1"/>
+    <dgm:cxn modelId="{8158827E-345B-4C88-9AE7-3F6F50948321}" type="presParOf" srcId="{CCBF7FBB-843F-4B79-B41A-73D0A2C3F8E4}" destId="{15C0117B-390F-43B5-B06D-3DCFE980D6C3}" srcOrd="0" destOrd="0" presId="urn:microsoft.com/office/officeart/2005/8/layout/list1"/>
+    <dgm:cxn modelId="{F3376D3F-BF28-4C5D-88B8-3B582EF4ED52}" type="presParOf" srcId="{CCBF7FBB-843F-4B79-B41A-73D0A2C3F8E4}" destId="{6FB05F04-5152-4272-BFA8-784D411A4D0A}" srcOrd="1" destOrd="0" presId="urn:microsoft.com/office/officeart/2005/8/layout/list1"/>
+    <dgm:cxn modelId="{B42D1514-1683-42AB-B9FE-9545DAFB1F0F}" type="presParOf" srcId="{F9FDB921-81C0-47DC-B4C3-4E82EA389BBD}" destId="{15742E9B-B616-4621-99CE-03812BAD03C9}" srcOrd="13" destOrd="0" presId="urn:microsoft.com/office/officeart/2005/8/layout/list1"/>
+    <dgm:cxn modelId="{76A819CE-0505-46BE-9EAE-A8A39CDBFA50}" type="presParOf" srcId="{F9FDB921-81C0-47DC-B4C3-4E82EA389BBD}" destId="{4D2ED061-F7B0-4827-9C8C-67D0162FCF16}" srcOrd="14" destOrd="0" presId="urn:microsoft.com/office/officeart/2005/8/layout/list1"/>
+    <dgm:cxn modelId="{69F8CB07-1EBA-42FB-9A3F-983767F2CEAC}" type="presParOf" srcId="{F9FDB921-81C0-47DC-B4C3-4E82EA389BBD}" destId="{5AFFE4FC-F81C-4870-AF9C-401ADA59BF1C}" srcOrd="15" destOrd="0" presId="urn:microsoft.com/office/officeart/2005/8/layout/list1"/>
+    <dgm:cxn modelId="{0514B493-A000-45D6-88EA-BE68275F77DB}" type="presParOf" srcId="{F9FDB921-81C0-47DC-B4C3-4E82EA389BBD}" destId="{D9A91742-50DE-41D3-9D07-C64C37F2EE37}" srcOrd="16" destOrd="0" presId="urn:microsoft.com/office/officeart/2005/8/layout/list1"/>
+    <dgm:cxn modelId="{5100AD81-A2F6-4D74-BF39-66AE8A87E916}" type="presParOf" srcId="{D9A91742-50DE-41D3-9D07-C64C37F2EE37}" destId="{65B2CB6B-DED7-4F47-8BD3-D50CA3164B44}" srcOrd="0" destOrd="0" presId="urn:microsoft.com/office/officeart/2005/8/layout/list1"/>
+    <dgm:cxn modelId="{A137D314-C07C-4EEC-8891-1B572338139E}" type="presParOf" srcId="{D9A91742-50DE-41D3-9D07-C64C37F2EE37}" destId="{8A449145-D021-456F-BAB4-923EC2FFF668}" srcOrd="1" destOrd="0" presId="urn:microsoft.com/office/officeart/2005/8/layout/list1"/>
+    <dgm:cxn modelId="{7907C89E-FCF2-4B49-961A-5510AB8CEC80}" type="presParOf" srcId="{F9FDB921-81C0-47DC-B4C3-4E82EA389BBD}" destId="{73E79D96-3440-43EA-826D-E725DE5D67D4}" srcOrd="17" destOrd="0" presId="urn:microsoft.com/office/officeart/2005/8/layout/list1"/>
+    <dgm:cxn modelId="{C36D21F7-BD3E-430F-A8A3-1A17CAF7298D}" type="presParOf" srcId="{F9FDB921-81C0-47DC-B4C3-4E82EA389BBD}" destId="{673D1288-B167-4B4C-AA31-2C0B7024CF0A}" srcOrd="18" destOrd="0" presId="urn:microsoft.com/office/officeart/2005/8/layout/list1"/>
+  </dgm:cxnLst>
+  <dgm:bg/>
+  <dgm:whole/>
+  <dgm:extLst>
+    <a:ext uri="http://schemas.microsoft.com/office/drawing/2008/diagram">
+      <dsp:dataModelExt xmlns:dsp="http://schemas.microsoft.com/office/drawing/2008/diagram" relId="rId6" minVer="http://schemas.openxmlformats.org/drawingml/2006/diagram"/>
+    </a:ext>
+  </dgm:extLst>
+</dgm:dataModel>
+</file>
+
+<file path=ppt/diagrams/drawing1.xml><?xml version="1.0" encoding="utf-8"?>
+<dsp:drawing xmlns:dgm="http://schemas.openxmlformats.org/drawingml/2006/diagram" xmlns:dsp="http://schemas.microsoft.com/office/drawing/2008/diagram" xmlns:a="http://schemas.openxmlformats.org/drawingml/2006/main">
+  <dsp:spTree>
+    <dsp:nvGrpSpPr>
+      <dsp:cNvPr id="0" name=""/>
+      <dsp:cNvGrpSpPr/>
+    </dsp:nvGrpSpPr>
+    <dsp:grpSpPr/>
+    <dsp:sp modelId="{CD9AB4DA-2BB0-4AE5-8F84-A47027CD9CAD}">
+      <dsp:nvSpPr>
+        <dsp:cNvPr id="0" name=""/>
+        <dsp:cNvSpPr/>
+      </dsp:nvSpPr>
+      <dsp:spPr>
+        <a:xfrm>
+          <a:off x="0" y="406773"/>
+          <a:ext cx="8128000" cy="604800"/>
+        </a:xfrm>
+        <a:prstGeom prst="rect">
+          <a:avLst/>
+        </a:prstGeom>
+        <a:solidFill>
+          <a:schemeClr val="lt1">
+            <a:alpha val="90000"/>
+            <a:hueOff val="0"/>
+            <a:satOff val="0"/>
+            <a:lumOff val="0"/>
+            <a:alphaOff val="0"/>
+          </a:schemeClr>
+        </a:solidFill>
+        <a:ln w="12700" cap="rnd" cmpd="sng" algn="ctr">
+          <a:solidFill>
+            <a:schemeClr val="accent1">
+              <a:hueOff val="0"/>
+              <a:satOff val="0"/>
+              <a:lumOff val="0"/>
+              <a:alphaOff val="0"/>
+            </a:schemeClr>
+          </a:solidFill>
+          <a:prstDash val="solid"/>
+        </a:ln>
+        <a:effectLst/>
+      </dsp:spPr>
+      <dsp:style>
+        <a:lnRef idx="1">
+          <a:scrgbClr r="0" g="0" b="0"/>
+        </a:lnRef>
+        <a:fillRef idx="1">
+          <a:scrgbClr r="0" g="0" b="0"/>
+        </a:fillRef>
+        <a:effectRef idx="0">
+          <a:scrgbClr r="0" g="0" b="0"/>
+        </a:effectRef>
+        <a:fontRef idx="minor"/>
+      </dsp:style>
+    </dsp:sp>
+    <dsp:sp modelId="{C5DADD5F-80C2-4220-B302-37EC8969B57A}">
+      <dsp:nvSpPr>
+        <dsp:cNvPr id="0" name=""/>
+        <dsp:cNvSpPr/>
+      </dsp:nvSpPr>
+      <dsp:spPr>
+        <a:xfrm>
+          <a:off x="406400" y="52533"/>
+          <a:ext cx="5689600" cy="708480"/>
+        </a:xfrm>
+        <a:prstGeom prst="roundRect">
+          <a:avLst/>
+        </a:prstGeom>
+        <a:gradFill rotWithShape="0">
+          <a:gsLst>
+            <a:gs pos="0">
+              <a:schemeClr val="accent1">
+                <a:hueOff val="0"/>
+                <a:satOff val="0"/>
+                <a:lumOff val="0"/>
+                <a:alphaOff val="0"/>
+                <a:tint val="65000"/>
+                <a:lumMod val="110000"/>
+              </a:schemeClr>
+            </a:gs>
+            <a:gs pos="88000">
+              <a:schemeClr val="accent1">
+                <a:hueOff val="0"/>
+                <a:satOff val="0"/>
+                <a:lumOff val="0"/>
+                <a:alphaOff val="0"/>
+                <a:tint val="90000"/>
+              </a:schemeClr>
+            </a:gs>
+          </a:gsLst>
+          <a:lin ang="5400000" scaled="0"/>
+        </a:gradFill>
+        <a:ln>
+          <a:noFill/>
+        </a:ln>
+        <a:effectLst/>
+        <a:scene3d>
+          <a:camera prst="orthographicFront"/>
+          <a:lightRig rig="flat" dir="t"/>
+        </a:scene3d>
+        <a:sp3d prstMaterial="dkEdge">
+          <a:bevelT w="8200" h="38100"/>
+        </a:sp3d>
+      </dsp:spPr>
+      <dsp:style>
+        <a:lnRef idx="0">
+          <a:scrgbClr r="0" g="0" b="0"/>
+        </a:lnRef>
+        <a:fillRef idx="2">
+          <a:scrgbClr r="0" g="0" b="0"/>
+        </a:fillRef>
+        <a:effectRef idx="1">
+          <a:scrgbClr r="0" g="0" b="0"/>
+        </a:effectRef>
+        <a:fontRef idx="minor">
+          <a:schemeClr val="dk1"/>
+        </a:fontRef>
+      </dsp:style>
+      <dsp:txBody>
+        <a:bodyPr spcFirstLastPara="0" vert="horz" wrap="square" lIns="215053" tIns="0" rIns="215053" bIns="0" numCol="1" spcCol="1270" anchor="ctr" anchorCtr="0">
+          <a:noAutofit/>
+        </a:bodyPr>
+        <a:lstStyle/>
+        <a:p>
+          <a:pPr marL="0" lvl="0" indent="0" algn="ctr" defTabSz="1066800">
+            <a:lnSpc>
+              <a:spcPct val="90000"/>
+            </a:lnSpc>
+            <a:spcBef>
+              <a:spcPct val="0"/>
+            </a:spcBef>
+            <a:spcAft>
+              <a:spcPct val="35000"/>
+            </a:spcAft>
+            <a:buNone/>
+          </a:pPr>
+          <a:r>
+            <a:rPr lang="en-US" sz="2400" kern="1200" dirty="0"/>
+            <a:t>Tokenization</a:t>
+          </a:r>
+        </a:p>
+      </dsp:txBody>
+      <dsp:txXfrm>
+        <a:off x="440985" y="87118"/>
+        <a:ext cx="5620430" cy="639310"/>
+      </dsp:txXfrm>
+    </dsp:sp>
+    <dsp:sp modelId="{1560DFD2-8280-417B-953D-FB2E27321363}">
+      <dsp:nvSpPr>
+        <dsp:cNvPr id="0" name=""/>
+        <dsp:cNvSpPr/>
+      </dsp:nvSpPr>
+      <dsp:spPr>
+        <a:xfrm>
+          <a:off x="0" y="1495413"/>
+          <a:ext cx="8128000" cy="604800"/>
+        </a:xfrm>
+        <a:prstGeom prst="rect">
+          <a:avLst/>
+        </a:prstGeom>
+        <a:solidFill>
+          <a:schemeClr val="lt1">
+            <a:alpha val="90000"/>
+            <a:hueOff val="0"/>
+            <a:satOff val="0"/>
+            <a:lumOff val="0"/>
+            <a:alphaOff val="0"/>
+          </a:schemeClr>
+        </a:solidFill>
+        <a:ln w="12700" cap="rnd" cmpd="sng" algn="ctr">
+          <a:solidFill>
+            <a:schemeClr val="accent1">
+              <a:hueOff val="0"/>
+              <a:satOff val="0"/>
+              <a:lumOff val="0"/>
+              <a:alphaOff val="0"/>
+            </a:schemeClr>
+          </a:solidFill>
+          <a:prstDash val="solid"/>
+        </a:ln>
+        <a:effectLst/>
+      </dsp:spPr>
+      <dsp:style>
+        <a:lnRef idx="1">
+          <a:scrgbClr r="0" g="0" b="0"/>
+        </a:lnRef>
+        <a:fillRef idx="1">
+          <a:scrgbClr r="0" g="0" b="0"/>
+        </a:fillRef>
+        <a:effectRef idx="0">
+          <a:scrgbClr r="0" g="0" b="0"/>
+        </a:effectRef>
+        <a:fontRef idx="minor"/>
+      </dsp:style>
+    </dsp:sp>
+    <dsp:sp modelId="{B47D5C7E-3FF6-4A1F-A988-C4CF538C5920}">
+      <dsp:nvSpPr>
+        <dsp:cNvPr id="0" name=""/>
+        <dsp:cNvSpPr/>
+      </dsp:nvSpPr>
+      <dsp:spPr>
+        <a:xfrm>
+          <a:off x="406400" y="1268069"/>
+          <a:ext cx="5689600" cy="708480"/>
+        </a:xfrm>
+        <a:prstGeom prst="roundRect">
+          <a:avLst/>
+        </a:prstGeom>
+        <a:gradFill rotWithShape="0">
+          <a:gsLst>
+            <a:gs pos="0">
+              <a:schemeClr val="accent1">
+                <a:hueOff val="0"/>
+                <a:satOff val="0"/>
+                <a:lumOff val="0"/>
+                <a:alphaOff val="0"/>
+                <a:tint val="65000"/>
+                <a:lumMod val="110000"/>
+              </a:schemeClr>
+            </a:gs>
+            <a:gs pos="88000">
+              <a:schemeClr val="accent1">
+                <a:hueOff val="0"/>
+                <a:satOff val="0"/>
+                <a:lumOff val="0"/>
+                <a:alphaOff val="0"/>
+                <a:tint val="90000"/>
+              </a:schemeClr>
+            </a:gs>
+          </a:gsLst>
+          <a:lin ang="5400000" scaled="0"/>
+        </a:gradFill>
+        <a:ln>
+          <a:noFill/>
+        </a:ln>
+        <a:effectLst/>
+        <a:scene3d>
+          <a:camera prst="orthographicFront"/>
+          <a:lightRig rig="flat" dir="t"/>
+        </a:scene3d>
+        <a:sp3d prstMaterial="dkEdge">
+          <a:bevelT w="8200" h="38100"/>
+        </a:sp3d>
+      </dsp:spPr>
+      <dsp:style>
+        <a:lnRef idx="0">
+          <a:scrgbClr r="0" g="0" b="0"/>
+        </a:lnRef>
+        <a:fillRef idx="2">
+          <a:scrgbClr r="0" g="0" b="0"/>
+        </a:fillRef>
+        <a:effectRef idx="1">
+          <a:scrgbClr r="0" g="0" b="0"/>
+        </a:effectRef>
+        <a:fontRef idx="minor">
+          <a:schemeClr val="dk1"/>
+        </a:fontRef>
+      </dsp:style>
+      <dsp:txBody>
+        <a:bodyPr spcFirstLastPara="0" vert="horz" wrap="square" lIns="215053" tIns="0" rIns="215053" bIns="0" numCol="1" spcCol="1270" anchor="ctr" anchorCtr="0">
+          <a:noAutofit/>
+        </a:bodyPr>
+        <a:lstStyle/>
+        <a:p>
+          <a:pPr marL="0" lvl="0" indent="0" algn="ctr" defTabSz="1066800">
+            <a:lnSpc>
+              <a:spcPct val="90000"/>
+            </a:lnSpc>
+            <a:spcBef>
+              <a:spcPct val="0"/>
+            </a:spcBef>
+            <a:spcAft>
+              <a:spcPct val="35000"/>
+            </a:spcAft>
+            <a:buNone/>
+          </a:pPr>
+          <a:r>
+            <a:rPr lang="en-US" sz="2400" kern="1200" dirty="0"/>
+            <a:t>Parsing</a:t>
+          </a:r>
+        </a:p>
+      </dsp:txBody>
+      <dsp:txXfrm>
+        <a:off x="440985" y="1302654"/>
+        <a:ext cx="5620430" cy="639310"/>
+      </dsp:txXfrm>
+    </dsp:sp>
+    <dsp:sp modelId="{014055BA-7326-4FA5-AFDE-2A63D97B5821}">
+      <dsp:nvSpPr>
+        <dsp:cNvPr id="0" name=""/>
+        <dsp:cNvSpPr/>
+      </dsp:nvSpPr>
+      <dsp:spPr>
+        <a:xfrm>
+          <a:off x="0" y="2584053"/>
+          <a:ext cx="8128000" cy="604800"/>
+        </a:xfrm>
+        <a:prstGeom prst="rect">
+          <a:avLst/>
+        </a:prstGeom>
+        <a:solidFill>
+          <a:schemeClr val="lt1">
+            <a:alpha val="90000"/>
+            <a:hueOff val="0"/>
+            <a:satOff val="0"/>
+            <a:lumOff val="0"/>
+            <a:alphaOff val="0"/>
+          </a:schemeClr>
+        </a:solidFill>
+        <a:ln w="12700" cap="rnd" cmpd="sng" algn="ctr">
+          <a:solidFill>
+            <a:schemeClr val="accent1">
+              <a:hueOff val="0"/>
+              <a:satOff val="0"/>
+              <a:lumOff val="0"/>
+              <a:alphaOff val="0"/>
+            </a:schemeClr>
+          </a:solidFill>
+          <a:prstDash val="solid"/>
+        </a:ln>
+        <a:effectLst/>
+      </dsp:spPr>
+      <dsp:style>
+        <a:lnRef idx="1">
+          <a:scrgbClr r="0" g="0" b="0"/>
+        </a:lnRef>
+        <a:fillRef idx="1">
+          <a:scrgbClr r="0" g="0" b="0"/>
+        </a:fillRef>
+        <a:effectRef idx="0">
+          <a:scrgbClr r="0" g="0" b="0"/>
+        </a:effectRef>
+        <a:fontRef idx="minor"/>
+      </dsp:style>
+    </dsp:sp>
+    <dsp:sp modelId="{7C24C53F-1CE6-4289-955A-7FC2396F7CE0}">
+      <dsp:nvSpPr>
+        <dsp:cNvPr id="0" name=""/>
+        <dsp:cNvSpPr/>
+      </dsp:nvSpPr>
+      <dsp:spPr>
+        <a:xfrm>
+          <a:off x="406400" y="2229813"/>
+          <a:ext cx="5689600" cy="708480"/>
+        </a:xfrm>
+        <a:prstGeom prst="roundRect">
+          <a:avLst/>
+        </a:prstGeom>
+        <a:gradFill rotWithShape="0">
+          <a:gsLst>
+            <a:gs pos="0">
+              <a:schemeClr val="accent1">
+                <a:hueOff val="0"/>
+                <a:satOff val="0"/>
+                <a:lumOff val="0"/>
+                <a:alphaOff val="0"/>
+                <a:tint val="65000"/>
+                <a:lumMod val="110000"/>
+              </a:schemeClr>
+            </a:gs>
+            <a:gs pos="88000">
+              <a:schemeClr val="accent1">
+                <a:hueOff val="0"/>
+                <a:satOff val="0"/>
+                <a:lumOff val="0"/>
+                <a:alphaOff val="0"/>
+                <a:tint val="90000"/>
+              </a:schemeClr>
+            </a:gs>
+          </a:gsLst>
+          <a:lin ang="5400000" scaled="0"/>
+        </a:gradFill>
+        <a:ln>
+          <a:noFill/>
+        </a:ln>
+        <a:effectLst/>
+        <a:scene3d>
+          <a:camera prst="orthographicFront"/>
+          <a:lightRig rig="flat" dir="t"/>
+        </a:scene3d>
+        <a:sp3d prstMaterial="dkEdge">
+          <a:bevelT w="8200" h="38100"/>
+        </a:sp3d>
+      </dsp:spPr>
+      <dsp:style>
+        <a:lnRef idx="0">
+          <a:scrgbClr r="0" g="0" b="0"/>
+        </a:lnRef>
+        <a:fillRef idx="2">
+          <a:scrgbClr r="0" g="0" b="0"/>
+        </a:fillRef>
+        <a:effectRef idx="1">
+          <a:scrgbClr r="0" g="0" b="0"/>
+        </a:effectRef>
+        <a:fontRef idx="minor">
+          <a:schemeClr val="dk1"/>
+        </a:fontRef>
+      </dsp:style>
+      <dsp:txBody>
+        <a:bodyPr spcFirstLastPara="0" vert="horz" wrap="square" lIns="215053" tIns="0" rIns="215053" bIns="0" numCol="1" spcCol="1270" anchor="ctr" anchorCtr="0">
+          <a:noAutofit/>
+        </a:bodyPr>
+        <a:lstStyle/>
+        <a:p>
+          <a:pPr marL="0" lvl="0" indent="0" algn="ctr" defTabSz="1066800">
+            <a:lnSpc>
+              <a:spcPct val="90000"/>
+            </a:lnSpc>
+            <a:spcBef>
+              <a:spcPct val="0"/>
+            </a:spcBef>
+            <a:spcAft>
+              <a:spcPct val="35000"/>
+            </a:spcAft>
+            <a:buNone/>
+          </a:pPr>
+          <a:r>
+            <a:rPr lang="en-US" sz="2400" kern="1200" dirty="0"/>
+            <a:t>Derivative Formulation</a:t>
+          </a:r>
+        </a:p>
+      </dsp:txBody>
+      <dsp:txXfrm>
+        <a:off x="440985" y="2264398"/>
+        <a:ext cx="5620430" cy="639310"/>
+      </dsp:txXfrm>
+    </dsp:sp>
+    <dsp:sp modelId="{4D2ED061-F7B0-4827-9C8C-67D0162FCF16}">
+      <dsp:nvSpPr>
+        <dsp:cNvPr id="0" name=""/>
+        <dsp:cNvSpPr/>
+      </dsp:nvSpPr>
+      <dsp:spPr>
+        <a:xfrm>
+          <a:off x="0" y="3672693"/>
+          <a:ext cx="8128000" cy="604800"/>
+        </a:xfrm>
+        <a:prstGeom prst="rect">
+          <a:avLst/>
+        </a:prstGeom>
+        <a:solidFill>
+          <a:schemeClr val="lt1">
+            <a:alpha val="90000"/>
+            <a:hueOff val="0"/>
+            <a:satOff val="0"/>
+            <a:lumOff val="0"/>
+            <a:alphaOff val="0"/>
+          </a:schemeClr>
+        </a:solidFill>
+        <a:ln w="12700" cap="rnd" cmpd="sng" algn="ctr">
+          <a:solidFill>
+            <a:schemeClr val="accent1">
+              <a:hueOff val="0"/>
+              <a:satOff val="0"/>
+              <a:lumOff val="0"/>
+              <a:alphaOff val="0"/>
+            </a:schemeClr>
+          </a:solidFill>
+          <a:prstDash val="solid"/>
+        </a:ln>
+        <a:effectLst/>
+      </dsp:spPr>
+      <dsp:style>
+        <a:lnRef idx="1">
+          <a:scrgbClr r="0" g="0" b="0"/>
+        </a:lnRef>
+        <a:fillRef idx="1">
+          <a:scrgbClr r="0" g="0" b="0"/>
+        </a:fillRef>
+        <a:effectRef idx="0">
+          <a:scrgbClr r="0" g="0" b="0"/>
+        </a:effectRef>
+        <a:fontRef idx="minor"/>
+      </dsp:style>
+    </dsp:sp>
+    <dsp:sp modelId="{6FB05F04-5152-4272-BFA8-784D411A4D0A}">
+      <dsp:nvSpPr>
+        <dsp:cNvPr id="0" name=""/>
+        <dsp:cNvSpPr/>
+      </dsp:nvSpPr>
+      <dsp:spPr>
+        <a:xfrm>
+          <a:off x="406400" y="3318453"/>
+          <a:ext cx="5689600" cy="708480"/>
+        </a:xfrm>
+        <a:prstGeom prst="roundRect">
+          <a:avLst/>
+        </a:prstGeom>
+        <a:gradFill rotWithShape="0">
+          <a:gsLst>
+            <a:gs pos="0">
+              <a:schemeClr val="accent1">
+                <a:hueOff val="0"/>
+                <a:satOff val="0"/>
+                <a:lumOff val="0"/>
+                <a:alphaOff val="0"/>
+                <a:tint val="65000"/>
+                <a:lumMod val="110000"/>
+              </a:schemeClr>
+            </a:gs>
+            <a:gs pos="88000">
+              <a:schemeClr val="accent1">
+                <a:hueOff val="0"/>
+                <a:satOff val="0"/>
+                <a:lumOff val="0"/>
+                <a:alphaOff val="0"/>
+                <a:tint val="90000"/>
+              </a:schemeClr>
+            </a:gs>
+          </a:gsLst>
+          <a:lin ang="5400000" scaled="0"/>
+        </a:gradFill>
+        <a:ln>
+          <a:noFill/>
+        </a:ln>
+        <a:effectLst/>
+        <a:scene3d>
+          <a:camera prst="orthographicFront"/>
+          <a:lightRig rig="flat" dir="t"/>
+        </a:scene3d>
+        <a:sp3d prstMaterial="dkEdge">
+          <a:bevelT w="8200" h="38100"/>
+        </a:sp3d>
+      </dsp:spPr>
+      <dsp:style>
+        <a:lnRef idx="0">
+          <a:scrgbClr r="0" g="0" b="0"/>
+        </a:lnRef>
+        <a:fillRef idx="2">
+          <a:scrgbClr r="0" g="0" b="0"/>
+        </a:fillRef>
+        <a:effectRef idx="1">
+          <a:scrgbClr r="0" g="0" b="0"/>
+        </a:effectRef>
+        <a:fontRef idx="minor">
+          <a:schemeClr val="dk1"/>
+        </a:fontRef>
+      </dsp:style>
+      <dsp:txBody>
+        <a:bodyPr spcFirstLastPara="0" vert="horz" wrap="square" lIns="215053" tIns="0" rIns="215053" bIns="0" numCol="1" spcCol="1270" anchor="ctr" anchorCtr="0">
+          <a:noAutofit/>
+        </a:bodyPr>
+        <a:lstStyle/>
+        <a:p>
+          <a:pPr marL="0" lvl="0" indent="0" algn="ctr" defTabSz="1066800">
+            <a:lnSpc>
+              <a:spcPct val="90000"/>
+            </a:lnSpc>
+            <a:spcBef>
+              <a:spcPct val="0"/>
+            </a:spcBef>
+            <a:spcAft>
+              <a:spcPct val="35000"/>
+            </a:spcAft>
+            <a:buNone/>
+          </a:pPr>
+          <a:r>
+            <a:rPr lang="en-US" sz="2400" kern="1200" dirty="0"/>
+            <a:t>Calculation</a:t>
+          </a:r>
+        </a:p>
+      </dsp:txBody>
+      <dsp:txXfrm>
+        <a:off x="440985" y="3353038"/>
+        <a:ext cx="5620430" cy="639310"/>
+      </dsp:txXfrm>
+    </dsp:sp>
+    <dsp:sp modelId="{673D1288-B167-4B4C-AA31-2C0B7024CF0A}">
+      <dsp:nvSpPr>
+        <dsp:cNvPr id="0" name=""/>
+        <dsp:cNvSpPr/>
+      </dsp:nvSpPr>
+      <dsp:spPr>
+        <a:xfrm>
+          <a:off x="0" y="4761333"/>
+          <a:ext cx="8128000" cy="604800"/>
+        </a:xfrm>
+        <a:prstGeom prst="rect">
+          <a:avLst/>
+        </a:prstGeom>
+        <a:solidFill>
+          <a:schemeClr val="lt1">
+            <a:alpha val="90000"/>
+            <a:hueOff val="0"/>
+            <a:satOff val="0"/>
+            <a:lumOff val="0"/>
+            <a:alphaOff val="0"/>
+          </a:schemeClr>
+        </a:solidFill>
+        <a:ln w="12700" cap="rnd" cmpd="sng" algn="ctr">
+          <a:solidFill>
+            <a:schemeClr val="accent1">
+              <a:hueOff val="0"/>
+              <a:satOff val="0"/>
+              <a:lumOff val="0"/>
+              <a:alphaOff val="0"/>
+            </a:schemeClr>
+          </a:solidFill>
+          <a:prstDash val="solid"/>
+        </a:ln>
+        <a:effectLst/>
+      </dsp:spPr>
+      <dsp:style>
+        <a:lnRef idx="1">
+          <a:scrgbClr r="0" g="0" b="0"/>
+        </a:lnRef>
+        <a:fillRef idx="1">
+          <a:scrgbClr r="0" g="0" b="0"/>
+        </a:fillRef>
+        <a:effectRef idx="0">
+          <a:scrgbClr r="0" g="0" b="0"/>
+        </a:effectRef>
+        <a:fontRef idx="minor"/>
+      </dsp:style>
+    </dsp:sp>
+    <dsp:sp modelId="{8A449145-D021-456F-BAB4-923EC2FFF668}">
+      <dsp:nvSpPr>
+        <dsp:cNvPr id="0" name=""/>
+        <dsp:cNvSpPr/>
+      </dsp:nvSpPr>
+      <dsp:spPr>
+        <a:xfrm>
+          <a:off x="406400" y="4407093"/>
+          <a:ext cx="5689600" cy="708480"/>
+        </a:xfrm>
+        <a:prstGeom prst="roundRect">
+          <a:avLst/>
+        </a:prstGeom>
+        <a:gradFill rotWithShape="0">
+          <a:gsLst>
+            <a:gs pos="0">
+              <a:schemeClr val="accent1">
+                <a:hueOff val="0"/>
+                <a:satOff val="0"/>
+                <a:lumOff val="0"/>
+                <a:alphaOff val="0"/>
+                <a:tint val="65000"/>
+                <a:lumMod val="110000"/>
+              </a:schemeClr>
+            </a:gs>
+            <a:gs pos="88000">
+              <a:schemeClr val="accent1">
+                <a:hueOff val="0"/>
+                <a:satOff val="0"/>
+                <a:lumOff val="0"/>
+                <a:alphaOff val="0"/>
+                <a:tint val="90000"/>
+              </a:schemeClr>
+            </a:gs>
+          </a:gsLst>
+          <a:lin ang="5400000" scaled="0"/>
+        </a:gradFill>
+        <a:ln>
+          <a:noFill/>
+        </a:ln>
+        <a:effectLst/>
+        <a:scene3d>
+          <a:camera prst="orthographicFront"/>
+          <a:lightRig rig="flat" dir="t"/>
+        </a:scene3d>
+        <a:sp3d prstMaterial="dkEdge">
+          <a:bevelT w="8200" h="38100"/>
+        </a:sp3d>
+      </dsp:spPr>
+      <dsp:style>
+        <a:lnRef idx="0">
+          <a:scrgbClr r="0" g="0" b="0"/>
+        </a:lnRef>
+        <a:fillRef idx="2">
+          <a:scrgbClr r="0" g="0" b="0"/>
+        </a:fillRef>
+        <a:effectRef idx="1">
+          <a:scrgbClr r="0" g="0" b="0"/>
+        </a:effectRef>
+        <a:fontRef idx="minor">
+          <a:schemeClr val="dk1"/>
+        </a:fontRef>
+      </dsp:style>
+      <dsp:txBody>
+        <a:bodyPr spcFirstLastPara="0" vert="horz" wrap="square" lIns="215053" tIns="0" rIns="215053" bIns="0" numCol="1" spcCol="1270" anchor="ctr" anchorCtr="0">
+          <a:noAutofit/>
+        </a:bodyPr>
+        <a:lstStyle/>
+        <a:p>
+          <a:pPr marL="0" lvl="0" indent="0" algn="ctr" defTabSz="1066800">
+            <a:lnSpc>
+              <a:spcPct val="90000"/>
+            </a:lnSpc>
+            <a:spcBef>
+              <a:spcPct val="0"/>
+            </a:spcBef>
+            <a:spcAft>
+              <a:spcPct val="35000"/>
+            </a:spcAft>
+            <a:buNone/>
+          </a:pPr>
+          <a:r>
+            <a:rPr lang="en-US" sz="2400" kern="1200" dirty="0"/>
+            <a:t>Shows Result</a:t>
+          </a:r>
+        </a:p>
+      </dsp:txBody>
+      <dsp:txXfrm>
+        <a:off x="440985" y="4441678"/>
+        <a:ext cx="5620430" cy="639310"/>
+      </dsp:txXfrm>
+    </dsp:sp>
+  </dsp:spTree>
+</dsp:drawing>
+</file>
+
+<file path=ppt/diagrams/layout1.xml><?xml version="1.0" encoding="utf-8"?>
+<dgm:layoutDef xmlns:dgm="http://schemas.openxmlformats.org/drawingml/2006/diagram" xmlns:a="http://schemas.openxmlformats.org/drawingml/2006/main" uniqueId="urn:microsoft.com/office/officeart/2005/8/layout/list1">
+  <dgm:title val=""/>
+  <dgm:desc val=""/>
+  <dgm:catLst>
+    <dgm:cat type="list" pri="4000"/>
+  </dgm:catLst>
+  <dgm:sampData>
+    <dgm:dataModel>
+      <dgm:ptLst>
+        <dgm:pt modelId="0" type="doc"/>
+        <dgm:pt modelId="1">
+          <dgm:prSet phldr="1"/>
+        </dgm:pt>
+        <dgm:pt modelId="2">
+          <dgm:prSet phldr="1"/>
+        </dgm:pt>
+        <dgm:pt modelId="3">
+          <dgm:prSet phldr="1"/>
+        </dgm:pt>
+      </dgm:ptLst>
+      <dgm:cxnLst>
+        <dgm:cxn modelId="4" srcId="0" destId="1" srcOrd="0" destOrd="0"/>
+        <dgm:cxn modelId="5" srcId="0" destId="2" srcOrd="1" destOrd="0"/>
+        <dgm:cxn modelId="6" srcId="0" destId="3" srcOrd="2" destOrd="0"/>
+      </dgm:cxnLst>
+      <dgm:bg/>
+      <dgm:whole/>
+    </dgm:dataModel>
+  </dgm:sampData>
+  <dgm:styleData>
+    <dgm:dataModel>
+      <dgm:ptLst>
+        <dgm:pt modelId="0" type="doc"/>
+        <dgm:pt modelId="1"/>
+        <dgm:pt modelId="2"/>
+      </dgm:ptLst>
+      <dgm:cxnLst>
+        <dgm:cxn modelId="4" srcId="0" destId="1" srcOrd="0" destOrd="0"/>
+        <dgm:cxn modelId="5" srcId="0" destId="2" srcOrd="1" destOrd="0"/>
+      </dgm:cxnLst>
+      <dgm:bg/>
+      <dgm:whole/>
+    </dgm:dataModel>
+  </dgm:styleData>
+  <dgm:clrData>
+    <dgm:dataModel>
+      <dgm:ptLst>
+        <dgm:pt modelId="0" type="doc"/>
+        <dgm:pt modelId="1"/>
+        <dgm:pt modelId="2"/>
+        <dgm:pt modelId="3"/>
+        <dgm:pt modelId="4"/>
+      </dgm:ptLst>
+      <dgm:cxnLst>
+        <dgm:cxn modelId="5" srcId="0" destId="1" srcOrd="0" destOrd="0"/>
+        <dgm:cxn modelId="6" srcId="0" destId="2" srcOrd="1" destOrd="0"/>
+        <dgm:cxn modelId="7" srcId="0" destId="3" srcOrd="2" destOrd="0"/>
+        <dgm:cxn modelId="8" srcId="0" destId="4" srcOrd="3" destOrd="0"/>
+      </dgm:cxnLst>
+      <dgm:bg/>
+      <dgm:whole/>
+    </dgm:dataModel>
+  </dgm:clrData>
+  <dgm:layoutNode name="linear">
+    <dgm:varLst>
+      <dgm:dir/>
+      <dgm:animLvl val="lvl"/>
+      <dgm:resizeHandles val="exact"/>
+    </dgm:varLst>
+    <dgm:choose name="Name0">
+      <dgm:if name="Name1" func="var" arg="dir" op="equ" val="norm">
+        <dgm:alg type="lin">
+          <dgm:param type="linDir" val="fromT"/>
+          <dgm:param type="vertAlign" val="mid"/>
+          <dgm:param type="horzAlign" val="l"/>
+          <dgm:param type="nodeHorzAlign" val="l"/>
+        </dgm:alg>
+      </dgm:if>
+      <dgm:else name="Name2">
+        <dgm:alg type="lin">
+          <dgm:param type="linDir" val="fromT"/>
+          <dgm:param type="vertAlign" val="mid"/>
+          <dgm:param type="horzAlign" val="r"/>
+          <dgm:param type="nodeHorzAlign" val="r"/>
+        </dgm:alg>
+      </dgm:else>
+    </dgm:choose>
+    <dgm:shape xmlns:r="http://schemas.openxmlformats.org/officeDocument/2006/relationships" r:blip="">
+      <dgm:adjLst/>
+    </dgm:shape>
+    <dgm:presOf/>
+    <dgm:constrLst>
+      <dgm:constr type="w" for="ch" forName="parentLin" refType="w"/>
+      <dgm:constr type="h" for="ch" forName="parentLin" val="INF"/>
+      <dgm:constr type="w" for="des" forName="parentLeftMargin" refType="w" fact="0.05"/>
+      <dgm:constr type="w" for="des" forName="parentText" refType="w" fact="0.7"/>
+      <dgm:constr type="h" for="des" forName="parentText" refType="primFontSz" refFor="des" refForName="parentText" fact="0.82"/>
+      <dgm:constr type="h" for="ch" forName="negativeSpace" refType="primFontSz" refFor="des" refForName="parentText" fact="-0.41"/>
+      <dgm:constr type="h" for="ch" forName="negativeSpace" refType="h" refFor="des" refForName="parentText" op="lte" fact="-0.82"/>
+      <dgm:constr type="h" for="ch" forName="negativeSpace" refType="h" refFor="des" refForName="parentText" op="gte" fact="-0.82"/>
+      <dgm:constr type="w" for="ch" forName="childText" refType="w"/>
+      <dgm:constr type="h" for="ch" forName="childText" refType="primFontSz" refFor="des" refForName="parentText" fact="0.7"/>
+      <dgm:constr type="primFontSz" for="des" forName="parentText" val="65"/>
+      <dgm:constr type="primFontSz" for="ch" forName="childText" refType="primFontSz" refFor="des" refForName="parentText"/>
+      <dgm:constr type="tMarg" for="ch" forName="childText" refType="primFontSz" refFor="des" refForName="parentText" fact="1.64"/>
+      <dgm:constr type="tMarg" for="ch" forName="childText" refType="h" refFor="des" refForName="parentText" op="lte" fact="3.28"/>
+      <dgm:constr type="tMarg" for="ch" forName="childText" refType="h" refFor="des" refForName="parentText" op="gte" fact="3.28"/>
+      <dgm:constr type="lMarg" for="ch" forName="childText" refType="w" fact="0.22"/>
+      <dgm:constr type="rMarg" for="ch" forName="childText" refType="lMarg" refFor="ch" refForName="childText"/>
+      <dgm:constr type="lMarg" for="des" forName="parentText" refType="w" fact="0.075"/>
+      <dgm:constr type="rMarg" for="des" forName="parentText" refType="lMarg" refFor="des" refForName="parentText"/>
+      <dgm:constr type="h" for="ch" forName="spaceBetweenRectangles" refType="primFontSz" refFor="des" refForName="parentText" fact="0.15"/>
+    </dgm:constrLst>
+    <dgm:ruleLst>
+      <dgm:rule type="primFontSz" for="des" forName="parentText" val="5" fact="NaN" max="NaN"/>
+    </dgm:ruleLst>
+    <dgm:forEach name="Name3" axis="ch" ptType="node">
+      <dgm:layoutNode name="parentLin">
+        <dgm:choose name="Name4">
+          <dgm:if name="Name5" func="var" arg="dir" op="equ" val="norm">
+            <dgm:alg type="lin">
+              <dgm:param type="linDir" val="fromL"/>
+              <dgm:param type="horzAlign" val="l"/>
+              <dgm:param type="nodeHorzAlign" val="l"/>
+            </dgm:alg>
+          </dgm:if>
+          <dgm:else name="Name6">
+            <dgm:alg type="lin">
+              <dgm:param type="linDir" val="fromR"/>
+              <dgm:param type="horzAlign" val="r"/>
+              <dgm:param type="nodeHorzAlign" val="r"/>
+            </dgm:alg>
+          </dgm:else>
+        </dgm:choose>
+        <dgm:shape xmlns:r="http://schemas.openxmlformats.org/officeDocument/2006/relationships" r:blip="">
+          <dgm:adjLst/>
+        </dgm:shape>
+        <dgm:presOf/>
+        <dgm:constrLst/>
+        <dgm:ruleLst/>
+        <dgm:layoutNode name="parentLeftMargin">
+          <dgm:alg type="sp"/>
+          <dgm:shape xmlns:r="http://schemas.openxmlformats.org/officeDocument/2006/relationships" type="rect" r:blip="" hideGeom="1">
+            <dgm:adjLst/>
+          </dgm:shape>
+          <dgm:presOf axis="self"/>
+          <dgm:constrLst>
+            <dgm:constr type="h"/>
+          </dgm:constrLst>
+          <dgm:ruleLst/>
+        </dgm:layoutNode>
+        <dgm:layoutNode name="parentText" styleLbl="node1">
+          <dgm:varLst>
+            <dgm:chMax val="0"/>
+            <dgm:bulletEnabled val="1"/>
+          </dgm:varLst>
+          <dgm:choose name="Name7">
+            <dgm:if name="Name8" func="var" arg="dir" op="equ" val="norm">
+              <dgm:alg type="tx">
+                <dgm:param type="parTxLTRAlign" val="l"/>
+                <dgm:param type="parTxRTLAlign" val="l"/>
+              </dgm:alg>
+            </dgm:if>
+            <dgm:else name="Name9">
+              <dgm:alg type="tx">
+                <dgm:param type="parTxLTRAlign" val="r"/>
+                <dgm:param type="parTxRTLAlign" val="r"/>
+              </dgm:alg>
+            </dgm:else>
+          </dgm:choose>
+          <dgm:shape xmlns:r="http://schemas.openxmlformats.org/officeDocument/2006/relationships" type="roundRect" r:blip="">
+            <dgm:adjLst/>
+          </dgm:shape>
+          <dgm:presOf axis="self" ptType="node"/>
+          <dgm:constrLst>
+            <dgm:constr type="tMarg"/>
+            <dgm:constr type="bMarg"/>
+          </dgm:constrLst>
+          <dgm:ruleLst/>
+        </dgm:layoutNode>
+      </dgm:layoutNode>
+      <dgm:layoutNode name="negativeSpace">
+        <dgm:alg type="sp"/>
+        <dgm:shape xmlns:r="http://schemas.openxmlformats.org/officeDocument/2006/relationships" r:blip="">
+          <dgm:adjLst/>
+        </dgm:shape>
+        <dgm:presOf/>
+        <dgm:constrLst/>
+        <dgm:ruleLst/>
+      </dgm:layoutNode>
+      <dgm:layoutNode name="childText" styleLbl="conFgAcc1">
+        <dgm:varLst>
+          <dgm:bulletEnabled val="1"/>
+        </dgm:varLst>
+        <dgm:alg type="tx">
+          <dgm:param type="stBulletLvl" val="1"/>
+        </dgm:alg>
+        <dgm:shape xmlns:r="http://schemas.openxmlformats.org/officeDocument/2006/relationships" type="rect" r:blip="" zOrderOff="-2">
+          <dgm:adjLst/>
+        </dgm:shape>
+        <dgm:presOf axis="des" ptType="node"/>
+        <dgm:constrLst>
+          <dgm:constr type="secFontSz" refType="primFontSz"/>
+        </dgm:constrLst>
+        <dgm:ruleLst>
+          <dgm:rule type="h" val="INF" fact="NaN" max="NaN"/>
+        </dgm:ruleLst>
+      </dgm:layoutNode>
+      <dgm:forEach name="Name10" axis="followSib" ptType="sibTrans" cnt="1">
+        <dgm:layoutNode name="spaceBetweenRectangles">
+          <dgm:alg type="sp"/>
+          <dgm:shape xmlns:r="http://schemas.openxmlformats.org/officeDocument/2006/relationships" r:blip="">
+            <dgm:adjLst/>
+          </dgm:shape>
+          <dgm:presOf/>
+          <dgm:constrLst/>
+          <dgm:ruleLst/>
+        </dgm:layoutNode>
+      </dgm:forEach>
+    </dgm:forEach>
+  </dgm:layoutNode>
+</dgm:layoutDef>
+</file>
+
+<file path=ppt/diagrams/quickStyle1.xml><?xml version="1.0" encoding="utf-8"?>
+<dgm:styleDef xmlns:dgm="http://schemas.openxmlformats.org/drawingml/2006/diagram" xmlns:a="http://schemas.openxmlformats.org/drawingml/2006/main" uniqueId="urn:microsoft.com/office/officeart/2005/8/quickstyle/simple3">
+  <dgm:title val=""/>
+  <dgm:desc val=""/>
+  <dgm:catLst>
+    <dgm:cat type="simple" pri="10300"/>
+  </dgm:catLst>
+  <dgm:scene3d>
+    <a:camera prst="orthographicFront"/>
+    <a:lightRig rig="threePt" dir="t"/>
+  </dgm:scene3d>
+  <dgm:styleLbl name="node0">
+    <dgm:scene3d>
+      <a:camera prst="orthographicFront"/>
+      <a:lightRig rig="flat" dir="t"/>
+    </dgm:scene3d>
+    <dgm:sp3d prstMaterial="dkEdge">
+      <a:bevelT w="8200" h="38100"/>
+    </dgm:sp3d>
+    <dgm:txPr/>
+    <dgm:style>
+      <a:lnRef idx="0">
+        <a:scrgbClr r="0" g="0" b="0"/>
+      </a:lnRef>
+      <a:fillRef idx="2">
+        <a:scrgbClr r="0" g="0" b="0"/>
+      </a:fillRef>
+      <a:effectRef idx="1">
+        <a:scrgbClr r="0" g="0" b="0"/>
+      </a:effectRef>
+      <a:fontRef idx="minor">
+        <a:schemeClr val="dk1"/>
+      </a:fontRef>
+    </dgm:style>
+  </dgm:styleLbl>
+  <dgm:styleLbl name="lnNode1">
+    <dgm:scene3d>
+      <a:camera prst="orthographicFront"/>
+      <a:lightRig rig="flat" dir="t"/>
+    </dgm:scene3d>
+    <dgm:sp3d prstMaterial="dkEdge">
+      <a:bevelT w="8200" h="38100"/>
+    </dgm:sp3d>
+    <dgm:txPr/>
+    <dgm:style>
+      <a:lnRef idx="1">
+        <a:scrgbClr r="0" g="0" b="0"/>
+      </a:lnRef>
+      <a:fillRef idx="2">
+        <a:scrgbClr r="0" g="0" b="0"/>
+      </a:fillRef>
+      <a:effectRef idx="0">
+        <a:scrgbClr r="0" g="0" b="0"/>
+      </a:effectRef>
+      <a:fontRef idx="minor">
+        <a:schemeClr val="dk1"/>
+      </a:fontRef>
+    </dgm:style>
+  </dgm:styleLbl>
+  <dgm:styleLbl name="vennNode1">
+    <dgm:scene3d>
+      <a:camera prst="orthographicFront"/>
+      <a:lightRig rig="flat" dir="t"/>
+    </dgm:scene3d>
+    <dgm:sp3d prstMaterial="dkEdge">
+      <a:bevelT w="8200" h="38100"/>
+    </dgm:sp3d>
+    <dgm:txPr/>
+    <dgm:style>
+      <a:lnRef idx="0">
+        <a:scrgbClr r="0" g="0" b="0"/>
+      </a:lnRef>
+      <a:fillRef idx="2">
+        <a:scrgbClr r="0" g="0" b="0"/>
+      </a:fillRef>
+      <a:effectRef idx="0">
+        <a:scrgbClr r="0" g="0" b="0"/>
+      </a:effectRef>
+      <a:fontRef idx="minor">
+        <a:schemeClr val="tx1"/>
+      </a:fontRef>
+    </dgm:style>
+  </dgm:styleLbl>
+  <dgm:styleLbl name="alignNode1">
+    <dgm:scene3d>
+      <a:camera prst="orthographicFront"/>
+      <a:lightRig rig="threePt" dir="t"/>
+    </dgm:scene3d>
+    <dgm:sp3d/>
+    <dgm:txPr/>
+    <dgm:style>
+      <a:lnRef idx="1">
+        <a:scrgbClr r="0" g="0" b="0"/>
+      </a:lnRef>
+      <a:fillRef idx="2">
+        <a:scrgbClr r="0" g="0" b="0"/>
+      </a:fillRef>
+      <a:effectRef idx="1">
+        <a:scrgbClr r="0" g="0" b="0"/>
+      </a:effectRef>
+      <a:fontRef idx="minor">
+        <a:schemeClr val="dk1"/>
+      </a:fontRef>
+    </dgm:style>
+  </dgm:styleLbl>
+  <dgm:styleLbl name="node1">
+    <dgm:scene3d>
+      <a:camera prst="orthographicFront"/>
+      <a:lightRig rig="flat" dir="t"/>
+    </dgm:scene3d>
+    <dgm:sp3d prstMaterial="dkEdge">
+      <a:bevelT w="8200" h="38100"/>
+    </dgm:sp3d>
+    <dgm:txPr/>
+    <dgm:style>
+      <a:lnRef idx="0">
+        <a:scrgbClr r="0" g="0" b="0"/>
+      </a:lnRef>
+      <a:fillRef idx="2">
+        <a:scrgbClr r="0" g="0" b="0"/>
+      </a:fillRef>
+      <a:effectRef idx="1">
+        <a:scrgbClr r="0" g="0" b="0"/>
+      </a:effectRef>
+      <a:fontRef idx="minor">
+        <a:schemeClr val="dk1"/>
+      </a:fontRef>
+    </dgm:style>
+  </dgm:styleLbl>
+  <dgm:styleLbl name="node2">
+    <dgm:scene3d>
+      <a:camera prst="orthographicFront"/>
+      <a:lightRig rig="flat" dir="t"/>
+    </dgm:scene3d>
+    <dgm:sp3d prstMaterial="dkEdge">
+      <a:bevelT w="8200" h="38100"/>
+    </dgm:sp3d>
+    <dgm:txPr/>
+    <dgm:style>
+      <a:lnRef idx="0">
+        <a:scrgbClr r="0" g="0" b="0"/>
+      </a:lnRef>
+      <a:fillRef idx="2">
+        <a:scrgbClr r="0" g="0" b="0"/>
+      </a:fillRef>
+      <a:effectRef idx="1">
+        <a:scrgbClr r="0" g="0" b="0"/>
+      </a:effectRef>
+      <a:fontRef idx="minor">
+        <a:schemeClr val="dk1"/>
+      </a:fontRef>
+    </dgm:style>
+  </dgm:styleLbl>
+  <dgm:styleLbl name="node3">
+    <dgm:scene3d>
+      <a:camera prst="orthographicFront"/>
+      <a:lightRig rig="flat" dir="t"/>
+    </dgm:scene3d>
+    <dgm:sp3d prstMaterial="dkEdge">
+      <a:bevelT w="8200" h="38100"/>
+    </dgm:sp3d>
+    <dgm:txPr/>
+    <dgm:style>
+      <a:lnRef idx="0">
+        <a:scrgbClr r="0" g="0" b="0"/>
+      </a:lnRef>
+      <a:fillRef idx="2">
+        <a:scrgbClr r="0" g="0" b="0"/>
+      </a:fillRef>
+      <a:effectRef idx="1">
+        <a:scrgbClr r="0" g="0" b="0"/>
+      </a:effectRef>
+      <a:fontRef idx="minor">
+        <a:schemeClr val="dk1"/>
+      </a:fontRef>
+    </dgm:style>
+  </dgm:styleLbl>
+  <dgm:styleLbl name="node4">
+    <dgm:scene3d>
+      <a:camera prst="orthographicFront"/>
+      <a:lightRig rig="flat" dir="t"/>
+    </dgm:scene3d>
+    <dgm:sp3d prstMaterial="dkEdge">
+      <a:bevelT w="8200" h="38100"/>
+    </dgm:sp3d>
+    <dgm:txPr/>
+    <dgm:style>
+      <a:lnRef idx="0">
+        <a:scrgbClr r="0" g="0" b="0"/>
+      </a:lnRef>
+      <a:fillRef idx="2">
+        <a:scrgbClr r="0" g="0" b="0"/>
+      </a:fillRef>
+      <a:effectRef idx="1">
+        <a:scrgbClr r="0" g="0" b="0"/>
+      </a:effectRef>
+      <a:fontRef idx="minor">
+        <a:schemeClr val="dk1"/>
+      </a:fontRef>
+    </dgm:style>
+  </dgm:styleLbl>
+  <dgm:styleLbl name="fgImgPlace1">
+    <dgm:scene3d>
+      <a:camera prst="orthographicFront"/>
+      <a:lightRig rig="threePt" dir="t"/>
+    </dgm:scene3d>
+    <dgm:sp3d/>
+    <dgm:txPr/>
+    <dgm:style>
+      <a:lnRef idx="1">
+        <a:scrgbClr r="0" g="0" b="0"/>
+      </a:lnRef>
+      <a:fillRef idx="1">
+        <a:scrgbClr r="0" g="0" b="0"/>
+      </a:fillRef>
+      <a:effectRef idx="1">
+        <a:scrgbClr r="0" g="0" b="0"/>
+      </a:effectRef>
+      <a:fontRef idx="minor"/>
+    </dgm:style>
+  </dgm:styleLbl>
+  <dgm:styleLbl name="alignImgPlace1">
+    <dgm:scene3d>
+      <a:camera prst="orthographicFront"/>
+      <a:lightRig rig="threePt" dir="t"/>
+    </dgm:scene3d>
+    <dgm:sp3d/>
+    <dgm:txPr/>
+    <dgm:style>
+      <a:lnRef idx="1">
+        <a:scrgbClr r="0" g="0" b="0"/>
+      </a:lnRef>
+      <a:fillRef idx="1">
+        <a:scrgbClr r="0" g="0" b="0"/>
+      </a:fillRef>
+      <a:effectRef idx="1">
+        <a:scrgbClr r="0" g="0" b="0"/>
+      </a:effectRef>
+      <a:fontRef idx="minor"/>
+    </dgm:style>
+  </dgm:styleLbl>
+  <dgm:styleLbl name="bgImgPlace1">
+    <dgm:scene3d>
+      <a:camera prst="orthographicFront"/>
+      <a:lightRig rig="threePt" dir="t"/>
+    </dgm:scene3d>
+    <dgm:sp3d/>
+    <dgm:txPr/>
+    <dgm:style>
+      <a:lnRef idx="1">
+        <a:scrgbClr r="0" g="0" b="0"/>
+      </a:lnRef>
+      <a:fillRef idx="1">
+        <a:scrgbClr r="0" g="0" b="0"/>
+      </a:fillRef>
+      <a:effectRef idx="1">
+        <a:scrgbClr r="0" g="0" b="0"/>
+      </a:effectRef>
+      <a:fontRef idx="minor"/>
+    </dgm:style>
+  </dgm:styleLbl>
+  <dgm:styleLbl name="sibTrans2D1">
+    <dgm:scene3d>
+      <a:camera prst="orthographicFront"/>
+      <a:lightRig rig="threePt" dir="t"/>
+    </dgm:scene3d>
+    <dgm:sp3d/>
+    <dgm:txPr/>
+    <dgm:style>
+      <a:lnRef idx="0">
+        <a:scrgbClr r="0" g="0" b="0"/>
+      </a:lnRef>
+      <a:fillRef idx="2">
+        <a:scrgbClr r="0" g="0" b="0"/>
+      </a:fillRef>
+      <a:effectRef idx="1">
+        <a:scrgbClr r="0" g="0" b="0"/>
+      </a:effectRef>
+      <a:fontRef idx="minor">
+        <a:schemeClr val="dk1"/>
+      </a:fontRef>
+    </dgm:style>
+  </dgm:styleLbl>
+  <dgm:styleLbl name="fgSibTrans2D1">
+    <dgm:scene3d>
+      <a:camera prst="orthographicFront"/>
+      <a:lightRig rig="threePt" dir="t"/>
+    </dgm:scene3d>
+    <dgm:sp3d/>
+    <dgm:txPr/>
+    <dgm:style>
+      <a:lnRef idx="0">
+        <a:scrgbClr r="0" g="0" b="0"/>
+      </a:lnRef>
+      <a:fillRef idx="2">
+        <a:scrgbClr r="0" g="0" b="0"/>
+      </a:fillRef>
+      <a:effectRef idx="1">
+        <a:scrgbClr r="0" g="0" b="0"/>
+      </a:effectRef>
+      <a:fontRef idx="minor">
+        <a:schemeClr val="dk1"/>
+      </a:fontRef>
+    </dgm:style>
+  </dgm:styleLbl>
+  <dgm:styleLbl name="bgSibTrans2D1">
+    <dgm:scene3d>
+      <a:camera prst="orthographicFront"/>
+      <a:lightRig rig="threePt" dir="t"/>
+    </dgm:scene3d>
+    <dgm:sp3d/>
+    <dgm:txPr/>
+    <dgm:style>
+      <a:lnRef idx="0">
+        <a:scrgbClr r="0" g="0" b="0"/>
+      </a:lnRef>
+      <a:fillRef idx="2">
+        <a:scrgbClr r="0" g="0" b="0"/>
+      </a:fillRef>
+      <a:effectRef idx="1">
+        <a:scrgbClr r="0" g="0" b="0"/>
+      </a:effectRef>
+      <a:fontRef idx="minor">
+        <a:schemeClr val="dk1"/>
+      </a:fontRef>
+    </dgm:style>
+  </dgm:styleLbl>
+  <dgm:styleLbl name="sibTrans1D1">
+    <dgm:scene3d>
+      <a:camera prst="orthographicFront"/>
+      <a:lightRig rig="threePt" dir="t"/>
+    </dgm:scene3d>
+    <dgm:sp3d/>
+    <dgm:txPr/>
+    <dgm:style>
+      <a:lnRef idx="1">
+        <a:scrgbClr r="0" g="0" b="0"/>
+      </a:lnRef>
+      <a:fillRef idx="0">
+        <a:scrgbClr r="0" g="0" b="0"/>
+      </a:fillRef>
+      <a:effectRef idx="0">
+        <a:scrgbClr r="0" g="0" b="0"/>
+      </a:effectRef>
+      <a:fontRef idx="minor"/>
+    </dgm:style>
+  </dgm:styleLbl>
+  <dgm:styleLbl name="callout">
+    <dgm:scene3d>
+      <a:camera prst="orthographicFront"/>
+      <a:lightRig rig="threePt" dir="t"/>
+    </dgm:scene3d>
+    <dgm:sp3d/>
+    <dgm:txPr/>
+    <dgm:style>
+      <a:lnRef idx="1">
+        <a:scrgbClr r="0" g="0" b="0"/>
+      </a:lnRef>
+      <a:fillRef idx="2">
+        <a:scrgbClr r="0" g="0" b="0"/>
+      </a:fillRef>
+      <a:effectRef idx="1">
+        <a:scrgbClr r="0" g="0" b="0"/>
+      </a:effectRef>
+      <a:fontRef idx="minor"/>
+    </dgm:style>
+  </dgm:styleLbl>
+  <dgm:styleLbl name="asst0">
+    <dgm:scene3d>
+      <a:camera prst="orthographicFront"/>
+      <a:lightRig rig="flat" dir="t"/>
+    </dgm:scene3d>
+    <dgm:sp3d prstMaterial="dkEdge">
+      <a:bevelT w="8200" h="38100"/>
+    </dgm:sp3d>
+    <dgm:txPr/>
+    <dgm:style>
+      <a:lnRef idx="0">
+        <a:scrgbClr r="0" g="0" b="0"/>
+      </a:lnRef>
+      <a:fillRef idx="2">
+        <a:scrgbClr r="0" g="0" b="0"/>
+      </a:fillRef>
+      <a:effectRef idx="1">
+        <a:scrgbClr r="0" g="0" b="0"/>
+      </a:effectRef>
+      <a:fontRef idx="minor">
+        <a:schemeClr val="dk1"/>
+      </a:fontRef>
+    </dgm:style>
+  </dgm:styleLbl>
+  <dgm:styleLbl name="asst1">
+    <dgm:scene3d>
+      <a:camera prst="orthographicFront"/>
+      <a:lightRig rig="flat" dir="t"/>
+    </dgm:scene3d>
+    <dgm:sp3d prstMaterial="dkEdge">
+      <a:bevelT w="8200" h="38100"/>
+    </dgm:sp3d>
+    <dgm:txPr/>
+    <dgm:style>
+      <a:lnRef idx="0">
+        <a:scrgbClr r="0" g="0" b="0"/>
+      </a:lnRef>
+      <a:fillRef idx="2">
+        <a:scrgbClr r="0" g="0" b="0"/>
+      </a:fillRef>
+      <a:effectRef idx="1">
+        <a:scrgbClr r="0" g="0" b="0"/>
+      </a:effectRef>
+      <a:fontRef idx="minor">
+        <a:schemeClr val="dk1"/>
+      </a:fontRef>
+    </dgm:style>
+  </dgm:styleLbl>
+  <dgm:styleLbl name="asst2">
+    <dgm:scene3d>
+      <a:camera prst="orthographicFront"/>
+      <a:lightRig rig="flat" dir="t"/>
+    </dgm:scene3d>
+    <dgm:sp3d prstMaterial="dkEdge">
+      <a:bevelT w="8200" h="38100"/>
+    </dgm:sp3d>
+    <dgm:txPr/>
+    <dgm:style>
+      <a:lnRef idx="0">
+        <a:scrgbClr r="0" g="0" b="0"/>
+      </a:lnRef>
+      <a:fillRef idx="2">
+        <a:scrgbClr r="0" g="0" b="0"/>
+      </a:fillRef>
+      <a:effectRef idx="1">
+        <a:scrgbClr r="0" g="0" b="0"/>
+      </a:effectRef>
+      <a:fontRef idx="minor">
+        <a:schemeClr val="dk1"/>
+      </a:fontRef>
+    </dgm:style>
+  </dgm:styleLbl>
+  <dgm:styleLbl name="asst3">
+    <dgm:scene3d>
+      <a:camera prst="orthographicFront"/>
+      <a:lightRig rig="flat" dir="t"/>
+    </dgm:scene3d>
+    <dgm:sp3d prstMaterial="dkEdge">
+      <a:bevelT w="8200" h="38100"/>
+    </dgm:sp3d>
+    <dgm:txPr/>
+    <dgm:style>
+      <a:lnRef idx="0">
+        <a:scrgbClr r="0" g="0" b="0"/>
+      </a:lnRef>
+      <a:fillRef idx="2">
+        <a:scrgbClr r="0" g="0" b="0"/>
+      </a:fillRef>
+      <a:effectRef idx="1">
+        <a:scrgbClr r="0" g="0" b="0"/>
+      </a:effectRef>
+      <a:fontRef idx="minor">
+        <a:schemeClr val="dk1"/>
+      </a:fontRef>
+    </dgm:style>
+  </dgm:styleLbl>
+  <dgm:styleLbl name="asst4">
+    <dgm:scene3d>
+      <a:camera prst="orthographicFront"/>
+      <a:lightRig rig="flat" dir="t"/>
+    </dgm:scene3d>
+    <dgm:sp3d prstMaterial="dkEdge">
+      <a:bevelT w="8200" h="38100"/>
+    </dgm:sp3d>
+    <dgm:txPr/>
+    <dgm:style>
+      <a:lnRef idx="0">
+        <a:scrgbClr r="0" g="0" b="0"/>
+      </a:lnRef>
+      <a:fillRef idx="2">
+        <a:scrgbClr r="0" g="0" b="0"/>
+      </a:fillRef>
+      <a:effectRef idx="1">
+        <a:scrgbClr r="0" g="0" b="0"/>
+      </a:effectRef>
+      <a:fontRef idx="minor">
+        <a:schemeClr val="dk1"/>
+      </a:fontRef>
+    </dgm:style>
+  </dgm:styleLbl>
+  <dgm:styleLbl name="parChTrans2D1">
+    <dgm:scene3d>
+      <a:camera prst="orthographicFront"/>
+      <a:lightRig rig="threePt" dir="t"/>
+    </dgm:scene3d>
+    <dgm:sp3d/>
+    <dgm:txPr/>
+    <dgm:style>
+      <a:lnRef idx="1">
+        <a:scrgbClr r="0" g="0" b="0"/>
+      </a:lnRef>
+      <a:fillRef idx="2">
+        <a:scrgbClr r="0" g="0" b="0"/>
+      </a:fillRef>
+      <a:effectRef idx="1">
+        <a:scrgbClr r="0" g="0" b="0"/>
+      </a:effectRef>
+      <a:fontRef idx="minor">
+        <a:schemeClr val="dk1"/>
+      </a:fontRef>
+    </dgm:style>
+  </dgm:styleLbl>
+  <dgm:styleLbl name="parChTrans2D2">
+    <dgm:scene3d>
+      <a:camera prst="orthographicFront"/>
+      <a:lightRig rig="threePt" dir="t"/>
+    </dgm:scene3d>
+    <dgm:sp3d/>
+    <dgm:txPr/>
+    <dgm:style>
+      <a:lnRef idx="1">
+        <a:scrgbClr r="0" g="0" b="0"/>
+      </a:lnRef>
+      <a:fillRef idx="2">
+        <a:scrgbClr r="0" g="0" b="0"/>
+      </a:fillRef>
+      <a:effectRef idx="1">
+        <a:scrgbClr r="0" g="0" b="0"/>
+      </a:effectRef>
+      <a:fontRef idx="minor">
+        <a:schemeClr val="dk1"/>
+      </a:fontRef>
+    </dgm:style>
+  </dgm:styleLbl>
+  <dgm:styleLbl name="parChTrans2D3">
+    <dgm:scene3d>
+      <a:camera prst="orthographicFront"/>
+      <a:lightRig rig="threePt" dir="t"/>
+    </dgm:scene3d>
+    <dgm:sp3d/>
+    <dgm:txPr/>
+    <dgm:style>
+      <a:lnRef idx="1">
+        <a:scrgbClr r="0" g="0" b="0"/>
+      </a:lnRef>
+      <a:fillRef idx="2">
+        <a:scrgbClr r="0" g="0" b="0"/>
+      </a:fillRef>
+      <a:effectRef idx="1">
+        <a:scrgbClr r="0" g="0" b="0"/>
+      </a:effectRef>
+      <a:fontRef idx="minor">
+        <a:schemeClr val="dk1"/>
+      </a:fontRef>
+    </dgm:style>
+  </dgm:styleLbl>
+  <dgm:styleLbl name="parChTrans2D4">
+    <dgm:scene3d>
+      <a:camera prst="orthographicFront"/>
+      <a:lightRig rig="threePt" dir="t"/>
+    </dgm:scene3d>
+    <dgm:sp3d/>
+    <dgm:txPr/>
+    <dgm:style>
+      <a:lnRef idx="1">
+        <a:scrgbClr r="0" g="0" b="0"/>
+      </a:lnRef>
+      <a:fillRef idx="2">
+        <a:scrgbClr r="0" g="0" b="0"/>
+      </a:fillRef>
+      <a:effectRef idx="1">
+        <a:scrgbClr r="0" g="0" b="0"/>
+      </a:effectRef>
+      <a:fontRef idx="minor">
+        <a:schemeClr val="dk1"/>
+      </a:fontRef>
+    </dgm:style>
+  </dgm:styleLbl>
+  <dgm:styleLbl name="parChTrans1D1">
+    <dgm:scene3d>
+      <a:camera prst="orthographicFront"/>
+      <a:lightRig rig="threePt" dir="t"/>
+    </dgm:scene3d>
+    <dgm:sp3d/>
+    <dgm:txPr/>
+    <dgm:style>
+      <a:lnRef idx="2">
+        <a:scrgbClr r="0" g="0" b="0"/>
+      </a:lnRef>
+      <a:fillRef idx="0">
+        <a:scrgbClr r="0" g="0" b="0"/>
+      </a:fillRef>
+      <a:effectRef idx="0">
+        <a:scrgbClr r="0" g="0" b="0"/>
+      </a:effectRef>
+      <a:fontRef idx="minor"/>
+    </dgm:style>
+  </dgm:styleLbl>
+  <dgm:styleLbl name="parChTrans1D2">
+    <dgm:scene3d>
+      <a:camera prst="orthographicFront"/>
+      <a:lightRig rig="threePt" dir="t"/>
+    </dgm:scene3d>
+    <dgm:sp3d/>
+    <dgm:txPr/>
+    <dgm:style>
+      <a:lnRef idx="2">
+        <a:scrgbClr r="0" g="0" b="0"/>
+      </a:lnRef>
+      <a:fillRef idx="0">
+        <a:scrgbClr r="0" g="0" b="0"/>
+      </a:fillRef>
+      <a:effectRef idx="0">
+        <a:scrgbClr r="0" g="0" b="0"/>
+      </a:effectRef>
+      <a:fontRef idx="minor"/>
+    </dgm:style>
+  </dgm:styleLbl>
+  <dgm:styleLbl name="parChTrans1D3">
+    <dgm:scene3d>
+      <a:camera prst="orthographicFront"/>
+      <a:lightRig rig="threePt" dir="t"/>
+    </dgm:scene3d>
+    <dgm:sp3d/>
+    <dgm:txPr/>
+    <dgm:style>
+      <a:lnRef idx="2">
+        <a:scrgbClr r="0" g="0" b="0"/>
+      </a:lnRef>
+      <a:fillRef idx="0">
+        <a:scrgbClr r="0" g="0" b="0"/>
+      </a:fillRef>
+      <a:effectRef idx="0">
+        <a:scrgbClr r="0" g="0" b="0"/>
+      </a:effectRef>
+      <a:fontRef idx="minor"/>
+    </dgm:style>
+  </dgm:styleLbl>
+  <dgm:styleLbl name="parChTrans1D4">
+    <dgm:scene3d>
+      <a:camera prst="orthographicFront"/>
+      <a:lightRig rig="threePt" dir="t"/>
+    </dgm:scene3d>
+    <dgm:sp3d/>
+    <dgm:txPr/>
+    <dgm:style>
+      <a:lnRef idx="2">
+        <a:scrgbClr r="0" g="0" b="0"/>
+      </a:lnRef>
+      <a:fillRef idx="0">
+        <a:scrgbClr r="0" g="0" b="0"/>
+      </a:fillRef>
+      <a:effectRef idx="0">
+        <a:scrgbClr r="0" g="0" b="0"/>
+      </a:effectRef>
+      <a:fontRef idx="minor"/>
+    </dgm:style>
+  </dgm:styleLbl>
+  <dgm:styleLbl name="fgAcc1">
+    <dgm:scene3d>
+      <a:camera prst="orthographicFront"/>
+      <a:lightRig rig="threePt" dir="t"/>
+    </dgm:scene3d>
+    <dgm:sp3d/>
+    <dgm:txPr/>
+    <dgm:style>
+      <a:lnRef idx="1">
+        <a:scrgbClr r="0" g="0" b="0"/>
+      </a:lnRef>
+      <a:fillRef idx="1">
+        <a:scrgbClr r="0" g="0" b="0"/>
+      </a:fillRef>
+      <a:effectRef idx="0">
+        <a:scrgbClr r="0" g="0" b="0"/>
+      </a:effectRef>
+      <a:fontRef idx="minor"/>
+    </dgm:style>
+  </dgm:styleLbl>
+  <dgm:styleLbl name="conFgAcc1">
+    <dgm:scene3d>
+      <a:camera prst="orthographicFront"/>
+      <a:lightRig rig="threePt" dir="t"/>
+    </dgm:scene3d>
+    <dgm:sp3d/>
+    <dgm:txPr/>
+    <dgm:style>
+      <a:lnRef idx="1">
+        <a:scrgbClr r="0" g="0" b="0"/>
+      </a:lnRef>
+      <a:fillRef idx="1">
+        <a:scrgbClr r="0" g="0" b="0"/>
+      </a:fillRef>
+      <a:effectRef idx="0">
+        <a:scrgbClr r="0" g="0" b="0"/>
+      </a:effectRef>
+      <a:fontRef idx="minor"/>
+    </dgm:style>
+  </dgm:styleLbl>
+  <dgm:styleLbl name="alignAcc1">
+    <dgm:scene3d>
+      <a:camera prst="orthographicFront"/>
+      <a:lightRig rig="threePt" dir="t"/>
+    </dgm:scene3d>
+    <dgm:sp3d/>
+    <dgm:txPr/>
+    <dgm:style>
+      <a:lnRef idx="1">
+        <a:scrgbClr r="0" g="0" b="0"/>
+      </a:lnRef>
+      <a:fillRef idx="1">
+        <a:scrgbClr r="0" g="0" b="0"/>
+      </a:fillRef>
+      <a:effectRef idx="0">
+        <a:scrgbClr r="0" g="0" b="0"/>
+      </a:effectRef>
+      <a:fontRef idx="minor"/>
+    </dgm:style>
+  </dgm:styleLbl>
+  <dgm:styleLbl name="trAlignAcc1">
+    <dgm:scene3d>
+      <a:camera prst="orthographicFront"/>
+      <a:lightRig rig="threePt" dir="t"/>
+    </dgm:scene3d>
+    <dgm:sp3d/>
+    <dgm:txPr/>
+    <dgm:style>
+      <a:lnRef idx="1">
+        <a:scrgbClr r="0" g="0" b="0"/>
+      </a:lnRef>
+      <a:fillRef idx="1">
+        <a:scrgbClr r="0" g="0" b="0"/>
+      </a:fillRef>
+      <a:effectRef idx="0">
+        <a:scrgbClr r="0" g="0" b="0"/>
+      </a:effectRef>
+      <a:fontRef idx="minor"/>
+    </dgm:style>
+  </dgm:styleLbl>
+  <dgm:styleLbl name="bgAcc1">
+    <dgm:scene3d>
+      <a:camera prst="orthographicFront"/>
+      <a:lightRig rig="threePt" dir="t"/>
+    </dgm:scene3d>
+    <dgm:sp3d/>
+    <dgm:txPr/>
+    <dgm:style>
+      <a:lnRef idx="1">
+        <a:scrgbClr r="0" g="0" b="0"/>
+      </a:lnRef>
+      <a:fillRef idx="1">
+        <a:scrgbClr r="0" g="0" b="0"/>
+      </a:fillRef>
+      <a:effectRef idx="0">
+        <a:scrgbClr r="0" g="0" b="0"/>
+      </a:effectRef>
+      <a:fontRef idx="minor"/>
+    </dgm:style>
+  </dgm:styleLbl>
+  <dgm:styleLbl name="solidFgAcc1">
+    <dgm:scene3d>
+      <a:camera prst="orthographicFront"/>
+      <a:lightRig rig="threePt" dir="t"/>
+    </dgm:scene3d>
+    <dgm:sp3d/>
+    <dgm:txPr/>
+    <dgm:style>
+      <a:lnRef idx="1">
+        <a:scrgbClr r="0" g="0" b="0"/>
+      </a:lnRef>
+      <a:fillRef idx="2">
+        <a:scrgbClr r="0" g="0" b="0"/>
+      </a:fillRef>
+      <a:effectRef idx="0">
+        <a:scrgbClr r="0" g="0" b="0"/>
+      </a:effectRef>
+      <a:fontRef idx="minor"/>
+    </dgm:style>
+  </dgm:styleLbl>
+  <dgm:styleLbl name="solidAlignAcc1">
+    <dgm:scene3d>
+      <a:camera prst="orthographicFront"/>
+      <a:lightRig rig="threePt" dir="t"/>
+    </dgm:scene3d>
+    <dgm:sp3d/>
+    <dgm:txPr/>
+    <dgm:style>
+      <a:lnRef idx="1">
+        <a:scrgbClr r="0" g="0" b="0"/>
+      </a:lnRef>
+      <a:fillRef idx="1">
+        <a:scrgbClr r="0" g="0" b="0"/>
+      </a:fillRef>
+      <a:effectRef idx="0">
+        <a:scrgbClr r="0" g="0" b="0"/>
+      </a:effectRef>
+      <a:fontRef idx="minor"/>
+    </dgm:style>
+  </dgm:styleLbl>
+  <dgm:styleLbl name="solidBgAcc1">
+    <dgm:scene3d>
+      <a:camera prst="orthographicFront"/>
+      <a:lightRig rig="threePt" dir="t"/>
+    </dgm:scene3d>
+    <dgm:sp3d/>
+    <dgm:txPr/>
+    <dgm:style>
+      <a:lnRef idx="1">
+        <a:scrgbClr r="0" g="0" b="0"/>
+      </a:lnRef>
+      <a:fillRef idx="1">
+        <a:scrgbClr r="0" g="0" b="0"/>
+      </a:fillRef>
+      <a:effectRef idx="0">
+        <a:scrgbClr r="0" g="0" b="0"/>
+      </a:effectRef>
+      <a:fontRef idx="minor"/>
+    </dgm:style>
+  </dgm:styleLbl>
+  <dgm:styleLbl name="fgAccFollowNode1">
+    <dgm:scene3d>
+      <a:camera prst="orthographicFront"/>
+      <a:lightRig rig="threePt" dir="t"/>
+    </dgm:scene3d>
+    <dgm:sp3d/>
+    <dgm:txPr/>
+    <dgm:style>
+      <a:lnRef idx="1">
+        <a:scrgbClr r="0" g="0" b="0"/>
+      </a:lnRef>
+      <a:fillRef idx="1">
+        <a:scrgbClr r="0" g="0" b="0"/>
+      </a:fillRef>
+      <a:effectRef idx="0">
+        <a:scrgbClr r="0" g="0" b="0"/>
+      </a:effectRef>
+      <a:fontRef idx="minor"/>
+    </dgm:style>
+  </dgm:styleLbl>
+  <dgm:styleLbl name="alignAccFollowNode1">
+    <dgm:scene3d>
+      <a:camera prst="orthographicFront"/>
+      <a:lightRig rig="threePt" dir="t"/>
+    </dgm:scene3d>
+    <dgm:sp3d/>
+    <dgm:txPr/>
+    <dgm:style>
+      <a:lnRef idx="1">
+        <a:scrgbClr r="0" g="0" b="0"/>
+      </a:lnRef>
+      <a:fillRef idx="1">
+        <a:scrgbClr r="0" g="0" b="0"/>
+      </a:fillRef>
+      <a:effectRef idx="0">
+        <a:scrgbClr r="0" g="0" b="0"/>
+      </a:effectRef>
+      <a:fontRef idx="minor"/>
+    </dgm:style>
+  </dgm:styleLbl>
+  <dgm:styleLbl name="bgAccFollowNode1">
+    <dgm:scene3d>
+      <a:camera prst="orthographicFront"/>
+      <a:lightRig rig="threePt" dir="t"/>
+    </dgm:scene3d>
+    <dgm:sp3d/>
+    <dgm:txPr/>
+    <dgm:style>
+      <a:lnRef idx="1">
+        <a:scrgbClr r="0" g="0" b="0"/>
+      </a:lnRef>
+      <a:fillRef idx="1">
+        <a:scrgbClr r="0" g="0" b="0"/>
+      </a:fillRef>
+      <a:effectRef idx="0">
+        <a:scrgbClr r="0" g="0" b="0"/>
+      </a:effectRef>
+      <a:fontRef idx="minor"/>
+    </dgm:style>
+  </dgm:styleLbl>
+  <dgm:styleLbl name="fgAcc0">
+    <dgm:scene3d>
+      <a:camera prst="orthographicFront"/>
+      <a:lightRig rig="threePt" dir="t"/>
+    </dgm:scene3d>
+    <dgm:sp3d/>
+    <dgm:txPr/>
+    <dgm:style>
+      <a:lnRef idx="1">
+        <a:scrgbClr r="0" g="0" b="0"/>
+      </a:lnRef>
+      <a:fillRef idx="1">
+        <a:scrgbClr r="0" g="0" b="0"/>
+      </a:fillRef>
+      <a:effectRef idx="0">
+        <a:scrgbClr r="0" g="0" b="0"/>
+      </a:effectRef>
+      <a:fontRef idx="minor"/>
+    </dgm:style>
+  </dgm:styleLbl>
+  <dgm:styleLbl name="fgAcc2">
+    <dgm:scene3d>
+      <a:camera prst="orthographicFront"/>
+      <a:lightRig rig="threePt" dir="t"/>
+    </dgm:scene3d>
+    <dgm:sp3d/>
+    <dgm:txPr/>
+    <dgm:style>
+      <a:lnRef idx="1">
+        <a:scrgbClr r="0" g="0" b="0"/>
+      </a:lnRef>
+      <a:fillRef idx="1">
+        <a:scrgbClr r="0" g="0" b="0"/>
+      </a:fillRef>
+      <a:effectRef idx="0">
+        <a:scrgbClr r="0" g="0" b="0"/>
+      </a:effectRef>
+      <a:fontRef idx="minor"/>
+    </dgm:style>
+  </dgm:styleLbl>
+  <dgm:styleLbl name="fgAcc3">
+    <dgm:scene3d>
+      <a:camera prst="orthographicFront"/>
+      <a:lightRig rig="threePt" dir="t"/>
+    </dgm:scene3d>
+    <dgm:sp3d/>
+    <dgm:txPr/>
+    <dgm:style>
+      <a:lnRef idx="1">
+        <a:scrgbClr r="0" g="0" b="0"/>
+      </a:lnRef>
+      <a:fillRef idx="1">
+        <a:scrgbClr r="0" g="0" b="0"/>
+      </a:fillRef>
+      <a:effectRef idx="0">
+        <a:scrgbClr r="0" g="0" b="0"/>
+      </a:effectRef>
+      <a:fontRef idx="minor"/>
+    </dgm:style>
+  </dgm:styleLbl>
+  <dgm:styleLbl name="fgAcc4">
+    <dgm:scene3d>
+      <a:camera prst="orthographicFront"/>
+      <a:lightRig rig="threePt" dir="t"/>
+    </dgm:scene3d>
+    <dgm:sp3d/>
+    <dgm:txPr/>
+    <dgm:style>
+      <a:lnRef idx="1">
+        <a:scrgbClr r="0" g="0" b="0"/>
+      </a:lnRef>
+      <a:fillRef idx="1">
+        <a:scrgbClr r="0" g="0" b="0"/>
+      </a:fillRef>
+      <a:effectRef idx="0">
+        <a:scrgbClr r="0" g="0" b="0"/>
+      </a:effectRef>
+      <a:fontRef idx="minor"/>
+    </dgm:style>
+  </dgm:styleLbl>
+  <dgm:styleLbl name="bgShp">
+    <dgm:scene3d>
+      <a:camera prst="orthographicFront"/>
+      <a:lightRig rig="threePt" dir="t"/>
+    </dgm:scene3d>
+    <dgm:sp3d/>
+    <dgm:txPr/>
+    <dgm:style>
+      <a:lnRef idx="0">
+        <a:scrgbClr r="0" g="0" b="0"/>
+      </a:lnRef>
+      <a:fillRef idx="1">
+        <a:scrgbClr r="0" g="0" b="0"/>
+      </a:fillRef>
+      <a:effectRef idx="1">
+        <a:scrgbClr r="0" g="0" b="0"/>
+      </a:effectRef>
+      <a:fontRef idx="minor"/>
+    </dgm:style>
+  </dgm:styleLbl>
+  <dgm:styleLbl name="dkBgShp">
+    <dgm:scene3d>
+      <a:camera prst="orthographicFront"/>
+      <a:lightRig rig="threePt" dir="t"/>
+    </dgm:scene3d>
+    <dgm:sp3d/>
+    <dgm:txPr/>
+    <dgm:style>
+      <a:lnRef idx="0">
+        <a:scrgbClr r="0" g="0" b="0"/>
+      </a:lnRef>
+      <a:fillRef idx="1">
+        <a:scrgbClr r="0" g="0" b="0"/>
+      </a:fillRef>
+      <a:effectRef idx="1">
+        <a:scrgbClr r="0" g="0" b="0"/>
+      </a:effectRef>
+      <a:fontRef idx="minor"/>
+    </dgm:style>
+  </dgm:styleLbl>
+  <dgm:styleLbl name="trBgShp">
+    <dgm:scene3d>
+      <a:camera prst="orthographicFront"/>
+      <a:lightRig rig="threePt" dir="t"/>
+    </dgm:scene3d>
+    <dgm:sp3d/>
+    <dgm:txPr/>
+    <dgm:style>
+      <a:lnRef idx="0">
+        <a:scrgbClr r="0" g="0" b="0"/>
+      </a:lnRef>
+      <a:fillRef idx="1">
+        <a:scrgbClr r="0" g="0" b="0"/>
+      </a:fillRef>
+      <a:effectRef idx="0">
+        <a:scrgbClr r="0" g="0" b="0"/>
+      </a:effectRef>
+      <a:fontRef idx="minor"/>
+    </dgm:style>
+  </dgm:styleLbl>
+  <dgm:styleLbl name="fgShp">
+    <dgm:scene3d>
+      <a:camera prst="orthographicFront"/>
+      <a:lightRig rig="flat" dir="t"/>
+    </dgm:scene3d>
+    <dgm:sp3d prstMaterial="dkEdge">
+      <a:bevelT w="8200" h="38100"/>
+    </dgm:sp3d>
+    <dgm:txPr/>
+    <dgm:style>
+      <a:lnRef idx="1">
+        <a:scrgbClr r="0" g="0" b="0"/>
+      </a:lnRef>
+      <a:fillRef idx="2">
+        <a:scrgbClr r="0" g="0" b="0"/>
+      </a:fillRef>
+      <a:effectRef idx="1">
+        <a:scrgbClr r="0" g="0" b="0"/>
+      </a:effectRef>
+      <a:fontRef idx="minor"/>
+    </dgm:style>
+  </dgm:styleLbl>
+  <dgm:styleLbl name="revTx">
+    <dgm:scene3d>
+      <a:camera prst="orthographicFront"/>
+      <a:lightRig rig="threePt" dir="t"/>
+    </dgm:scene3d>
+    <dgm:sp3d/>
+    <dgm:txPr/>
+    <dgm:style>
+      <a:lnRef idx="0">
+        <a:scrgbClr r="0" g="0" b="0"/>
+      </a:lnRef>
+      <a:fillRef idx="0">
+        <a:scrgbClr r="0" g="0" b="0"/>
+      </a:fillRef>
+      <a:effectRef idx="0">
+        <a:scrgbClr r="0" g="0" b="0"/>
+      </a:effectRef>
+      <a:fontRef idx="minor"/>
+    </dgm:style>
+  </dgm:styleLbl>
+</dgm:styleDef>
+</file>
+
+<file path=ppt/notesMasters/notesMaster1.xml><?xml version="1.0" encoding="utf-8"?>
+<p:notesMaster xmlns:a="http://schemas.openxmlformats.org/drawingml/2006/main" xmlns:r="http://schemas.openxmlformats.org/officeDocument/2006/relationships" xmlns:p="http://schemas.openxmlformats.org/presentationml/2006/main">
+  <p:cSld>
+    <p:bg>
+      <p:bgRef idx="1001">
+        <a:schemeClr val="bg1"/>
+      </p:bgRef>
+    </p:bg>
+    <p:spTree>
+      <p:nvGrpSpPr>
+        <p:cNvPr id="1" name=""/>
+        <p:cNvGrpSpPr/>
+        <p:nvPr/>
+      </p:nvGrpSpPr>
+      <p:grpSpPr>
+        <a:xfrm>
+          <a:off x="0" y="0"/>
+          <a:ext cx="0" cy="0"/>
+          <a:chOff x="0" y="0"/>
+          <a:chExt cx="0" cy="0"/>
+        </a:xfrm>
+      </p:grpSpPr>
+      <p:sp>
+        <p:nvSpPr>
+          <p:cNvPr id="2" name="Header Placeholder 1"/>
+          <p:cNvSpPr>
+            <a:spLocks noGrp="1"/>
+          </p:cNvSpPr>
+          <p:nvPr>
+            <p:ph type="hdr" sz="quarter"/>
+          </p:nvPr>
+        </p:nvSpPr>
+        <p:spPr>
+          <a:xfrm>
+            <a:off x="0" y="0"/>
+            <a:ext cx="2971800" cy="458788"/>
+          </a:xfrm>
+          <a:prstGeom prst="rect">
+            <a:avLst/>
+          </a:prstGeom>
+        </p:spPr>
+        <p:txBody>
+          <a:bodyPr vert="horz" lIns="91440" tIns="45720" rIns="91440" bIns="45720" rtlCol="0"/>
+          <a:lstStyle>
+            <a:lvl1pPr algn="l">
+              <a:defRPr sz="1200"/>
+            </a:lvl1pPr>
+          </a:lstStyle>
+          <a:p>
+            <a:endParaRPr lang="en-US"/>
+          </a:p>
+        </p:txBody>
+      </p:sp>
+      <p:sp>
+        <p:nvSpPr>
+          <p:cNvPr id="3" name="Date Placeholder 2"/>
+          <p:cNvSpPr>
+            <a:spLocks noGrp="1"/>
+          </p:cNvSpPr>
+          <p:nvPr>
+            <p:ph type="dt" idx="1"/>
+          </p:nvPr>
+        </p:nvSpPr>
+        <p:spPr>
+          <a:xfrm>
+            <a:off x="3884613" y="0"/>
+            <a:ext cx="2971800" cy="458788"/>
+          </a:xfrm>
+          <a:prstGeom prst="rect">
+            <a:avLst/>
+          </a:prstGeom>
+        </p:spPr>
+        <p:txBody>
+          <a:bodyPr vert="horz" lIns="91440" tIns="45720" rIns="91440" bIns="45720" rtlCol="0"/>
+          <a:lstStyle>
+            <a:lvl1pPr algn="r">
+              <a:defRPr sz="1200"/>
+            </a:lvl1pPr>
+          </a:lstStyle>
+          <a:p>
+            <a:fld id="{71ABEFBA-8286-4138-AD1F-0A430A1656E0}" type="datetimeFigureOut">
+              <a:rPr lang="en-US" smtClean="0"/>
+              <a:t>9/10/2023</a:t>
+            </a:fld>
+            <a:endParaRPr lang="en-US"/>
+          </a:p>
+        </p:txBody>
+      </p:sp>
+      <p:sp>
+        <p:nvSpPr>
+          <p:cNvPr id="4" name="Slide Image Placeholder 3"/>
+          <p:cNvSpPr>
+            <a:spLocks noGrp="1" noRot="1" noChangeAspect="1"/>
+          </p:cNvSpPr>
+          <p:nvPr>
+            <p:ph type="sldImg" idx="2"/>
+          </p:nvPr>
+        </p:nvSpPr>
+        <p:spPr>
+          <a:xfrm>
+            <a:off x="685800" y="1143000"/>
+            <a:ext cx="5486400" cy="3086100"/>
+          </a:xfrm>
+          <a:prstGeom prst="rect">
+            <a:avLst/>
+          </a:prstGeom>
+          <a:noFill/>
+          <a:ln w="12700">
+            <a:solidFill>
+              <a:prstClr val="black"/>
+            </a:solidFill>
+          </a:ln>
+        </p:spPr>
+        <p:txBody>
+          <a:bodyPr vert="horz" lIns="91440" tIns="45720" rIns="91440" bIns="45720" rtlCol="0" anchor="ctr"/>
+          <a:lstStyle/>
+          <a:p>
+            <a:endParaRPr lang="en-US"/>
+          </a:p>
+        </p:txBody>
+      </p:sp>
+      <p:sp>
+        <p:nvSpPr>
+          <p:cNvPr id="5" name="Notes Placeholder 4"/>
+          <p:cNvSpPr>
+            <a:spLocks noGrp="1"/>
+          </p:cNvSpPr>
+          <p:nvPr>
+            <p:ph type="body" sz="quarter" idx="3"/>
+          </p:nvPr>
+        </p:nvSpPr>
+        <p:spPr>
+          <a:xfrm>
+            <a:off x="685800" y="4400550"/>
+            <a:ext cx="5486400" cy="3600450"/>
+          </a:xfrm>
+          <a:prstGeom prst="rect">
+            <a:avLst/>
+          </a:prstGeom>
+        </p:spPr>
+        <p:txBody>
+          <a:bodyPr vert="horz" lIns="91440" tIns="45720" rIns="91440" bIns="45720" rtlCol="0"/>
+          <a:lstStyle/>
+          <a:p>
+            <a:pPr lvl="0"/>
+            <a:r>
+              <a:rPr lang="en-US"/>
+              <a:t>Click to edit Master text styles</a:t>
+            </a:r>
+          </a:p>
+          <a:p>
+            <a:pPr lvl="1"/>
+            <a:r>
+              <a:rPr lang="en-US"/>
+              <a:t>Second level</a:t>
+            </a:r>
+          </a:p>
+          <a:p>
+            <a:pPr lvl="2"/>
+            <a:r>
+              <a:rPr lang="en-US"/>
+              <a:t>Third level</a:t>
+            </a:r>
+          </a:p>
+          <a:p>
+            <a:pPr lvl="3"/>
+            <a:r>
+              <a:rPr lang="en-US"/>
+              <a:t>Fourth level</a:t>
+            </a:r>
+          </a:p>
+          <a:p>
+            <a:pPr lvl="4"/>
+            <a:r>
+              <a:rPr lang="en-US"/>
+              <a:t>Fifth level</a:t>
+            </a:r>
+          </a:p>
+        </p:txBody>
+      </p:sp>
+      <p:sp>
+        <p:nvSpPr>
+          <p:cNvPr id="6" name="Footer Placeholder 5"/>
+          <p:cNvSpPr>
+            <a:spLocks noGrp="1"/>
+          </p:cNvSpPr>
+          <p:nvPr>
+            <p:ph type="ftr" sz="quarter" idx="4"/>
+          </p:nvPr>
+        </p:nvSpPr>
+        <p:spPr>
+          <a:xfrm>
+            <a:off x="0" y="8685213"/>
+            <a:ext cx="2971800" cy="458787"/>
+          </a:xfrm>
+          <a:prstGeom prst="rect">
+            <a:avLst/>
+          </a:prstGeom>
+        </p:spPr>
+        <p:txBody>
+          <a:bodyPr vert="horz" lIns="91440" tIns="45720" rIns="91440" bIns="45720" rtlCol="0" anchor="b"/>
+          <a:lstStyle>
+            <a:lvl1pPr algn="l">
+              <a:defRPr sz="1200"/>
+            </a:lvl1pPr>
+          </a:lstStyle>
+          <a:p>
+            <a:endParaRPr lang="en-US"/>
+          </a:p>
+        </p:txBody>
+      </p:sp>
+      <p:sp>
+        <p:nvSpPr>
+          <p:cNvPr id="7" name="Slide Number Placeholder 6"/>
+          <p:cNvSpPr>
+            <a:spLocks noGrp="1"/>
+          </p:cNvSpPr>
+          <p:nvPr>
+            <p:ph type="sldNum" sz="quarter" idx="5"/>
+          </p:nvPr>
+        </p:nvSpPr>
+        <p:spPr>
+          <a:xfrm>
+            <a:off x="3884613" y="8685213"/>
+            <a:ext cx="2971800" cy="458787"/>
+          </a:xfrm>
+          <a:prstGeom prst="rect">
+            <a:avLst/>
+          </a:prstGeom>
+        </p:spPr>
+        <p:txBody>
+          <a:bodyPr vert="horz" lIns="91440" tIns="45720" rIns="91440" bIns="45720" rtlCol="0" anchor="b"/>
+          <a:lstStyle>
+            <a:lvl1pPr algn="r">
+              <a:defRPr sz="1200"/>
+            </a:lvl1pPr>
+          </a:lstStyle>
+          <a:p>
+            <a:fld id="{631548B3-F337-4419-824F-F6EB453809A5}" type="slidenum">
+              <a:rPr lang="en-US" smtClean="0"/>
+              <a:t>‹#›</a:t>
+            </a:fld>
+            <a:endParaRPr lang="en-US"/>
+          </a:p>
+        </p:txBody>
+      </p:sp>
+    </p:spTree>
+    <p:extLst>
+      <p:ext uri="{BB962C8B-B14F-4D97-AF65-F5344CB8AC3E}">
+        <p14:creationId xmlns:p14="http://schemas.microsoft.com/office/powerpoint/2010/main" val="331432288"/>
+      </p:ext>
+    </p:extLst>
+  </p:cSld>
+  <p:clrMap bg1="lt1" tx1="dk1" bg2="lt2" tx2="dk2" accent1="accent1" accent2="accent2" accent3="accent3" accent4="accent4" accent5="accent5" accent6="accent6" hlink="hlink" folHlink="folHlink"/>
+  <p:notesStyle>
+    <a:lvl1pPr marL="0" algn="l" defTabSz="914400" rtl="0" eaLnBrk="1" latinLnBrk="0" hangingPunct="1">
+      <a:defRPr sz="1200" kern="1200">
+        <a:solidFill>
+          <a:schemeClr val="tx1"/>
+        </a:solidFill>
+        <a:latin typeface="+mn-lt"/>
+        <a:ea typeface="+mn-ea"/>
+        <a:cs typeface="+mn-cs"/>
+      </a:defRPr>
+    </a:lvl1pPr>
+    <a:lvl2pPr marL="457200" algn="l" defTabSz="914400" rtl="0" eaLnBrk="1" latinLnBrk="0" hangingPunct="1">
+      <a:defRPr sz="1200" kern="1200">
+        <a:solidFill>
+          <a:schemeClr val="tx1"/>
+        </a:solidFill>
+        <a:latin typeface="+mn-lt"/>
+        <a:ea typeface="+mn-ea"/>
+        <a:cs typeface="+mn-cs"/>
+      </a:defRPr>
+    </a:lvl2pPr>
+    <a:lvl3pPr marL="914400" algn="l" defTabSz="914400" rtl="0" eaLnBrk="1" latinLnBrk="0" hangingPunct="1">
+      <a:defRPr sz="1200" kern="1200">
+        <a:solidFill>
+          <a:schemeClr val="tx1"/>
+        </a:solidFill>
+        <a:latin typeface="+mn-lt"/>
+        <a:ea typeface="+mn-ea"/>
+        <a:cs typeface="+mn-cs"/>
+      </a:defRPr>
+    </a:lvl3pPr>
+    <a:lvl4pPr marL="1371600" algn="l" defTabSz="914400" rtl="0" eaLnBrk="1" latinLnBrk="0" hangingPunct="1">
+      <a:defRPr sz="1200" kern="1200">
+        <a:solidFill>
+          <a:schemeClr val="tx1"/>
+        </a:solidFill>
+        <a:latin typeface="+mn-lt"/>
+        <a:ea typeface="+mn-ea"/>
+        <a:cs typeface="+mn-cs"/>
+      </a:defRPr>
+    </a:lvl4pPr>
+    <a:lvl5pPr marL="1828800" algn="l" defTabSz="914400" rtl="0" eaLnBrk="1" latinLnBrk="0" hangingPunct="1">
+      <a:defRPr sz="1200" kern="1200">
+        <a:solidFill>
+          <a:schemeClr val="tx1"/>
+        </a:solidFill>
+        <a:latin typeface="+mn-lt"/>
+        <a:ea typeface="+mn-ea"/>
+        <a:cs typeface="+mn-cs"/>
+      </a:defRPr>
+    </a:lvl5pPr>
+    <a:lvl6pPr marL="2286000" algn="l" defTabSz="914400" rtl="0" eaLnBrk="1" latinLnBrk="0" hangingPunct="1">
+      <a:defRPr sz="1200" kern="1200">
+        <a:solidFill>
+          <a:schemeClr val="tx1"/>
+        </a:solidFill>
+        <a:latin typeface="+mn-lt"/>
+        <a:ea typeface="+mn-ea"/>
+        <a:cs typeface="+mn-cs"/>
+      </a:defRPr>
+    </a:lvl6pPr>
+    <a:lvl7pPr marL="2743200" algn="l" defTabSz="914400" rtl="0" eaLnBrk="1" latinLnBrk="0" hangingPunct="1">
+      <a:defRPr sz="1200" kern="1200">
+        <a:solidFill>
+          <a:schemeClr val="tx1"/>
+        </a:solidFill>
+        <a:latin typeface="+mn-lt"/>
+        <a:ea typeface="+mn-ea"/>
+        <a:cs typeface="+mn-cs"/>
+      </a:defRPr>
+    </a:lvl7pPr>
+    <a:lvl8pPr marL="3200400" algn="l" defTabSz="914400" rtl="0" eaLnBrk="1" latinLnBrk="0" hangingPunct="1">
+      <a:defRPr sz="1200" kern="1200">
+        <a:solidFill>
+          <a:schemeClr val="tx1"/>
+        </a:solidFill>
+        <a:latin typeface="+mn-lt"/>
+        <a:ea typeface="+mn-ea"/>
+        <a:cs typeface="+mn-cs"/>
+      </a:defRPr>
+    </a:lvl8pPr>
+    <a:lvl9pPr marL="3657600" algn="l" defTabSz="914400" rtl="0" eaLnBrk="1" latinLnBrk="0" hangingPunct="1">
+      <a:defRPr sz="1200" kern="1200">
+        <a:solidFill>
+          <a:schemeClr val="tx1"/>
+        </a:solidFill>
+        <a:latin typeface="+mn-lt"/>
+        <a:ea typeface="+mn-ea"/>
+        <a:cs typeface="+mn-cs"/>
+      </a:defRPr>
+    </a:lvl9pPr>
+  </p:notesStyle>
+</p:notesMaster>
 </file>
 
 <file path=ppt/slideLayouts/slideLayout1.xml><?xml version="1.0" encoding="utf-8"?>
@@ -840,9 +4365,9 @@
           <a:bodyPr/>
           <a:lstStyle/>
           <a:p>
-            <a:fld id="{25E87A1C-2017-4D7B-8BCE-8BECB9EF8580}" type="datetimeFigureOut">
+            <a:fld id="{40A1866B-8E80-49D5-AC74-D54557DC5B2C}" type="datetime1">
               <a:rPr lang="en-US" smtClean="0"/>
-              <a:t>9/9/2023</a:t>
+              <a:t>9/10/2023</a:t>
             </a:fld>
             <a:endParaRPr lang="en-US"/>
           </a:p>
@@ -1091,9 +4616,9 @@
           <a:bodyPr/>
           <a:lstStyle/>
           <a:p>
-            <a:fld id="{25E87A1C-2017-4D7B-8BCE-8BECB9EF8580}" type="datetimeFigureOut">
+            <a:fld id="{9B4A725F-A185-4B6E-821D-E47B7765458C}" type="datetime1">
               <a:rPr lang="en-US" smtClean="0"/>
-              <a:t>9/9/2023</a:t>
+              <a:t>9/10/2023</a:t>
             </a:fld>
             <a:endParaRPr lang="en-US"/>
           </a:p>
@@ -1405,9 +4930,9 @@
           <a:bodyPr/>
           <a:lstStyle/>
           <a:p>
-            <a:fld id="{25E87A1C-2017-4D7B-8BCE-8BECB9EF8580}" type="datetimeFigureOut">
+            <a:fld id="{94141857-D792-45F3-A7E9-C08FB3A759DE}" type="datetime1">
               <a:rPr lang="en-US" smtClean="0"/>
-              <a:t>9/9/2023</a:t>
+              <a:t>9/10/2023</a:t>
             </a:fld>
             <a:endParaRPr lang="en-US"/>
           </a:p>
@@ -1746,9 +5271,9 @@
           <a:bodyPr/>
           <a:lstStyle/>
           <a:p>
-            <a:fld id="{25E87A1C-2017-4D7B-8BCE-8BECB9EF8580}" type="datetimeFigureOut">
+            <a:fld id="{335842E0-E53D-4811-973F-AD7FFE490E07}" type="datetime1">
               <a:rPr lang="en-US" smtClean="0"/>
-              <a:t>9/9/2023</a:t>
+              <a:t>9/10/2023</a:t>
             </a:fld>
             <a:endParaRPr lang="en-US"/>
           </a:p>
@@ -2060,9 +5585,9 @@
           <a:bodyPr/>
           <a:lstStyle/>
           <a:p>
-            <a:fld id="{25E87A1C-2017-4D7B-8BCE-8BECB9EF8580}" type="datetimeFigureOut">
+            <a:fld id="{DA29BAAB-E620-43E0-95A5-BBBE241DABFA}" type="datetime1">
               <a:rPr lang="en-US" smtClean="0"/>
-              <a:t>9/9/2023</a:t>
+              <a:t>9/10/2023</a:t>
             </a:fld>
             <a:endParaRPr lang="en-US"/>
           </a:p>
@@ -2453,9 +5978,9 @@
           <a:bodyPr/>
           <a:lstStyle/>
           <a:p>
-            <a:fld id="{25E87A1C-2017-4D7B-8BCE-8BECB9EF8580}" type="datetimeFigureOut">
+            <a:fld id="{ECF9520A-0E16-4AD3-96D9-26FFF0CA8A86}" type="datetime1">
               <a:rPr lang="en-US" smtClean="0"/>
-              <a:t>9/9/2023</a:t>
+              <a:t>9/10/2023</a:t>
             </a:fld>
             <a:endParaRPr lang="en-US"/>
           </a:p>
@@ -2623,9 +6148,9 @@
           <a:bodyPr/>
           <a:lstStyle/>
           <a:p>
-            <a:fld id="{25E87A1C-2017-4D7B-8BCE-8BECB9EF8580}" type="datetimeFigureOut">
+            <a:fld id="{28E5561D-1C53-4B04-9E51-0CA44E90CC3B}" type="datetime1">
               <a:rPr lang="en-US" smtClean="0"/>
-              <a:t>9/9/2023</a:t>
+              <a:t>9/10/2023</a:t>
             </a:fld>
             <a:endParaRPr lang="en-US"/>
           </a:p>
@@ -2803,9 +6328,9 @@
           <a:bodyPr/>
           <a:lstStyle/>
           <a:p>
-            <a:fld id="{25E87A1C-2017-4D7B-8BCE-8BECB9EF8580}" type="datetimeFigureOut">
+            <a:fld id="{DD9D31C2-6849-47E4-A3A1-386A5C5B9D4D}" type="datetime1">
               <a:rPr lang="en-US" smtClean="0"/>
-              <a:t>9/9/2023</a:t>
+              <a:t>9/10/2023</a:t>
             </a:fld>
             <a:endParaRPr lang="en-US"/>
           </a:p>
@@ -2979,9 +6504,9 @@
           <a:bodyPr/>
           <a:lstStyle/>
           <a:p>
-            <a:fld id="{25E87A1C-2017-4D7B-8BCE-8BECB9EF8580}" type="datetimeFigureOut">
+            <a:fld id="{3D8BDD0C-6502-4A79-8A53-50F7CC7B162D}" type="datetime1">
               <a:rPr lang="en-US" smtClean="0"/>
-              <a:t>9/9/2023</a:t>
+              <a:t>9/10/2023</a:t>
             </a:fld>
             <a:endParaRPr lang="en-US"/>
           </a:p>
@@ -3226,9 +6751,9 @@
           <a:bodyPr/>
           <a:lstStyle/>
           <a:p>
-            <a:fld id="{25E87A1C-2017-4D7B-8BCE-8BECB9EF8580}" type="datetimeFigureOut">
+            <a:fld id="{2F12C4A2-EDEA-407F-80DD-8921B1D78450}" type="datetime1">
               <a:rPr lang="en-US" smtClean="0"/>
-              <a:t>9/9/2023</a:t>
+              <a:t>9/10/2023</a:t>
             </a:fld>
             <a:endParaRPr lang="en-US"/>
           </a:p>
@@ -3458,9 +6983,9 @@
           <a:bodyPr/>
           <a:lstStyle/>
           <a:p>
-            <a:fld id="{25E87A1C-2017-4D7B-8BCE-8BECB9EF8580}" type="datetimeFigureOut">
+            <a:fld id="{F4079E88-E5FF-4BF2-AC14-EBF94E1E93C3}" type="datetime1">
               <a:rPr lang="en-US" smtClean="0"/>
-              <a:t>9/9/2023</a:t>
+              <a:t>9/10/2023</a:t>
             </a:fld>
             <a:endParaRPr lang="en-US"/>
           </a:p>
@@ -3832,9 +7357,9 @@
           <a:bodyPr/>
           <a:lstStyle/>
           <a:p>
-            <a:fld id="{25E87A1C-2017-4D7B-8BCE-8BECB9EF8580}" type="datetimeFigureOut">
+            <a:fld id="{CB6F4A1A-C95E-4277-A3D0-4F6420D8507E}" type="datetime1">
               <a:rPr lang="en-US" smtClean="0"/>
-              <a:t>9/9/2023</a:t>
+              <a:t>9/10/2023</a:t>
             </a:fld>
             <a:endParaRPr lang="en-US"/>
           </a:p>
@@ -3955,9 +7480,9 @@
           <a:bodyPr/>
           <a:lstStyle/>
           <a:p>
-            <a:fld id="{25E87A1C-2017-4D7B-8BCE-8BECB9EF8580}" type="datetimeFigureOut">
+            <a:fld id="{502865F7-6A9E-4C83-A2E3-5E59C384DF71}" type="datetime1">
               <a:rPr lang="en-US" smtClean="0"/>
-              <a:t>9/9/2023</a:t>
+              <a:t>9/10/2023</a:t>
             </a:fld>
             <a:endParaRPr lang="en-US"/>
           </a:p>
@@ -4050,9 +7575,9 @@
           <a:bodyPr/>
           <a:lstStyle/>
           <a:p>
-            <a:fld id="{25E87A1C-2017-4D7B-8BCE-8BECB9EF8580}" type="datetimeFigureOut">
+            <a:fld id="{24699E7B-59CD-4D1F-951D-0A2993FC633A}" type="datetime1">
               <a:rPr lang="en-US" smtClean="0"/>
-              <a:t>9/9/2023</a:t>
+              <a:t>9/10/2023</a:t>
             </a:fld>
             <a:endParaRPr lang="en-US"/>
           </a:p>
@@ -4305,9 +7830,9 @@
           <a:bodyPr/>
           <a:lstStyle/>
           <a:p>
-            <a:fld id="{25E87A1C-2017-4D7B-8BCE-8BECB9EF8580}" type="datetimeFigureOut">
+            <a:fld id="{7EFB152B-62BC-4FD3-9515-9E1B400C54AD}" type="datetime1">
               <a:rPr lang="en-US" smtClean="0"/>
-              <a:t>9/9/2023</a:t>
+              <a:t>9/10/2023</a:t>
             </a:fld>
             <a:endParaRPr lang="en-US"/>
           </a:p>
@@ -4568,9 +8093,9 @@
           <a:bodyPr/>
           <a:lstStyle/>
           <a:p>
-            <a:fld id="{25E87A1C-2017-4D7B-8BCE-8BECB9EF8580}" type="datetimeFigureOut">
+            <a:fld id="{D234E4EA-0C43-49E1-89EF-FF738D624ECC}" type="datetime1">
               <a:rPr lang="en-US" smtClean="0"/>
-              <a:t>9/9/2023</a:t>
+              <a:t>9/10/2023</a:t>
             </a:fld>
             <a:endParaRPr lang="en-US"/>
           </a:p>
@@ -5333,9 +8858,9 @@
             </a:lvl1pPr>
           </a:lstStyle>
           <a:p>
-            <a:fld id="{25E87A1C-2017-4D7B-8BCE-8BECB9EF8580}" type="datetimeFigureOut">
+            <a:fld id="{26256E82-9BCD-4CC6-9AC1-5F2F7A279382}" type="datetime1">
               <a:rPr lang="en-US" smtClean="0"/>
-              <a:t>9/9/2023</a:t>
+              <a:t>9/10/2023</a:t>
             </a:fld>
             <a:endParaRPr lang="en-US"/>
           </a:p>
@@ -5443,6 +8968,7 @@
     <p:sldLayoutId id="2147483985" r:id="rId15"/>
     <p:sldLayoutId id="2147483986" r:id="rId16"/>
   </p:sldLayoutIdLst>
+  <p:hf hdr="0" ftr="0" dt="0"/>
   <p:txStyles>
     <p:titleStyle>
       <a:lvl1pPr algn="l" defTabSz="457200" rtl="0" eaLnBrk="1" latinLnBrk="0" hangingPunct="1">
@@ -5859,22 +9385,60 @@
           <a:chExt cx="0" cy="0"/>
         </a:xfrm>
       </p:grpSpPr>
-      <p:sp>
-        <p:nvSpPr>
-          <p:cNvPr id="18" name="TextBox 17">
+      <p:cxnSp>
+        <p:nvCxnSpPr>
+          <p:cNvPr id="5" name="Straight Connector 4">
             <a:extLst>
               <a:ext uri="{FF2B5EF4-FFF2-40B4-BE49-F238E27FC236}">
-                <a16:creationId xmlns:a16="http://schemas.microsoft.com/office/drawing/2014/main" id="{C9E0C566-130F-761A-03D5-773A1582E3A4}"/>
+                <a16:creationId xmlns:a16="http://schemas.microsoft.com/office/drawing/2014/main" id="{24E91A0B-B516-4504-ECCD-9A75A8679DAE}"/>
               </a:ext>
             </a:extLst>
           </p:cNvPr>
-          <p:cNvSpPr txBox="1"/>
+          <p:cNvCxnSpPr>
+            <a:cxnSpLocks/>
+          </p:cNvCxnSpPr>
+          <p:nvPr/>
+        </p:nvCxnSpPr>
+        <p:spPr>
+          <a:xfrm flipH="1" flipV="1">
+            <a:off x="4870580" y="2239347"/>
+            <a:ext cx="18661" cy="27992"/>
+          </a:xfrm>
+          <a:prstGeom prst="line">
+            <a:avLst/>
+          </a:prstGeom>
+        </p:spPr>
+        <p:style>
+          <a:lnRef idx="1">
+            <a:schemeClr val="accent1"/>
+          </a:lnRef>
+          <a:fillRef idx="0">
+            <a:schemeClr val="accent1"/>
+          </a:fillRef>
+          <a:effectRef idx="0">
+            <a:schemeClr val="accent1"/>
+          </a:effectRef>
+          <a:fontRef idx="minor">
+            <a:schemeClr val="tx1"/>
+          </a:fontRef>
+        </p:style>
+      </p:cxnSp>
+      <p:sp>
+        <p:nvSpPr>
+          <p:cNvPr id="9" name="Rectangle 8">
+            <a:extLst>
+              <a:ext uri="{FF2B5EF4-FFF2-40B4-BE49-F238E27FC236}">
+                <a16:creationId xmlns:a16="http://schemas.microsoft.com/office/drawing/2014/main" id="{6F6A0182-66EF-C61B-3769-2B58CC066C4F}"/>
+              </a:ext>
+            </a:extLst>
+          </p:cNvPr>
+          <p:cNvSpPr/>
           <p:nvPr/>
         </p:nvSpPr>
         <p:spPr>
           <a:xfrm>
-            <a:off x="1361440" y="3037840"/>
-            <a:ext cx="3332480" cy="1200329"/>
+            <a:off x="2231076" y="2844787"/>
+            <a:ext cx="7880684" cy="923330"/>
           </a:xfrm>
           <a:prstGeom prst="rect">
             <a:avLst/>
@@ -5882,122 +9446,15 @@
           <a:noFill/>
         </p:spPr>
         <p:txBody>
-          <a:bodyPr wrap="square" rtlCol="0">
-            <a:spAutoFit/>
-          </a:bodyPr>
-          <a:lstStyle/>
-          <a:p>
-            <a:r>
-              <a:rPr lang="en-US" dirty="0"/>
-              <a:t>Presented By:</a:t>
-            </a:r>
-          </a:p>
-          <a:p>
-            <a:r>
-              <a:rPr lang="en-US" dirty="0"/>
-              <a:t>Md Nowsad </a:t>
-            </a:r>
-            <a:r>
-              <a:rPr lang="en-US" dirty="0" err="1"/>
-              <a:t>Hossen</a:t>
-            </a:r>
-            <a:r>
-              <a:rPr lang="en-US" dirty="0"/>
-              <a:t> Munna</a:t>
-            </a:r>
-          </a:p>
-          <a:p>
-            <a:r>
-              <a:rPr lang="en-US" dirty="0"/>
-              <a:t>BSSE – 1407</a:t>
-            </a:r>
-          </a:p>
-          <a:p>
-            <a:r>
-              <a:rPr lang="en-US" dirty="0"/>
-              <a:t>Session: 2021-22</a:t>
-            </a:r>
-          </a:p>
-        </p:txBody>
-      </p:sp>
-      <p:sp>
-        <p:nvSpPr>
-          <p:cNvPr id="19" name="TextBox 18">
-            <a:extLst>
-              <a:ext uri="{FF2B5EF4-FFF2-40B4-BE49-F238E27FC236}">
-                <a16:creationId xmlns:a16="http://schemas.microsoft.com/office/drawing/2014/main" id="{E827A66D-3B0E-8132-61EA-8243DCB7DC28}"/>
-              </a:ext>
-            </a:extLst>
-          </p:cNvPr>
-          <p:cNvSpPr txBox="1"/>
-          <p:nvPr/>
-        </p:nvSpPr>
-        <p:spPr>
-          <a:xfrm>
-            <a:off x="6096000" y="4691848"/>
-            <a:ext cx="4236720" cy="1200329"/>
-          </a:xfrm>
-          <a:prstGeom prst="rect">
-            <a:avLst/>
-          </a:prstGeom>
-          <a:noFill/>
-        </p:spPr>
-        <p:txBody>
-          <a:bodyPr wrap="square" rtlCol="0">
-            <a:spAutoFit/>
-          </a:bodyPr>
-          <a:lstStyle/>
-          <a:p>
-            <a:r>
-              <a:rPr lang="en-US" dirty="0"/>
-              <a:t>Supervised By:</a:t>
-            </a:r>
-          </a:p>
-          <a:p>
-            <a:r>
-              <a:rPr lang="en-US" dirty="0"/>
-              <a:t>Dr. Muhammed Shafiul Alam khan</a:t>
-            </a:r>
-          </a:p>
-          <a:p>
-            <a:r>
-              <a:rPr lang="en-US" dirty="0"/>
-              <a:t>Professor</a:t>
-            </a:r>
-          </a:p>
-          <a:p>
-            <a:r>
-              <a:rPr lang="en-US" dirty="0"/>
-              <a:t>IIT, University of Dhaka</a:t>
-            </a:r>
-          </a:p>
-        </p:txBody>
-      </p:sp>
-      <p:sp>
-        <p:nvSpPr>
-          <p:cNvPr id="2" name="Rectangle 1">
-            <a:extLst>
-              <a:ext uri="{FF2B5EF4-FFF2-40B4-BE49-F238E27FC236}">
-                <a16:creationId xmlns:a16="http://schemas.microsoft.com/office/drawing/2014/main" id="{08E259FA-90AC-E829-77E9-701F4A2494F4}"/>
-              </a:ext>
-            </a:extLst>
-          </p:cNvPr>
-          <p:cNvSpPr/>
-          <p:nvPr/>
-        </p:nvSpPr>
-        <p:spPr>
-          <a:xfrm>
-            <a:off x="2108986" y="42493"/>
-            <a:ext cx="7544822" cy="923330"/>
-          </a:xfrm>
-          <a:prstGeom prst="rect">
-            <a:avLst/>
-          </a:prstGeom>
-          <a:noFill/>
-        </p:spPr>
-        <p:txBody>
           <a:bodyPr wrap="none" lIns="91440" tIns="45720" rIns="91440" bIns="45720">
             <a:spAutoFit/>
+            <a:scene3d>
+              <a:camera prst="orthographicFront"/>
+              <a:lightRig rig="threePt" dir="t"/>
+            </a:scene3d>
+            <a:sp3d extrusionH="57150">
+              <a:bevelT w="38100" h="38100" prst="relaxedInset"/>
+            </a:sp3d>
           </a:bodyPr>
           <a:lstStyle/>
           <a:p>
@@ -6013,7 +9470,362 @@
                   <a:prstDash val="solid"/>
                 </a:ln>
                 <a:solidFill>
-                  <a:schemeClr val="accent3"/>
+                  <a:schemeClr val="accent5">
+                    <a:lumMod val="75000"/>
+                  </a:schemeClr>
+                </a:solidFill>
+                <a:effectLst>
+                  <a:outerShdw dist="38100" dir="2640000" algn="bl" rotWithShape="0">
+                    <a:schemeClr val="tx2">
+                      <a:lumMod val="75000"/>
+                    </a:schemeClr>
+                  </a:outerShdw>
+                </a:effectLst>
+              </a:rPr>
+              <a:t>Software Project Lab -1</a:t>
+            </a:r>
+            <a:endParaRPr lang="en-US" sz="5400" b="1" cap="none" spc="0" dirty="0">
+              <a:ln w="12700">
+                <a:solidFill>
+                  <a:schemeClr val="tx2">
+                    <a:lumMod val="75000"/>
+                  </a:schemeClr>
+                </a:solidFill>
+                <a:prstDash val="solid"/>
+              </a:ln>
+              <a:solidFill>
+                <a:schemeClr val="accent5">
+                  <a:lumMod val="75000"/>
+                </a:schemeClr>
+              </a:solidFill>
+              <a:effectLst>
+                <a:outerShdw dist="38100" dir="2640000" algn="bl" rotWithShape="0">
+                  <a:schemeClr val="tx2">
+                    <a:lumMod val="75000"/>
+                  </a:schemeClr>
+                </a:outerShdw>
+              </a:effectLst>
+            </a:endParaRPr>
+          </a:p>
+        </p:txBody>
+      </p:sp>
+      <p:sp>
+        <p:nvSpPr>
+          <p:cNvPr id="13" name="Slide Number Placeholder 12">
+            <a:extLst>
+              <a:ext uri="{FF2B5EF4-FFF2-40B4-BE49-F238E27FC236}">
+                <a16:creationId xmlns:a16="http://schemas.microsoft.com/office/drawing/2014/main" id="{2FBB7257-B834-62E2-B85D-D2AA8EA9FC8D}"/>
+              </a:ext>
+            </a:extLst>
+          </p:cNvPr>
+          <p:cNvSpPr>
+            <a:spLocks noGrp="1"/>
+          </p:cNvSpPr>
+          <p:nvPr>
+            <p:ph type="sldNum" sz="quarter" idx="12"/>
+          </p:nvPr>
+        </p:nvSpPr>
+        <p:spPr/>
+        <p:txBody>
+          <a:bodyPr/>
+          <a:lstStyle/>
+          <a:p>
+            <a:fld id="{702D6640-3B58-4065-AB72-F0CFC69DBC35}" type="slidenum">
+              <a:rPr lang="en-US" smtClean="0"/>
+              <a:t>1</a:t>
+            </a:fld>
+            <a:endParaRPr lang="en-US"/>
+          </a:p>
+        </p:txBody>
+      </p:sp>
+    </p:spTree>
+    <p:extLst>
+      <p:ext uri="{BB962C8B-B14F-4D97-AF65-F5344CB8AC3E}">
+        <p14:creationId xmlns:p14="http://schemas.microsoft.com/office/powerpoint/2010/main" val="4034756901"/>
+      </p:ext>
+    </p:extLst>
+  </p:cSld>
+  <p:clrMapOvr>
+    <a:masterClrMapping/>
+  </p:clrMapOvr>
+</p:sld>
+</file>
+
+<file path=ppt/slides/slide10.xml><?xml version="1.0" encoding="utf-8"?>
+<p:sld xmlns:a="http://schemas.openxmlformats.org/drawingml/2006/main" xmlns:r="http://schemas.openxmlformats.org/officeDocument/2006/relationships" xmlns:p="http://schemas.openxmlformats.org/presentationml/2006/main">
+  <p:cSld>
+    <p:spTree>
+      <p:nvGrpSpPr>
+        <p:cNvPr id="1" name=""/>
+        <p:cNvGrpSpPr/>
+        <p:nvPr/>
+      </p:nvGrpSpPr>
+      <p:grpSpPr>
+        <a:xfrm>
+          <a:off x="0" y="0"/>
+          <a:ext cx="0" cy="0"/>
+          <a:chOff x="0" y="0"/>
+          <a:chExt cx="0" cy="0"/>
+        </a:xfrm>
+      </p:grpSpPr>
+      <p:sp>
+        <p:nvSpPr>
+          <p:cNvPr id="2" name="TextBox 1">
+            <a:extLst>
+              <a:ext uri="{FF2B5EF4-FFF2-40B4-BE49-F238E27FC236}">
+                <a16:creationId xmlns:a16="http://schemas.microsoft.com/office/drawing/2014/main" id="{E1D91509-CEDA-C92D-2C83-1BAF1EFEB6DB}"/>
+              </a:ext>
+            </a:extLst>
+          </p:cNvPr>
+          <p:cNvSpPr txBox="1"/>
+          <p:nvPr/>
+        </p:nvSpPr>
+        <p:spPr>
+          <a:xfrm>
+            <a:off x="4632960" y="2753360"/>
+            <a:ext cx="4226560" cy="769441"/>
+          </a:xfrm>
+          <a:prstGeom prst="rect">
+            <a:avLst/>
+          </a:prstGeom>
+          <a:noFill/>
+        </p:spPr>
+        <p:txBody>
+          <a:bodyPr wrap="square" rtlCol="0">
+            <a:spAutoFit/>
+          </a:bodyPr>
+          <a:lstStyle/>
+          <a:p>
+            <a:r>
+              <a:rPr lang="en-US" sz="4400" dirty="0"/>
+              <a:t>Thank You</a:t>
+            </a:r>
+          </a:p>
+        </p:txBody>
+      </p:sp>
+      <p:sp>
+        <p:nvSpPr>
+          <p:cNvPr id="5" name="Slide Number Placeholder 4">
+            <a:extLst>
+              <a:ext uri="{FF2B5EF4-FFF2-40B4-BE49-F238E27FC236}">
+                <a16:creationId xmlns:a16="http://schemas.microsoft.com/office/drawing/2014/main" id="{AB0ED7B3-17E9-220A-8F46-5D5C5679543F}"/>
+              </a:ext>
+            </a:extLst>
+          </p:cNvPr>
+          <p:cNvSpPr>
+            <a:spLocks noGrp="1"/>
+          </p:cNvSpPr>
+          <p:nvPr>
+            <p:ph type="sldNum" sz="quarter" idx="12"/>
+          </p:nvPr>
+        </p:nvSpPr>
+        <p:spPr/>
+        <p:txBody>
+          <a:bodyPr/>
+          <a:lstStyle/>
+          <a:p>
+            <a:fld id="{702D6640-3B58-4065-AB72-F0CFC69DBC35}" type="slidenum">
+              <a:rPr lang="en-US" smtClean="0"/>
+              <a:t>10</a:t>
+            </a:fld>
+            <a:endParaRPr lang="en-US"/>
+          </a:p>
+        </p:txBody>
+      </p:sp>
+    </p:spTree>
+    <p:extLst>
+      <p:ext uri="{BB962C8B-B14F-4D97-AF65-F5344CB8AC3E}">
+        <p14:creationId xmlns:p14="http://schemas.microsoft.com/office/powerpoint/2010/main" val="2085160935"/>
+      </p:ext>
+    </p:extLst>
+  </p:cSld>
+  <p:clrMapOvr>
+    <a:masterClrMapping/>
+  </p:clrMapOvr>
+</p:sld>
+</file>
+
+<file path=ppt/slides/slide2.xml><?xml version="1.0" encoding="utf-8"?>
+<p:sld xmlns:a="http://schemas.openxmlformats.org/drawingml/2006/main" xmlns:r="http://schemas.openxmlformats.org/officeDocument/2006/relationships" xmlns:p="http://schemas.openxmlformats.org/presentationml/2006/main">
+  <p:cSld>
+    <p:spTree>
+      <p:nvGrpSpPr>
+        <p:cNvPr id="1" name=""/>
+        <p:cNvGrpSpPr/>
+        <p:nvPr/>
+      </p:nvGrpSpPr>
+      <p:grpSpPr>
+        <a:xfrm>
+          <a:off x="0" y="0"/>
+          <a:ext cx="0" cy="0"/>
+          <a:chOff x="0" y="0"/>
+          <a:chExt cx="0" cy="0"/>
+        </a:xfrm>
+      </p:grpSpPr>
+      <p:sp>
+        <p:nvSpPr>
+          <p:cNvPr id="18" name="TextBox 17">
+            <a:extLst>
+              <a:ext uri="{FF2B5EF4-FFF2-40B4-BE49-F238E27FC236}">
+                <a16:creationId xmlns:a16="http://schemas.microsoft.com/office/drawing/2014/main" id="{C9E0C566-130F-761A-03D5-773A1582E3A4}"/>
+              </a:ext>
+            </a:extLst>
+          </p:cNvPr>
+          <p:cNvSpPr txBox="1"/>
+          <p:nvPr/>
+        </p:nvSpPr>
+        <p:spPr>
+          <a:xfrm>
+            <a:off x="1361440" y="3037840"/>
+            <a:ext cx="3332480" cy="1323439"/>
+          </a:xfrm>
+          <a:prstGeom prst="rect">
+            <a:avLst/>
+          </a:prstGeom>
+          <a:noFill/>
+        </p:spPr>
+        <p:txBody>
+          <a:bodyPr wrap="square" rtlCol="0">
+            <a:spAutoFit/>
+          </a:bodyPr>
+          <a:lstStyle/>
+          <a:p>
+            <a:r>
+              <a:rPr lang="en-US" sz="2000" dirty="0"/>
+              <a:t>Presented By:</a:t>
+            </a:r>
+          </a:p>
+          <a:p>
+            <a:r>
+              <a:rPr lang="en-US" sz="2000" dirty="0"/>
+              <a:t>Md Nowsad </a:t>
+            </a:r>
+            <a:r>
+              <a:rPr lang="en-US" sz="2000" dirty="0" err="1"/>
+              <a:t>Hossen</a:t>
+            </a:r>
+            <a:r>
+              <a:rPr lang="en-US" sz="2000" dirty="0"/>
+              <a:t> Munna</a:t>
+            </a:r>
+          </a:p>
+          <a:p>
+            <a:r>
+              <a:rPr lang="en-US" sz="2000" dirty="0"/>
+              <a:t>BSSE – 1407</a:t>
+            </a:r>
+          </a:p>
+          <a:p>
+            <a:r>
+              <a:rPr lang="en-US" sz="2000" dirty="0"/>
+              <a:t>Session: 2021-22</a:t>
+            </a:r>
+          </a:p>
+        </p:txBody>
+      </p:sp>
+      <p:sp>
+        <p:nvSpPr>
+          <p:cNvPr id="19" name="TextBox 18">
+            <a:extLst>
+              <a:ext uri="{FF2B5EF4-FFF2-40B4-BE49-F238E27FC236}">
+                <a16:creationId xmlns:a16="http://schemas.microsoft.com/office/drawing/2014/main" id="{E827A66D-3B0E-8132-61EA-8243DCB7DC28}"/>
+              </a:ext>
+            </a:extLst>
+          </p:cNvPr>
+          <p:cNvSpPr txBox="1"/>
+          <p:nvPr/>
+        </p:nvSpPr>
+        <p:spPr>
+          <a:xfrm>
+            <a:off x="6096000" y="4691848"/>
+            <a:ext cx="4236720" cy="1323439"/>
+          </a:xfrm>
+          <a:prstGeom prst="rect">
+            <a:avLst/>
+          </a:prstGeom>
+          <a:noFill/>
+        </p:spPr>
+        <p:txBody>
+          <a:bodyPr wrap="square" rtlCol="0">
+            <a:spAutoFit/>
+          </a:bodyPr>
+          <a:lstStyle/>
+          <a:p>
+            <a:r>
+              <a:rPr lang="en-US" sz="2000" dirty="0"/>
+              <a:t>Supervised By:</a:t>
+            </a:r>
+          </a:p>
+          <a:p>
+            <a:r>
+              <a:rPr lang="en-US" sz="2000" dirty="0"/>
+              <a:t>Dr. Muhammed Shafiul Alam khan</a:t>
+            </a:r>
+          </a:p>
+          <a:p>
+            <a:r>
+              <a:rPr lang="en-US" sz="2000" dirty="0"/>
+              <a:t>Professor</a:t>
+            </a:r>
+          </a:p>
+          <a:p>
+            <a:r>
+              <a:rPr lang="en-US" sz="2000" dirty="0"/>
+              <a:t>IIT, University of Dhaka</a:t>
+            </a:r>
+          </a:p>
+        </p:txBody>
+      </p:sp>
+      <p:sp>
+        <p:nvSpPr>
+          <p:cNvPr id="2" name="Rectangle 1">
+            <a:extLst>
+              <a:ext uri="{FF2B5EF4-FFF2-40B4-BE49-F238E27FC236}">
+                <a16:creationId xmlns:a16="http://schemas.microsoft.com/office/drawing/2014/main" id="{08E259FA-90AC-E829-77E9-701F4A2494F4}"/>
+              </a:ext>
+            </a:extLst>
+          </p:cNvPr>
+          <p:cNvSpPr/>
+          <p:nvPr/>
+        </p:nvSpPr>
+        <p:spPr>
+          <a:xfrm>
+            <a:off x="2376271" y="42493"/>
+            <a:ext cx="7010252" cy="923330"/>
+          </a:xfrm>
+          <a:prstGeom prst="rect">
+            <a:avLst/>
+          </a:prstGeom>
+          <a:noFill/>
+        </p:spPr>
+        <p:txBody>
+          <a:bodyPr wrap="none" lIns="91440" tIns="45720" rIns="91440" bIns="45720">
+            <a:spAutoFit/>
+            <a:scene3d>
+              <a:camera prst="orthographicFront"/>
+              <a:lightRig rig="threePt" dir="t"/>
+            </a:scene3d>
+            <a:sp3d extrusionH="57150">
+              <a:bevelT w="38100" h="38100" prst="relaxedInset"/>
+            </a:sp3d>
+          </a:bodyPr>
+          <a:lstStyle/>
+          <a:p>
+            <a:pPr algn="ctr"/>
+            <a:r>
+              <a:rPr lang="en-US" sz="5400" b="1" dirty="0">
+                <a:ln w="12700">
+                  <a:solidFill>
+                    <a:schemeClr val="tx2">
+                      <a:lumMod val="75000"/>
+                    </a:schemeClr>
+                  </a:solidFill>
+                  <a:prstDash val="solid"/>
+                </a:ln>
+                <a:solidFill>
+                  <a:schemeClr val="accent5">
+                    <a:lumMod val="75000"/>
+                  </a:schemeClr>
                 </a:solidFill>
                 <a:effectLst>
                   <a:outerShdw dist="38100" dir="2640000" algn="bl" rotWithShape="0">
@@ -6106,6 +9918,35 @@
           </a:p>
         </p:txBody>
       </p:sp>
+      <p:sp>
+        <p:nvSpPr>
+          <p:cNvPr id="8" name="Slide Number Placeholder 7">
+            <a:extLst>
+              <a:ext uri="{FF2B5EF4-FFF2-40B4-BE49-F238E27FC236}">
+                <a16:creationId xmlns:a16="http://schemas.microsoft.com/office/drawing/2014/main" id="{5309153A-A8D8-1374-856E-8EDFA843C8EA}"/>
+              </a:ext>
+            </a:extLst>
+          </p:cNvPr>
+          <p:cNvSpPr>
+            <a:spLocks noGrp="1"/>
+          </p:cNvSpPr>
+          <p:nvPr>
+            <p:ph type="sldNum" sz="quarter" idx="12"/>
+          </p:nvPr>
+        </p:nvSpPr>
+        <p:spPr/>
+        <p:txBody>
+          <a:bodyPr/>
+          <a:lstStyle/>
+          <a:p>
+            <a:fld id="{702D6640-3B58-4065-AB72-F0CFC69DBC35}" type="slidenum">
+              <a:rPr lang="en-US" smtClean="0"/>
+              <a:t>2</a:t>
+            </a:fld>
+            <a:endParaRPr lang="en-US"/>
+          </a:p>
+        </p:txBody>
+      </p:sp>
     </p:spTree>
     <p:extLst>
       <p:ext uri="{BB962C8B-B14F-4D97-AF65-F5344CB8AC3E}">
@@ -6122,7 +9963,7 @@
 </p:sld>
 </file>
 
-<file path=ppt/slides/slide2.xml><?xml version="1.0" encoding="utf-8"?>
+<file path=ppt/slides/slide3.xml><?xml version="1.0" encoding="utf-8"?>
 <p:sld xmlns:a="http://schemas.openxmlformats.org/drawingml/2006/main" xmlns:r="http://schemas.openxmlformats.org/officeDocument/2006/relationships" xmlns:p="http://schemas.openxmlformats.org/presentationml/2006/main">
   <p:cSld>
     <p:spTree>
@@ -6224,8 +10065,8 @@
         </p:nvSpPr>
         <p:spPr>
           <a:xfrm>
-            <a:off x="4362450" y="1732938"/>
-            <a:ext cx="4846320" cy="371452"/>
+            <a:off x="4362449" y="1732938"/>
+            <a:ext cx="6013191" cy="461665"/>
           </a:xfrm>
           <a:prstGeom prst="rect">
             <a:avLst/>
@@ -6239,7 +10080,7 @@
           <a:lstStyle/>
           <a:p>
             <a:r>
-              <a:rPr lang="en-US" dirty="0"/>
+              <a:rPr lang="en-US" sz="2400" dirty="0"/>
               <a:t>Finds derivative of a given equation</a:t>
             </a:r>
           </a:p>
@@ -6259,8 +10100,8 @@
         </p:nvSpPr>
         <p:spPr>
           <a:xfrm>
-            <a:off x="4362450" y="2338716"/>
-            <a:ext cx="4846320" cy="371452"/>
+            <a:off x="4362449" y="2338716"/>
+            <a:ext cx="6227795" cy="461665"/>
           </a:xfrm>
           <a:prstGeom prst="rect">
             <a:avLst/>
@@ -6274,7 +10115,7 @@
           <a:lstStyle/>
           <a:p>
             <a:r>
-              <a:rPr lang="en-US" dirty="0"/>
+              <a:rPr lang="en-US" sz="2400" dirty="0"/>
               <a:t>Shows steps how the calculation is done</a:t>
             </a:r>
           </a:p>
@@ -6294,8 +10135,8 @@
         </p:nvSpPr>
         <p:spPr>
           <a:xfrm>
-            <a:off x="4362450" y="2944494"/>
-            <a:ext cx="4846320" cy="371452"/>
+            <a:off x="4362449" y="2944494"/>
+            <a:ext cx="5714611" cy="461665"/>
           </a:xfrm>
           <a:prstGeom prst="rect">
             <a:avLst/>
@@ -6309,7 +10150,7 @@
           <a:lstStyle/>
           <a:p>
             <a:r>
-              <a:rPr lang="en-US" dirty="0"/>
+              <a:rPr lang="en-US" sz="2400" dirty="0"/>
               <a:t>Includes important derivative formulas</a:t>
             </a:r>
           </a:p>
@@ -6330,7 +10171,7 @@
         <p:spPr>
           <a:xfrm>
             <a:off x="4362450" y="3599808"/>
-            <a:ext cx="4846320" cy="371452"/>
+            <a:ext cx="4846320" cy="461665"/>
           </a:xfrm>
           <a:prstGeom prst="rect">
             <a:avLst/>
@@ -6344,7 +10185,7 @@
           <a:lstStyle/>
           <a:p>
             <a:r>
-              <a:rPr lang="en-US" dirty="0"/>
+              <a:rPr lang="en-US" sz="2400" dirty="0"/>
               <a:t>Save time and effort</a:t>
             </a:r>
           </a:p>
@@ -6381,7 +10222,7 @@
         </p:blipFill>
         <p:spPr>
           <a:xfrm>
-            <a:off x="3750996" y="1822400"/>
+            <a:off x="3775266" y="1870377"/>
             <a:ext cx="361847" cy="192528"/>
           </a:xfrm>
           <a:prstGeom prst="rect">
@@ -6420,7 +10261,7 @@
         </p:blipFill>
         <p:spPr>
           <a:xfrm>
-            <a:off x="3749090" y="3685203"/>
+            <a:off x="3749090" y="3734376"/>
             <a:ext cx="361847" cy="192528"/>
           </a:xfrm>
           <a:prstGeom prst="rect">
@@ -6459,7 +10300,7 @@
         </p:blipFill>
         <p:spPr>
           <a:xfrm>
-            <a:off x="3749090" y="2428178"/>
+            <a:off x="3749090" y="2473284"/>
             <a:ext cx="361847" cy="192528"/>
           </a:xfrm>
           <a:prstGeom prst="rect">
@@ -6498,7 +10339,7 @@
         </p:blipFill>
         <p:spPr>
           <a:xfrm>
-            <a:off x="3749090" y="3033956"/>
+            <a:off x="3749090" y="3075293"/>
             <a:ext cx="361847" cy="192528"/>
           </a:xfrm>
           <a:prstGeom prst="rect">
@@ -6506,6 +10347,35 @@
           </a:prstGeom>
         </p:spPr>
       </p:pic>
+      <p:sp>
+        <p:nvSpPr>
+          <p:cNvPr id="8" name="Slide Number Placeholder 7">
+            <a:extLst>
+              <a:ext uri="{FF2B5EF4-FFF2-40B4-BE49-F238E27FC236}">
+                <a16:creationId xmlns:a16="http://schemas.microsoft.com/office/drawing/2014/main" id="{CF876DC2-1FE8-8901-2D06-F8A80CB26A44}"/>
+              </a:ext>
+            </a:extLst>
+          </p:cNvPr>
+          <p:cNvSpPr>
+            <a:spLocks noGrp="1"/>
+          </p:cNvSpPr>
+          <p:nvPr>
+            <p:ph type="sldNum" sz="quarter" idx="12"/>
+          </p:nvPr>
+        </p:nvSpPr>
+        <p:spPr/>
+        <p:txBody>
+          <a:bodyPr/>
+          <a:lstStyle/>
+          <a:p>
+            <a:fld id="{702D6640-3B58-4065-AB72-F0CFC69DBC35}" type="slidenum">
+              <a:rPr lang="en-US" smtClean="0"/>
+              <a:t>3</a:t>
+            </a:fld>
+            <a:endParaRPr lang="en-US"/>
+          </a:p>
+        </p:txBody>
+      </p:sp>
     </p:spTree>
     <p:extLst>
       <p:ext uri="{BB962C8B-B14F-4D97-AF65-F5344CB8AC3E}">
@@ -6519,7 +10389,7 @@
 </p:sld>
 </file>
 
-<file path=ppt/slides/slide3.xml><?xml version="1.0" encoding="utf-8"?>
+<file path=ppt/slides/slide4.xml><?xml version="1.0" encoding="utf-8"?>
 <p:sld xmlns:a="http://schemas.openxmlformats.org/drawingml/2006/main" xmlns:r="http://schemas.openxmlformats.org/officeDocument/2006/relationships" xmlns:p="http://schemas.openxmlformats.org/presentationml/2006/main">
   <p:cSld>
     <p:spTree>
@@ -6624,8 +10494,8 @@
         </p:nvSpPr>
         <p:spPr>
           <a:xfrm>
-            <a:off x="5056505" y="1796314"/>
-            <a:ext cx="3171190" cy="369332"/>
+            <a:off x="5056504" y="1796314"/>
+            <a:ext cx="4330091" cy="461665"/>
           </a:xfrm>
           <a:prstGeom prst="rect">
             <a:avLst/>
@@ -6639,7 +10509,7 @@
           <a:lstStyle/>
           <a:p>
             <a:r>
-              <a:rPr lang="en-US" dirty="0"/>
+              <a:rPr lang="en-US" sz="2400" dirty="0"/>
               <a:t>Serve as educational aids</a:t>
             </a:r>
           </a:p>
@@ -6659,8 +10529,8 @@
         </p:nvSpPr>
         <p:spPr>
           <a:xfrm>
-            <a:off x="5056505" y="2419849"/>
-            <a:ext cx="4171950" cy="383117"/>
+            <a:off x="5056504" y="2419849"/>
+            <a:ext cx="5151185" cy="461665"/>
           </a:xfrm>
           <a:prstGeom prst="rect">
             <a:avLst/>
@@ -6674,7 +10544,7 @@
           <a:lstStyle/>
           <a:p>
             <a:r>
-              <a:rPr lang="en-US" dirty="0"/>
+              <a:rPr lang="en-US" sz="2400" dirty="0"/>
               <a:t>Explore and understand the concept</a:t>
             </a:r>
           </a:p>
@@ -6695,7 +10565,7 @@
         <p:spPr>
           <a:xfrm>
             <a:off x="5056505" y="3057169"/>
-            <a:ext cx="4171950" cy="383117"/>
+            <a:ext cx="5906964" cy="461665"/>
           </a:xfrm>
           <a:prstGeom prst="rect">
             <a:avLst/>
@@ -6709,7 +10579,7 @@
           <a:lstStyle/>
           <a:p>
             <a:r>
-              <a:rPr lang="en-US" dirty="0"/>
+              <a:rPr lang="en-US" sz="2400" dirty="0"/>
               <a:t>Enable learner to verify their work</a:t>
             </a:r>
           </a:p>
@@ -6730,7 +10600,7 @@
         <p:spPr>
           <a:xfrm>
             <a:off x="5056505" y="3624152"/>
-            <a:ext cx="4171950" cy="383117"/>
+            <a:ext cx="4171950" cy="461665"/>
           </a:xfrm>
           <a:prstGeom prst="rect">
             <a:avLst/>
@@ -6744,7 +10614,7 @@
           <a:lstStyle/>
           <a:p>
             <a:r>
-              <a:rPr lang="en-US" dirty="0"/>
+              <a:rPr lang="en-US" sz="2400" dirty="0"/>
               <a:t>Easy solving technique</a:t>
             </a:r>
           </a:p>
@@ -6765,7 +10635,7 @@
         <p:spPr>
           <a:xfrm>
             <a:off x="5056505" y="4191135"/>
-            <a:ext cx="4171950" cy="383117"/>
+            <a:ext cx="4171950" cy="461665"/>
           </a:xfrm>
           <a:prstGeom prst="rect">
             <a:avLst/>
@@ -6779,7 +10649,7 @@
           <a:lstStyle/>
           <a:p>
             <a:r>
-              <a:rPr lang="en-US" dirty="0"/>
+              <a:rPr lang="en-US" sz="2400" dirty="0"/>
               <a:t>Accuracy of calculations</a:t>
             </a:r>
           </a:p>
@@ -6816,7 +10686,7 @@
         </p:blipFill>
         <p:spPr>
           <a:xfrm>
-            <a:off x="4361283" y="1872490"/>
+            <a:off x="4360063" y="1930882"/>
             <a:ext cx="361847" cy="192528"/>
           </a:xfrm>
           <a:prstGeom prst="rect">
@@ -6855,7 +10725,7 @@
         </p:blipFill>
         <p:spPr>
           <a:xfrm>
-            <a:off x="4360063" y="2515143"/>
+            <a:off x="4360063" y="2554417"/>
             <a:ext cx="361847" cy="192528"/>
           </a:xfrm>
           <a:prstGeom prst="rect">
@@ -6894,7 +10764,7 @@
         </p:blipFill>
         <p:spPr>
           <a:xfrm>
-            <a:off x="4360064" y="3164788"/>
+            <a:off x="4360062" y="3191737"/>
             <a:ext cx="361847" cy="192528"/>
           </a:xfrm>
           <a:prstGeom prst="rect">
@@ -6933,7 +10803,7 @@
         </p:blipFill>
         <p:spPr>
           <a:xfrm>
-            <a:off x="4360064" y="3719446"/>
+            <a:off x="4360061" y="3758720"/>
             <a:ext cx="361847" cy="192528"/>
           </a:xfrm>
           <a:prstGeom prst="rect">
@@ -6972,7 +10842,7 @@
         </p:blipFill>
         <p:spPr>
           <a:xfrm>
-            <a:off x="4360064" y="4280708"/>
+            <a:off x="4360061" y="4325703"/>
             <a:ext cx="361847" cy="192528"/>
           </a:xfrm>
           <a:prstGeom prst="rect">
@@ -6980,6 +10850,35 @@
           </a:prstGeom>
         </p:spPr>
       </p:pic>
+      <p:sp>
+        <p:nvSpPr>
+          <p:cNvPr id="5" name="Slide Number Placeholder 4">
+            <a:extLst>
+              <a:ext uri="{FF2B5EF4-FFF2-40B4-BE49-F238E27FC236}">
+                <a16:creationId xmlns:a16="http://schemas.microsoft.com/office/drawing/2014/main" id="{2A6F7CFE-EEA5-DECD-46D3-A4AF0B3D7207}"/>
+              </a:ext>
+            </a:extLst>
+          </p:cNvPr>
+          <p:cNvSpPr>
+            <a:spLocks noGrp="1"/>
+          </p:cNvSpPr>
+          <p:nvPr>
+            <p:ph type="sldNum" sz="quarter" idx="12"/>
+          </p:nvPr>
+        </p:nvSpPr>
+        <p:spPr/>
+        <p:txBody>
+          <a:bodyPr/>
+          <a:lstStyle/>
+          <a:p>
+            <a:fld id="{702D6640-3B58-4065-AB72-F0CFC69DBC35}" type="slidenum">
+              <a:rPr lang="en-US" smtClean="0"/>
+              <a:t>4</a:t>
+            </a:fld>
+            <a:endParaRPr lang="en-US"/>
+          </a:p>
+        </p:txBody>
+      </p:sp>
     </p:spTree>
     <p:extLst>
       <p:ext uri="{BB962C8B-B14F-4D97-AF65-F5344CB8AC3E}">
@@ -6993,7 +10892,7 @@
 </p:sld>
 </file>
 
-<file path=ppt/slides/slide4.xml><?xml version="1.0" encoding="utf-8"?>
+<file path=ppt/slides/slide5.xml><?xml version="1.0" encoding="utf-8"?>
 <p:sld xmlns:a="http://schemas.openxmlformats.org/drawingml/2006/main" xmlns:r="http://schemas.openxmlformats.org/officeDocument/2006/relationships" xmlns:p="http://schemas.openxmlformats.org/presentationml/2006/main">
   <p:cSld>
     <p:spTree>
@@ -7024,8 +10923,8 @@
         </p:nvSpPr>
         <p:spPr>
           <a:xfrm>
-            <a:off x="4048125" y="1648321"/>
-            <a:ext cx="2047875" cy="400110"/>
+            <a:off x="4048125" y="1609507"/>
+            <a:ext cx="2837867" cy="461665"/>
           </a:xfrm>
           <a:prstGeom prst="rect">
             <a:avLst/>
@@ -7039,7 +10938,7 @@
           <a:lstStyle/>
           <a:p>
             <a:r>
-              <a:rPr lang="en-US" sz="2000" b="1" dirty="0"/>
+              <a:rPr lang="en-US" sz="2400" b="1" dirty="0"/>
               <a:t>Function Type</a:t>
             </a:r>
           </a:p>
@@ -7104,7 +11003,7 @@
         <p:spPr>
           <a:xfrm>
             <a:off x="5743374" y="2150736"/>
-            <a:ext cx="2319338" cy="369332"/>
+            <a:ext cx="2319338" cy="400110"/>
           </a:xfrm>
           <a:prstGeom prst="rect">
             <a:avLst/>
@@ -7118,7 +11017,7 @@
           <a:lstStyle/>
           <a:p>
             <a:r>
-              <a:rPr lang="en-US" dirty="0"/>
+              <a:rPr lang="en-US" sz="2000" dirty="0"/>
               <a:t>1. Algebraic</a:t>
             </a:r>
           </a:p>
@@ -7139,7 +11038,7 @@
         <p:spPr>
           <a:xfrm>
             <a:off x="5743374" y="2627279"/>
-            <a:ext cx="2319338" cy="369332"/>
+            <a:ext cx="2319338" cy="400110"/>
           </a:xfrm>
           <a:prstGeom prst="rect">
             <a:avLst/>
@@ -7153,7 +11052,7 @@
           <a:lstStyle/>
           <a:p>
             <a:r>
-              <a:rPr lang="en-US" dirty="0"/>
+              <a:rPr lang="en-US" sz="2000" dirty="0"/>
               <a:t>2. Trigonometric</a:t>
             </a:r>
           </a:p>
@@ -7174,7 +11073,7 @@
         <p:spPr>
           <a:xfrm>
             <a:off x="5700870" y="3124789"/>
-            <a:ext cx="2319338" cy="369332"/>
+            <a:ext cx="2319338" cy="400110"/>
           </a:xfrm>
           <a:prstGeom prst="rect">
             <a:avLst/>
@@ -7188,7 +11087,7 @@
           <a:lstStyle/>
           <a:p>
             <a:r>
-              <a:rPr lang="en-US" dirty="0"/>
+              <a:rPr lang="en-US" sz="2000" dirty="0"/>
               <a:t>3. Ln function</a:t>
             </a:r>
           </a:p>
@@ -7209,7 +11108,7 @@
         <p:spPr>
           <a:xfrm>
             <a:off x="5735287" y="3661379"/>
-            <a:ext cx="2319338" cy="369332"/>
+            <a:ext cx="2319338" cy="400110"/>
           </a:xfrm>
           <a:prstGeom prst="rect">
             <a:avLst/>
@@ -7223,7 +11122,7 @@
           <a:lstStyle/>
           <a:p>
             <a:r>
-              <a:rPr lang="en-US" dirty="0"/>
+              <a:rPr lang="en-US" sz="2000" dirty="0"/>
               <a:t>4. Square root</a:t>
             </a:r>
           </a:p>
@@ -7244,7 +11143,7 @@
         <p:spPr>
           <a:xfrm>
             <a:off x="5743374" y="4147112"/>
-            <a:ext cx="2319338" cy="369332"/>
+            <a:ext cx="2319338" cy="400110"/>
           </a:xfrm>
           <a:prstGeom prst="rect">
             <a:avLst/>
@@ -7258,7 +11157,7 @@
           <a:lstStyle/>
           <a:p>
             <a:r>
-              <a:rPr lang="en-US" dirty="0"/>
+              <a:rPr lang="en-US" sz="2000" dirty="0"/>
               <a:t>5. Exponential</a:t>
             </a:r>
           </a:p>
@@ -7294,7 +11193,7 @@
           <a:p>
             <a:r>
               <a:rPr lang="en-US" sz="3200" b="1" dirty="0"/>
-              <a:t>Features</a:t>
+              <a:t>Scope</a:t>
             </a:r>
           </a:p>
         </p:txBody>
@@ -7409,6 +11308,35 @@
           </a:p>
         </p:txBody>
       </p:sp>
+      <p:sp>
+        <p:nvSpPr>
+          <p:cNvPr id="6" name="Slide Number Placeholder 5">
+            <a:extLst>
+              <a:ext uri="{FF2B5EF4-FFF2-40B4-BE49-F238E27FC236}">
+                <a16:creationId xmlns:a16="http://schemas.microsoft.com/office/drawing/2014/main" id="{6043E430-E62F-42A7-C221-1FDD2B12DF75}"/>
+              </a:ext>
+            </a:extLst>
+          </p:cNvPr>
+          <p:cNvSpPr>
+            <a:spLocks noGrp="1"/>
+          </p:cNvSpPr>
+          <p:nvPr>
+            <p:ph type="sldNum" sz="quarter" idx="12"/>
+          </p:nvPr>
+        </p:nvSpPr>
+        <p:spPr/>
+        <p:txBody>
+          <a:bodyPr/>
+          <a:lstStyle/>
+          <a:p>
+            <a:fld id="{702D6640-3B58-4065-AB72-F0CFC69DBC35}" type="slidenum">
+              <a:rPr lang="en-US" smtClean="0"/>
+              <a:t>5</a:t>
+            </a:fld>
+            <a:endParaRPr lang="en-US"/>
+          </a:p>
+        </p:txBody>
+      </p:sp>
     </p:spTree>
     <p:extLst>
       <p:ext uri="{BB962C8B-B14F-4D97-AF65-F5344CB8AC3E}">
@@ -7422,7 +11350,7 @@
 </p:sld>
 </file>
 
-<file path=ppt/slides/slide5.xml><?xml version="1.0" encoding="utf-8"?>
+<file path=ppt/slides/slide6.xml><?xml version="1.0" encoding="utf-8"?>
 <p:sld xmlns:a="http://schemas.openxmlformats.org/drawingml/2006/main" xmlns:r="http://schemas.openxmlformats.org/officeDocument/2006/relationships" xmlns:p="http://schemas.openxmlformats.org/presentationml/2006/main">
   <p:cSld>
     <p:spTree>
@@ -7525,7 +11453,7 @@
         <p:spPr>
           <a:xfrm>
             <a:off x="4632960" y="1993897"/>
-            <a:ext cx="2661920" cy="369332"/>
+            <a:ext cx="2661920" cy="400110"/>
           </a:xfrm>
           <a:prstGeom prst="rect">
             <a:avLst/>
@@ -7539,7 +11467,7 @@
           <a:lstStyle/>
           <a:p>
             <a:r>
-              <a:rPr lang="en-US" dirty="0"/>
+              <a:rPr lang="en-US" sz="2000" dirty="0"/>
               <a:t>Differential Rules</a:t>
             </a:r>
           </a:p>
@@ -7560,7 +11488,7 @@
         <p:spPr>
           <a:xfrm>
             <a:off x="4632960" y="2692834"/>
-            <a:ext cx="2661920" cy="369332"/>
+            <a:ext cx="2661920" cy="400110"/>
           </a:xfrm>
           <a:prstGeom prst="rect">
             <a:avLst/>
@@ -7574,7 +11502,7 @@
           <a:lstStyle/>
           <a:p>
             <a:r>
-              <a:rPr lang="en-US" dirty="0"/>
+              <a:rPr lang="en-US" sz="2000" dirty="0"/>
               <a:t>String Manipulations</a:t>
             </a:r>
           </a:p>
@@ -7594,8 +11522,8 @@
         </p:nvSpPr>
         <p:spPr>
           <a:xfrm>
-            <a:off x="4632960" y="3391772"/>
-            <a:ext cx="3281680" cy="369320"/>
+            <a:off x="4673920" y="3403821"/>
+            <a:ext cx="3281680" cy="400110"/>
           </a:xfrm>
           <a:prstGeom prst="rect">
             <a:avLst/>
@@ -7609,7 +11537,7 @@
           <a:lstStyle/>
           <a:p>
             <a:r>
-              <a:rPr lang="en-US" dirty="0"/>
+              <a:rPr lang="en-US" sz="2000" dirty="0"/>
               <a:t>Parsing and Tokenization</a:t>
             </a:r>
           </a:p>
@@ -7630,7 +11558,7 @@
         <p:spPr>
           <a:xfrm>
             <a:off x="4673920" y="4020826"/>
-            <a:ext cx="3281680" cy="369320"/>
+            <a:ext cx="3281680" cy="400110"/>
           </a:xfrm>
           <a:prstGeom prst="rect">
             <a:avLst/>
@@ -7644,7 +11572,7 @@
           <a:lstStyle/>
           <a:p>
             <a:r>
-              <a:rPr lang="en-US" dirty="0"/>
+              <a:rPr lang="en-US" sz="2000" dirty="0"/>
               <a:t>Caching</a:t>
             </a:r>
           </a:p>
@@ -7806,6 +11734,35 @@
           </a:prstGeom>
         </p:spPr>
       </p:pic>
+      <p:sp>
+        <p:nvSpPr>
+          <p:cNvPr id="5" name="Slide Number Placeholder 4">
+            <a:extLst>
+              <a:ext uri="{FF2B5EF4-FFF2-40B4-BE49-F238E27FC236}">
+                <a16:creationId xmlns:a16="http://schemas.microsoft.com/office/drawing/2014/main" id="{0B438DB3-CD3B-6C29-7B87-B9B427928D86}"/>
+              </a:ext>
+            </a:extLst>
+          </p:cNvPr>
+          <p:cNvSpPr>
+            <a:spLocks noGrp="1"/>
+          </p:cNvSpPr>
+          <p:nvPr>
+            <p:ph type="sldNum" sz="quarter" idx="12"/>
+          </p:nvPr>
+        </p:nvSpPr>
+        <p:spPr/>
+        <p:txBody>
+          <a:bodyPr/>
+          <a:lstStyle/>
+          <a:p>
+            <a:fld id="{702D6640-3B58-4065-AB72-F0CFC69DBC35}" type="slidenum">
+              <a:rPr lang="en-US" smtClean="0"/>
+              <a:t>6</a:t>
+            </a:fld>
+            <a:endParaRPr lang="en-US"/>
+          </a:p>
+        </p:txBody>
+      </p:sp>
     </p:spTree>
     <p:extLst>
       <p:ext uri="{BB962C8B-B14F-4D97-AF65-F5344CB8AC3E}">
@@ -7819,7 +11776,7 @@
 </p:sld>
 </file>
 
-<file path=ppt/slides/slide6.xml><?xml version="1.0" encoding="utf-8"?>
+<file path=ppt/slides/slide7.xml><?xml version="1.0" encoding="utf-8"?>
 <p:sld xmlns:a="http://schemas.openxmlformats.org/drawingml/2006/main" xmlns:r="http://schemas.openxmlformats.org/officeDocument/2006/relationships" xmlns:p="http://schemas.openxmlformats.org/presentationml/2006/main">
   <p:cSld>
     <p:spTree>
@@ -7909,365 +11866,61 @@
       </p:cxnSp>
       <p:sp>
         <p:nvSpPr>
-          <p:cNvPr id="8" name="TextBox 7">
+          <p:cNvPr id="5" name="Slide Number Placeholder 4">
             <a:extLst>
               <a:ext uri="{FF2B5EF4-FFF2-40B4-BE49-F238E27FC236}">
-                <a16:creationId xmlns:a16="http://schemas.microsoft.com/office/drawing/2014/main" id="{16AA4948-048C-AC74-B457-EE2A5CA83C3B}"/>
+                <a16:creationId xmlns:a16="http://schemas.microsoft.com/office/drawing/2014/main" id="{00BE4DC4-E25B-3B57-0E61-30C505CE993C}"/>
               </a:ext>
             </a:extLst>
           </p:cNvPr>
-          <p:cNvSpPr txBox="1"/>
-          <p:nvPr/>
-        </p:nvSpPr>
-        <p:spPr>
-          <a:xfrm>
-            <a:off x="4711959" y="1380931"/>
-            <a:ext cx="2967135" cy="523220"/>
-          </a:xfrm>
-          <a:prstGeom prst="rect">
-            <a:avLst/>
-          </a:prstGeom>
-          <a:noFill/>
-        </p:spPr>
-        <p:txBody>
-          <a:bodyPr wrap="square" rtlCol="0">
-            <a:spAutoFit/>
-          </a:bodyPr>
+          <p:cNvSpPr>
+            <a:spLocks noGrp="1"/>
+          </p:cNvSpPr>
+          <p:nvPr>
+            <p:ph type="sldNum" sz="quarter" idx="12"/>
+          </p:nvPr>
+        </p:nvSpPr>
+        <p:spPr/>
+        <p:txBody>
+          <a:bodyPr/>
           <a:lstStyle/>
           <a:p>
-            <a:pPr algn="ctr"/>
-            <a:r>
-              <a:rPr lang="en-US" sz="2800" dirty="0"/>
-              <a:t>Tokenization</a:t>
-            </a:r>
-          </a:p>
-        </p:txBody>
-      </p:sp>
-      <p:sp>
-        <p:nvSpPr>
-          <p:cNvPr id="10" name="TextBox 9">
+            <a:fld id="{702D6640-3B58-4065-AB72-F0CFC69DBC35}" type="slidenum">
+              <a:rPr lang="en-US" smtClean="0"/>
+              <a:t>7</a:t>
+            </a:fld>
+            <a:endParaRPr lang="en-US"/>
+          </a:p>
+        </p:txBody>
+      </p:sp>
+      <p:graphicFrame>
+        <p:nvGraphicFramePr>
+          <p:cNvPr id="3" name="Diagram 2">
             <a:extLst>
               <a:ext uri="{FF2B5EF4-FFF2-40B4-BE49-F238E27FC236}">
-                <a16:creationId xmlns:a16="http://schemas.microsoft.com/office/drawing/2014/main" id="{8BF8AE00-EE17-2554-DB76-2A952197D6DC}"/>
+                <a16:creationId xmlns:a16="http://schemas.microsoft.com/office/drawing/2014/main" id="{830B1A62-4624-9D52-9463-C9C560CEA124}"/>
               </a:ext>
             </a:extLst>
           </p:cNvPr>
-          <p:cNvSpPr txBox="1"/>
-          <p:nvPr/>
-        </p:nvSpPr>
-        <p:spPr>
-          <a:xfrm>
-            <a:off x="4631482" y="2482582"/>
-            <a:ext cx="2967135" cy="523220"/>
-          </a:xfrm>
-          <a:prstGeom prst="rect">
-            <a:avLst/>
-          </a:prstGeom>
-          <a:noFill/>
-        </p:spPr>
-        <p:txBody>
-          <a:bodyPr wrap="square" rtlCol="0">
-            <a:spAutoFit/>
-          </a:bodyPr>
-          <a:lstStyle/>
-          <a:p>
-            <a:pPr algn="ctr"/>
-            <a:r>
-              <a:rPr lang="en-US" sz="2800" dirty="0"/>
-              <a:t>Parsing</a:t>
-            </a:r>
-          </a:p>
-        </p:txBody>
-      </p:sp>
-      <p:sp>
-        <p:nvSpPr>
-          <p:cNvPr id="11" name="TextBox 10">
-            <a:extLst>
-              <a:ext uri="{FF2B5EF4-FFF2-40B4-BE49-F238E27FC236}">
-                <a16:creationId xmlns:a16="http://schemas.microsoft.com/office/drawing/2014/main" id="{63E5CB0C-F392-099C-E876-97A7F8A22621}"/>
-              </a:ext>
-            </a:extLst>
-          </p:cNvPr>
-          <p:cNvSpPr txBox="1"/>
-          <p:nvPr/>
-        </p:nvSpPr>
-        <p:spPr>
-          <a:xfrm>
-            <a:off x="3937606" y="3466396"/>
-            <a:ext cx="4469173" cy="584775"/>
-          </a:xfrm>
-          <a:prstGeom prst="rect">
-            <a:avLst/>
-          </a:prstGeom>
-          <a:noFill/>
-        </p:spPr>
-        <p:txBody>
-          <a:bodyPr wrap="square" rtlCol="0">
-            <a:spAutoFit/>
-          </a:bodyPr>
-          <a:lstStyle/>
-          <a:p>
-            <a:pPr algn="ctr"/>
-            <a:r>
-              <a:rPr lang="en-US" sz="3200" dirty="0"/>
-              <a:t>Derivative </a:t>
-            </a:r>
-            <a:r>
-              <a:rPr lang="en-US" sz="2800" dirty="0"/>
-              <a:t>Formulation</a:t>
-            </a:r>
-          </a:p>
-        </p:txBody>
-      </p:sp>
-      <p:sp>
-        <p:nvSpPr>
-          <p:cNvPr id="12" name="TextBox 11">
-            <a:extLst>
-              <a:ext uri="{FF2B5EF4-FFF2-40B4-BE49-F238E27FC236}">
-                <a16:creationId xmlns:a16="http://schemas.microsoft.com/office/drawing/2014/main" id="{8A0B88C0-9069-DA51-F70B-FA7DCFA0C535}"/>
-              </a:ext>
-            </a:extLst>
-          </p:cNvPr>
-          <p:cNvSpPr txBox="1"/>
-          <p:nvPr/>
-        </p:nvSpPr>
-        <p:spPr>
-          <a:xfrm>
-            <a:off x="4789127" y="4567737"/>
-            <a:ext cx="2967135" cy="523220"/>
-          </a:xfrm>
-          <a:prstGeom prst="rect">
-            <a:avLst/>
-          </a:prstGeom>
-          <a:noFill/>
-        </p:spPr>
-        <p:txBody>
-          <a:bodyPr wrap="square" rtlCol="0">
-            <a:spAutoFit/>
-          </a:bodyPr>
-          <a:lstStyle/>
-          <a:p>
-            <a:pPr algn="ctr"/>
-            <a:r>
-              <a:rPr lang="en-US" sz="2800" dirty="0" err="1"/>
-              <a:t>Calcualation</a:t>
-            </a:r>
-            <a:endParaRPr lang="en-US" sz="2800" dirty="0"/>
-          </a:p>
-        </p:txBody>
-      </p:sp>
-      <p:sp>
-        <p:nvSpPr>
-          <p:cNvPr id="13" name="TextBox 12">
-            <a:extLst>
-              <a:ext uri="{FF2B5EF4-FFF2-40B4-BE49-F238E27FC236}">
-                <a16:creationId xmlns:a16="http://schemas.microsoft.com/office/drawing/2014/main" id="{6FE70143-2081-5352-60EE-9B2431F531DE}"/>
-              </a:ext>
-            </a:extLst>
-          </p:cNvPr>
-          <p:cNvSpPr txBox="1"/>
-          <p:nvPr/>
-        </p:nvSpPr>
-        <p:spPr>
-          <a:xfrm>
-            <a:off x="4879132" y="5817156"/>
-            <a:ext cx="2967135" cy="523220"/>
-          </a:xfrm>
-          <a:prstGeom prst="rect">
-            <a:avLst/>
-          </a:prstGeom>
-          <a:noFill/>
-        </p:spPr>
-        <p:txBody>
-          <a:bodyPr wrap="square" rtlCol="0">
-            <a:spAutoFit/>
-          </a:bodyPr>
-          <a:lstStyle/>
-          <a:p>
-            <a:pPr algn="ctr"/>
-            <a:r>
-              <a:rPr lang="en-US" sz="2800" dirty="0"/>
-              <a:t>Shows Result</a:t>
-            </a:r>
-          </a:p>
-        </p:txBody>
-      </p:sp>
-      <p:cxnSp>
-        <p:nvCxnSpPr>
-          <p:cNvPr id="21" name="Straight Arrow Connector 20">
-            <a:extLst>
-              <a:ext uri="{FF2B5EF4-FFF2-40B4-BE49-F238E27FC236}">
-                <a16:creationId xmlns:a16="http://schemas.microsoft.com/office/drawing/2014/main" id="{41DF72FF-87B5-ABB6-4FE6-58851BC8E177}"/>
-              </a:ext>
-            </a:extLst>
-          </p:cNvPr>
-          <p:cNvCxnSpPr>
-            <a:cxnSpLocks/>
-          </p:cNvCxnSpPr>
-          <p:nvPr/>
-        </p:nvCxnSpPr>
-        <p:spPr>
-          <a:xfrm>
-            <a:off x="6172192" y="1904151"/>
-            <a:ext cx="0" cy="669730"/>
-          </a:xfrm>
-          <a:prstGeom prst="straightConnector1">
-            <a:avLst/>
-          </a:prstGeom>
-          <a:ln>
-            <a:solidFill>
-              <a:schemeClr val="bg1"/>
-            </a:solidFill>
-            <a:tailEnd type="triangle"/>
-          </a:ln>
-        </p:spPr>
-        <p:style>
-          <a:lnRef idx="3">
-            <a:schemeClr val="dk1"/>
-          </a:lnRef>
-          <a:fillRef idx="0">
-            <a:schemeClr val="dk1"/>
-          </a:fillRef>
-          <a:effectRef idx="2">
-            <a:schemeClr val="dk1"/>
-          </a:effectRef>
-          <a:fontRef idx="minor">
-            <a:schemeClr val="tx1"/>
-          </a:fontRef>
-        </p:style>
-      </p:cxnSp>
-      <p:cxnSp>
-        <p:nvCxnSpPr>
-          <p:cNvPr id="24" name="Straight Arrow Connector 23">
-            <a:extLst>
-              <a:ext uri="{FF2B5EF4-FFF2-40B4-BE49-F238E27FC236}">
-                <a16:creationId xmlns:a16="http://schemas.microsoft.com/office/drawing/2014/main" id="{5320053C-168B-9C19-2225-8AD9A5285D2A}"/>
-              </a:ext>
-            </a:extLst>
-          </p:cNvPr>
-          <p:cNvCxnSpPr>
-            <a:cxnSpLocks/>
-          </p:cNvCxnSpPr>
-          <p:nvPr/>
-        </p:nvCxnSpPr>
-        <p:spPr>
-          <a:xfrm>
-            <a:off x="6172184" y="2875701"/>
-            <a:ext cx="0" cy="669730"/>
-          </a:xfrm>
-          <a:prstGeom prst="straightConnector1">
-            <a:avLst/>
-          </a:prstGeom>
-          <a:ln>
-            <a:solidFill>
-              <a:schemeClr val="bg1"/>
-            </a:solidFill>
-            <a:tailEnd type="triangle"/>
-          </a:ln>
-        </p:spPr>
-        <p:style>
-          <a:lnRef idx="3">
-            <a:schemeClr val="dk1"/>
-          </a:lnRef>
-          <a:fillRef idx="0">
-            <a:schemeClr val="dk1"/>
-          </a:fillRef>
-          <a:effectRef idx="2">
-            <a:schemeClr val="dk1"/>
-          </a:effectRef>
-          <a:fontRef idx="minor">
-            <a:schemeClr val="tx1"/>
-          </a:fontRef>
-        </p:style>
-      </p:cxnSp>
-      <p:cxnSp>
-        <p:nvCxnSpPr>
-          <p:cNvPr id="25" name="Straight Arrow Connector 24">
-            <a:extLst>
-              <a:ext uri="{FF2B5EF4-FFF2-40B4-BE49-F238E27FC236}">
-                <a16:creationId xmlns:a16="http://schemas.microsoft.com/office/drawing/2014/main" id="{80D0A526-8D81-1E1B-FDCA-5E3BEC219FCE}"/>
-              </a:ext>
-            </a:extLst>
-          </p:cNvPr>
-          <p:cNvCxnSpPr>
-            <a:cxnSpLocks/>
-          </p:cNvCxnSpPr>
-          <p:nvPr/>
-        </p:nvCxnSpPr>
-        <p:spPr>
-          <a:xfrm>
-            <a:off x="6172184" y="4023963"/>
-            <a:ext cx="0" cy="669730"/>
-          </a:xfrm>
-          <a:prstGeom prst="straightConnector1">
-            <a:avLst/>
-          </a:prstGeom>
-          <a:ln>
-            <a:solidFill>
-              <a:schemeClr val="bg1"/>
-            </a:solidFill>
-            <a:tailEnd type="triangle"/>
-          </a:ln>
-        </p:spPr>
-        <p:style>
-          <a:lnRef idx="3">
-            <a:schemeClr val="dk1"/>
-          </a:lnRef>
-          <a:fillRef idx="0">
-            <a:schemeClr val="dk1"/>
-          </a:fillRef>
-          <a:effectRef idx="2">
-            <a:schemeClr val="dk1"/>
-          </a:effectRef>
-          <a:fontRef idx="minor">
-            <a:schemeClr val="tx1"/>
-          </a:fontRef>
-        </p:style>
-      </p:cxnSp>
-      <p:cxnSp>
-        <p:nvCxnSpPr>
-          <p:cNvPr id="26" name="Straight Arrow Connector 25">
-            <a:extLst>
-              <a:ext uri="{FF2B5EF4-FFF2-40B4-BE49-F238E27FC236}">
-                <a16:creationId xmlns:a16="http://schemas.microsoft.com/office/drawing/2014/main" id="{A5E8AA4D-D15B-59E0-083B-F1B48EBA2CCB}"/>
-              </a:ext>
-            </a:extLst>
-          </p:cNvPr>
-          <p:cNvCxnSpPr>
-            <a:cxnSpLocks/>
-          </p:cNvCxnSpPr>
-          <p:nvPr/>
-        </p:nvCxnSpPr>
-        <p:spPr>
-          <a:xfrm>
-            <a:off x="6172184" y="5147426"/>
-            <a:ext cx="0" cy="669730"/>
-          </a:xfrm>
-          <a:prstGeom prst="straightConnector1">
-            <a:avLst/>
-          </a:prstGeom>
-          <a:ln>
-            <a:solidFill>
-              <a:schemeClr val="bg1"/>
-            </a:solidFill>
-            <a:tailEnd type="triangle"/>
-          </a:ln>
-        </p:spPr>
-        <p:style>
-          <a:lnRef idx="3">
-            <a:schemeClr val="dk1"/>
-          </a:lnRef>
-          <a:fillRef idx="0">
-            <a:schemeClr val="dk1"/>
-          </a:fillRef>
-          <a:effectRef idx="2">
-            <a:schemeClr val="dk1"/>
-          </a:effectRef>
-          <a:fontRef idx="minor">
-            <a:schemeClr val="tx1"/>
-          </a:fontRef>
-        </p:style>
-      </p:cxnSp>
+          <p:cNvGraphicFramePr/>
+          <p:nvPr>
+            <p:extLst>
+              <p:ext uri="{D42A27DB-BD31-4B8C-83A1-F6EECF244321}">
+                <p14:modId xmlns:p14="http://schemas.microsoft.com/office/powerpoint/2010/main" val="2080524070"/>
+              </p:ext>
+            </p:extLst>
+          </p:nvPr>
+        </p:nvGraphicFramePr>
+        <p:xfrm>
+          <a:off x="2435225" y="1133561"/>
+          <a:ext cx="8128000" cy="5418667"/>
+        </p:xfrm>
+        <a:graphic>
+          <a:graphicData uri="http://schemas.openxmlformats.org/drawingml/2006/diagram">
+            <dgm:relIds xmlns:dgm="http://schemas.openxmlformats.org/drawingml/2006/diagram" xmlns:r="http://schemas.openxmlformats.org/officeDocument/2006/relationships" r:dm="rId2" r:lo="rId3" r:qs="rId4" r:cs="rId5"/>
+          </a:graphicData>
+        </a:graphic>
+      </p:graphicFrame>
     </p:spTree>
     <p:extLst>
       <p:ext uri="{BB962C8B-B14F-4D97-AF65-F5344CB8AC3E}">
@@ -8281,7 +11934,7 @@
 </p:sld>
 </file>
 
-<file path=ppt/slides/slide7.xml><?xml version="1.0" encoding="utf-8"?>
+<file path=ppt/slides/slide8.xml><?xml version="1.0" encoding="utf-8"?>
 <p:sld xmlns:a="http://schemas.openxmlformats.org/drawingml/2006/main" xmlns:r="http://schemas.openxmlformats.org/officeDocument/2006/relationships" xmlns:p="http://schemas.openxmlformats.org/presentationml/2006/main">
   <p:cSld>
     <p:spTree>
@@ -8523,7 +12176,7 @@
         </p:nvSpPr>
         <p:spPr>
           <a:xfrm>
-            <a:off x="3411855" y="4196081"/>
+            <a:off x="3411855" y="4205412"/>
             <a:ext cx="8493760" cy="400110"/>
           </a:xfrm>
           <a:prstGeom prst="rect">
@@ -8540,41 +12193,6 @@
             <a:r>
               <a:rPr lang="en-US" sz="2000" dirty="0"/>
               <a:t>Handling negative signs </a:t>
-            </a:r>
-          </a:p>
-        </p:txBody>
-      </p:sp>
-      <p:sp>
-        <p:nvSpPr>
-          <p:cNvPr id="18" name="TextBox 17">
-            <a:extLst>
-              <a:ext uri="{FF2B5EF4-FFF2-40B4-BE49-F238E27FC236}">
-                <a16:creationId xmlns:a16="http://schemas.microsoft.com/office/drawing/2014/main" id="{07E626E7-CC63-198E-2580-BBB4271ADCA9}"/>
-              </a:ext>
-            </a:extLst>
-          </p:cNvPr>
-          <p:cNvSpPr txBox="1"/>
-          <p:nvPr/>
-        </p:nvSpPr>
-        <p:spPr>
-          <a:xfrm>
-            <a:off x="3368675" y="4791648"/>
-            <a:ext cx="8493760" cy="400110"/>
-          </a:xfrm>
-          <a:prstGeom prst="rect">
-            <a:avLst/>
-          </a:prstGeom>
-          <a:noFill/>
-        </p:spPr>
-        <p:txBody>
-          <a:bodyPr wrap="square" rtlCol="0">
-            <a:spAutoFit/>
-          </a:bodyPr>
-          <a:lstStyle/>
-          <a:p>
-            <a:r>
-              <a:rPr lang="en-US" sz="2000" dirty="0"/>
-              <a:t>Finding a bug then correcting it </a:t>
             </a:r>
           </a:p>
         </p:txBody>
@@ -8813,42 +12431,12 @@
           </a:prstGeom>
         </p:spPr>
       </p:pic>
-    </p:spTree>
-    <p:extLst>
-      <p:ext uri="{BB962C8B-B14F-4D97-AF65-F5344CB8AC3E}">
-        <p14:creationId xmlns:p14="http://schemas.microsoft.com/office/powerpoint/2010/main" val="2865112005"/>
-      </p:ext>
-    </p:extLst>
-  </p:cSld>
-  <p:clrMapOvr>
-    <a:masterClrMapping/>
-  </p:clrMapOvr>
-</p:sld>
-</file>
-
-<file path=ppt/slides/slide8.xml><?xml version="1.0" encoding="utf-8"?>
-<p:sld xmlns:a="http://schemas.openxmlformats.org/drawingml/2006/main" xmlns:r="http://schemas.openxmlformats.org/officeDocument/2006/relationships" xmlns:p="http://schemas.openxmlformats.org/presentationml/2006/main">
-  <p:cSld>
-    <p:spTree>
-      <p:nvGrpSpPr>
-        <p:cNvPr id="1" name=""/>
-        <p:cNvGrpSpPr/>
-        <p:nvPr/>
-      </p:nvGrpSpPr>
-      <p:grpSpPr>
-        <a:xfrm>
-          <a:off x="0" y="0"/>
-          <a:ext cx="0" cy="0"/>
-          <a:chOff x="0" y="0"/>
-          <a:chExt cx="0" cy="0"/>
-        </a:xfrm>
-      </p:grpSpPr>
-      <p:sp>
-        <p:nvSpPr>
-          <p:cNvPr id="2" name="TextBox 1">
+      <p:sp>
+        <p:nvSpPr>
+          <p:cNvPr id="7" name="TextBox 6">
             <a:extLst>
               <a:ext uri="{FF2B5EF4-FFF2-40B4-BE49-F238E27FC236}">
-                <a16:creationId xmlns:a16="http://schemas.microsoft.com/office/drawing/2014/main" id="{CA3D54E2-EDC4-8E5B-6DD0-7238CCB79CF7}"/>
+                <a16:creationId xmlns:a16="http://schemas.microsoft.com/office/drawing/2014/main" id="{AFD6091C-1EFC-5405-1968-FF81F96573AA}"/>
               </a:ext>
             </a:extLst>
           </p:cNvPr>
@@ -8857,8 +12445,8 @@
         </p:nvSpPr>
         <p:spPr>
           <a:xfrm>
-            <a:off x="4124960" y="1198880"/>
-            <a:ext cx="5781040" cy="646331"/>
+            <a:off x="3411855" y="4791648"/>
+            <a:ext cx="8493760" cy="400110"/>
           </a:xfrm>
           <a:prstGeom prst="rect">
             <a:avLst/>
@@ -8872,51 +12460,45 @@
           <a:lstStyle/>
           <a:p>
             <a:r>
-              <a:rPr lang="en-US" sz="3600" dirty="0"/>
-              <a:t>Project Link: SPL-1</a:t>
-            </a:r>
-          </a:p>
-        </p:txBody>
-      </p:sp>
-      <p:sp>
-        <p:nvSpPr>
-          <p:cNvPr id="3" name="TextBox 2">
+              <a:rPr lang="en-US" sz="2000" dirty="0"/>
+              <a:t>Handling complex function </a:t>
+            </a:r>
+          </a:p>
+        </p:txBody>
+      </p:sp>
+      <p:sp>
+        <p:nvSpPr>
+          <p:cNvPr id="13" name="Slide Number Placeholder 12">
             <a:extLst>
               <a:ext uri="{FF2B5EF4-FFF2-40B4-BE49-F238E27FC236}">
-                <a16:creationId xmlns:a16="http://schemas.microsoft.com/office/drawing/2014/main" id="{E42C5600-8D27-4E93-60C8-35D43B7AD082}"/>
+                <a16:creationId xmlns:a16="http://schemas.microsoft.com/office/drawing/2014/main" id="{B62CE81A-DD92-C3E3-C35A-3B805A7486C9}"/>
               </a:ext>
             </a:extLst>
           </p:cNvPr>
-          <p:cNvSpPr txBox="1"/>
-          <p:nvPr/>
-        </p:nvSpPr>
-        <p:spPr>
-          <a:xfrm>
-            <a:off x="3291840" y="3429000"/>
-            <a:ext cx="6390640" cy="461665"/>
-          </a:xfrm>
-          <a:prstGeom prst="rect">
-            <a:avLst/>
-          </a:prstGeom>
-          <a:noFill/>
-        </p:spPr>
-        <p:txBody>
-          <a:bodyPr wrap="square" rtlCol="0">
-            <a:spAutoFit/>
-          </a:bodyPr>
+          <p:cNvSpPr>
+            <a:spLocks noGrp="1"/>
+          </p:cNvSpPr>
+          <p:nvPr>
+            <p:ph type="sldNum" sz="quarter" idx="12"/>
+          </p:nvPr>
+        </p:nvSpPr>
+        <p:spPr/>
+        <p:txBody>
+          <a:bodyPr/>
           <a:lstStyle/>
           <a:p>
-            <a:r>
-              <a:rPr lang="en-US" sz="2400" dirty="0"/>
-              <a:t>https://github.com/nowsadmunna/SPL-1</a:t>
-            </a:r>
+            <a:fld id="{702D6640-3B58-4065-AB72-F0CFC69DBC35}" type="slidenum">
+              <a:rPr lang="en-US" smtClean="0"/>
+              <a:t>8</a:t>
+            </a:fld>
+            <a:endParaRPr lang="en-US"/>
           </a:p>
         </p:txBody>
       </p:sp>
     </p:spTree>
     <p:extLst>
       <p:ext uri="{BB962C8B-B14F-4D97-AF65-F5344CB8AC3E}">
-        <p14:creationId xmlns:p14="http://schemas.microsoft.com/office/powerpoint/2010/main" val="3476699484"/>
+        <p14:creationId xmlns:p14="http://schemas.microsoft.com/office/powerpoint/2010/main" val="2865112005"/>
       </p:ext>
     </p:extLst>
   </p:cSld>
@@ -8948,7 +12530,7 @@
           <p:cNvPr id="2" name="TextBox 1">
             <a:extLst>
               <a:ext uri="{FF2B5EF4-FFF2-40B4-BE49-F238E27FC236}">
-                <a16:creationId xmlns:a16="http://schemas.microsoft.com/office/drawing/2014/main" id="{E1D91509-CEDA-C92D-2C83-1BAF1EFEB6DB}"/>
+                <a16:creationId xmlns:a16="http://schemas.microsoft.com/office/drawing/2014/main" id="{CA3D54E2-EDC4-8E5B-6DD0-7238CCB79CF7}"/>
               </a:ext>
             </a:extLst>
           </p:cNvPr>
@@ -8957,8 +12539,8 @@
         </p:nvSpPr>
         <p:spPr>
           <a:xfrm>
-            <a:off x="4632960" y="2753360"/>
-            <a:ext cx="4226560" cy="769441"/>
+            <a:off x="4124960" y="1198880"/>
+            <a:ext cx="5781040" cy="646331"/>
           </a:xfrm>
           <a:prstGeom prst="rect">
             <a:avLst/>
@@ -8972,16 +12554,80 @@
           <a:lstStyle/>
           <a:p>
             <a:r>
-              <a:rPr lang="en-US" sz="4400" dirty="0"/>
-              <a:t>Thank You</a:t>
-            </a:r>
+              <a:rPr lang="en-US" sz="3600" dirty="0"/>
+              <a:t>Project Link: SPL-1</a:t>
+            </a:r>
+          </a:p>
+        </p:txBody>
+      </p:sp>
+      <p:sp>
+        <p:nvSpPr>
+          <p:cNvPr id="3" name="TextBox 2">
+            <a:extLst>
+              <a:ext uri="{FF2B5EF4-FFF2-40B4-BE49-F238E27FC236}">
+                <a16:creationId xmlns:a16="http://schemas.microsoft.com/office/drawing/2014/main" id="{E42C5600-8D27-4E93-60C8-35D43B7AD082}"/>
+              </a:ext>
+            </a:extLst>
+          </p:cNvPr>
+          <p:cNvSpPr txBox="1"/>
+          <p:nvPr/>
+        </p:nvSpPr>
+        <p:spPr>
+          <a:xfrm>
+            <a:off x="3291840" y="3429000"/>
+            <a:ext cx="6390640" cy="461665"/>
+          </a:xfrm>
+          <a:prstGeom prst="rect">
+            <a:avLst/>
+          </a:prstGeom>
+          <a:noFill/>
+        </p:spPr>
+        <p:txBody>
+          <a:bodyPr wrap="square" rtlCol="0">
+            <a:spAutoFit/>
+          </a:bodyPr>
+          <a:lstStyle/>
+          <a:p>
+            <a:r>
+              <a:rPr lang="en-US" sz="2400" dirty="0"/>
+              <a:t>https://github.com/nowsadmunna/SPL-1</a:t>
+            </a:r>
+          </a:p>
+        </p:txBody>
+      </p:sp>
+      <p:sp>
+        <p:nvSpPr>
+          <p:cNvPr id="6" name="Slide Number Placeholder 5">
+            <a:extLst>
+              <a:ext uri="{FF2B5EF4-FFF2-40B4-BE49-F238E27FC236}">
+                <a16:creationId xmlns:a16="http://schemas.microsoft.com/office/drawing/2014/main" id="{093742AF-2034-9F4C-C9A4-55061526E3CB}"/>
+              </a:ext>
+            </a:extLst>
+          </p:cNvPr>
+          <p:cNvSpPr>
+            <a:spLocks noGrp="1"/>
+          </p:cNvSpPr>
+          <p:nvPr>
+            <p:ph type="sldNum" sz="quarter" idx="12"/>
+          </p:nvPr>
+        </p:nvSpPr>
+        <p:spPr/>
+        <p:txBody>
+          <a:bodyPr/>
+          <a:lstStyle/>
+          <a:p>
+            <a:fld id="{702D6640-3B58-4065-AB72-F0CFC69DBC35}" type="slidenum">
+              <a:rPr lang="en-US" smtClean="0"/>
+              <a:t>9</a:t>
+            </a:fld>
+            <a:endParaRPr lang="en-US"/>
           </a:p>
         </p:txBody>
       </p:sp>
     </p:spTree>
     <p:extLst>
       <p:ext uri="{BB962C8B-B14F-4D97-AF65-F5344CB8AC3E}">
-        <p14:creationId xmlns:p14="http://schemas.microsoft.com/office/powerpoint/2010/main" val="2085160935"/>
+        <p14:creationId xmlns:p14="http://schemas.microsoft.com/office/powerpoint/2010/main" val="3476699484"/>
       </p:ext>
     </p:extLst>
   </p:cSld>
@@ -9246,4 +12892,299 @@
     </a:ext>
   </a:extLst>
 </a:theme>
+</file>
+
+<file path=ppt/theme/theme2.xml><?xml version="1.0" encoding="utf-8"?>
+<a:theme xmlns:a="http://schemas.openxmlformats.org/drawingml/2006/main" name="Office Theme">
+  <a:themeElements>
+    <a:clrScheme name="Office">
+      <a:dk1>
+        <a:sysClr val="windowText" lastClr="000000"/>
+      </a:dk1>
+      <a:lt1>
+        <a:sysClr val="window" lastClr="FFFFFF"/>
+      </a:lt1>
+      <a:dk2>
+        <a:srgbClr val="44546A"/>
+      </a:dk2>
+      <a:lt2>
+        <a:srgbClr val="E7E6E6"/>
+      </a:lt2>
+      <a:accent1>
+        <a:srgbClr val="4472C4"/>
+      </a:accent1>
+      <a:accent2>
+        <a:srgbClr val="ED7D31"/>
+      </a:accent2>
+      <a:accent3>
+        <a:srgbClr val="A5A5A5"/>
+      </a:accent3>
+      <a:accent4>
+        <a:srgbClr val="FFC000"/>
+      </a:accent4>
+      <a:accent5>
+        <a:srgbClr val="5B9BD5"/>
+      </a:accent5>
+      <a:accent6>
+        <a:srgbClr val="70AD47"/>
+      </a:accent6>
+      <a:hlink>
+        <a:srgbClr val="0563C1"/>
+      </a:hlink>
+      <a:folHlink>
+        <a:srgbClr val="954F72"/>
+      </a:folHlink>
+    </a:clrScheme>
+    <a:fontScheme name="Office">
+      <a:majorFont>
+        <a:latin typeface="Calibri Light" panose="020F0302020204030204"/>
+        <a:ea typeface=""/>
+        <a:cs typeface=""/>
+        <a:font script="Jpan" typeface="游ゴシック Light"/>
+        <a:font script="Hang" typeface="맑은 고딕"/>
+        <a:font script="Hans" typeface="等线 Light"/>
+        <a:font script="Hant" typeface="新細明體"/>
+        <a:font script="Arab" typeface="Times New Roman"/>
+        <a:font script="Hebr" typeface="Times New Roman"/>
+        <a:font script="Thai" typeface="Angsana New"/>
+        <a:font script="Ethi" typeface="Nyala"/>
+        <a:font script="Beng" typeface="Vrinda"/>
+        <a:font script="Gujr" typeface="Shruti"/>
+        <a:font script="Khmr" typeface="MoolBoran"/>
+        <a:font script="Knda" typeface="Tunga"/>
+        <a:font script="Guru" typeface="Raavi"/>
+        <a:font script="Cans" typeface="Euphemia"/>
+        <a:font script="Cher" typeface="Plantagenet Cherokee"/>
+        <a:font script="Yiii" typeface="Microsoft Yi Baiti"/>
+        <a:font script="Tibt" typeface="Microsoft Himalaya"/>
+        <a:font script="Thaa" typeface="MV Boli"/>
+        <a:font script="Deva" typeface="Mangal"/>
+        <a:font script="Telu" typeface="Gautami"/>
+        <a:font script="Taml" typeface="Latha"/>
+        <a:font script="Syrc" typeface="Estrangelo Edessa"/>
+        <a:font script="Orya" typeface="Kalinga"/>
+        <a:font script="Mlym" typeface="Kartika"/>
+        <a:font script="Laoo" typeface="DokChampa"/>
+        <a:font script="Sinh" typeface="Iskoola Pota"/>
+        <a:font script="Mong" typeface="Mongolian Baiti"/>
+        <a:font script="Viet" typeface="Times New Roman"/>
+        <a:font script="Uigh" typeface="Microsoft Uighur"/>
+        <a:font script="Geor" typeface="Sylfaen"/>
+        <a:font script="Armn" typeface="Arial"/>
+        <a:font script="Bugi" typeface="Leelawadee UI"/>
+        <a:font script="Bopo" typeface="Microsoft JhengHei"/>
+        <a:font script="Java" typeface="Javanese Text"/>
+        <a:font script="Lisu" typeface="Segoe UI"/>
+        <a:font script="Mymr" typeface="Myanmar Text"/>
+        <a:font script="Nkoo" typeface="Ebrima"/>
+        <a:font script="Olck" typeface="Nirmala UI"/>
+        <a:font script="Osma" typeface="Ebrima"/>
+        <a:font script="Phag" typeface="Phagspa"/>
+        <a:font script="Syrn" typeface="Estrangelo Edessa"/>
+        <a:font script="Syrj" typeface="Estrangelo Edessa"/>
+        <a:font script="Syre" typeface="Estrangelo Edessa"/>
+        <a:font script="Sora" typeface="Nirmala UI"/>
+        <a:font script="Tale" typeface="Microsoft Tai Le"/>
+        <a:font script="Talu" typeface="Microsoft New Tai Lue"/>
+        <a:font script="Tfng" typeface="Ebrima"/>
+      </a:majorFont>
+      <a:minorFont>
+        <a:latin typeface="Calibri" panose="020F0502020204030204"/>
+        <a:ea typeface=""/>
+        <a:cs typeface=""/>
+        <a:font script="Jpan" typeface="游ゴシック"/>
+        <a:font script="Hang" typeface="맑은 고딕"/>
+        <a:font script="Hans" typeface="等线"/>
+        <a:font script="Hant" typeface="新細明體"/>
+        <a:font script="Arab" typeface="Arial"/>
+        <a:font script="Hebr" typeface="Arial"/>
+        <a:font script="Thai" typeface="Cordia New"/>
+        <a:font script="Ethi" typeface="Nyala"/>
+        <a:font script="Beng" typeface="Vrinda"/>
+        <a:font script="Gujr" typeface="Shruti"/>
+        <a:font script="Khmr" typeface="DaunPenh"/>
+        <a:font script="Knda" typeface="Tunga"/>
+        <a:font script="Guru" typeface="Raavi"/>
+        <a:font script="Cans" typeface="Euphemia"/>
+        <a:font script="Cher" typeface="Plantagenet Cherokee"/>
+        <a:font script="Yiii" typeface="Microsoft Yi Baiti"/>
+        <a:font script="Tibt" typeface="Microsoft Himalaya"/>
+        <a:font script="Thaa" typeface="MV Boli"/>
+        <a:font script="Deva" typeface="Mangal"/>
+        <a:font script="Telu" typeface="Gautami"/>
+        <a:font script="Taml" typeface="Latha"/>
+        <a:font script="Syrc" typeface="Estrangelo Edessa"/>
+        <a:font script="Orya" typeface="Kalinga"/>
+        <a:font script="Mlym" typeface="Kartika"/>
+        <a:font script="Laoo" typeface="DokChampa"/>
+        <a:font script="Sinh" typeface="Iskoola Pota"/>
+        <a:font script="Mong" typeface="Mongolian Baiti"/>
+        <a:font script="Viet" typeface="Arial"/>
+        <a:font script="Uigh" typeface="Microsoft Uighur"/>
+        <a:font script="Geor" typeface="Sylfaen"/>
+        <a:font script="Armn" typeface="Arial"/>
+        <a:font script="Bugi" typeface="Leelawadee UI"/>
+        <a:font script="Bopo" typeface="Microsoft JhengHei"/>
+        <a:font script="Java" typeface="Javanese Text"/>
+        <a:font script="Lisu" typeface="Segoe UI"/>
+        <a:font script="Mymr" typeface="Myanmar Text"/>
+        <a:font script="Nkoo" typeface="Ebrima"/>
+        <a:font script="Olck" typeface="Nirmala UI"/>
+        <a:font script="Osma" typeface="Ebrima"/>
+        <a:font script="Phag" typeface="Phagspa"/>
+        <a:font script="Syrn" typeface="Estrangelo Edessa"/>
+        <a:font script="Syrj" typeface="Estrangelo Edessa"/>
+        <a:font script="Syre" typeface="Estrangelo Edessa"/>
+        <a:font script="Sora" typeface="Nirmala UI"/>
+        <a:font script="Tale" typeface="Microsoft Tai Le"/>
+        <a:font script="Talu" typeface="Microsoft New Tai Lue"/>
+        <a:font script="Tfng" typeface="Ebrima"/>
+      </a:minorFont>
+    </a:fontScheme>
+    <a:fmtScheme name="Office">
+      <a:fillStyleLst>
+        <a:solidFill>
+          <a:schemeClr val="phClr"/>
+        </a:solidFill>
+        <a:gradFill rotWithShape="1">
+          <a:gsLst>
+            <a:gs pos="0">
+              <a:schemeClr val="phClr">
+                <a:lumMod val="110000"/>
+                <a:satMod val="105000"/>
+                <a:tint val="67000"/>
+              </a:schemeClr>
+            </a:gs>
+            <a:gs pos="50000">
+              <a:schemeClr val="phClr">
+                <a:lumMod val="105000"/>
+                <a:satMod val="103000"/>
+                <a:tint val="73000"/>
+              </a:schemeClr>
+            </a:gs>
+            <a:gs pos="100000">
+              <a:schemeClr val="phClr">
+                <a:lumMod val="105000"/>
+                <a:satMod val="109000"/>
+                <a:tint val="81000"/>
+              </a:schemeClr>
+            </a:gs>
+          </a:gsLst>
+          <a:lin ang="5400000" scaled="0"/>
+        </a:gradFill>
+        <a:gradFill rotWithShape="1">
+          <a:gsLst>
+            <a:gs pos="0">
+              <a:schemeClr val="phClr">
+                <a:satMod val="103000"/>
+                <a:lumMod val="102000"/>
+                <a:tint val="94000"/>
+              </a:schemeClr>
+            </a:gs>
+            <a:gs pos="50000">
+              <a:schemeClr val="phClr">
+                <a:satMod val="110000"/>
+                <a:lumMod val="100000"/>
+                <a:shade val="100000"/>
+              </a:schemeClr>
+            </a:gs>
+            <a:gs pos="100000">
+              <a:schemeClr val="phClr">
+                <a:lumMod val="99000"/>
+                <a:satMod val="120000"/>
+                <a:shade val="78000"/>
+              </a:schemeClr>
+            </a:gs>
+          </a:gsLst>
+          <a:lin ang="5400000" scaled="0"/>
+        </a:gradFill>
+      </a:fillStyleLst>
+      <a:lnStyleLst>
+        <a:ln w="6350" cap="flat" cmpd="sng" algn="ctr">
+          <a:solidFill>
+            <a:schemeClr val="phClr"/>
+          </a:solidFill>
+          <a:prstDash val="solid"/>
+          <a:miter lim="800000"/>
+        </a:ln>
+        <a:ln w="12700" cap="flat" cmpd="sng" algn="ctr">
+          <a:solidFill>
+            <a:schemeClr val="phClr"/>
+          </a:solidFill>
+          <a:prstDash val="solid"/>
+          <a:miter lim="800000"/>
+        </a:ln>
+        <a:ln w="19050" cap="flat" cmpd="sng" algn="ctr">
+          <a:solidFill>
+            <a:schemeClr val="phClr"/>
+          </a:solidFill>
+          <a:prstDash val="solid"/>
+          <a:miter lim="800000"/>
+        </a:ln>
+      </a:lnStyleLst>
+      <a:effectStyleLst>
+        <a:effectStyle>
+          <a:effectLst/>
+        </a:effectStyle>
+        <a:effectStyle>
+          <a:effectLst/>
+        </a:effectStyle>
+        <a:effectStyle>
+          <a:effectLst>
+            <a:outerShdw blurRad="57150" dist="19050" dir="5400000" algn="ctr" rotWithShape="0">
+              <a:srgbClr val="000000">
+                <a:alpha val="63000"/>
+              </a:srgbClr>
+            </a:outerShdw>
+          </a:effectLst>
+        </a:effectStyle>
+      </a:effectStyleLst>
+      <a:bgFillStyleLst>
+        <a:solidFill>
+          <a:schemeClr val="phClr"/>
+        </a:solidFill>
+        <a:solidFill>
+          <a:schemeClr val="phClr">
+            <a:tint val="95000"/>
+            <a:satMod val="170000"/>
+          </a:schemeClr>
+        </a:solidFill>
+        <a:gradFill rotWithShape="1">
+          <a:gsLst>
+            <a:gs pos="0">
+              <a:schemeClr val="phClr">
+                <a:tint val="93000"/>
+                <a:satMod val="150000"/>
+                <a:shade val="98000"/>
+                <a:lumMod val="102000"/>
+              </a:schemeClr>
+            </a:gs>
+            <a:gs pos="50000">
+              <a:schemeClr val="phClr">
+                <a:tint val="98000"/>
+                <a:satMod val="130000"/>
+                <a:shade val="90000"/>
+                <a:lumMod val="103000"/>
+              </a:schemeClr>
+            </a:gs>
+            <a:gs pos="100000">
+              <a:schemeClr val="phClr">
+                <a:shade val="63000"/>
+                <a:satMod val="120000"/>
+              </a:schemeClr>
+            </a:gs>
+          </a:gsLst>
+          <a:lin ang="5400000" scaled="0"/>
+        </a:gradFill>
+      </a:bgFillStyleLst>
+    </a:fmtScheme>
+  </a:themeElements>
+  <a:objectDefaults/>
+  <a:extraClrSchemeLst/>
+  <a:extLst>
+    <a:ext uri="{05A4C25C-085E-4340-85A3-A5531E510DB2}">
+      <thm15:themeFamily xmlns:thm15="http://schemas.microsoft.com/office/thememl/2012/main" name="Office Theme" id="{62F939B6-93AF-4DB8-9C6B-D6C7DFDC589F}" vid="{4A3C46E8-61CC-4603-A589-7422A47A8E4A}"/>
+    </a:ext>
+  </a:extLst>
+</a:theme>
 </file>